--- a/Day-1_BasicCloud.pptx
+++ b/Day-1_BasicCloud.pptx
@@ -16,6 +16,12 @@
     <p:sldId id="265" r:id="rId10"/>
     <p:sldId id="266" r:id="rId11"/>
     <p:sldId id="264" r:id="rId12"/>
+    <p:sldId id="267" r:id="rId13"/>
+    <p:sldId id="268" r:id="rId14"/>
+    <p:sldId id="269" r:id="rId15"/>
+    <p:sldId id="270" r:id="rId16"/>
+    <p:sldId id="271" r:id="rId17"/>
+    <p:sldId id="272" r:id="rId18"/>
   </p:sldIdLst>
   <p:sldSz cx="12192000" cy="6858000"/>
   <p:notesSz cx="6858000" cy="9144000"/>
@@ -114,6 +120,11 @@
       </a:defRPr>
     </a:lvl9pPr>
   </p:defaultTextStyle>
+  <p:extLst>
+    <p:ext uri="{EFAFB233-063F-42B5-8137-9DF3F51BA10A}">
+      <p15:sldGuideLst xmlns:p15="http://schemas.microsoft.com/office/powerpoint/2012/main"/>
+    </p:ext>
+  </p:extLst>
 </p:presentation>
 </file>
 
@@ -264,7 +275,7 @@
           <a:p>
             <a:fld id="{0A415406-B414-49DF-AF31-CBB160274B15}" type="datetimeFigureOut">
               <a:rPr lang="en-US" smtClean="0"/>
-              <a:t>1/18/2021</a:t>
+              <a:t>1/20/2021</a:t>
             </a:fld>
             <a:endParaRPr lang="en-US"/>
           </a:p>
@@ -462,7 +473,7 @@
           <a:p>
             <a:fld id="{0A415406-B414-49DF-AF31-CBB160274B15}" type="datetimeFigureOut">
               <a:rPr lang="en-US" smtClean="0"/>
-              <a:t>1/18/2021</a:t>
+              <a:t>1/20/2021</a:t>
             </a:fld>
             <a:endParaRPr lang="en-US"/>
           </a:p>
@@ -670,7 +681,7 @@
           <a:p>
             <a:fld id="{0A415406-B414-49DF-AF31-CBB160274B15}" type="datetimeFigureOut">
               <a:rPr lang="en-US" smtClean="0"/>
-              <a:t>1/18/2021</a:t>
+              <a:t>1/20/2021</a:t>
             </a:fld>
             <a:endParaRPr lang="en-US"/>
           </a:p>
@@ -868,7 +879,7 @@
           <a:p>
             <a:fld id="{0A415406-B414-49DF-AF31-CBB160274B15}" type="datetimeFigureOut">
               <a:rPr lang="en-US" smtClean="0"/>
-              <a:t>1/18/2021</a:t>
+              <a:t>1/20/2021</a:t>
             </a:fld>
             <a:endParaRPr lang="en-US"/>
           </a:p>
@@ -1143,7 +1154,7 @@
           <a:p>
             <a:fld id="{0A415406-B414-49DF-AF31-CBB160274B15}" type="datetimeFigureOut">
               <a:rPr lang="en-US" smtClean="0"/>
-              <a:t>1/18/2021</a:t>
+              <a:t>1/20/2021</a:t>
             </a:fld>
             <a:endParaRPr lang="en-US"/>
           </a:p>
@@ -1408,7 +1419,7 @@
           <a:p>
             <a:fld id="{0A415406-B414-49DF-AF31-CBB160274B15}" type="datetimeFigureOut">
               <a:rPr lang="en-US" smtClean="0"/>
-              <a:t>1/18/2021</a:t>
+              <a:t>1/20/2021</a:t>
             </a:fld>
             <a:endParaRPr lang="en-US"/>
           </a:p>
@@ -1820,7 +1831,7 @@
           <a:p>
             <a:fld id="{0A415406-B414-49DF-AF31-CBB160274B15}" type="datetimeFigureOut">
               <a:rPr lang="en-US" smtClean="0"/>
-              <a:t>1/18/2021</a:t>
+              <a:t>1/20/2021</a:t>
             </a:fld>
             <a:endParaRPr lang="en-US"/>
           </a:p>
@@ -1961,7 +1972,7 @@
           <a:p>
             <a:fld id="{0A415406-B414-49DF-AF31-CBB160274B15}" type="datetimeFigureOut">
               <a:rPr lang="en-US" smtClean="0"/>
-              <a:t>1/18/2021</a:t>
+              <a:t>1/20/2021</a:t>
             </a:fld>
             <a:endParaRPr lang="en-US"/>
           </a:p>
@@ -2074,7 +2085,7 @@
           <a:p>
             <a:fld id="{0A415406-B414-49DF-AF31-CBB160274B15}" type="datetimeFigureOut">
               <a:rPr lang="en-US" smtClean="0"/>
-              <a:t>1/18/2021</a:t>
+              <a:t>1/20/2021</a:t>
             </a:fld>
             <a:endParaRPr lang="en-US"/>
           </a:p>
@@ -2385,7 +2396,7 @@
           <a:p>
             <a:fld id="{0A415406-B414-49DF-AF31-CBB160274B15}" type="datetimeFigureOut">
               <a:rPr lang="en-US" smtClean="0"/>
-              <a:t>1/18/2021</a:t>
+              <a:t>1/20/2021</a:t>
             </a:fld>
             <a:endParaRPr lang="en-US"/>
           </a:p>
@@ -2673,7 +2684,7 @@
           <a:p>
             <a:fld id="{0A415406-B414-49DF-AF31-CBB160274B15}" type="datetimeFigureOut">
               <a:rPr lang="en-US" smtClean="0"/>
-              <a:t>1/18/2021</a:t>
+              <a:t>1/20/2021</a:t>
             </a:fld>
             <a:endParaRPr lang="en-US"/>
           </a:p>
@@ -2914,7 +2925,7 @@
           <a:p>
             <a:fld id="{0A415406-B414-49DF-AF31-CBB160274B15}" type="datetimeFigureOut">
               <a:rPr lang="en-US" smtClean="0"/>
-              <a:t>1/18/2021</a:t>
+              <a:t>1/20/2021</a:t>
             </a:fld>
             <a:endParaRPr lang="en-US"/>
           </a:p>
@@ -5310,6 +5321,2444 @@
     <p:extLst>
       <p:ext uri="{BB962C8B-B14F-4D97-AF65-F5344CB8AC3E}">
         <p14:creationId xmlns:p14="http://schemas.microsoft.com/office/powerpoint/2010/main" val="4190086759"/>
+      </p:ext>
+    </p:extLst>
+  </p:cSld>
+  <p:clrMapOvr>
+    <a:masterClrMapping/>
+  </p:clrMapOvr>
+</p:sld>
+</file>
+
+<file path=ppt/slides/slide12.xml><?xml version="1.0" encoding="utf-8"?>
+<p:sld xmlns:a="http://schemas.openxmlformats.org/drawingml/2006/main" xmlns:r="http://schemas.openxmlformats.org/officeDocument/2006/relationships" xmlns:p="http://schemas.openxmlformats.org/presentationml/2006/main">
+  <p:cSld>
+    <p:spTree>
+      <p:nvGrpSpPr>
+        <p:cNvPr id="1" name=""/>
+        <p:cNvGrpSpPr/>
+        <p:nvPr/>
+      </p:nvGrpSpPr>
+      <p:grpSpPr>
+        <a:xfrm>
+          <a:off x="0" y="0"/>
+          <a:ext cx="0" cy="0"/>
+          <a:chOff x="0" y="0"/>
+          <a:chExt cx="0" cy="0"/>
+        </a:xfrm>
+      </p:grpSpPr>
+      <p:sp>
+        <p:nvSpPr>
+          <p:cNvPr id="4" name="Rectangle 3">
+            <a:extLst>
+              <a:ext uri="{FF2B5EF4-FFF2-40B4-BE49-F238E27FC236}">
+                <a16:creationId xmlns:a16="http://schemas.microsoft.com/office/drawing/2014/main" id="{0030C785-9FF4-4041-AE06-F779C4F3713A}"/>
+              </a:ext>
+            </a:extLst>
+          </p:cNvPr>
+          <p:cNvSpPr/>
+          <p:nvPr/>
+        </p:nvSpPr>
+        <p:spPr>
+          <a:xfrm>
+            <a:off x="2253673" y="2170545"/>
+            <a:ext cx="2623127" cy="775855"/>
+          </a:xfrm>
+          <a:prstGeom prst="rect">
+            <a:avLst/>
+          </a:prstGeom>
+        </p:spPr>
+        <p:style>
+          <a:lnRef idx="2">
+            <a:schemeClr val="accent1">
+              <a:shade val="50000"/>
+            </a:schemeClr>
+          </a:lnRef>
+          <a:fillRef idx="1">
+            <a:schemeClr val="accent1"/>
+          </a:fillRef>
+          <a:effectRef idx="0">
+            <a:schemeClr val="accent1"/>
+          </a:effectRef>
+          <a:fontRef idx="minor">
+            <a:schemeClr val="lt1"/>
+          </a:fontRef>
+        </p:style>
+        <p:txBody>
+          <a:bodyPr rtlCol="0" anchor="ctr"/>
+          <a:lstStyle/>
+          <a:p>
+            <a:pPr algn="ctr"/>
+            <a:r>
+              <a:rPr lang="en-US" dirty="0"/>
+              <a:t>Linux</a:t>
+            </a:r>
+          </a:p>
+        </p:txBody>
+      </p:sp>
+      <p:sp>
+        <p:nvSpPr>
+          <p:cNvPr id="5" name="Rectangle 4">
+            <a:extLst>
+              <a:ext uri="{FF2B5EF4-FFF2-40B4-BE49-F238E27FC236}">
+                <a16:creationId xmlns:a16="http://schemas.microsoft.com/office/drawing/2014/main" id="{7DF43CBD-B891-4E86-A300-3D84528ADFE7}"/>
+              </a:ext>
+            </a:extLst>
+          </p:cNvPr>
+          <p:cNvSpPr/>
+          <p:nvPr/>
+        </p:nvSpPr>
+        <p:spPr>
+          <a:xfrm>
+            <a:off x="6918036" y="2170544"/>
+            <a:ext cx="2623127" cy="775855"/>
+          </a:xfrm>
+          <a:prstGeom prst="rect">
+            <a:avLst/>
+          </a:prstGeom>
+        </p:spPr>
+        <p:style>
+          <a:lnRef idx="2">
+            <a:schemeClr val="accent1">
+              <a:shade val="50000"/>
+            </a:schemeClr>
+          </a:lnRef>
+          <a:fillRef idx="1">
+            <a:schemeClr val="accent1"/>
+          </a:fillRef>
+          <a:effectRef idx="0">
+            <a:schemeClr val="accent1"/>
+          </a:effectRef>
+          <a:fontRef idx="minor">
+            <a:schemeClr val="lt1"/>
+          </a:fontRef>
+        </p:style>
+        <p:txBody>
+          <a:bodyPr rtlCol="0" anchor="ctr"/>
+          <a:lstStyle/>
+          <a:p>
+            <a:pPr algn="ctr"/>
+            <a:r>
+              <a:rPr lang="en-US" dirty="0"/>
+              <a:t>Windows</a:t>
+            </a:r>
+          </a:p>
+        </p:txBody>
+      </p:sp>
+      <p:sp>
+        <p:nvSpPr>
+          <p:cNvPr id="8" name="Rectangle 7">
+            <a:extLst>
+              <a:ext uri="{FF2B5EF4-FFF2-40B4-BE49-F238E27FC236}">
+                <a16:creationId xmlns:a16="http://schemas.microsoft.com/office/drawing/2014/main" id="{298DC387-DFB1-4056-8A98-CAC685644C6F}"/>
+              </a:ext>
+            </a:extLst>
+          </p:cNvPr>
+          <p:cNvSpPr/>
+          <p:nvPr/>
+        </p:nvSpPr>
+        <p:spPr>
+          <a:xfrm>
+            <a:off x="4368800" y="4073236"/>
+            <a:ext cx="3214254" cy="581891"/>
+          </a:xfrm>
+          <a:prstGeom prst="rect">
+            <a:avLst/>
+          </a:prstGeom>
+        </p:spPr>
+        <p:style>
+          <a:lnRef idx="2">
+            <a:schemeClr val="accent1">
+              <a:shade val="50000"/>
+            </a:schemeClr>
+          </a:lnRef>
+          <a:fillRef idx="1">
+            <a:schemeClr val="accent1"/>
+          </a:fillRef>
+          <a:effectRef idx="0">
+            <a:schemeClr val="accent1"/>
+          </a:effectRef>
+          <a:fontRef idx="minor">
+            <a:schemeClr val="lt1"/>
+          </a:fontRef>
+        </p:style>
+        <p:txBody>
+          <a:bodyPr rtlCol="0" anchor="ctr"/>
+          <a:lstStyle/>
+          <a:p>
+            <a:pPr algn="ctr"/>
+            <a:r>
+              <a:rPr lang="en-US" dirty="0"/>
+              <a:t>ELB</a:t>
+            </a:r>
+          </a:p>
+        </p:txBody>
+      </p:sp>
+      <p:cxnSp>
+        <p:nvCxnSpPr>
+          <p:cNvPr id="10" name="Connector: Elbow 9">
+            <a:extLst>
+              <a:ext uri="{FF2B5EF4-FFF2-40B4-BE49-F238E27FC236}">
+                <a16:creationId xmlns:a16="http://schemas.microsoft.com/office/drawing/2014/main" id="{407AE9FD-190E-47C0-B94B-B5622DD3BA48}"/>
+              </a:ext>
+            </a:extLst>
+          </p:cNvPr>
+          <p:cNvCxnSpPr>
+            <a:cxnSpLocks/>
+            <a:stCxn id="8" idx="0"/>
+            <a:endCxn id="4" idx="2"/>
+          </p:cNvCxnSpPr>
+          <p:nvPr/>
+        </p:nvCxnSpPr>
+        <p:spPr>
+          <a:xfrm rot="16200000" flipV="1">
+            <a:off x="4207164" y="2304473"/>
+            <a:ext cx="1126836" cy="2410690"/>
+          </a:xfrm>
+          <a:prstGeom prst="bentConnector3">
+            <a:avLst/>
+          </a:prstGeom>
+          <a:ln>
+            <a:tailEnd type="triangle"/>
+          </a:ln>
+        </p:spPr>
+        <p:style>
+          <a:lnRef idx="1">
+            <a:schemeClr val="accent1"/>
+          </a:lnRef>
+          <a:fillRef idx="0">
+            <a:schemeClr val="accent1"/>
+          </a:fillRef>
+          <a:effectRef idx="0">
+            <a:schemeClr val="accent1"/>
+          </a:effectRef>
+          <a:fontRef idx="minor">
+            <a:schemeClr val="tx1"/>
+          </a:fontRef>
+        </p:style>
+      </p:cxnSp>
+      <p:cxnSp>
+        <p:nvCxnSpPr>
+          <p:cNvPr id="12" name="Connector: Elbow 11">
+            <a:extLst>
+              <a:ext uri="{FF2B5EF4-FFF2-40B4-BE49-F238E27FC236}">
+                <a16:creationId xmlns:a16="http://schemas.microsoft.com/office/drawing/2014/main" id="{5C71563F-0139-47DC-8E78-9061BC64D77F}"/>
+              </a:ext>
+            </a:extLst>
+          </p:cNvPr>
+          <p:cNvCxnSpPr>
+            <a:cxnSpLocks/>
+            <a:stCxn id="8" idx="0"/>
+            <a:endCxn id="5" idx="2"/>
+          </p:cNvCxnSpPr>
+          <p:nvPr/>
+        </p:nvCxnSpPr>
+        <p:spPr>
+          <a:xfrm rot="5400000" flipH="1" flipV="1">
+            <a:off x="6539345" y="2382982"/>
+            <a:ext cx="1126837" cy="2253673"/>
+          </a:xfrm>
+          <a:prstGeom prst="bentConnector3">
+            <a:avLst/>
+          </a:prstGeom>
+          <a:ln>
+            <a:tailEnd type="triangle"/>
+          </a:ln>
+        </p:spPr>
+        <p:style>
+          <a:lnRef idx="1">
+            <a:schemeClr val="accent1"/>
+          </a:lnRef>
+          <a:fillRef idx="0">
+            <a:schemeClr val="accent1"/>
+          </a:fillRef>
+          <a:effectRef idx="0">
+            <a:schemeClr val="accent1"/>
+          </a:effectRef>
+          <a:fontRef idx="minor">
+            <a:schemeClr val="tx1"/>
+          </a:fontRef>
+        </p:style>
+      </p:cxnSp>
+      <p:sp>
+        <p:nvSpPr>
+          <p:cNvPr id="13" name="Rectangle 12">
+            <a:extLst>
+              <a:ext uri="{FF2B5EF4-FFF2-40B4-BE49-F238E27FC236}">
+                <a16:creationId xmlns:a16="http://schemas.microsoft.com/office/drawing/2014/main" id="{EF01AF85-9AC9-442E-AC9B-8F462B27F209}"/>
+              </a:ext>
+            </a:extLst>
+          </p:cNvPr>
+          <p:cNvSpPr/>
+          <p:nvPr/>
+        </p:nvSpPr>
+        <p:spPr>
+          <a:xfrm>
+            <a:off x="3140364" y="2863273"/>
+            <a:ext cx="822036" cy="314036"/>
+          </a:xfrm>
+          <a:prstGeom prst="rect">
+            <a:avLst/>
+          </a:prstGeom>
+        </p:spPr>
+        <p:style>
+          <a:lnRef idx="2">
+            <a:schemeClr val="accent5">
+              <a:shade val="50000"/>
+            </a:schemeClr>
+          </a:lnRef>
+          <a:fillRef idx="1">
+            <a:schemeClr val="accent5"/>
+          </a:fillRef>
+          <a:effectRef idx="0">
+            <a:schemeClr val="accent5"/>
+          </a:effectRef>
+          <a:fontRef idx="minor">
+            <a:schemeClr val="lt1"/>
+          </a:fontRef>
+        </p:style>
+        <p:txBody>
+          <a:bodyPr rtlCol="0" anchor="ctr"/>
+          <a:lstStyle/>
+          <a:p>
+            <a:pPr algn="ctr"/>
+            <a:endParaRPr lang="en-US"/>
+          </a:p>
+        </p:txBody>
+      </p:sp>
+      <p:sp>
+        <p:nvSpPr>
+          <p:cNvPr id="14" name="Rectangle 13">
+            <a:extLst>
+              <a:ext uri="{FF2B5EF4-FFF2-40B4-BE49-F238E27FC236}">
+                <a16:creationId xmlns:a16="http://schemas.microsoft.com/office/drawing/2014/main" id="{E8043908-00F6-48AB-AB77-95B76194B9A2}"/>
+              </a:ext>
+            </a:extLst>
+          </p:cNvPr>
+          <p:cNvSpPr/>
+          <p:nvPr/>
+        </p:nvSpPr>
+        <p:spPr>
+          <a:xfrm>
+            <a:off x="7749310" y="2863273"/>
+            <a:ext cx="822036" cy="314036"/>
+          </a:xfrm>
+          <a:prstGeom prst="rect">
+            <a:avLst/>
+          </a:prstGeom>
+        </p:spPr>
+        <p:style>
+          <a:lnRef idx="2">
+            <a:schemeClr val="accent4">
+              <a:shade val="50000"/>
+            </a:schemeClr>
+          </a:lnRef>
+          <a:fillRef idx="1">
+            <a:schemeClr val="accent4"/>
+          </a:fillRef>
+          <a:effectRef idx="0">
+            <a:schemeClr val="accent4"/>
+          </a:effectRef>
+          <a:fontRef idx="minor">
+            <a:schemeClr val="lt1"/>
+          </a:fontRef>
+        </p:style>
+        <p:txBody>
+          <a:bodyPr rtlCol="0" anchor="ctr"/>
+          <a:lstStyle/>
+          <a:p>
+            <a:pPr algn="ctr"/>
+            <a:endParaRPr lang="en-US"/>
+          </a:p>
+        </p:txBody>
+      </p:sp>
+      <p:sp>
+        <p:nvSpPr>
+          <p:cNvPr id="17" name="TextBox 16">
+            <a:extLst>
+              <a:ext uri="{FF2B5EF4-FFF2-40B4-BE49-F238E27FC236}">
+                <a16:creationId xmlns:a16="http://schemas.microsoft.com/office/drawing/2014/main" id="{D8BED5F2-2BD5-4FCE-8E60-145554BC213A}"/>
+              </a:ext>
+            </a:extLst>
+          </p:cNvPr>
+          <p:cNvSpPr txBox="1"/>
+          <p:nvPr/>
+        </p:nvSpPr>
+        <p:spPr>
+          <a:xfrm>
+            <a:off x="4876800" y="5116945"/>
+            <a:ext cx="1847273" cy="369332"/>
+          </a:xfrm>
+          <a:prstGeom prst="rect">
+            <a:avLst/>
+          </a:prstGeom>
+          <a:noFill/>
+        </p:spPr>
+        <p:txBody>
+          <a:bodyPr wrap="square" rtlCol="0">
+            <a:spAutoFit/>
+          </a:bodyPr>
+          <a:lstStyle/>
+          <a:p>
+            <a:r>
+              <a:rPr lang="en-US" dirty="0"/>
+              <a:t>Elastic Ip Address</a:t>
+            </a:r>
+          </a:p>
+        </p:txBody>
+      </p:sp>
+      <p:sp>
+        <p:nvSpPr>
+          <p:cNvPr id="18" name="Speech Bubble: Rectangle 17">
+            <a:extLst>
+              <a:ext uri="{FF2B5EF4-FFF2-40B4-BE49-F238E27FC236}">
+                <a16:creationId xmlns:a16="http://schemas.microsoft.com/office/drawing/2014/main" id="{0B734A94-C366-4758-BE96-6292C92221F6}"/>
+              </a:ext>
+            </a:extLst>
+          </p:cNvPr>
+          <p:cNvSpPr/>
+          <p:nvPr/>
+        </p:nvSpPr>
+        <p:spPr>
+          <a:xfrm>
+            <a:off x="8571346" y="4073235"/>
+            <a:ext cx="2410690" cy="655783"/>
+          </a:xfrm>
+          <a:prstGeom prst="wedgeRectCallout">
+            <a:avLst>
+              <a:gd name="adj1" fmla="val -90948"/>
+              <a:gd name="adj2" fmla="val -12148"/>
+            </a:avLst>
+          </a:prstGeom>
+        </p:spPr>
+        <p:style>
+          <a:lnRef idx="2">
+            <a:schemeClr val="accent1">
+              <a:shade val="50000"/>
+            </a:schemeClr>
+          </a:lnRef>
+          <a:fillRef idx="1">
+            <a:schemeClr val="accent1"/>
+          </a:fillRef>
+          <a:effectRef idx="0">
+            <a:schemeClr val="accent1"/>
+          </a:effectRef>
+          <a:fontRef idx="minor">
+            <a:schemeClr val="lt1"/>
+          </a:fontRef>
+        </p:style>
+        <p:txBody>
+          <a:bodyPr rtlCol="0" anchor="ctr"/>
+          <a:lstStyle/>
+          <a:p>
+            <a:pPr algn="ctr"/>
+            <a:r>
+              <a:rPr lang="en-US" dirty="0"/>
+              <a:t>Health Monitoring</a:t>
+            </a:r>
+          </a:p>
+        </p:txBody>
+      </p:sp>
+    </p:spTree>
+    <p:extLst>
+      <p:ext uri="{BB962C8B-B14F-4D97-AF65-F5344CB8AC3E}">
+        <p14:creationId xmlns:p14="http://schemas.microsoft.com/office/powerpoint/2010/main" val="595318701"/>
+      </p:ext>
+    </p:extLst>
+  </p:cSld>
+  <p:clrMapOvr>
+    <a:masterClrMapping/>
+  </p:clrMapOvr>
+</p:sld>
+</file>
+
+<file path=ppt/slides/slide13.xml><?xml version="1.0" encoding="utf-8"?>
+<p:sld xmlns:a="http://schemas.openxmlformats.org/drawingml/2006/main" xmlns:r="http://schemas.openxmlformats.org/officeDocument/2006/relationships" xmlns:p="http://schemas.openxmlformats.org/presentationml/2006/main">
+  <p:cSld>
+    <p:spTree>
+      <p:nvGrpSpPr>
+        <p:cNvPr id="1" name=""/>
+        <p:cNvGrpSpPr/>
+        <p:nvPr/>
+      </p:nvGrpSpPr>
+      <p:grpSpPr>
+        <a:xfrm>
+          <a:off x="0" y="0"/>
+          <a:ext cx="0" cy="0"/>
+          <a:chOff x="0" y="0"/>
+          <a:chExt cx="0" cy="0"/>
+        </a:xfrm>
+      </p:grpSpPr>
+      <p:sp>
+        <p:nvSpPr>
+          <p:cNvPr id="4" name="Rectangle 3">
+            <a:extLst>
+              <a:ext uri="{FF2B5EF4-FFF2-40B4-BE49-F238E27FC236}">
+                <a16:creationId xmlns:a16="http://schemas.microsoft.com/office/drawing/2014/main" id="{03C18F0B-6BFF-447E-8264-E61C38191FF9}"/>
+              </a:ext>
+            </a:extLst>
+          </p:cNvPr>
+          <p:cNvSpPr/>
+          <p:nvPr/>
+        </p:nvSpPr>
+        <p:spPr>
+          <a:xfrm>
+            <a:off x="1274617" y="1376218"/>
+            <a:ext cx="2660073" cy="1366982"/>
+          </a:xfrm>
+          <a:prstGeom prst="rect">
+            <a:avLst/>
+          </a:prstGeom>
+        </p:spPr>
+        <p:style>
+          <a:lnRef idx="2">
+            <a:schemeClr val="accent1">
+              <a:shade val="50000"/>
+            </a:schemeClr>
+          </a:lnRef>
+          <a:fillRef idx="1">
+            <a:schemeClr val="accent1"/>
+          </a:fillRef>
+          <a:effectRef idx="0">
+            <a:schemeClr val="accent1"/>
+          </a:effectRef>
+          <a:fontRef idx="minor">
+            <a:schemeClr val="lt1"/>
+          </a:fontRef>
+        </p:style>
+        <p:txBody>
+          <a:bodyPr rtlCol="0" anchor="ctr"/>
+          <a:lstStyle/>
+          <a:p>
+            <a:pPr algn="ctr"/>
+            <a:endParaRPr lang="en-US"/>
+          </a:p>
+        </p:txBody>
+      </p:sp>
+      <p:sp>
+        <p:nvSpPr>
+          <p:cNvPr id="5" name="Rectangle 4">
+            <a:extLst>
+              <a:ext uri="{FF2B5EF4-FFF2-40B4-BE49-F238E27FC236}">
+                <a16:creationId xmlns:a16="http://schemas.microsoft.com/office/drawing/2014/main" id="{318A3727-6A86-4A36-9481-27FC4D1DACB2}"/>
+              </a:ext>
+            </a:extLst>
+          </p:cNvPr>
+          <p:cNvSpPr/>
+          <p:nvPr/>
+        </p:nvSpPr>
+        <p:spPr>
+          <a:xfrm>
+            <a:off x="4304144" y="1376218"/>
+            <a:ext cx="3315855" cy="1366982"/>
+          </a:xfrm>
+          <a:prstGeom prst="rect">
+            <a:avLst/>
+          </a:prstGeom>
+        </p:spPr>
+        <p:style>
+          <a:lnRef idx="2">
+            <a:schemeClr val="accent1">
+              <a:shade val="50000"/>
+            </a:schemeClr>
+          </a:lnRef>
+          <a:fillRef idx="1">
+            <a:schemeClr val="accent1"/>
+          </a:fillRef>
+          <a:effectRef idx="0">
+            <a:schemeClr val="accent1"/>
+          </a:effectRef>
+          <a:fontRef idx="minor">
+            <a:schemeClr val="lt1"/>
+          </a:fontRef>
+        </p:style>
+        <p:txBody>
+          <a:bodyPr rtlCol="0" anchor="ctr"/>
+          <a:lstStyle/>
+          <a:p>
+            <a:pPr algn="ctr"/>
+            <a:endParaRPr lang="en-US"/>
+          </a:p>
+        </p:txBody>
+      </p:sp>
+      <p:sp>
+        <p:nvSpPr>
+          <p:cNvPr id="6" name="Rectangle 5">
+            <a:extLst>
+              <a:ext uri="{FF2B5EF4-FFF2-40B4-BE49-F238E27FC236}">
+                <a16:creationId xmlns:a16="http://schemas.microsoft.com/office/drawing/2014/main" id="{91C10825-81B4-4AFB-83A1-37A0E70C880D}"/>
+              </a:ext>
+            </a:extLst>
+          </p:cNvPr>
+          <p:cNvSpPr/>
+          <p:nvPr/>
+        </p:nvSpPr>
+        <p:spPr>
+          <a:xfrm>
+            <a:off x="8072581" y="1376218"/>
+            <a:ext cx="2780145" cy="1366982"/>
+          </a:xfrm>
+          <a:prstGeom prst="rect">
+            <a:avLst/>
+          </a:prstGeom>
+        </p:spPr>
+        <p:style>
+          <a:lnRef idx="2">
+            <a:schemeClr val="accent1">
+              <a:shade val="50000"/>
+            </a:schemeClr>
+          </a:lnRef>
+          <a:fillRef idx="1">
+            <a:schemeClr val="accent1"/>
+          </a:fillRef>
+          <a:effectRef idx="0">
+            <a:schemeClr val="accent1"/>
+          </a:effectRef>
+          <a:fontRef idx="minor">
+            <a:schemeClr val="lt1"/>
+          </a:fontRef>
+        </p:style>
+        <p:txBody>
+          <a:bodyPr rtlCol="0" anchor="ctr"/>
+          <a:lstStyle/>
+          <a:p>
+            <a:pPr algn="ctr"/>
+            <a:endParaRPr lang="en-US"/>
+          </a:p>
+        </p:txBody>
+      </p:sp>
+      <p:sp>
+        <p:nvSpPr>
+          <p:cNvPr id="7" name="Rectangle 6">
+            <a:extLst>
+              <a:ext uri="{FF2B5EF4-FFF2-40B4-BE49-F238E27FC236}">
+                <a16:creationId xmlns:a16="http://schemas.microsoft.com/office/drawing/2014/main" id="{2E62B799-EA3F-4B86-9A73-687B0EAD0CD3}"/>
+              </a:ext>
+            </a:extLst>
+          </p:cNvPr>
+          <p:cNvSpPr/>
+          <p:nvPr/>
+        </p:nvSpPr>
+        <p:spPr>
+          <a:xfrm>
+            <a:off x="2152073" y="2327564"/>
+            <a:ext cx="831272" cy="323272"/>
+          </a:xfrm>
+          <a:prstGeom prst="rect">
+            <a:avLst/>
+          </a:prstGeom>
+        </p:spPr>
+        <p:style>
+          <a:lnRef idx="2">
+            <a:schemeClr val="accent6">
+              <a:shade val="50000"/>
+            </a:schemeClr>
+          </a:lnRef>
+          <a:fillRef idx="1">
+            <a:schemeClr val="accent6"/>
+          </a:fillRef>
+          <a:effectRef idx="0">
+            <a:schemeClr val="accent6"/>
+          </a:effectRef>
+          <a:fontRef idx="minor">
+            <a:schemeClr val="lt1"/>
+          </a:fontRef>
+        </p:style>
+        <p:txBody>
+          <a:bodyPr rtlCol="0" anchor="ctr"/>
+          <a:lstStyle/>
+          <a:p>
+            <a:pPr algn="ctr"/>
+            <a:endParaRPr lang="en-US"/>
+          </a:p>
+        </p:txBody>
+      </p:sp>
+      <p:sp>
+        <p:nvSpPr>
+          <p:cNvPr id="8" name="Rectangle 7">
+            <a:extLst>
+              <a:ext uri="{FF2B5EF4-FFF2-40B4-BE49-F238E27FC236}">
+                <a16:creationId xmlns:a16="http://schemas.microsoft.com/office/drawing/2014/main" id="{17E86E3A-7A63-4222-8E67-C26E3F0CAFE1}"/>
+              </a:ext>
+            </a:extLst>
+          </p:cNvPr>
+          <p:cNvSpPr/>
+          <p:nvPr/>
+        </p:nvSpPr>
+        <p:spPr>
+          <a:xfrm>
+            <a:off x="5546435" y="2327564"/>
+            <a:ext cx="831272" cy="323272"/>
+          </a:xfrm>
+          <a:prstGeom prst="rect">
+            <a:avLst/>
+          </a:prstGeom>
+        </p:spPr>
+        <p:style>
+          <a:lnRef idx="2">
+            <a:schemeClr val="accent4">
+              <a:shade val="50000"/>
+            </a:schemeClr>
+          </a:lnRef>
+          <a:fillRef idx="1">
+            <a:schemeClr val="accent4"/>
+          </a:fillRef>
+          <a:effectRef idx="0">
+            <a:schemeClr val="accent4"/>
+          </a:effectRef>
+          <a:fontRef idx="minor">
+            <a:schemeClr val="lt1"/>
+          </a:fontRef>
+        </p:style>
+        <p:txBody>
+          <a:bodyPr rtlCol="0" anchor="ctr"/>
+          <a:lstStyle/>
+          <a:p>
+            <a:pPr algn="ctr"/>
+            <a:endParaRPr lang="en-US"/>
+          </a:p>
+        </p:txBody>
+      </p:sp>
+      <p:sp>
+        <p:nvSpPr>
+          <p:cNvPr id="9" name="Rectangle: Rounded Corners 8">
+            <a:extLst>
+              <a:ext uri="{FF2B5EF4-FFF2-40B4-BE49-F238E27FC236}">
+                <a16:creationId xmlns:a16="http://schemas.microsoft.com/office/drawing/2014/main" id="{89459025-3FC0-4843-83A4-983DFC98F52B}"/>
+              </a:ext>
+            </a:extLst>
+          </p:cNvPr>
+          <p:cNvSpPr/>
+          <p:nvPr/>
+        </p:nvSpPr>
+        <p:spPr>
+          <a:xfrm>
+            <a:off x="2152073" y="1616364"/>
+            <a:ext cx="831272" cy="387927"/>
+          </a:xfrm>
+          <a:prstGeom prst="roundRect">
+            <a:avLst/>
+          </a:prstGeom>
+        </p:spPr>
+        <p:style>
+          <a:lnRef idx="2">
+            <a:schemeClr val="accent5">
+              <a:shade val="50000"/>
+            </a:schemeClr>
+          </a:lnRef>
+          <a:fillRef idx="1">
+            <a:schemeClr val="accent5"/>
+          </a:fillRef>
+          <a:effectRef idx="0">
+            <a:schemeClr val="accent5"/>
+          </a:effectRef>
+          <a:fontRef idx="minor">
+            <a:schemeClr val="lt1"/>
+          </a:fontRef>
+        </p:style>
+        <p:txBody>
+          <a:bodyPr rtlCol="0" anchor="ctr"/>
+          <a:lstStyle/>
+          <a:p>
+            <a:pPr algn="ctr"/>
+            <a:endParaRPr lang="en-US"/>
+          </a:p>
+        </p:txBody>
+      </p:sp>
+      <p:sp>
+        <p:nvSpPr>
+          <p:cNvPr id="11" name="Rectangle: Rounded Corners 10">
+            <a:extLst>
+              <a:ext uri="{FF2B5EF4-FFF2-40B4-BE49-F238E27FC236}">
+                <a16:creationId xmlns:a16="http://schemas.microsoft.com/office/drawing/2014/main" id="{2A3A6B80-4D5C-4FFB-B876-7066FBCFCFD9}"/>
+              </a:ext>
+            </a:extLst>
+          </p:cNvPr>
+          <p:cNvSpPr/>
+          <p:nvPr/>
+        </p:nvSpPr>
+        <p:spPr>
+          <a:xfrm>
+            <a:off x="8931564" y="1653307"/>
+            <a:ext cx="831272" cy="387927"/>
+          </a:xfrm>
+          <a:prstGeom prst="roundRect">
+            <a:avLst/>
+          </a:prstGeom>
+        </p:spPr>
+        <p:style>
+          <a:lnRef idx="2">
+            <a:schemeClr val="accent2">
+              <a:shade val="50000"/>
+            </a:schemeClr>
+          </a:lnRef>
+          <a:fillRef idx="1">
+            <a:schemeClr val="accent2"/>
+          </a:fillRef>
+          <a:effectRef idx="0">
+            <a:schemeClr val="accent2"/>
+          </a:effectRef>
+          <a:fontRef idx="minor">
+            <a:schemeClr val="lt1"/>
+          </a:fontRef>
+        </p:style>
+        <p:txBody>
+          <a:bodyPr rtlCol="0" anchor="ctr"/>
+          <a:lstStyle/>
+          <a:p>
+            <a:pPr algn="ctr"/>
+            <a:endParaRPr lang="en-US"/>
+          </a:p>
+        </p:txBody>
+      </p:sp>
+      <p:cxnSp>
+        <p:nvCxnSpPr>
+          <p:cNvPr id="13" name="Connector: Elbow 12">
+            <a:extLst>
+              <a:ext uri="{FF2B5EF4-FFF2-40B4-BE49-F238E27FC236}">
+                <a16:creationId xmlns:a16="http://schemas.microsoft.com/office/drawing/2014/main" id="{19167358-28B1-4DD2-AD2A-61E0D74C514C}"/>
+              </a:ext>
+            </a:extLst>
+          </p:cNvPr>
+          <p:cNvCxnSpPr>
+            <a:endCxn id="5" idx="2"/>
+          </p:cNvCxnSpPr>
+          <p:nvPr/>
+        </p:nvCxnSpPr>
+        <p:spPr>
+          <a:xfrm rot="16200000" flipV="1">
+            <a:off x="5571837" y="3133436"/>
+            <a:ext cx="1089891" cy="309419"/>
+          </a:xfrm>
+          <a:prstGeom prst="bentConnector3">
+            <a:avLst/>
+          </a:prstGeom>
+          <a:ln>
+            <a:tailEnd type="triangle"/>
+          </a:ln>
+        </p:spPr>
+        <p:style>
+          <a:lnRef idx="1">
+            <a:schemeClr val="accent1"/>
+          </a:lnRef>
+          <a:fillRef idx="0">
+            <a:schemeClr val="accent1"/>
+          </a:fillRef>
+          <a:effectRef idx="0">
+            <a:schemeClr val="accent1"/>
+          </a:effectRef>
+          <a:fontRef idx="minor">
+            <a:schemeClr val="tx1"/>
+          </a:fontRef>
+        </p:style>
+      </p:cxnSp>
+    </p:spTree>
+    <p:extLst>
+      <p:ext uri="{BB962C8B-B14F-4D97-AF65-F5344CB8AC3E}">
+        <p14:creationId xmlns:p14="http://schemas.microsoft.com/office/powerpoint/2010/main" val="2390274913"/>
+      </p:ext>
+    </p:extLst>
+  </p:cSld>
+  <p:clrMapOvr>
+    <a:masterClrMapping/>
+  </p:clrMapOvr>
+</p:sld>
+</file>
+
+<file path=ppt/slides/slide14.xml><?xml version="1.0" encoding="utf-8"?>
+<p:sld xmlns:a="http://schemas.openxmlformats.org/drawingml/2006/main" xmlns:r="http://schemas.openxmlformats.org/officeDocument/2006/relationships" xmlns:p="http://schemas.openxmlformats.org/presentationml/2006/main">
+  <p:cSld>
+    <p:spTree>
+      <p:nvGrpSpPr>
+        <p:cNvPr id="1" name=""/>
+        <p:cNvGrpSpPr/>
+        <p:nvPr/>
+      </p:nvGrpSpPr>
+      <p:grpSpPr>
+        <a:xfrm>
+          <a:off x="0" y="0"/>
+          <a:ext cx="0" cy="0"/>
+          <a:chOff x="0" y="0"/>
+          <a:chExt cx="0" cy="0"/>
+        </a:xfrm>
+      </p:grpSpPr>
+      <p:sp>
+        <p:nvSpPr>
+          <p:cNvPr id="4" name="Rectangle 3">
+            <a:extLst>
+              <a:ext uri="{FF2B5EF4-FFF2-40B4-BE49-F238E27FC236}">
+                <a16:creationId xmlns:a16="http://schemas.microsoft.com/office/drawing/2014/main" id="{6447D9BC-2A18-46E6-ADB8-12B074AB1549}"/>
+              </a:ext>
+            </a:extLst>
+          </p:cNvPr>
+          <p:cNvSpPr/>
+          <p:nvPr/>
+        </p:nvSpPr>
+        <p:spPr>
+          <a:xfrm>
+            <a:off x="1542473" y="4618182"/>
+            <a:ext cx="3666836" cy="729673"/>
+          </a:xfrm>
+          <a:prstGeom prst="rect">
+            <a:avLst/>
+          </a:prstGeom>
+        </p:spPr>
+        <p:style>
+          <a:lnRef idx="2">
+            <a:schemeClr val="accent1">
+              <a:shade val="50000"/>
+            </a:schemeClr>
+          </a:lnRef>
+          <a:fillRef idx="1">
+            <a:schemeClr val="accent1"/>
+          </a:fillRef>
+          <a:effectRef idx="0">
+            <a:schemeClr val="accent1"/>
+          </a:effectRef>
+          <a:fontRef idx="minor">
+            <a:schemeClr val="lt1"/>
+          </a:fontRef>
+        </p:style>
+        <p:txBody>
+          <a:bodyPr rtlCol="0" anchor="ctr"/>
+          <a:lstStyle/>
+          <a:p>
+            <a:pPr algn="ctr"/>
+            <a:endParaRPr lang="en-US"/>
+          </a:p>
+        </p:txBody>
+      </p:sp>
+      <p:sp>
+        <p:nvSpPr>
+          <p:cNvPr id="5" name="Rectangle 4">
+            <a:extLst>
+              <a:ext uri="{FF2B5EF4-FFF2-40B4-BE49-F238E27FC236}">
+                <a16:creationId xmlns:a16="http://schemas.microsoft.com/office/drawing/2014/main" id="{E5213A11-42A8-43EF-B4F5-856C3F70507F}"/>
+              </a:ext>
+            </a:extLst>
+          </p:cNvPr>
+          <p:cNvSpPr/>
+          <p:nvPr/>
+        </p:nvSpPr>
+        <p:spPr>
+          <a:xfrm>
+            <a:off x="6761019" y="4618182"/>
+            <a:ext cx="3666836" cy="729673"/>
+          </a:xfrm>
+          <a:prstGeom prst="rect">
+            <a:avLst/>
+          </a:prstGeom>
+        </p:spPr>
+        <p:style>
+          <a:lnRef idx="2">
+            <a:schemeClr val="accent1">
+              <a:shade val="50000"/>
+            </a:schemeClr>
+          </a:lnRef>
+          <a:fillRef idx="1">
+            <a:schemeClr val="accent1"/>
+          </a:fillRef>
+          <a:effectRef idx="0">
+            <a:schemeClr val="accent1"/>
+          </a:effectRef>
+          <a:fontRef idx="minor">
+            <a:schemeClr val="lt1"/>
+          </a:fontRef>
+        </p:style>
+        <p:txBody>
+          <a:bodyPr rtlCol="0" anchor="ctr"/>
+          <a:lstStyle/>
+          <a:p>
+            <a:pPr algn="ctr"/>
+            <a:endParaRPr lang="en-US"/>
+          </a:p>
+        </p:txBody>
+      </p:sp>
+      <p:sp>
+        <p:nvSpPr>
+          <p:cNvPr id="6" name="Rectangle 5">
+            <a:extLst>
+              <a:ext uri="{FF2B5EF4-FFF2-40B4-BE49-F238E27FC236}">
+                <a16:creationId xmlns:a16="http://schemas.microsoft.com/office/drawing/2014/main" id="{CC0C822C-8E53-4AEB-AE41-9180F0BD4F09}"/>
+              </a:ext>
+            </a:extLst>
+          </p:cNvPr>
+          <p:cNvSpPr/>
+          <p:nvPr/>
+        </p:nvSpPr>
+        <p:spPr>
+          <a:xfrm>
+            <a:off x="2817091" y="1828800"/>
+            <a:ext cx="2124364" cy="831273"/>
+          </a:xfrm>
+          <a:prstGeom prst="rect">
+            <a:avLst/>
+          </a:prstGeom>
+        </p:spPr>
+        <p:style>
+          <a:lnRef idx="2">
+            <a:schemeClr val="accent1">
+              <a:shade val="50000"/>
+            </a:schemeClr>
+          </a:lnRef>
+          <a:fillRef idx="1">
+            <a:schemeClr val="accent1"/>
+          </a:fillRef>
+          <a:effectRef idx="0">
+            <a:schemeClr val="accent1"/>
+          </a:effectRef>
+          <a:fontRef idx="minor">
+            <a:schemeClr val="lt1"/>
+          </a:fontRef>
+        </p:style>
+        <p:txBody>
+          <a:bodyPr rtlCol="0" anchor="ctr"/>
+          <a:lstStyle/>
+          <a:p>
+            <a:pPr algn="ctr"/>
+            <a:endParaRPr lang="en-US"/>
+          </a:p>
+        </p:txBody>
+      </p:sp>
+      <p:cxnSp>
+        <p:nvCxnSpPr>
+          <p:cNvPr id="8" name="Straight Connector 7">
+            <a:extLst>
+              <a:ext uri="{FF2B5EF4-FFF2-40B4-BE49-F238E27FC236}">
+                <a16:creationId xmlns:a16="http://schemas.microsoft.com/office/drawing/2014/main" id="{876EC0C2-42A8-409B-B13D-BA752A77C234}"/>
+              </a:ext>
+            </a:extLst>
+          </p:cNvPr>
+          <p:cNvCxnSpPr>
+            <a:cxnSpLocks/>
+            <a:stCxn id="6" idx="2"/>
+            <a:endCxn id="4" idx="0"/>
+          </p:cNvCxnSpPr>
+          <p:nvPr/>
+        </p:nvCxnSpPr>
+        <p:spPr>
+          <a:xfrm flipH="1">
+            <a:off x="3375891" y="2660073"/>
+            <a:ext cx="503382" cy="1958109"/>
+          </a:xfrm>
+          <a:prstGeom prst="line">
+            <a:avLst/>
+          </a:prstGeom>
+        </p:spPr>
+        <p:style>
+          <a:lnRef idx="1">
+            <a:schemeClr val="accent1"/>
+          </a:lnRef>
+          <a:fillRef idx="0">
+            <a:schemeClr val="accent1"/>
+          </a:fillRef>
+          <a:effectRef idx="0">
+            <a:schemeClr val="accent1"/>
+          </a:effectRef>
+          <a:fontRef idx="minor">
+            <a:schemeClr val="tx1"/>
+          </a:fontRef>
+        </p:style>
+      </p:cxnSp>
+      <p:cxnSp>
+        <p:nvCxnSpPr>
+          <p:cNvPr id="10" name="Straight Connector 9">
+            <a:extLst>
+              <a:ext uri="{FF2B5EF4-FFF2-40B4-BE49-F238E27FC236}">
+                <a16:creationId xmlns:a16="http://schemas.microsoft.com/office/drawing/2014/main" id="{CA385EEE-A52C-4FF4-87D6-4D5A36D0BB29}"/>
+              </a:ext>
+            </a:extLst>
+          </p:cNvPr>
+          <p:cNvCxnSpPr>
+            <a:stCxn id="6" idx="2"/>
+            <a:endCxn id="5" idx="0"/>
+          </p:cNvCxnSpPr>
+          <p:nvPr/>
+        </p:nvCxnSpPr>
+        <p:spPr>
+          <a:xfrm>
+            <a:off x="3879273" y="2660073"/>
+            <a:ext cx="4715164" cy="1958109"/>
+          </a:xfrm>
+          <a:prstGeom prst="line">
+            <a:avLst/>
+          </a:prstGeom>
+        </p:spPr>
+        <p:style>
+          <a:lnRef idx="1">
+            <a:schemeClr val="accent1"/>
+          </a:lnRef>
+          <a:fillRef idx="0">
+            <a:schemeClr val="accent1"/>
+          </a:fillRef>
+          <a:effectRef idx="0">
+            <a:schemeClr val="accent1"/>
+          </a:effectRef>
+          <a:fontRef idx="minor">
+            <a:schemeClr val="tx1"/>
+          </a:fontRef>
+        </p:style>
+      </p:cxnSp>
+      <p:sp>
+        <p:nvSpPr>
+          <p:cNvPr id="12" name="Rectangle 11">
+            <a:extLst>
+              <a:ext uri="{FF2B5EF4-FFF2-40B4-BE49-F238E27FC236}">
+                <a16:creationId xmlns:a16="http://schemas.microsoft.com/office/drawing/2014/main" id="{A65343A8-65CD-4AAD-B511-34253BB86F9D}"/>
+              </a:ext>
+            </a:extLst>
+          </p:cNvPr>
+          <p:cNvSpPr/>
+          <p:nvPr/>
+        </p:nvSpPr>
+        <p:spPr>
+          <a:xfrm>
+            <a:off x="6169891" y="1080655"/>
+            <a:ext cx="1681018" cy="923636"/>
+          </a:xfrm>
+          <a:prstGeom prst="rect">
+            <a:avLst/>
+          </a:prstGeom>
+        </p:spPr>
+        <p:style>
+          <a:lnRef idx="2">
+            <a:schemeClr val="accent1">
+              <a:shade val="50000"/>
+            </a:schemeClr>
+          </a:lnRef>
+          <a:fillRef idx="1">
+            <a:schemeClr val="accent1"/>
+          </a:fillRef>
+          <a:effectRef idx="0">
+            <a:schemeClr val="accent1"/>
+          </a:effectRef>
+          <a:fontRef idx="minor">
+            <a:schemeClr val="lt1"/>
+          </a:fontRef>
+        </p:style>
+        <p:txBody>
+          <a:bodyPr rtlCol="0" anchor="ctr"/>
+          <a:lstStyle/>
+          <a:p>
+            <a:pPr algn="ctr"/>
+            <a:endParaRPr lang="en-US"/>
+          </a:p>
+        </p:txBody>
+      </p:sp>
+      <p:cxnSp>
+        <p:nvCxnSpPr>
+          <p:cNvPr id="14" name="Straight Arrow Connector 13">
+            <a:extLst>
+              <a:ext uri="{FF2B5EF4-FFF2-40B4-BE49-F238E27FC236}">
+                <a16:creationId xmlns:a16="http://schemas.microsoft.com/office/drawing/2014/main" id="{2633697D-FC53-40EB-A34B-6A1E49E12FBE}"/>
+              </a:ext>
+            </a:extLst>
+          </p:cNvPr>
+          <p:cNvCxnSpPr/>
+          <p:nvPr/>
+        </p:nvCxnSpPr>
+        <p:spPr>
+          <a:xfrm flipH="1">
+            <a:off x="3592945" y="1828800"/>
+            <a:ext cx="3472873" cy="2881745"/>
+          </a:xfrm>
+          <a:prstGeom prst="straightConnector1">
+            <a:avLst/>
+          </a:prstGeom>
+          <a:ln>
+            <a:tailEnd type="triangle"/>
+          </a:ln>
+        </p:spPr>
+        <p:style>
+          <a:lnRef idx="1">
+            <a:schemeClr val="accent1"/>
+          </a:lnRef>
+          <a:fillRef idx="0">
+            <a:schemeClr val="accent1"/>
+          </a:fillRef>
+          <a:effectRef idx="0">
+            <a:schemeClr val="accent1"/>
+          </a:effectRef>
+          <a:fontRef idx="minor">
+            <a:schemeClr val="tx1"/>
+          </a:fontRef>
+        </p:style>
+      </p:cxnSp>
+      <p:cxnSp>
+        <p:nvCxnSpPr>
+          <p:cNvPr id="16" name="Straight Arrow Connector 15">
+            <a:extLst>
+              <a:ext uri="{FF2B5EF4-FFF2-40B4-BE49-F238E27FC236}">
+                <a16:creationId xmlns:a16="http://schemas.microsoft.com/office/drawing/2014/main" id="{B59D7D43-713A-47B7-8970-E5C01A23D321}"/>
+              </a:ext>
+            </a:extLst>
+          </p:cNvPr>
+          <p:cNvCxnSpPr>
+            <a:stCxn id="12" idx="2"/>
+          </p:cNvCxnSpPr>
+          <p:nvPr/>
+        </p:nvCxnSpPr>
+        <p:spPr>
+          <a:xfrm>
+            <a:off x="7010400" y="2004291"/>
+            <a:ext cx="2235200" cy="2613891"/>
+          </a:xfrm>
+          <a:prstGeom prst="straightConnector1">
+            <a:avLst/>
+          </a:prstGeom>
+          <a:ln>
+            <a:tailEnd type="triangle"/>
+          </a:ln>
+        </p:spPr>
+        <p:style>
+          <a:lnRef idx="1">
+            <a:schemeClr val="accent1"/>
+          </a:lnRef>
+          <a:fillRef idx="0">
+            <a:schemeClr val="accent1"/>
+          </a:fillRef>
+          <a:effectRef idx="0">
+            <a:schemeClr val="accent1"/>
+          </a:effectRef>
+          <a:fontRef idx="minor">
+            <a:schemeClr val="tx1"/>
+          </a:fontRef>
+        </p:style>
+      </p:cxnSp>
+      <p:sp>
+        <p:nvSpPr>
+          <p:cNvPr id="17" name="Rectangle 16">
+            <a:extLst>
+              <a:ext uri="{FF2B5EF4-FFF2-40B4-BE49-F238E27FC236}">
+                <a16:creationId xmlns:a16="http://schemas.microsoft.com/office/drawing/2014/main" id="{0A7BBFE4-67E0-4C1C-9DAA-BE30D03594F3}"/>
+              </a:ext>
+            </a:extLst>
+          </p:cNvPr>
+          <p:cNvSpPr/>
+          <p:nvPr/>
+        </p:nvSpPr>
+        <p:spPr>
+          <a:xfrm>
+            <a:off x="9587345" y="286327"/>
+            <a:ext cx="1422400" cy="794328"/>
+          </a:xfrm>
+          <a:prstGeom prst="rect">
+            <a:avLst/>
+          </a:prstGeom>
+        </p:spPr>
+        <p:style>
+          <a:lnRef idx="2">
+            <a:schemeClr val="accent1">
+              <a:shade val="50000"/>
+            </a:schemeClr>
+          </a:lnRef>
+          <a:fillRef idx="1">
+            <a:schemeClr val="accent1"/>
+          </a:fillRef>
+          <a:effectRef idx="0">
+            <a:schemeClr val="accent1"/>
+          </a:effectRef>
+          <a:fontRef idx="minor">
+            <a:schemeClr val="lt1"/>
+          </a:fontRef>
+        </p:style>
+        <p:txBody>
+          <a:bodyPr rtlCol="0" anchor="ctr"/>
+          <a:lstStyle/>
+          <a:p>
+            <a:pPr algn="ctr"/>
+            <a:endParaRPr lang="en-US"/>
+          </a:p>
+        </p:txBody>
+      </p:sp>
+      <p:cxnSp>
+        <p:nvCxnSpPr>
+          <p:cNvPr id="21" name="Straight Arrow Connector 20">
+            <a:extLst>
+              <a:ext uri="{FF2B5EF4-FFF2-40B4-BE49-F238E27FC236}">
+                <a16:creationId xmlns:a16="http://schemas.microsoft.com/office/drawing/2014/main" id="{BBD709C8-EF9B-4FDF-8EC3-1A45EC696527}"/>
+              </a:ext>
+            </a:extLst>
+          </p:cNvPr>
+          <p:cNvCxnSpPr>
+            <a:stCxn id="17" idx="2"/>
+          </p:cNvCxnSpPr>
+          <p:nvPr/>
+        </p:nvCxnSpPr>
+        <p:spPr>
+          <a:xfrm flipH="1">
+            <a:off x="4451927" y="1080655"/>
+            <a:ext cx="5846618" cy="3537527"/>
+          </a:xfrm>
+          <a:prstGeom prst="straightConnector1">
+            <a:avLst/>
+          </a:prstGeom>
+          <a:ln>
+            <a:tailEnd type="triangle"/>
+          </a:ln>
+        </p:spPr>
+        <p:style>
+          <a:lnRef idx="1">
+            <a:schemeClr val="accent1"/>
+          </a:lnRef>
+          <a:fillRef idx="0">
+            <a:schemeClr val="accent1"/>
+          </a:fillRef>
+          <a:effectRef idx="0">
+            <a:schemeClr val="accent1"/>
+          </a:effectRef>
+          <a:fontRef idx="minor">
+            <a:schemeClr val="tx1"/>
+          </a:fontRef>
+        </p:style>
+      </p:cxnSp>
+      <p:cxnSp>
+        <p:nvCxnSpPr>
+          <p:cNvPr id="23" name="Straight Arrow Connector 22">
+            <a:extLst>
+              <a:ext uri="{FF2B5EF4-FFF2-40B4-BE49-F238E27FC236}">
+                <a16:creationId xmlns:a16="http://schemas.microsoft.com/office/drawing/2014/main" id="{49C704C9-CDFC-427D-93E9-ED33E15C5D50}"/>
+              </a:ext>
+            </a:extLst>
+          </p:cNvPr>
+          <p:cNvCxnSpPr>
+            <a:stCxn id="17" idx="2"/>
+          </p:cNvCxnSpPr>
+          <p:nvPr/>
+        </p:nvCxnSpPr>
+        <p:spPr>
+          <a:xfrm flipH="1">
+            <a:off x="9587345" y="1080655"/>
+            <a:ext cx="711200" cy="3537527"/>
+          </a:xfrm>
+          <a:prstGeom prst="straightConnector1">
+            <a:avLst/>
+          </a:prstGeom>
+          <a:ln>
+            <a:tailEnd type="triangle"/>
+          </a:ln>
+        </p:spPr>
+        <p:style>
+          <a:lnRef idx="1">
+            <a:schemeClr val="accent1"/>
+          </a:lnRef>
+          <a:fillRef idx="0">
+            <a:schemeClr val="accent1"/>
+          </a:fillRef>
+          <a:effectRef idx="0">
+            <a:schemeClr val="accent1"/>
+          </a:effectRef>
+          <a:fontRef idx="minor">
+            <a:schemeClr val="tx1"/>
+          </a:fontRef>
+        </p:style>
+      </p:cxnSp>
+    </p:spTree>
+    <p:extLst>
+      <p:ext uri="{BB962C8B-B14F-4D97-AF65-F5344CB8AC3E}">
+        <p14:creationId xmlns:p14="http://schemas.microsoft.com/office/powerpoint/2010/main" val="310111367"/>
+      </p:ext>
+    </p:extLst>
+  </p:cSld>
+  <p:clrMapOvr>
+    <a:masterClrMapping/>
+  </p:clrMapOvr>
+</p:sld>
+</file>
+
+<file path=ppt/slides/slide15.xml><?xml version="1.0" encoding="utf-8"?>
+<p:sld xmlns:a="http://schemas.openxmlformats.org/drawingml/2006/main" xmlns:r="http://schemas.openxmlformats.org/officeDocument/2006/relationships" xmlns:p="http://schemas.openxmlformats.org/presentationml/2006/main">
+  <p:cSld>
+    <p:spTree>
+      <p:nvGrpSpPr>
+        <p:cNvPr id="1" name=""/>
+        <p:cNvGrpSpPr/>
+        <p:nvPr/>
+      </p:nvGrpSpPr>
+      <p:grpSpPr>
+        <a:xfrm>
+          <a:off x="0" y="0"/>
+          <a:ext cx="0" cy="0"/>
+          <a:chOff x="0" y="0"/>
+          <a:chExt cx="0" cy="0"/>
+        </a:xfrm>
+      </p:grpSpPr>
+      <p:sp>
+        <p:nvSpPr>
+          <p:cNvPr id="4" name="Rectangle 3">
+            <a:extLst>
+              <a:ext uri="{FF2B5EF4-FFF2-40B4-BE49-F238E27FC236}">
+                <a16:creationId xmlns:a16="http://schemas.microsoft.com/office/drawing/2014/main" id="{3CE25193-C637-4950-82A1-EC48DAA737DC}"/>
+              </a:ext>
+            </a:extLst>
+          </p:cNvPr>
+          <p:cNvSpPr/>
+          <p:nvPr/>
+        </p:nvSpPr>
+        <p:spPr>
+          <a:xfrm>
+            <a:off x="1043709" y="3888509"/>
+            <a:ext cx="2632364" cy="969818"/>
+          </a:xfrm>
+          <a:prstGeom prst="rect">
+            <a:avLst/>
+          </a:prstGeom>
+        </p:spPr>
+        <p:style>
+          <a:lnRef idx="2">
+            <a:schemeClr val="accent1">
+              <a:shade val="50000"/>
+            </a:schemeClr>
+          </a:lnRef>
+          <a:fillRef idx="1">
+            <a:schemeClr val="accent1"/>
+          </a:fillRef>
+          <a:effectRef idx="0">
+            <a:schemeClr val="accent1"/>
+          </a:effectRef>
+          <a:fontRef idx="minor">
+            <a:schemeClr val="lt1"/>
+          </a:fontRef>
+        </p:style>
+        <p:txBody>
+          <a:bodyPr rtlCol="0" anchor="ctr"/>
+          <a:lstStyle/>
+          <a:p>
+            <a:pPr algn="ctr"/>
+            <a:r>
+              <a:rPr lang="en-US" dirty="0"/>
+              <a:t>Apache	(</a:t>
+            </a:r>
+            <a:r>
+              <a:rPr lang="en-US" dirty="0" err="1"/>
+              <a:t>Vhost</a:t>
+            </a:r>
+            <a:r>
+              <a:rPr lang="en-US" dirty="0"/>
+              <a:t>)</a:t>
+            </a:r>
+          </a:p>
+        </p:txBody>
+      </p:sp>
+      <p:sp>
+        <p:nvSpPr>
+          <p:cNvPr id="5" name="Rectangle 4">
+            <a:extLst>
+              <a:ext uri="{FF2B5EF4-FFF2-40B4-BE49-F238E27FC236}">
+                <a16:creationId xmlns:a16="http://schemas.microsoft.com/office/drawing/2014/main" id="{EE4C44EF-4EC2-40E5-8466-B12EFA40982A}"/>
+              </a:ext>
+            </a:extLst>
+          </p:cNvPr>
+          <p:cNvSpPr/>
+          <p:nvPr/>
+        </p:nvSpPr>
+        <p:spPr>
+          <a:xfrm>
+            <a:off x="4322618" y="3888509"/>
+            <a:ext cx="2632364" cy="969818"/>
+          </a:xfrm>
+          <a:prstGeom prst="rect">
+            <a:avLst/>
+          </a:prstGeom>
+        </p:spPr>
+        <p:style>
+          <a:lnRef idx="2">
+            <a:schemeClr val="accent1">
+              <a:shade val="50000"/>
+            </a:schemeClr>
+          </a:lnRef>
+          <a:fillRef idx="1">
+            <a:schemeClr val="accent1"/>
+          </a:fillRef>
+          <a:effectRef idx="0">
+            <a:schemeClr val="accent1"/>
+          </a:effectRef>
+          <a:fontRef idx="minor">
+            <a:schemeClr val="lt1"/>
+          </a:fontRef>
+        </p:style>
+        <p:txBody>
+          <a:bodyPr rtlCol="0" anchor="ctr"/>
+          <a:lstStyle/>
+          <a:p>
+            <a:pPr algn="ctr"/>
+            <a:endParaRPr lang="en-US"/>
+          </a:p>
+        </p:txBody>
+      </p:sp>
+      <p:sp>
+        <p:nvSpPr>
+          <p:cNvPr id="6" name="Rectangle 5">
+            <a:extLst>
+              <a:ext uri="{FF2B5EF4-FFF2-40B4-BE49-F238E27FC236}">
+                <a16:creationId xmlns:a16="http://schemas.microsoft.com/office/drawing/2014/main" id="{54C909F1-CE8F-4285-97C7-7B5CED18CFA8}"/>
+              </a:ext>
+            </a:extLst>
+          </p:cNvPr>
+          <p:cNvSpPr/>
+          <p:nvPr/>
+        </p:nvSpPr>
+        <p:spPr>
+          <a:xfrm>
+            <a:off x="7934036" y="3888509"/>
+            <a:ext cx="2632364" cy="969818"/>
+          </a:xfrm>
+          <a:prstGeom prst="rect">
+            <a:avLst/>
+          </a:prstGeom>
+        </p:spPr>
+        <p:style>
+          <a:lnRef idx="2">
+            <a:schemeClr val="accent1">
+              <a:shade val="50000"/>
+            </a:schemeClr>
+          </a:lnRef>
+          <a:fillRef idx="1">
+            <a:schemeClr val="accent1"/>
+          </a:fillRef>
+          <a:effectRef idx="0">
+            <a:schemeClr val="accent1"/>
+          </a:effectRef>
+          <a:fontRef idx="minor">
+            <a:schemeClr val="lt1"/>
+          </a:fontRef>
+        </p:style>
+        <p:txBody>
+          <a:bodyPr rtlCol="0" anchor="ctr"/>
+          <a:lstStyle/>
+          <a:p>
+            <a:pPr algn="ctr"/>
+            <a:endParaRPr lang="en-US"/>
+          </a:p>
+        </p:txBody>
+      </p:sp>
+      <p:sp>
+        <p:nvSpPr>
+          <p:cNvPr id="7" name="TextBox 6">
+            <a:extLst>
+              <a:ext uri="{FF2B5EF4-FFF2-40B4-BE49-F238E27FC236}">
+                <a16:creationId xmlns:a16="http://schemas.microsoft.com/office/drawing/2014/main" id="{3753AD07-08F8-44A6-BE0C-C88BC3D52B2A}"/>
+              </a:ext>
+            </a:extLst>
+          </p:cNvPr>
+          <p:cNvSpPr txBox="1"/>
+          <p:nvPr/>
+        </p:nvSpPr>
+        <p:spPr>
+          <a:xfrm>
+            <a:off x="1200727" y="3429000"/>
+            <a:ext cx="2475346" cy="369332"/>
+          </a:xfrm>
+          <a:prstGeom prst="rect">
+            <a:avLst/>
+          </a:prstGeom>
+          <a:noFill/>
+        </p:spPr>
+        <p:txBody>
+          <a:bodyPr wrap="square" rtlCol="0">
+            <a:spAutoFit/>
+          </a:bodyPr>
+          <a:lstStyle/>
+          <a:p>
+            <a:r>
+              <a:rPr lang="en-US" dirty="0"/>
+              <a:t>www.abc.com</a:t>
+            </a:r>
+          </a:p>
+        </p:txBody>
+      </p:sp>
+      <p:sp>
+        <p:nvSpPr>
+          <p:cNvPr id="8" name="TextBox 7">
+            <a:extLst>
+              <a:ext uri="{FF2B5EF4-FFF2-40B4-BE49-F238E27FC236}">
+                <a16:creationId xmlns:a16="http://schemas.microsoft.com/office/drawing/2014/main" id="{E1704483-B589-457D-94C7-2247A48F9E40}"/>
+              </a:ext>
+            </a:extLst>
+          </p:cNvPr>
+          <p:cNvSpPr txBox="1"/>
+          <p:nvPr/>
+        </p:nvSpPr>
+        <p:spPr>
+          <a:xfrm>
+            <a:off x="4562763" y="3429000"/>
+            <a:ext cx="2475346" cy="369332"/>
+          </a:xfrm>
+          <a:prstGeom prst="rect">
+            <a:avLst/>
+          </a:prstGeom>
+          <a:noFill/>
+        </p:spPr>
+        <p:txBody>
+          <a:bodyPr wrap="square" rtlCol="0">
+            <a:spAutoFit/>
+          </a:bodyPr>
+          <a:lstStyle/>
+          <a:p>
+            <a:r>
+              <a:rPr lang="en-US" dirty="0"/>
+              <a:t>www.xyz.com</a:t>
+            </a:r>
+          </a:p>
+        </p:txBody>
+      </p:sp>
+      <p:sp>
+        <p:nvSpPr>
+          <p:cNvPr id="9" name="TextBox 8">
+            <a:extLst>
+              <a:ext uri="{FF2B5EF4-FFF2-40B4-BE49-F238E27FC236}">
+                <a16:creationId xmlns:a16="http://schemas.microsoft.com/office/drawing/2014/main" id="{9D54BF08-B706-4022-A56E-813953B7A5CA}"/>
+              </a:ext>
+            </a:extLst>
+          </p:cNvPr>
+          <p:cNvSpPr txBox="1"/>
+          <p:nvPr/>
+        </p:nvSpPr>
+        <p:spPr>
+          <a:xfrm>
+            <a:off x="8091054" y="3429000"/>
+            <a:ext cx="2475346" cy="369332"/>
+          </a:xfrm>
+          <a:prstGeom prst="rect">
+            <a:avLst/>
+          </a:prstGeom>
+          <a:noFill/>
+        </p:spPr>
+        <p:txBody>
+          <a:bodyPr wrap="square" rtlCol="0">
+            <a:spAutoFit/>
+          </a:bodyPr>
+          <a:lstStyle/>
+          <a:p>
+            <a:r>
+              <a:rPr lang="en-US" dirty="0"/>
+              <a:t>www.pqr.com</a:t>
+            </a:r>
+          </a:p>
+        </p:txBody>
+      </p:sp>
+    </p:spTree>
+    <p:extLst>
+      <p:ext uri="{BB962C8B-B14F-4D97-AF65-F5344CB8AC3E}">
+        <p14:creationId xmlns:p14="http://schemas.microsoft.com/office/powerpoint/2010/main" val="548241753"/>
+      </p:ext>
+    </p:extLst>
+  </p:cSld>
+  <p:clrMapOvr>
+    <a:masterClrMapping/>
+  </p:clrMapOvr>
+</p:sld>
+</file>
+
+<file path=ppt/slides/slide16.xml><?xml version="1.0" encoding="utf-8"?>
+<p:sld xmlns:a="http://schemas.openxmlformats.org/drawingml/2006/main" xmlns:r="http://schemas.openxmlformats.org/officeDocument/2006/relationships" xmlns:p="http://schemas.openxmlformats.org/presentationml/2006/main">
+  <p:cSld>
+    <p:spTree>
+      <p:nvGrpSpPr>
+        <p:cNvPr id="1" name=""/>
+        <p:cNvGrpSpPr/>
+        <p:nvPr/>
+      </p:nvGrpSpPr>
+      <p:grpSpPr>
+        <a:xfrm>
+          <a:off x="0" y="0"/>
+          <a:ext cx="0" cy="0"/>
+          <a:chOff x="0" y="0"/>
+          <a:chExt cx="0" cy="0"/>
+        </a:xfrm>
+      </p:grpSpPr>
+      <p:sp>
+        <p:nvSpPr>
+          <p:cNvPr id="4" name="Rectangle 3">
+            <a:extLst>
+              <a:ext uri="{FF2B5EF4-FFF2-40B4-BE49-F238E27FC236}">
+                <a16:creationId xmlns:a16="http://schemas.microsoft.com/office/drawing/2014/main" id="{D9DD7D51-EF59-4D75-AFC8-DAFC4F8BE5B4}"/>
+              </a:ext>
+            </a:extLst>
+          </p:cNvPr>
+          <p:cNvSpPr/>
+          <p:nvPr/>
+        </p:nvSpPr>
+        <p:spPr>
+          <a:xfrm>
+            <a:off x="434109" y="3851564"/>
+            <a:ext cx="2706255" cy="960581"/>
+          </a:xfrm>
+          <a:prstGeom prst="rect">
+            <a:avLst/>
+          </a:prstGeom>
+        </p:spPr>
+        <p:style>
+          <a:lnRef idx="2">
+            <a:schemeClr val="accent1">
+              <a:shade val="50000"/>
+            </a:schemeClr>
+          </a:lnRef>
+          <a:fillRef idx="1">
+            <a:schemeClr val="accent1"/>
+          </a:fillRef>
+          <a:effectRef idx="0">
+            <a:schemeClr val="accent1"/>
+          </a:effectRef>
+          <a:fontRef idx="minor">
+            <a:schemeClr val="lt1"/>
+          </a:fontRef>
+        </p:style>
+        <p:txBody>
+          <a:bodyPr rtlCol="0" anchor="ctr"/>
+          <a:lstStyle/>
+          <a:p>
+            <a:pPr algn="ctr"/>
+            <a:r>
+              <a:rPr lang="en-US" dirty="0"/>
+              <a:t>Volume (HDD)</a:t>
+            </a:r>
+          </a:p>
+        </p:txBody>
+      </p:sp>
+      <p:sp>
+        <p:nvSpPr>
+          <p:cNvPr id="5" name="Rectangle 4">
+            <a:extLst>
+              <a:ext uri="{FF2B5EF4-FFF2-40B4-BE49-F238E27FC236}">
+                <a16:creationId xmlns:a16="http://schemas.microsoft.com/office/drawing/2014/main" id="{8E1CAE0C-FCE9-477A-BE75-1939BF9D9FEB}"/>
+              </a:ext>
+            </a:extLst>
+          </p:cNvPr>
+          <p:cNvSpPr/>
+          <p:nvPr/>
+        </p:nvSpPr>
+        <p:spPr>
+          <a:xfrm>
+            <a:off x="4119418" y="2789382"/>
+            <a:ext cx="2706255" cy="960581"/>
+          </a:xfrm>
+          <a:prstGeom prst="rect">
+            <a:avLst/>
+          </a:prstGeom>
+        </p:spPr>
+        <p:style>
+          <a:lnRef idx="2">
+            <a:schemeClr val="accent1">
+              <a:shade val="50000"/>
+            </a:schemeClr>
+          </a:lnRef>
+          <a:fillRef idx="1">
+            <a:schemeClr val="accent1"/>
+          </a:fillRef>
+          <a:effectRef idx="0">
+            <a:schemeClr val="accent1"/>
+          </a:effectRef>
+          <a:fontRef idx="minor">
+            <a:schemeClr val="lt1"/>
+          </a:fontRef>
+        </p:style>
+        <p:txBody>
+          <a:bodyPr rtlCol="0" anchor="ctr"/>
+          <a:lstStyle/>
+          <a:p>
+            <a:pPr algn="ctr"/>
+            <a:r>
+              <a:rPr lang="en-US" dirty="0" err="1"/>
+              <a:t>SnapShot</a:t>
+            </a:r>
+            <a:endParaRPr lang="en-US" dirty="0"/>
+          </a:p>
+        </p:txBody>
+      </p:sp>
+      <p:cxnSp>
+        <p:nvCxnSpPr>
+          <p:cNvPr id="7" name="Straight Arrow Connector 6">
+            <a:extLst>
+              <a:ext uri="{FF2B5EF4-FFF2-40B4-BE49-F238E27FC236}">
+                <a16:creationId xmlns:a16="http://schemas.microsoft.com/office/drawing/2014/main" id="{F04B66A9-70A1-4155-A01B-63FB90A502A9}"/>
+              </a:ext>
+            </a:extLst>
+          </p:cNvPr>
+          <p:cNvCxnSpPr>
+            <a:stCxn id="4" idx="3"/>
+            <a:endCxn id="5" idx="1"/>
+          </p:cNvCxnSpPr>
+          <p:nvPr/>
+        </p:nvCxnSpPr>
+        <p:spPr>
+          <a:xfrm flipV="1">
+            <a:off x="3140364" y="3269673"/>
+            <a:ext cx="979054" cy="1062182"/>
+          </a:xfrm>
+          <a:prstGeom prst="straightConnector1">
+            <a:avLst/>
+          </a:prstGeom>
+          <a:ln>
+            <a:tailEnd type="triangle"/>
+          </a:ln>
+        </p:spPr>
+        <p:style>
+          <a:lnRef idx="1">
+            <a:schemeClr val="accent1"/>
+          </a:lnRef>
+          <a:fillRef idx="0">
+            <a:schemeClr val="accent1"/>
+          </a:fillRef>
+          <a:effectRef idx="0">
+            <a:schemeClr val="accent1"/>
+          </a:effectRef>
+          <a:fontRef idx="minor">
+            <a:schemeClr val="tx1"/>
+          </a:fontRef>
+        </p:style>
+      </p:cxnSp>
+      <p:sp>
+        <p:nvSpPr>
+          <p:cNvPr id="9" name="Rectangle 8">
+            <a:extLst>
+              <a:ext uri="{FF2B5EF4-FFF2-40B4-BE49-F238E27FC236}">
+                <a16:creationId xmlns:a16="http://schemas.microsoft.com/office/drawing/2014/main" id="{917E20D4-7DD5-4F92-B06F-D65C64ACAC36}"/>
+              </a:ext>
+            </a:extLst>
+          </p:cNvPr>
+          <p:cNvSpPr/>
+          <p:nvPr/>
+        </p:nvSpPr>
+        <p:spPr>
+          <a:xfrm>
+            <a:off x="6719456" y="4142509"/>
+            <a:ext cx="2706255" cy="960581"/>
+          </a:xfrm>
+          <a:prstGeom prst="rect">
+            <a:avLst/>
+          </a:prstGeom>
+        </p:spPr>
+        <p:style>
+          <a:lnRef idx="2">
+            <a:schemeClr val="accent1">
+              <a:shade val="50000"/>
+            </a:schemeClr>
+          </a:lnRef>
+          <a:fillRef idx="1">
+            <a:schemeClr val="accent1"/>
+          </a:fillRef>
+          <a:effectRef idx="0">
+            <a:schemeClr val="accent1"/>
+          </a:effectRef>
+          <a:fontRef idx="minor">
+            <a:schemeClr val="lt1"/>
+          </a:fontRef>
+        </p:style>
+        <p:txBody>
+          <a:bodyPr rtlCol="0" anchor="ctr"/>
+          <a:lstStyle/>
+          <a:p>
+            <a:pPr algn="ctr"/>
+            <a:r>
+              <a:rPr lang="en-US" dirty="0"/>
+              <a:t>New Volume (HDD)</a:t>
+            </a:r>
+          </a:p>
+        </p:txBody>
+      </p:sp>
+      <p:cxnSp>
+        <p:nvCxnSpPr>
+          <p:cNvPr id="11" name="Straight Arrow Connector 10">
+            <a:extLst>
+              <a:ext uri="{FF2B5EF4-FFF2-40B4-BE49-F238E27FC236}">
+                <a16:creationId xmlns:a16="http://schemas.microsoft.com/office/drawing/2014/main" id="{1564640D-855C-472F-814E-A4F16A564AE3}"/>
+              </a:ext>
+            </a:extLst>
+          </p:cNvPr>
+          <p:cNvCxnSpPr>
+            <a:stCxn id="5" idx="3"/>
+            <a:endCxn id="9" idx="0"/>
+          </p:cNvCxnSpPr>
+          <p:nvPr/>
+        </p:nvCxnSpPr>
+        <p:spPr>
+          <a:xfrm>
+            <a:off x="6825673" y="3269673"/>
+            <a:ext cx="1246911" cy="872836"/>
+          </a:xfrm>
+          <a:prstGeom prst="straightConnector1">
+            <a:avLst/>
+          </a:prstGeom>
+          <a:ln>
+            <a:tailEnd type="triangle"/>
+          </a:ln>
+        </p:spPr>
+        <p:style>
+          <a:lnRef idx="1">
+            <a:schemeClr val="accent1"/>
+          </a:lnRef>
+          <a:fillRef idx="0">
+            <a:schemeClr val="accent1"/>
+          </a:fillRef>
+          <a:effectRef idx="0">
+            <a:schemeClr val="accent1"/>
+          </a:effectRef>
+          <a:fontRef idx="minor">
+            <a:schemeClr val="tx1"/>
+          </a:fontRef>
+        </p:style>
+      </p:cxnSp>
+      <p:sp>
+        <p:nvSpPr>
+          <p:cNvPr id="13" name="Rectangle: Rounded Corners 12">
+            <a:extLst>
+              <a:ext uri="{FF2B5EF4-FFF2-40B4-BE49-F238E27FC236}">
+                <a16:creationId xmlns:a16="http://schemas.microsoft.com/office/drawing/2014/main" id="{8179748C-45E5-4CCA-ADDE-3FF13EBB5BDB}"/>
+              </a:ext>
+            </a:extLst>
+          </p:cNvPr>
+          <p:cNvSpPr/>
+          <p:nvPr/>
+        </p:nvSpPr>
+        <p:spPr>
+          <a:xfrm>
+            <a:off x="10118437" y="4278744"/>
+            <a:ext cx="1754909" cy="688109"/>
+          </a:xfrm>
+          <a:prstGeom prst="roundRect">
+            <a:avLst/>
+          </a:prstGeom>
+        </p:spPr>
+        <p:style>
+          <a:lnRef idx="2">
+            <a:schemeClr val="accent1">
+              <a:shade val="50000"/>
+            </a:schemeClr>
+          </a:lnRef>
+          <a:fillRef idx="1">
+            <a:schemeClr val="accent1"/>
+          </a:fillRef>
+          <a:effectRef idx="0">
+            <a:schemeClr val="accent1"/>
+          </a:effectRef>
+          <a:fontRef idx="minor">
+            <a:schemeClr val="lt1"/>
+          </a:fontRef>
+        </p:style>
+        <p:txBody>
+          <a:bodyPr rtlCol="0" anchor="ctr"/>
+          <a:lstStyle/>
+          <a:p>
+            <a:pPr algn="ctr"/>
+            <a:r>
+              <a:rPr lang="en-US" sz="1600" dirty="0"/>
+              <a:t>Restored Machine</a:t>
+            </a:r>
+          </a:p>
+        </p:txBody>
+      </p:sp>
+      <p:cxnSp>
+        <p:nvCxnSpPr>
+          <p:cNvPr id="15" name="Straight Arrow Connector 14">
+            <a:extLst>
+              <a:ext uri="{FF2B5EF4-FFF2-40B4-BE49-F238E27FC236}">
+                <a16:creationId xmlns:a16="http://schemas.microsoft.com/office/drawing/2014/main" id="{28D4FE55-763F-4DB8-8111-E5E72C7FA497}"/>
+              </a:ext>
+            </a:extLst>
+          </p:cNvPr>
+          <p:cNvCxnSpPr>
+            <a:cxnSpLocks/>
+            <a:stCxn id="9" idx="3"/>
+            <a:endCxn id="13" idx="1"/>
+          </p:cNvCxnSpPr>
+          <p:nvPr/>
+        </p:nvCxnSpPr>
+        <p:spPr>
+          <a:xfrm flipV="1">
+            <a:off x="9425711" y="4622799"/>
+            <a:ext cx="692726" cy="1"/>
+          </a:xfrm>
+          <a:prstGeom prst="straightConnector1">
+            <a:avLst/>
+          </a:prstGeom>
+          <a:ln>
+            <a:tailEnd type="triangle"/>
+          </a:ln>
+        </p:spPr>
+        <p:style>
+          <a:lnRef idx="1">
+            <a:schemeClr val="accent1"/>
+          </a:lnRef>
+          <a:fillRef idx="0">
+            <a:schemeClr val="accent1"/>
+          </a:fillRef>
+          <a:effectRef idx="0">
+            <a:schemeClr val="accent1"/>
+          </a:effectRef>
+          <a:fontRef idx="minor">
+            <a:schemeClr val="tx1"/>
+          </a:fontRef>
+        </p:style>
+      </p:cxnSp>
+      <p:sp>
+        <p:nvSpPr>
+          <p:cNvPr id="23" name="Rectangle: Rounded Corners 22">
+            <a:extLst>
+              <a:ext uri="{FF2B5EF4-FFF2-40B4-BE49-F238E27FC236}">
+                <a16:creationId xmlns:a16="http://schemas.microsoft.com/office/drawing/2014/main" id="{2B7D8F97-2FF1-4F28-9ADB-A92EBA3E27B3}"/>
+              </a:ext>
+            </a:extLst>
+          </p:cNvPr>
+          <p:cNvSpPr/>
+          <p:nvPr/>
+        </p:nvSpPr>
+        <p:spPr>
+          <a:xfrm>
+            <a:off x="7518402" y="1413164"/>
+            <a:ext cx="2253672" cy="720436"/>
+          </a:xfrm>
+          <a:prstGeom prst="roundRect">
+            <a:avLst/>
+          </a:prstGeom>
+        </p:spPr>
+        <p:style>
+          <a:lnRef idx="2">
+            <a:schemeClr val="accent1">
+              <a:shade val="50000"/>
+            </a:schemeClr>
+          </a:lnRef>
+          <a:fillRef idx="1">
+            <a:schemeClr val="accent1"/>
+          </a:fillRef>
+          <a:effectRef idx="0">
+            <a:schemeClr val="accent1"/>
+          </a:effectRef>
+          <a:fontRef idx="minor">
+            <a:schemeClr val="lt1"/>
+          </a:fontRef>
+        </p:style>
+        <p:txBody>
+          <a:bodyPr rtlCol="0" anchor="ctr"/>
+          <a:lstStyle/>
+          <a:p>
+            <a:pPr algn="ctr"/>
+            <a:r>
+              <a:rPr lang="en-US" dirty="0"/>
+              <a:t>AMI</a:t>
+            </a:r>
+          </a:p>
+        </p:txBody>
+      </p:sp>
+      <p:cxnSp>
+        <p:nvCxnSpPr>
+          <p:cNvPr id="25" name="Straight Arrow Connector 24">
+            <a:extLst>
+              <a:ext uri="{FF2B5EF4-FFF2-40B4-BE49-F238E27FC236}">
+                <a16:creationId xmlns:a16="http://schemas.microsoft.com/office/drawing/2014/main" id="{0792A701-6D2C-4CF5-B8DA-A66F38705EF1}"/>
+              </a:ext>
+            </a:extLst>
+          </p:cNvPr>
+          <p:cNvCxnSpPr>
+            <a:stCxn id="5" idx="3"/>
+            <a:endCxn id="23" idx="1"/>
+          </p:cNvCxnSpPr>
+          <p:nvPr/>
+        </p:nvCxnSpPr>
+        <p:spPr>
+          <a:xfrm flipV="1">
+            <a:off x="6825673" y="1773382"/>
+            <a:ext cx="692729" cy="1496291"/>
+          </a:xfrm>
+          <a:prstGeom prst="straightConnector1">
+            <a:avLst/>
+          </a:prstGeom>
+          <a:ln>
+            <a:tailEnd type="triangle"/>
+          </a:ln>
+        </p:spPr>
+        <p:style>
+          <a:lnRef idx="1">
+            <a:schemeClr val="accent1"/>
+          </a:lnRef>
+          <a:fillRef idx="0">
+            <a:schemeClr val="accent1"/>
+          </a:fillRef>
+          <a:effectRef idx="0">
+            <a:schemeClr val="accent1"/>
+          </a:effectRef>
+          <a:fontRef idx="minor">
+            <a:schemeClr val="tx1"/>
+          </a:fontRef>
+        </p:style>
+      </p:cxnSp>
+      <p:sp>
+        <p:nvSpPr>
+          <p:cNvPr id="27" name="Rectangle: Rounded Corners 26">
+            <a:extLst>
+              <a:ext uri="{FF2B5EF4-FFF2-40B4-BE49-F238E27FC236}">
+                <a16:creationId xmlns:a16="http://schemas.microsoft.com/office/drawing/2014/main" id="{9CAACAF3-21F1-439D-88B0-8602EF7C4581}"/>
+              </a:ext>
+            </a:extLst>
+          </p:cNvPr>
+          <p:cNvSpPr/>
+          <p:nvPr/>
+        </p:nvSpPr>
+        <p:spPr>
+          <a:xfrm>
+            <a:off x="10769600" y="1006764"/>
+            <a:ext cx="1330036" cy="563418"/>
+          </a:xfrm>
+          <a:prstGeom prst="roundRect">
+            <a:avLst/>
+          </a:prstGeom>
+        </p:spPr>
+        <p:style>
+          <a:lnRef idx="2">
+            <a:schemeClr val="accent1">
+              <a:shade val="50000"/>
+            </a:schemeClr>
+          </a:lnRef>
+          <a:fillRef idx="1">
+            <a:schemeClr val="accent1"/>
+          </a:fillRef>
+          <a:effectRef idx="0">
+            <a:schemeClr val="accent1"/>
+          </a:effectRef>
+          <a:fontRef idx="minor">
+            <a:schemeClr val="lt1"/>
+          </a:fontRef>
+        </p:style>
+        <p:txBody>
+          <a:bodyPr rtlCol="0" anchor="ctr"/>
+          <a:lstStyle/>
+          <a:p>
+            <a:pPr algn="ctr"/>
+            <a:r>
+              <a:rPr lang="en-US" dirty="0"/>
+              <a:t>New Machine</a:t>
+            </a:r>
+          </a:p>
+        </p:txBody>
+      </p:sp>
+      <p:cxnSp>
+        <p:nvCxnSpPr>
+          <p:cNvPr id="29" name="Straight Arrow Connector 28">
+            <a:extLst>
+              <a:ext uri="{FF2B5EF4-FFF2-40B4-BE49-F238E27FC236}">
+                <a16:creationId xmlns:a16="http://schemas.microsoft.com/office/drawing/2014/main" id="{05E576ED-ABFE-487C-9978-AF3C5A890B17}"/>
+              </a:ext>
+            </a:extLst>
+          </p:cNvPr>
+          <p:cNvCxnSpPr>
+            <a:stCxn id="23" idx="3"/>
+            <a:endCxn id="27" idx="1"/>
+          </p:cNvCxnSpPr>
+          <p:nvPr/>
+        </p:nvCxnSpPr>
+        <p:spPr>
+          <a:xfrm flipV="1">
+            <a:off x="9772074" y="1288473"/>
+            <a:ext cx="997526" cy="484909"/>
+          </a:xfrm>
+          <a:prstGeom prst="straightConnector1">
+            <a:avLst/>
+          </a:prstGeom>
+          <a:ln>
+            <a:tailEnd type="triangle"/>
+          </a:ln>
+        </p:spPr>
+        <p:style>
+          <a:lnRef idx="1">
+            <a:schemeClr val="accent1"/>
+          </a:lnRef>
+          <a:fillRef idx="0">
+            <a:schemeClr val="accent1"/>
+          </a:fillRef>
+          <a:effectRef idx="0">
+            <a:schemeClr val="accent1"/>
+          </a:effectRef>
+          <a:fontRef idx="minor">
+            <a:schemeClr val="tx1"/>
+          </a:fontRef>
+        </p:style>
+      </p:cxnSp>
+    </p:spTree>
+    <p:extLst>
+      <p:ext uri="{BB962C8B-B14F-4D97-AF65-F5344CB8AC3E}">
+        <p14:creationId xmlns:p14="http://schemas.microsoft.com/office/powerpoint/2010/main" val="2775788635"/>
+      </p:ext>
+    </p:extLst>
+  </p:cSld>
+  <p:clrMapOvr>
+    <a:masterClrMapping/>
+  </p:clrMapOvr>
+</p:sld>
+</file>
+
+<file path=ppt/slides/slide17.xml><?xml version="1.0" encoding="utf-8"?>
+<p:sld xmlns:a="http://schemas.openxmlformats.org/drawingml/2006/main" xmlns:r="http://schemas.openxmlformats.org/officeDocument/2006/relationships" xmlns:p="http://schemas.openxmlformats.org/presentationml/2006/main">
+  <p:cSld>
+    <p:spTree>
+      <p:nvGrpSpPr>
+        <p:cNvPr id="1" name=""/>
+        <p:cNvGrpSpPr/>
+        <p:nvPr/>
+      </p:nvGrpSpPr>
+      <p:grpSpPr>
+        <a:xfrm>
+          <a:off x="0" y="0"/>
+          <a:ext cx="0" cy="0"/>
+          <a:chOff x="0" y="0"/>
+          <a:chExt cx="0" cy="0"/>
+        </a:xfrm>
+      </p:grpSpPr>
+      <p:sp>
+        <p:nvSpPr>
+          <p:cNvPr id="4" name="TextBox 3">
+            <a:extLst>
+              <a:ext uri="{FF2B5EF4-FFF2-40B4-BE49-F238E27FC236}">
+                <a16:creationId xmlns:a16="http://schemas.microsoft.com/office/drawing/2014/main" id="{08454BA4-F4CD-43FA-93CF-404ADE4B2243}"/>
+              </a:ext>
+            </a:extLst>
+          </p:cNvPr>
+          <p:cNvSpPr txBox="1"/>
+          <p:nvPr/>
+        </p:nvSpPr>
+        <p:spPr>
+          <a:xfrm>
+            <a:off x="184727" y="258618"/>
+            <a:ext cx="10215418" cy="369332"/>
+          </a:xfrm>
+          <a:prstGeom prst="rect">
+            <a:avLst/>
+          </a:prstGeom>
+          <a:noFill/>
+        </p:spPr>
+        <p:txBody>
+          <a:bodyPr wrap="square" rtlCol="0">
+            <a:spAutoFit/>
+          </a:bodyPr>
+          <a:lstStyle/>
+          <a:p>
+            <a:r>
+              <a:rPr lang="en-US" dirty="0"/>
+              <a:t>S3</a:t>
+            </a:r>
+          </a:p>
+        </p:txBody>
+      </p:sp>
+      <p:sp>
+        <p:nvSpPr>
+          <p:cNvPr id="5" name="TextBox 4">
+            <a:extLst>
+              <a:ext uri="{FF2B5EF4-FFF2-40B4-BE49-F238E27FC236}">
+                <a16:creationId xmlns:a16="http://schemas.microsoft.com/office/drawing/2014/main" id="{9775FA0A-2A03-4C73-8F64-4295D097E504}"/>
+              </a:ext>
+            </a:extLst>
+          </p:cNvPr>
+          <p:cNvSpPr txBox="1"/>
+          <p:nvPr/>
+        </p:nvSpPr>
+        <p:spPr>
+          <a:xfrm>
+            <a:off x="387927" y="895927"/>
+            <a:ext cx="9615055" cy="4247317"/>
+          </a:xfrm>
+          <a:prstGeom prst="rect">
+            <a:avLst/>
+          </a:prstGeom>
+          <a:noFill/>
+        </p:spPr>
+        <p:txBody>
+          <a:bodyPr wrap="square" rtlCol="0">
+            <a:spAutoFit/>
+          </a:bodyPr>
+          <a:lstStyle/>
+          <a:p>
+            <a:pPr marL="342900" indent="-342900">
+              <a:buAutoNum type="arabicPeriod"/>
+            </a:pPr>
+            <a:r>
+              <a:rPr lang="en-US" dirty="0"/>
+              <a:t>Exchange Data from Account / Account </a:t>
+            </a:r>
+          </a:p>
+          <a:p>
+            <a:pPr marL="342900" indent="-342900">
+              <a:buAutoNum type="arabicPeriod"/>
+            </a:pPr>
+            <a:r>
+              <a:rPr lang="en-US" dirty="0"/>
+              <a:t>Exchange Data from Region to Region </a:t>
+            </a:r>
+          </a:p>
+          <a:p>
+            <a:pPr marL="342900" indent="-342900">
+              <a:buAutoNum type="arabicPeriod"/>
+            </a:pPr>
+            <a:r>
+              <a:rPr lang="en-US" dirty="0"/>
+              <a:t>For Backup and Restore (Databases and Many Other Things) </a:t>
+            </a:r>
+          </a:p>
+          <a:p>
+            <a:pPr marL="342900" indent="-342900">
+              <a:buAutoNum type="arabicPeriod"/>
+            </a:pPr>
+            <a:r>
+              <a:rPr lang="en-US" dirty="0"/>
+              <a:t>File Store </a:t>
+            </a:r>
+            <a:r>
+              <a:rPr lang="en-US" dirty="0">
+                <a:sym typeface="Wingdings" panose="05000000000000000000" pitchFamily="2" charset="2"/>
+              </a:rPr>
+              <a:t> Store a file in the s3 and trigger function (</a:t>
+            </a:r>
+            <a:r>
+              <a:rPr lang="en-US" dirty="0" err="1">
+                <a:sym typeface="Wingdings" panose="05000000000000000000" pitchFamily="2" charset="2"/>
+              </a:rPr>
+              <a:t>Lamdba</a:t>
+            </a:r>
+            <a:r>
+              <a:rPr lang="en-US" dirty="0">
+                <a:sym typeface="Wingdings" panose="05000000000000000000" pitchFamily="2" charset="2"/>
+              </a:rPr>
+              <a:t> Functions) </a:t>
+            </a:r>
+          </a:p>
+          <a:p>
+            <a:pPr marL="342900" indent="-342900">
+              <a:buAutoNum type="arabicPeriod"/>
+            </a:pPr>
+            <a:r>
+              <a:rPr lang="en-US" dirty="0">
+                <a:sym typeface="Wingdings" panose="05000000000000000000" pitchFamily="2" charset="2"/>
+              </a:rPr>
+              <a:t>S3 as web server (You site can be hosted on s3) </a:t>
+            </a:r>
+          </a:p>
+          <a:p>
+            <a:pPr marL="342900" indent="-342900">
+              <a:buAutoNum type="arabicPeriod"/>
+            </a:pPr>
+            <a:r>
+              <a:rPr lang="en-US" dirty="0">
+                <a:sym typeface="Wingdings" panose="05000000000000000000" pitchFamily="2" charset="2"/>
+              </a:rPr>
+              <a:t>S3 can be used a blob store (No Limit Archival Glacier forms) </a:t>
+            </a:r>
+          </a:p>
+          <a:p>
+            <a:pPr marL="342900" indent="-342900">
+              <a:buAutoNum type="arabicPeriod"/>
+            </a:pPr>
+            <a:r>
+              <a:rPr lang="en-US" dirty="0">
+                <a:sym typeface="Wingdings" panose="05000000000000000000" pitchFamily="2" charset="2"/>
+              </a:rPr>
+              <a:t>S3 can be used for Encrypted Device </a:t>
+            </a:r>
+          </a:p>
+          <a:p>
+            <a:pPr marL="342900" indent="-342900">
+              <a:buAutoNum type="arabicPeriod"/>
+            </a:pPr>
+            <a:r>
+              <a:rPr lang="en-US" dirty="0">
+                <a:sym typeface="Wingdings" panose="05000000000000000000" pitchFamily="2" charset="2"/>
+              </a:rPr>
+              <a:t>S3 can be used like a versioning store </a:t>
+            </a:r>
+          </a:p>
+          <a:p>
+            <a:pPr marL="342900" indent="-342900">
+              <a:buAutoNum type="arabicPeriod"/>
+            </a:pPr>
+            <a:r>
+              <a:rPr lang="en-US" dirty="0">
+                <a:sym typeface="Wingdings" panose="05000000000000000000" pitchFamily="2" charset="2"/>
+              </a:rPr>
+              <a:t>S3 is global  </a:t>
+            </a:r>
+            <a:r>
+              <a:rPr lang="en-US" dirty="0" err="1">
+                <a:sym typeface="Wingdings" panose="05000000000000000000" pitchFamily="2" charset="2"/>
+              </a:rPr>
+              <a:t>Althoug</a:t>
+            </a:r>
+            <a:r>
+              <a:rPr lang="en-US" dirty="0">
+                <a:sym typeface="Wingdings" panose="05000000000000000000" pitchFamily="2" charset="2"/>
+              </a:rPr>
+              <a:t> you create folder in a region but they are visible to the whole world </a:t>
+            </a:r>
+          </a:p>
+          <a:p>
+            <a:pPr marL="342900" indent="-342900">
+              <a:buAutoNum type="arabicPeriod"/>
+            </a:pPr>
+            <a:r>
+              <a:rPr lang="en-US" dirty="0">
+                <a:sym typeface="Wingdings" panose="05000000000000000000" pitchFamily="2" charset="2"/>
+              </a:rPr>
+              <a:t>S3 Allow Accessor pay - </a:t>
+            </a:r>
+          </a:p>
+          <a:p>
+            <a:pPr marL="342900" indent="-342900">
+              <a:buAutoNum type="arabicPeriod"/>
+            </a:pPr>
+            <a:r>
+              <a:rPr lang="en-US" dirty="0">
+                <a:sym typeface="Wingdings" panose="05000000000000000000" pitchFamily="2" charset="2"/>
+              </a:rPr>
+              <a:t>S3  is the must fundamental storage - No limit on what you can store </a:t>
+            </a:r>
+          </a:p>
+          <a:p>
+            <a:pPr marL="342900" indent="-342900">
+              <a:buAutoNum type="arabicPeriod"/>
+            </a:pPr>
+            <a:r>
+              <a:rPr lang="en-US" dirty="0">
+                <a:sym typeface="Wingdings" panose="05000000000000000000" pitchFamily="2" charset="2"/>
+              </a:rPr>
+              <a:t>S3 put/get (Put Object / Get Object) </a:t>
+            </a:r>
+          </a:p>
+          <a:p>
+            <a:pPr marL="342900" indent="-342900">
+              <a:buAutoNum type="arabicPeriod"/>
+            </a:pPr>
+            <a:r>
+              <a:rPr lang="en-US" dirty="0">
+                <a:sym typeface="Wingdings" panose="05000000000000000000" pitchFamily="2" charset="2"/>
+              </a:rPr>
+              <a:t>S3 Allows you to lock object / Version Object and also Access Control on object level granularity</a:t>
+            </a:r>
+          </a:p>
+          <a:p>
+            <a:pPr marL="342900" indent="-342900">
+              <a:buAutoNum type="arabicPeriod"/>
+            </a:pPr>
+            <a:r>
+              <a:rPr lang="en-US" dirty="0">
+                <a:sym typeface="Wingdings" panose="05000000000000000000" pitchFamily="2" charset="2"/>
+              </a:rPr>
+              <a:t>S3 act as storage for Hadoop </a:t>
+            </a:r>
+          </a:p>
+          <a:p>
+            <a:pPr marL="342900" indent="-342900">
+              <a:buAutoNum type="arabicPeriod"/>
+            </a:pPr>
+            <a:r>
+              <a:rPr lang="en-US" dirty="0">
+                <a:sym typeface="Wingdings" panose="05000000000000000000" pitchFamily="2" charset="2"/>
+              </a:rPr>
+              <a:t>S3 can act a storage for any Cloud system </a:t>
+            </a:r>
+            <a:endParaRPr lang="en-US" dirty="0"/>
+          </a:p>
+        </p:txBody>
+      </p:sp>
+    </p:spTree>
+    <p:extLst>
+      <p:ext uri="{BB962C8B-B14F-4D97-AF65-F5344CB8AC3E}">
+        <p14:creationId xmlns:p14="http://schemas.microsoft.com/office/powerpoint/2010/main" val="3796731438"/>
       </p:ext>
     </p:extLst>
   </p:cSld>

--- a/Day-1_BasicCloud.pptx
+++ b/Day-1_BasicCloud.pptx
@@ -22,6 +22,19 @@
     <p:sldId id="270" r:id="rId16"/>
     <p:sldId id="271" r:id="rId17"/>
     <p:sldId id="272" r:id="rId18"/>
+    <p:sldId id="273" r:id="rId19"/>
+    <p:sldId id="274" r:id="rId20"/>
+    <p:sldId id="277" r:id="rId21"/>
+    <p:sldId id="278" r:id="rId22"/>
+    <p:sldId id="275" r:id="rId23"/>
+    <p:sldId id="279" r:id="rId24"/>
+    <p:sldId id="281" r:id="rId25"/>
+    <p:sldId id="280" r:id="rId26"/>
+    <p:sldId id="282" r:id="rId27"/>
+    <p:sldId id="284" r:id="rId28"/>
+    <p:sldId id="283" r:id="rId29"/>
+    <p:sldId id="285" r:id="rId30"/>
+    <p:sldId id="286" r:id="rId31"/>
   </p:sldIdLst>
   <p:sldSz cx="12192000" cy="6858000"/>
   <p:notesSz cx="6858000" cy="9144000"/>
@@ -275,7 +288,7 @@
           <a:p>
             <a:fld id="{0A415406-B414-49DF-AF31-CBB160274B15}" type="datetimeFigureOut">
               <a:rPr lang="en-US" smtClean="0"/>
-              <a:t>1/20/2021</a:t>
+              <a:t>1/25/2021</a:t>
             </a:fld>
             <a:endParaRPr lang="en-US"/>
           </a:p>
@@ -473,7 +486,7 @@
           <a:p>
             <a:fld id="{0A415406-B414-49DF-AF31-CBB160274B15}" type="datetimeFigureOut">
               <a:rPr lang="en-US" smtClean="0"/>
-              <a:t>1/20/2021</a:t>
+              <a:t>1/25/2021</a:t>
             </a:fld>
             <a:endParaRPr lang="en-US"/>
           </a:p>
@@ -681,7 +694,7 @@
           <a:p>
             <a:fld id="{0A415406-B414-49DF-AF31-CBB160274B15}" type="datetimeFigureOut">
               <a:rPr lang="en-US" smtClean="0"/>
-              <a:t>1/20/2021</a:t>
+              <a:t>1/25/2021</a:t>
             </a:fld>
             <a:endParaRPr lang="en-US"/>
           </a:p>
@@ -879,7 +892,7 @@
           <a:p>
             <a:fld id="{0A415406-B414-49DF-AF31-CBB160274B15}" type="datetimeFigureOut">
               <a:rPr lang="en-US" smtClean="0"/>
-              <a:t>1/20/2021</a:t>
+              <a:t>1/25/2021</a:t>
             </a:fld>
             <a:endParaRPr lang="en-US"/>
           </a:p>
@@ -1154,7 +1167,7 @@
           <a:p>
             <a:fld id="{0A415406-B414-49DF-AF31-CBB160274B15}" type="datetimeFigureOut">
               <a:rPr lang="en-US" smtClean="0"/>
-              <a:t>1/20/2021</a:t>
+              <a:t>1/25/2021</a:t>
             </a:fld>
             <a:endParaRPr lang="en-US"/>
           </a:p>
@@ -1419,7 +1432,7 @@
           <a:p>
             <a:fld id="{0A415406-B414-49DF-AF31-CBB160274B15}" type="datetimeFigureOut">
               <a:rPr lang="en-US" smtClean="0"/>
-              <a:t>1/20/2021</a:t>
+              <a:t>1/25/2021</a:t>
             </a:fld>
             <a:endParaRPr lang="en-US"/>
           </a:p>
@@ -1831,7 +1844,7 @@
           <a:p>
             <a:fld id="{0A415406-B414-49DF-AF31-CBB160274B15}" type="datetimeFigureOut">
               <a:rPr lang="en-US" smtClean="0"/>
-              <a:t>1/20/2021</a:t>
+              <a:t>1/25/2021</a:t>
             </a:fld>
             <a:endParaRPr lang="en-US"/>
           </a:p>
@@ -1972,7 +1985,7 @@
           <a:p>
             <a:fld id="{0A415406-B414-49DF-AF31-CBB160274B15}" type="datetimeFigureOut">
               <a:rPr lang="en-US" smtClean="0"/>
-              <a:t>1/20/2021</a:t>
+              <a:t>1/25/2021</a:t>
             </a:fld>
             <a:endParaRPr lang="en-US"/>
           </a:p>
@@ -2085,7 +2098,7 @@
           <a:p>
             <a:fld id="{0A415406-B414-49DF-AF31-CBB160274B15}" type="datetimeFigureOut">
               <a:rPr lang="en-US" smtClean="0"/>
-              <a:t>1/20/2021</a:t>
+              <a:t>1/25/2021</a:t>
             </a:fld>
             <a:endParaRPr lang="en-US"/>
           </a:p>
@@ -2396,7 +2409,7 @@
           <a:p>
             <a:fld id="{0A415406-B414-49DF-AF31-CBB160274B15}" type="datetimeFigureOut">
               <a:rPr lang="en-US" smtClean="0"/>
-              <a:t>1/20/2021</a:t>
+              <a:t>1/25/2021</a:t>
             </a:fld>
             <a:endParaRPr lang="en-US"/>
           </a:p>
@@ -2684,7 +2697,7 @@
           <a:p>
             <a:fld id="{0A415406-B414-49DF-AF31-CBB160274B15}" type="datetimeFigureOut">
               <a:rPr lang="en-US" smtClean="0"/>
-              <a:t>1/20/2021</a:t>
+              <a:t>1/25/2021</a:t>
             </a:fld>
             <a:endParaRPr lang="en-US"/>
           </a:p>
@@ -2925,7 +2938,7 @@
           <a:p>
             <a:fld id="{0A415406-B414-49DF-AF31-CBB160274B15}" type="datetimeFigureOut">
               <a:rPr lang="en-US" smtClean="0"/>
-              <a:t>1/20/2021</a:t>
+              <a:t>1/25/2021</a:t>
             </a:fld>
             <a:endParaRPr lang="en-US"/>
           </a:p>
@@ -7768,6 +7781,1917 @@
 </p:sld>
 </file>
 
+<file path=ppt/slides/slide18.xml><?xml version="1.0" encoding="utf-8"?>
+<p:sld xmlns:a="http://schemas.openxmlformats.org/drawingml/2006/main" xmlns:r="http://schemas.openxmlformats.org/officeDocument/2006/relationships" xmlns:p="http://schemas.openxmlformats.org/presentationml/2006/main">
+  <p:cSld>
+    <p:spTree>
+      <p:nvGrpSpPr>
+        <p:cNvPr id="1" name=""/>
+        <p:cNvGrpSpPr/>
+        <p:nvPr/>
+      </p:nvGrpSpPr>
+      <p:grpSpPr>
+        <a:xfrm>
+          <a:off x="0" y="0"/>
+          <a:ext cx="0" cy="0"/>
+          <a:chOff x="0" y="0"/>
+          <a:chExt cx="0" cy="0"/>
+        </a:xfrm>
+      </p:grpSpPr>
+      <p:sp>
+        <p:nvSpPr>
+          <p:cNvPr id="4" name="TextBox 3">
+            <a:extLst>
+              <a:ext uri="{FF2B5EF4-FFF2-40B4-BE49-F238E27FC236}">
+                <a16:creationId xmlns:a16="http://schemas.microsoft.com/office/drawing/2014/main" id="{1C0BF80C-53CA-428D-88D0-6BBF92D3D6FB}"/>
+              </a:ext>
+            </a:extLst>
+          </p:cNvPr>
+          <p:cNvSpPr txBox="1"/>
+          <p:nvPr/>
+        </p:nvSpPr>
+        <p:spPr>
+          <a:xfrm>
+            <a:off x="101600" y="424873"/>
+            <a:ext cx="6742545" cy="6463308"/>
+          </a:xfrm>
+          <a:prstGeom prst="rect">
+            <a:avLst/>
+          </a:prstGeom>
+          <a:noFill/>
+        </p:spPr>
+        <p:txBody>
+          <a:bodyPr wrap="square" rtlCol="0">
+            <a:spAutoFit/>
+          </a:bodyPr>
+          <a:lstStyle/>
+          <a:p>
+            <a:r>
+              <a:rPr lang="en-US" dirty="0"/>
+              <a:t>Is your development environment same as production environment ; </a:t>
+            </a:r>
+          </a:p>
+          <a:p>
+            <a:r>
+              <a:rPr lang="en-US" dirty="0"/>
+              <a:t>	NO </a:t>
+            </a:r>
+          </a:p>
+          <a:p>
+            <a:r>
+              <a:rPr lang="en-US" dirty="0"/>
+              <a:t>Do you ship what you build and deploy the same thing </a:t>
+            </a:r>
+          </a:p>
+          <a:p>
+            <a:r>
+              <a:rPr lang="en-US" dirty="0"/>
+              <a:t>	NO </a:t>
+            </a:r>
+          </a:p>
+          <a:p>
+            <a:r>
+              <a:rPr lang="en-US" dirty="0"/>
+              <a:t>Do have version of you deployment </a:t>
+            </a:r>
+          </a:p>
+          <a:p>
+            <a:r>
+              <a:rPr lang="en-US" dirty="0"/>
+              <a:t>	NO  (Rollback a click ) </a:t>
+            </a:r>
+          </a:p>
+          <a:p>
+            <a:r>
+              <a:rPr lang="en-US" dirty="0"/>
+              <a:t>Do you have partial Roll out </a:t>
+            </a:r>
+          </a:p>
+          <a:p>
+            <a:r>
+              <a:rPr lang="en-US" dirty="0"/>
+              <a:t>	2 request go to new version 98 </a:t>
+            </a:r>
+            <a:r>
+              <a:rPr lang="en-US" dirty="0" err="1"/>
+              <a:t>oldversion</a:t>
+            </a:r>
+            <a:r>
+              <a:rPr lang="en-US" dirty="0"/>
+              <a:t> </a:t>
+            </a:r>
+          </a:p>
+          <a:p>
+            <a:r>
+              <a:rPr lang="en-US" dirty="0"/>
+              <a:t>	Canary base / Blue Green </a:t>
+            </a:r>
+            <a:r>
+              <a:rPr lang="en-US" dirty="0" err="1"/>
+              <a:t>Deployements</a:t>
+            </a:r>
+            <a:r>
+              <a:rPr lang="en-US" dirty="0"/>
+              <a:t> </a:t>
+            </a:r>
+          </a:p>
+          <a:p>
+            <a:r>
+              <a:rPr lang="en-US" dirty="0"/>
+              <a:t>	NO </a:t>
+            </a:r>
+          </a:p>
+          <a:p>
+            <a:r>
+              <a:rPr lang="en-US" dirty="0"/>
+              <a:t>Do you have Auto Scale Elastic Scaled </a:t>
+            </a:r>
+          </a:p>
+          <a:p>
+            <a:r>
+              <a:rPr lang="en-US" dirty="0"/>
+              <a:t>	Dev (1 Instance) </a:t>
+            </a:r>
+          </a:p>
+          <a:p>
+            <a:r>
+              <a:rPr lang="en-US" dirty="0"/>
+              <a:t>	Proud ( 50 Instance) and 100 Instance </a:t>
+            </a:r>
+          </a:p>
+          <a:p>
+            <a:r>
+              <a:rPr lang="en-US" dirty="0"/>
+              <a:t>	Regulate you instance by a slider </a:t>
+            </a:r>
+          </a:p>
+          <a:p>
+            <a:r>
+              <a:rPr lang="en-US" dirty="0"/>
+              <a:t>Do you a Automation pipeline to say everything you developer is bundled as single image and deployed as a immutable application </a:t>
+            </a:r>
+          </a:p>
+          <a:p>
+            <a:r>
+              <a:rPr lang="en-US" dirty="0"/>
+              <a:t>Can I Extend and customize my builds </a:t>
+            </a:r>
+          </a:p>
+          <a:p>
+            <a:r>
+              <a:rPr lang="en-US" dirty="0"/>
+              <a:t>	NO </a:t>
+            </a:r>
+          </a:p>
+          <a:p>
+            <a:r>
+              <a:rPr lang="en-US" dirty="0"/>
+              <a:t>NO </a:t>
+            </a:r>
+          </a:p>
+          <a:p>
+            <a:r>
+              <a:rPr lang="en-US" dirty="0"/>
+              <a:t>NO </a:t>
+            </a:r>
+          </a:p>
+          <a:p>
+            <a:r>
+              <a:rPr lang="en-US" dirty="0"/>
+              <a:t>NO </a:t>
+            </a:r>
+          </a:p>
+          <a:p>
+            <a:r>
+              <a:rPr lang="en-US" dirty="0"/>
+              <a:t>Can Deploy my build in the same environment but still Control its availability/visibility and Access to everyone </a:t>
+            </a:r>
+          </a:p>
+        </p:txBody>
+      </p:sp>
+      <p:sp>
+        <p:nvSpPr>
+          <p:cNvPr id="5" name="TextBox 4">
+            <a:extLst>
+              <a:ext uri="{FF2B5EF4-FFF2-40B4-BE49-F238E27FC236}">
+                <a16:creationId xmlns:a16="http://schemas.microsoft.com/office/drawing/2014/main" id="{46E50D3B-D441-4E9C-B4DA-11ACC2126192}"/>
+              </a:ext>
+            </a:extLst>
+          </p:cNvPr>
+          <p:cNvSpPr txBox="1"/>
+          <p:nvPr/>
+        </p:nvSpPr>
+        <p:spPr>
+          <a:xfrm>
+            <a:off x="7934036" y="905164"/>
+            <a:ext cx="2115128" cy="369332"/>
+          </a:xfrm>
+          <a:prstGeom prst="rect">
+            <a:avLst/>
+          </a:prstGeom>
+          <a:noFill/>
+        </p:spPr>
+        <p:txBody>
+          <a:bodyPr wrap="square" rtlCol="0">
+            <a:spAutoFit/>
+          </a:bodyPr>
+          <a:lstStyle/>
+          <a:p>
+            <a:r>
+              <a:rPr lang="en-US" dirty="0" err="1"/>
+              <a:t>DevOPS</a:t>
+            </a:r>
+            <a:endParaRPr lang="en-US" dirty="0"/>
+          </a:p>
+        </p:txBody>
+      </p:sp>
+    </p:spTree>
+    <p:extLst>
+      <p:ext uri="{BB962C8B-B14F-4D97-AF65-F5344CB8AC3E}">
+        <p14:creationId xmlns:p14="http://schemas.microsoft.com/office/powerpoint/2010/main" val="105625716"/>
+      </p:ext>
+    </p:extLst>
+  </p:cSld>
+  <p:clrMapOvr>
+    <a:masterClrMapping/>
+  </p:clrMapOvr>
+</p:sld>
+</file>
+
+<file path=ppt/slides/slide19.xml><?xml version="1.0" encoding="utf-8"?>
+<p:sld xmlns:a="http://schemas.openxmlformats.org/drawingml/2006/main" xmlns:r="http://schemas.openxmlformats.org/officeDocument/2006/relationships" xmlns:p="http://schemas.openxmlformats.org/presentationml/2006/main">
+  <p:cSld>
+    <p:spTree>
+      <p:nvGrpSpPr>
+        <p:cNvPr id="1" name=""/>
+        <p:cNvGrpSpPr/>
+        <p:nvPr/>
+      </p:nvGrpSpPr>
+      <p:grpSpPr>
+        <a:xfrm>
+          <a:off x="0" y="0"/>
+          <a:ext cx="0" cy="0"/>
+          <a:chOff x="0" y="0"/>
+          <a:chExt cx="0" cy="0"/>
+        </a:xfrm>
+      </p:grpSpPr>
+      <p:sp>
+        <p:nvSpPr>
+          <p:cNvPr id="4" name="Rectangle 3">
+            <a:extLst>
+              <a:ext uri="{FF2B5EF4-FFF2-40B4-BE49-F238E27FC236}">
+                <a16:creationId xmlns:a16="http://schemas.microsoft.com/office/drawing/2014/main" id="{5D801D91-C10F-4E06-8B17-E9A6B00FFACB}"/>
+              </a:ext>
+            </a:extLst>
+          </p:cNvPr>
+          <p:cNvSpPr/>
+          <p:nvPr/>
+        </p:nvSpPr>
+        <p:spPr>
+          <a:xfrm>
+            <a:off x="267855" y="5652655"/>
+            <a:ext cx="11794836" cy="858981"/>
+          </a:xfrm>
+          <a:prstGeom prst="rect">
+            <a:avLst/>
+          </a:prstGeom>
+        </p:spPr>
+        <p:style>
+          <a:lnRef idx="2">
+            <a:schemeClr val="accent1">
+              <a:shade val="50000"/>
+            </a:schemeClr>
+          </a:lnRef>
+          <a:fillRef idx="1">
+            <a:schemeClr val="accent1"/>
+          </a:fillRef>
+          <a:effectRef idx="0">
+            <a:schemeClr val="accent1"/>
+          </a:effectRef>
+          <a:fontRef idx="minor">
+            <a:schemeClr val="lt1"/>
+          </a:fontRef>
+        </p:style>
+        <p:txBody>
+          <a:bodyPr rtlCol="0" anchor="ctr"/>
+          <a:lstStyle/>
+          <a:p>
+            <a:pPr algn="ctr"/>
+            <a:r>
+              <a:rPr lang="en-US" dirty="0"/>
+              <a:t>HARDWARE  (16/128)</a:t>
+            </a:r>
+          </a:p>
+        </p:txBody>
+      </p:sp>
+      <p:sp>
+        <p:nvSpPr>
+          <p:cNvPr id="5" name="Rectangle 4">
+            <a:extLst>
+              <a:ext uri="{FF2B5EF4-FFF2-40B4-BE49-F238E27FC236}">
+                <a16:creationId xmlns:a16="http://schemas.microsoft.com/office/drawing/2014/main" id="{56398DBA-9C62-4C7A-801D-E83BC4EFE0D3}"/>
+              </a:ext>
+            </a:extLst>
+          </p:cNvPr>
+          <p:cNvSpPr/>
+          <p:nvPr/>
+        </p:nvSpPr>
+        <p:spPr>
+          <a:xfrm>
+            <a:off x="267855" y="4812023"/>
+            <a:ext cx="11794836" cy="757382"/>
+          </a:xfrm>
+          <a:prstGeom prst="rect">
+            <a:avLst/>
+          </a:prstGeom>
+        </p:spPr>
+        <p:style>
+          <a:lnRef idx="2">
+            <a:schemeClr val="accent1">
+              <a:shade val="50000"/>
+            </a:schemeClr>
+          </a:lnRef>
+          <a:fillRef idx="1">
+            <a:schemeClr val="accent1"/>
+          </a:fillRef>
+          <a:effectRef idx="0">
+            <a:schemeClr val="accent1"/>
+          </a:effectRef>
+          <a:fontRef idx="minor">
+            <a:schemeClr val="lt1"/>
+          </a:fontRef>
+        </p:style>
+        <p:txBody>
+          <a:bodyPr rtlCol="0" anchor="ctr"/>
+          <a:lstStyle/>
+          <a:p>
+            <a:pPr algn="ctr"/>
+            <a:r>
+              <a:rPr lang="en-US" dirty="0"/>
+              <a:t>Hypervisor</a:t>
+            </a:r>
+          </a:p>
+        </p:txBody>
+      </p:sp>
+      <p:sp>
+        <p:nvSpPr>
+          <p:cNvPr id="6" name="Rectangle 5">
+            <a:extLst>
+              <a:ext uri="{FF2B5EF4-FFF2-40B4-BE49-F238E27FC236}">
+                <a16:creationId xmlns:a16="http://schemas.microsoft.com/office/drawing/2014/main" id="{4D653845-6877-4C36-ACC3-D8ADF86BE68D}"/>
+              </a:ext>
+            </a:extLst>
+          </p:cNvPr>
+          <p:cNvSpPr/>
+          <p:nvPr/>
+        </p:nvSpPr>
+        <p:spPr>
+          <a:xfrm>
+            <a:off x="242454" y="1856509"/>
+            <a:ext cx="3999345" cy="2817090"/>
+          </a:xfrm>
+          <a:prstGeom prst="rect">
+            <a:avLst/>
+          </a:prstGeom>
+        </p:spPr>
+        <p:style>
+          <a:lnRef idx="2">
+            <a:schemeClr val="accent1">
+              <a:shade val="50000"/>
+            </a:schemeClr>
+          </a:lnRef>
+          <a:fillRef idx="1">
+            <a:schemeClr val="accent1"/>
+          </a:fillRef>
+          <a:effectRef idx="0">
+            <a:schemeClr val="accent1"/>
+          </a:effectRef>
+          <a:fontRef idx="minor">
+            <a:schemeClr val="lt1"/>
+          </a:fontRef>
+        </p:style>
+        <p:txBody>
+          <a:bodyPr rtlCol="0" anchor="ctr"/>
+          <a:lstStyle/>
+          <a:p>
+            <a:pPr algn="ctr"/>
+            <a:endParaRPr lang="en-US"/>
+          </a:p>
+        </p:txBody>
+      </p:sp>
+      <p:sp>
+        <p:nvSpPr>
+          <p:cNvPr id="7" name="Rectangle 6">
+            <a:extLst>
+              <a:ext uri="{FF2B5EF4-FFF2-40B4-BE49-F238E27FC236}">
+                <a16:creationId xmlns:a16="http://schemas.microsoft.com/office/drawing/2014/main" id="{871B9DEA-9109-4A06-A798-8688612BE266}"/>
+              </a:ext>
+            </a:extLst>
+          </p:cNvPr>
+          <p:cNvSpPr/>
+          <p:nvPr/>
+        </p:nvSpPr>
+        <p:spPr>
+          <a:xfrm>
+            <a:off x="8229600" y="1856509"/>
+            <a:ext cx="3833091" cy="2817090"/>
+          </a:xfrm>
+          <a:prstGeom prst="rect">
+            <a:avLst/>
+          </a:prstGeom>
+        </p:spPr>
+        <p:style>
+          <a:lnRef idx="2">
+            <a:schemeClr val="accent1">
+              <a:shade val="50000"/>
+            </a:schemeClr>
+          </a:lnRef>
+          <a:fillRef idx="1">
+            <a:schemeClr val="accent1"/>
+          </a:fillRef>
+          <a:effectRef idx="0">
+            <a:schemeClr val="accent1"/>
+          </a:effectRef>
+          <a:fontRef idx="minor">
+            <a:schemeClr val="lt1"/>
+          </a:fontRef>
+        </p:style>
+        <p:txBody>
+          <a:bodyPr rtlCol="0" anchor="ctr"/>
+          <a:lstStyle/>
+          <a:p>
+            <a:pPr algn="ctr"/>
+            <a:endParaRPr lang="en-US"/>
+          </a:p>
+        </p:txBody>
+      </p:sp>
+      <p:sp>
+        <p:nvSpPr>
+          <p:cNvPr id="8" name="Rectangle 7">
+            <a:extLst>
+              <a:ext uri="{FF2B5EF4-FFF2-40B4-BE49-F238E27FC236}">
+                <a16:creationId xmlns:a16="http://schemas.microsoft.com/office/drawing/2014/main" id="{EDB2377B-4441-41A9-A65D-09F2BD2A20E1}"/>
+              </a:ext>
+            </a:extLst>
+          </p:cNvPr>
+          <p:cNvSpPr/>
+          <p:nvPr/>
+        </p:nvSpPr>
+        <p:spPr>
+          <a:xfrm>
+            <a:off x="4382654" y="1856509"/>
+            <a:ext cx="3731491" cy="2817090"/>
+          </a:xfrm>
+          <a:prstGeom prst="rect">
+            <a:avLst/>
+          </a:prstGeom>
+        </p:spPr>
+        <p:style>
+          <a:lnRef idx="2">
+            <a:schemeClr val="accent1">
+              <a:shade val="50000"/>
+            </a:schemeClr>
+          </a:lnRef>
+          <a:fillRef idx="1">
+            <a:schemeClr val="accent1"/>
+          </a:fillRef>
+          <a:effectRef idx="0">
+            <a:schemeClr val="accent1"/>
+          </a:effectRef>
+          <a:fontRef idx="minor">
+            <a:schemeClr val="lt1"/>
+          </a:fontRef>
+        </p:style>
+        <p:txBody>
+          <a:bodyPr rtlCol="0" anchor="ctr"/>
+          <a:lstStyle/>
+          <a:p>
+            <a:pPr algn="ctr"/>
+            <a:endParaRPr lang="en-US"/>
+          </a:p>
+        </p:txBody>
+      </p:sp>
+      <p:sp>
+        <p:nvSpPr>
+          <p:cNvPr id="10" name="Rectangle 9">
+            <a:extLst>
+              <a:ext uri="{FF2B5EF4-FFF2-40B4-BE49-F238E27FC236}">
+                <a16:creationId xmlns:a16="http://schemas.microsoft.com/office/drawing/2014/main" id="{27BDCB28-1228-438B-9050-86B1988C0F1E}"/>
+              </a:ext>
+            </a:extLst>
+          </p:cNvPr>
+          <p:cNvSpPr/>
+          <p:nvPr/>
+        </p:nvSpPr>
+        <p:spPr>
+          <a:xfrm>
+            <a:off x="401781" y="3592945"/>
+            <a:ext cx="3731491" cy="480291"/>
+          </a:xfrm>
+          <a:prstGeom prst="rect">
+            <a:avLst/>
+          </a:prstGeom>
+        </p:spPr>
+        <p:style>
+          <a:lnRef idx="2">
+            <a:schemeClr val="accent4">
+              <a:shade val="50000"/>
+            </a:schemeClr>
+          </a:lnRef>
+          <a:fillRef idx="1">
+            <a:schemeClr val="accent4"/>
+          </a:fillRef>
+          <a:effectRef idx="0">
+            <a:schemeClr val="accent4"/>
+          </a:effectRef>
+          <a:fontRef idx="minor">
+            <a:schemeClr val="lt1"/>
+          </a:fontRef>
+        </p:style>
+        <p:txBody>
+          <a:bodyPr rtlCol="0" anchor="ctr"/>
+          <a:lstStyle/>
+          <a:p>
+            <a:pPr algn="ctr"/>
+            <a:r>
+              <a:rPr lang="en-US" dirty="0"/>
+              <a:t>Container </a:t>
+            </a:r>
+            <a:r>
+              <a:rPr lang="en-US" dirty="0" err="1"/>
+              <a:t>Virtualizer</a:t>
+            </a:r>
+            <a:endParaRPr lang="en-US" dirty="0"/>
+          </a:p>
+        </p:txBody>
+      </p:sp>
+      <p:sp>
+        <p:nvSpPr>
+          <p:cNvPr id="11" name="TextBox 10">
+            <a:extLst>
+              <a:ext uri="{FF2B5EF4-FFF2-40B4-BE49-F238E27FC236}">
+                <a16:creationId xmlns:a16="http://schemas.microsoft.com/office/drawing/2014/main" id="{A8E00315-AFB6-45DE-8814-1452C9045CF8}"/>
+              </a:ext>
+            </a:extLst>
+          </p:cNvPr>
+          <p:cNvSpPr txBox="1"/>
+          <p:nvPr/>
+        </p:nvSpPr>
+        <p:spPr>
+          <a:xfrm>
+            <a:off x="1149927" y="4119418"/>
+            <a:ext cx="2595418" cy="369332"/>
+          </a:xfrm>
+          <a:prstGeom prst="rect">
+            <a:avLst/>
+          </a:prstGeom>
+          <a:noFill/>
+        </p:spPr>
+        <p:txBody>
+          <a:bodyPr wrap="square" rtlCol="0">
+            <a:spAutoFit/>
+          </a:bodyPr>
+          <a:lstStyle/>
+          <a:p>
+            <a:r>
+              <a:rPr lang="en-US" dirty="0"/>
+              <a:t>4 cores and 16 GB</a:t>
+            </a:r>
+          </a:p>
+        </p:txBody>
+      </p:sp>
+      <p:sp>
+        <p:nvSpPr>
+          <p:cNvPr id="12" name="Oval 11">
+            <a:extLst>
+              <a:ext uri="{FF2B5EF4-FFF2-40B4-BE49-F238E27FC236}">
+                <a16:creationId xmlns:a16="http://schemas.microsoft.com/office/drawing/2014/main" id="{BA41E44C-266D-46E8-89CC-C14C01471AB4}"/>
+              </a:ext>
+            </a:extLst>
+          </p:cNvPr>
+          <p:cNvSpPr/>
+          <p:nvPr/>
+        </p:nvSpPr>
+        <p:spPr>
+          <a:xfrm>
+            <a:off x="628073" y="2207491"/>
+            <a:ext cx="960582" cy="591127"/>
+          </a:xfrm>
+          <a:prstGeom prst="ellipse">
+            <a:avLst/>
+          </a:prstGeom>
+        </p:spPr>
+        <p:style>
+          <a:lnRef idx="2">
+            <a:schemeClr val="accent2">
+              <a:shade val="50000"/>
+            </a:schemeClr>
+          </a:lnRef>
+          <a:fillRef idx="1">
+            <a:schemeClr val="accent2"/>
+          </a:fillRef>
+          <a:effectRef idx="0">
+            <a:schemeClr val="accent2"/>
+          </a:effectRef>
+          <a:fontRef idx="minor">
+            <a:schemeClr val="lt1"/>
+          </a:fontRef>
+        </p:style>
+        <p:txBody>
+          <a:bodyPr rtlCol="0" anchor="ctr"/>
+          <a:lstStyle/>
+          <a:p>
+            <a:pPr algn="ctr"/>
+            <a:r>
+              <a:rPr lang="en-US" dirty="0"/>
+              <a:t>0.5</a:t>
+            </a:r>
+          </a:p>
+          <a:p>
+            <a:pPr algn="ctr"/>
+            <a:r>
+              <a:rPr lang="en-US" dirty="0"/>
+              <a:t>1Gb</a:t>
+            </a:r>
+          </a:p>
+        </p:txBody>
+      </p:sp>
+      <p:sp>
+        <p:nvSpPr>
+          <p:cNvPr id="13" name="Oval 12">
+            <a:extLst>
+              <a:ext uri="{FF2B5EF4-FFF2-40B4-BE49-F238E27FC236}">
+                <a16:creationId xmlns:a16="http://schemas.microsoft.com/office/drawing/2014/main" id="{1BB4D31B-7F4F-41B7-B448-31C1664E11A4}"/>
+              </a:ext>
+            </a:extLst>
+          </p:cNvPr>
+          <p:cNvSpPr/>
+          <p:nvPr/>
+        </p:nvSpPr>
+        <p:spPr>
+          <a:xfrm>
+            <a:off x="1704109" y="1911927"/>
+            <a:ext cx="960582" cy="591127"/>
+          </a:xfrm>
+          <a:prstGeom prst="ellipse">
+            <a:avLst/>
+          </a:prstGeom>
+        </p:spPr>
+        <p:style>
+          <a:lnRef idx="2">
+            <a:schemeClr val="accent2">
+              <a:shade val="50000"/>
+            </a:schemeClr>
+          </a:lnRef>
+          <a:fillRef idx="1">
+            <a:schemeClr val="accent2"/>
+          </a:fillRef>
+          <a:effectRef idx="0">
+            <a:schemeClr val="accent2"/>
+          </a:effectRef>
+          <a:fontRef idx="minor">
+            <a:schemeClr val="lt1"/>
+          </a:fontRef>
+        </p:style>
+        <p:txBody>
+          <a:bodyPr rtlCol="0" anchor="ctr"/>
+          <a:lstStyle/>
+          <a:p>
+            <a:pPr algn="ctr"/>
+            <a:endParaRPr lang="en-US"/>
+          </a:p>
+        </p:txBody>
+      </p:sp>
+      <p:sp>
+        <p:nvSpPr>
+          <p:cNvPr id="14" name="Oval 13">
+            <a:extLst>
+              <a:ext uri="{FF2B5EF4-FFF2-40B4-BE49-F238E27FC236}">
+                <a16:creationId xmlns:a16="http://schemas.microsoft.com/office/drawing/2014/main" id="{56825D78-B008-4F3D-9B12-14146AEA1700}"/>
+              </a:ext>
+            </a:extLst>
+          </p:cNvPr>
+          <p:cNvSpPr/>
+          <p:nvPr/>
+        </p:nvSpPr>
+        <p:spPr>
+          <a:xfrm>
+            <a:off x="2147454" y="2606842"/>
+            <a:ext cx="960582" cy="591127"/>
+          </a:xfrm>
+          <a:prstGeom prst="ellipse">
+            <a:avLst/>
+          </a:prstGeom>
+        </p:spPr>
+        <p:style>
+          <a:lnRef idx="2">
+            <a:schemeClr val="accent2">
+              <a:shade val="50000"/>
+            </a:schemeClr>
+          </a:lnRef>
+          <a:fillRef idx="1">
+            <a:schemeClr val="accent2"/>
+          </a:fillRef>
+          <a:effectRef idx="0">
+            <a:schemeClr val="accent2"/>
+          </a:effectRef>
+          <a:fontRef idx="minor">
+            <a:schemeClr val="lt1"/>
+          </a:fontRef>
+        </p:style>
+        <p:txBody>
+          <a:bodyPr rtlCol="0" anchor="ctr"/>
+          <a:lstStyle/>
+          <a:p>
+            <a:pPr algn="ctr"/>
+            <a:endParaRPr lang="en-US"/>
+          </a:p>
+        </p:txBody>
+      </p:sp>
+      <p:sp>
+        <p:nvSpPr>
+          <p:cNvPr id="15" name="Oval 14">
+            <a:extLst>
+              <a:ext uri="{FF2B5EF4-FFF2-40B4-BE49-F238E27FC236}">
+                <a16:creationId xmlns:a16="http://schemas.microsoft.com/office/drawing/2014/main" id="{C126DE0C-9E5D-45BA-AF9C-7F3B12A5E4A8}"/>
+              </a:ext>
+            </a:extLst>
+          </p:cNvPr>
+          <p:cNvSpPr/>
+          <p:nvPr/>
+        </p:nvSpPr>
+        <p:spPr>
+          <a:xfrm>
+            <a:off x="3029527" y="2022762"/>
+            <a:ext cx="960582" cy="591127"/>
+          </a:xfrm>
+          <a:prstGeom prst="ellipse">
+            <a:avLst/>
+          </a:prstGeom>
+        </p:spPr>
+        <p:style>
+          <a:lnRef idx="2">
+            <a:schemeClr val="accent2">
+              <a:shade val="50000"/>
+            </a:schemeClr>
+          </a:lnRef>
+          <a:fillRef idx="1">
+            <a:schemeClr val="accent2"/>
+          </a:fillRef>
+          <a:effectRef idx="0">
+            <a:schemeClr val="accent2"/>
+          </a:effectRef>
+          <a:fontRef idx="minor">
+            <a:schemeClr val="lt1"/>
+          </a:fontRef>
+        </p:style>
+        <p:txBody>
+          <a:bodyPr rtlCol="0" anchor="ctr"/>
+          <a:lstStyle/>
+          <a:p>
+            <a:pPr algn="ctr"/>
+            <a:endParaRPr lang="en-US"/>
+          </a:p>
+        </p:txBody>
+      </p:sp>
+      <p:sp>
+        <p:nvSpPr>
+          <p:cNvPr id="16" name="Oval 15">
+            <a:extLst>
+              <a:ext uri="{FF2B5EF4-FFF2-40B4-BE49-F238E27FC236}">
+                <a16:creationId xmlns:a16="http://schemas.microsoft.com/office/drawing/2014/main" id="{85334CB0-D205-42C1-A7C0-DC9E53D9689B}"/>
+              </a:ext>
+            </a:extLst>
+          </p:cNvPr>
+          <p:cNvSpPr/>
+          <p:nvPr/>
+        </p:nvSpPr>
+        <p:spPr>
+          <a:xfrm>
+            <a:off x="1168400" y="2909455"/>
+            <a:ext cx="960582" cy="591127"/>
+          </a:xfrm>
+          <a:prstGeom prst="ellipse">
+            <a:avLst/>
+          </a:prstGeom>
+        </p:spPr>
+        <p:style>
+          <a:lnRef idx="2">
+            <a:schemeClr val="accent2">
+              <a:shade val="50000"/>
+            </a:schemeClr>
+          </a:lnRef>
+          <a:fillRef idx="1">
+            <a:schemeClr val="accent2"/>
+          </a:fillRef>
+          <a:effectRef idx="0">
+            <a:schemeClr val="accent2"/>
+          </a:effectRef>
+          <a:fontRef idx="minor">
+            <a:schemeClr val="lt1"/>
+          </a:fontRef>
+        </p:style>
+        <p:txBody>
+          <a:bodyPr rtlCol="0" anchor="ctr"/>
+          <a:lstStyle/>
+          <a:p>
+            <a:pPr algn="ctr"/>
+            <a:endParaRPr lang="en-US"/>
+          </a:p>
+        </p:txBody>
+      </p:sp>
+      <p:sp>
+        <p:nvSpPr>
+          <p:cNvPr id="17" name="Oval 16">
+            <a:extLst>
+              <a:ext uri="{FF2B5EF4-FFF2-40B4-BE49-F238E27FC236}">
+                <a16:creationId xmlns:a16="http://schemas.microsoft.com/office/drawing/2014/main" id="{304D19DB-785B-4858-9B27-055EFBCFB3FD}"/>
+              </a:ext>
+            </a:extLst>
+          </p:cNvPr>
+          <p:cNvSpPr/>
+          <p:nvPr/>
+        </p:nvSpPr>
+        <p:spPr>
+          <a:xfrm>
+            <a:off x="3260436" y="2837873"/>
+            <a:ext cx="960582" cy="591127"/>
+          </a:xfrm>
+          <a:prstGeom prst="ellipse">
+            <a:avLst/>
+          </a:prstGeom>
+        </p:spPr>
+        <p:style>
+          <a:lnRef idx="2">
+            <a:schemeClr val="accent2">
+              <a:shade val="50000"/>
+            </a:schemeClr>
+          </a:lnRef>
+          <a:fillRef idx="1">
+            <a:schemeClr val="accent2"/>
+          </a:fillRef>
+          <a:effectRef idx="0">
+            <a:schemeClr val="accent2"/>
+          </a:effectRef>
+          <a:fontRef idx="minor">
+            <a:schemeClr val="lt1"/>
+          </a:fontRef>
+        </p:style>
+        <p:txBody>
+          <a:bodyPr rtlCol="0" anchor="ctr"/>
+          <a:lstStyle/>
+          <a:p>
+            <a:pPr algn="ctr"/>
+            <a:endParaRPr lang="en-US"/>
+          </a:p>
+        </p:txBody>
+      </p:sp>
+      <p:sp>
+        <p:nvSpPr>
+          <p:cNvPr id="18" name="Rectangle 17">
+            <a:extLst>
+              <a:ext uri="{FF2B5EF4-FFF2-40B4-BE49-F238E27FC236}">
+                <a16:creationId xmlns:a16="http://schemas.microsoft.com/office/drawing/2014/main" id="{15DEC769-CA73-4784-A1E7-409EF29A8B14}"/>
+              </a:ext>
+            </a:extLst>
+          </p:cNvPr>
+          <p:cNvSpPr/>
+          <p:nvPr/>
+        </p:nvSpPr>
+        <p:spPr>
+          <a:xfrm>
+            <a:off x="1293091" y="4553405"/>
+            <a:ext cx="711200" cy="175612"/>
+          </a:xfrm>
+          <a:prstGeom prst="rect">
+            <a:avLst/>
+          </a:prstGeom>
+        </p:spPr>
+        <p:style>
+          <a:lnRef idx="2">
+            <a:schemeClr val="accent1">
+              <a:shade val="50000"/>
+            </a:schemeClr>
+          </a:lnRef>
+          <a:fillRef idx="1">
+            <a:schemeClr val="accent1"/>
+          </a:fillRef>
+          <a:effectRef idx="0">
+            <a:schemeClr val="accent1"/>
+          </a:effectRef>
+          <a:fontRef idx="minor">
+            <a:schemeClr val="lt1"/>
+          </a:fontRef>
+        </p:style>
+        <p:txBody>
+          <a:bodyPr rtlCol="0" anchor="ctr"/>
+          <a:lstStyle/>
+          <a:p>
+            <a:pPr algn="ctr"/>
+            <a:r>
+              <a:rPr lang="en-US" dirty="0"/>
+              <a:t>NW</a:t>
+            </a:r>
+          </a:p>
+        </p:txBody>
+      </p:sp>
+      <p:sp>
+        <p:nvSpPr>
+          <p:cNvPr id="19" name="Rectangle 18">
+            <a:extLst>
+              <a:ext uri="{FF2B5EF4-FFF2-40B4-BE49-F238E27FC236}">
+                <a16:creationId xmlns:a16="http://schemas.microsoft.com/office/drawing/2014/main" id="{56C63B16-99A5-471F-BB39-AC919825C9CC}"/>
+              </a:ext>
+            </a:extLst>
+          </p:cNvPr>
+          <p:cNvSpPr/>
+          <p:nvPr/>
+        </p:nvSpPr>
+        <p:spPr>
+          <a:xfrm>
+            <a:off x="2184400" y="4544168"/>
+            <a:ext cx="711200" cy="175612"/>
+          </a:xfrm>
+          <a:prstGeom prst="rect">
+            <a:avLst/>
+          </a:prstGeom>
+        </p:spPr>
+        <p:style>
+          <a:lnRef idx="2">
+            <a:schemeClr val="accent1">
+              <a:shade val="50000"/>
+            </a:schemeClr>
+          </a:lnRef>
+          <a:fillRef idx="1">
+            <a:schemeClr val="accent1"/>
+          </a:fillRef>
+          <a:effectRef idx="0">
+            <a:schemeClr val="accent1"/>
+          </a:effectRef>
+          <a:fontRef idx="minor">
+            <a:schemeClr val="lt1"/>
+          </a:fontRef>
+        </p:style>
+        <p:txBody>
+          <a:bodyPr rtlCol="0" anchor="ctr"/>
+          <a:lstStyle/>
+          <a:p>
+            <a:pPr algn="ctr"/>
+            <a:r>
+              <a:rPr lang="en-US" dirty="0"/>
+              <a:t>MEM</a:t>
+            </a:r>
+          </a:p>
+        </p:txBody>
+      </p:sp>
+      <p:sp>
+        <p:nvSpPr>
+          <p:cNvPr id="20" name="Rectangle 19">
+            <a:extLst>
+              <a:ext uri="{FF2B5EF4-FFF2-40B4-BE49-F238E27FC236}">
+                <a16:creationId xmlns:a16="http://schemas.microsoft.com/office/drawing/2014/main" id="{6AAFC811-BAD7-47C6-8C43-FCF091EAADAF}"/>
+              </a:ext>
+            </a:extLst>
+          </p:cNvPr>
+          <p:cNvSpPr/>
+          <p:nvPr/>
+        </p:nvSpPr>
+        <p:spPr>
+          <a:xfrm>
+            <a:off x="3117272" y="4525696"/>
+            <a:ext cx="711200" cy="175612"/>
+          </a:xfrm>
+          <a:prstGeom prst="rect">
+            <a:avLst/>
+          </a:prstGeom>
+        </p:spPr>
+        <p:style>
+          <a:lnRef idx="2">
+            <a:schemeClr val="accent1">
+              <a:shade val="50000"/>
+            </a:schemeClr>
+          </a:lnRef>
+          <a:fillRef idx="1">
+            <a:schemeClr val="accent1"/>
+          </a:fillRef>
+          <a:effectRef idx="0">
+            <a:schemeClr val="accent1"/>
+          </a:effectRef>
+          <a:fontRef idx="minor">
+            <a:schemeClr val="lt1"/>
+          </a:fontRef>
+        </p:style>
+        <p:txBody>
+          <a:bodyPr rtlCol="0" anchor="ctr"/>
+          <a:lstStyle/>
+          <a:p>
+            <a:pPr algn="ctr"/>
+            <a:r>
+              <a:rPr lang="en-US" dirty="0"/>
+              <a:t>CPU</a:t>
+            </a:r>
+          </a:p>
+        </p:txBody>
+      </p:sp>
+      <p:sp>
+        <p:nvSpPr>
+          <p:cNvPr id="21" name="Rectangle 20">
+            <a:extLst>
+              <a:ext uri="{FF2B5EF4-FFF2-40B4-BE49-F238E27FC236}">
+                <a16:creationId xmlns:a16="http://schemas.microsoft.com/office/drawing/2014/main" id="{1A12B477-1513-4814-BF2F-11A4D286F28F}"/>
+              </a:ext>
+            </a:extLst>
+          </p:cNvPr>
+          <p:cNvSpPr/>
+          <p:nvPr/>
+        </p:nvSpPr>
+        <p:spPr>
+          <a:xfrm>
+            <a:off x="438727" y="4562642"/>
+            <a:ext cx="711200" cy="175612"/>
+          </a:xfrm>
+          <a:prstGeom prst="rect">
+            <a:avLst/>
+          </a:prstGeom>
+        </p:spPr>
+        <p:style>
+          <a:lnRef idx="2">
+            <a:schemeClr val="accent1">
+              <a:shade val="50000"/>
+            </a:schemeClr>
+          </a:lnRef>
+          <a:fillRef idx="1">
+            <a:schemeClr val="accent1"/>
+          </a:fillRef>
+          <a:effectRef idx="0">
+            <a:schemeClr val="accent1"/>
+          </a:effectRef>
+          <a:fontRef idx="minor">
+            <a:schemeClr val="lt1"/>
+          </a:fontRef>
+        </p:style>
+        <p:txBody>
+          <a:bodyPr rtlCol="0" anchor="ctr"/>
+          <a:lstStyle/>
+          <a:p>
+            <a:pPr algn="ctr"/>
+            <a:r>
+              <a:rPr lang="en-US" dirty="0"/>
+              <a:t>DISK</a:t>
+            </a:r>
+          </a:p>
+        </p:txBody>
+      </p:sp>
+      <p:sp>
+        <p:nvSpPr>
+          <p:cNvPr id="22" name="Rectangle 21">
+            <a:extLst>
+              <a:ext uri="{FF2B5EF4-FFF2-40B4-BE49-F238E27FC236}">
+                <a16:creationId xmlns:a16="http://schemas.microsoft.com/office/drawing/2014/main" id="{A2DE964D-6C02-4C91-85D4-ECE1C12B62F3}"/>
+              </a:ext>
+            </a:extLst>
+          </p:cNvPr>
+          <p:cNvSpPr/>
+          <p:nvPr/>
+        </p:nvSpPr>
+        <p:spPr>
+          <a:xfrm>
+            <a:off x="267855" y="969818"/>
+            <a:ext cx="11702472" cy="600484"/>
+          </a:xfrm>
+          <a:prstGeom prst="rect">
+            <a:avLst/>
+          </a:prstGeom>
+        </p:spPr>
+        <p:style>
+          <a:lnRef idx="2">
+            <a:schemeClr val="accent1">
+              <a:shade val="50000"/>
+            </a:schemeClr>
+          </a:lnRef>
+          <a:fillRef idx="1">
+            <a:schemeClr val="accent1"/>
+          </a:fillRef>
+          <a:effectRef idx="0">
+            <a:schemeClr val="accent1"/>
+          </a:effectRef>
+          <a:fontRef idx="minor">
+            <a:schemeClr val="lt1"/>
+          </a:fontRef>
+        </p:style>
+        <p:txBody>
+          <a:bodyPr rtlCol="0" anchor="ctr"/>
+          <a:lstStyle/>
+          <a:p>
+            <a:pPr algn="ctr"/>
+            <a:r>
+              <a:rPr lang="en-US" dirty="0"/>
+              <a:t>KUBERNETES/…….</a:t>
+            </a:r>
+          </a:p>
+        </p:txBody>
+      </p:sp>
+      <p:cxnSp>
+        <p:nvCxnSpPr>
+          <p:cNvPr id="24" name="Connector: Elbow 23">
+            <a:extLst>
+              <a:ext uri="{FF2B5EF4-FFF2-40B4-BE49-F238E27FC236}">
+                <a16:creationId xmlns:a16="http://schemas.microsoft.com/office/drawing/2014/main" id="{E2009BD2-0635-4D21-865A-F0DA7CE9BEE3}"/>
+              </a:ext>
+            </a:extLst>
+          </p:cNvPr>
+          <p:cNvCxnSpPr>
+            <a:endCxn id="22" idx="0"/>
+          </p:cNvCxnSpPr>
+          <p:nvPr/>
+        </p:nvCxnSpPr>
+        <p:spPr>
+          <a:xfrm rot="5400000">
+            <a:off x="5775037" y="473363"/>
+            <a:ext cx="840509" cy="152400"/>
+          </a:xfrm>
+          <a:prstGeom prst="bentConnector3">
+            <a:avLst/>
+          </a:prstGeom>
+          <a:ln>
+            <a:tailEnd type="triangle"/>
+          </a:ln>
+        </p:spPr>
+        <p:style>
+          <a:lnRef idx="1">
+            <a:schemeClr val="accent1"/>
+          </a:lnRef>
+          <a:fillRef idx="0">
+            <a:schemeClr val="accent1"/>
+          </a:fillRef>
+          <a:effectRef idx="0">
+            <a:schemeClr val="accent1"/>
+          </a:effectRef>
+          <a:fontRef idx="minor">
+            <a:schemeClr val="tx1"/>
+          </a:fontRef>
+        </p:style>
+      </p:cxnSp>
+      <p:sp>
+        <p:nvSpPr>
+          <p:cNvPr id="25" name="Rectangle 24">
+            <a:extLst>
+              <a:ext uri="{FF2B5EF4-FFF2-40B4-BE49-F238E27FC236}">
+                <a16:creationId xmlns:a16="http://schemas.microsoft.com/office/drawing/2014/main" id="{5017473F-9C3C-438F-8655-AE38E5CC6AD4}"/>
+              </a:ext>
+            </a:extLst>
+          </p:cNvPr>
+          <p:cNvSpPr/>
+          <p:nvPr/>
+        </p:nvSpPr>
+        <p:spPr>
+          <a:xfrm>
+            <a:off x="4447308" y="3592945"/>
+            <a:ext cx="3602181" cy="480291"/>
+          </a:xfrm>
+          <a:prstGeom prst="rect">
+            <a:avLst/>
+          </a:prstGeom>
+        </p:spPr>
+        <p:style>
+          <a:lnRef idx="2">
+            <a:schemeClr val="accent4">
+              <a:shade val="50000"/>
+            </a:schemeClr>
+          </a:lnRef>
+          <a:fillRef idx="1">
+            <a:schemeClr val="accent4"/>
+          </a:fillRef>
+          <a:effectRef idx="0">
+            <a:schemeClr val="accent4"/>
+          </a:effectRef>
+          <a:fontRef idx="minor">
+            <a:schemeClr val="lt1"/>
+          </a:fontRef>
+        </p:style>
+        <p:txBody>
+          <a:bodyPr rtlCol="0" anchor="ctr"/>
+          <a:lstStyle/>
+          <a:p>
+            <a:pPr algn="ctr"/>
+            <a:r>
+              <a:rPr lang="en-US" dirty="0"/>
+              <a:t>Container </a:t>
+            </a:r>
+            <a:r>
+              <a:rPr lang="en-US" dirty="0" err="1"/>
+              <a:t>Virtualizer</a:t>
+            </a:r>
+            <a:endParaRPr lang="en-US" dirty="0"/>
+          </a:p>
+        </p:txBody>
+      </p:sp>
+      <p:sp>
+        <p:nvSpPr>
+          <p:cNvPr id="26" name="Rectangle 25">
+            <a:extLst>
+              <a:ext uri="{FF2B5EF4-FFF2-40B4-BE49-F238E27FC236}">
+                <a16:creationId xmlns:a16="http://schemas.microsoft.com/office/drawing/2014/main" id="{9C386AB2-CB6C-4591-A86E-032101BA6AB5}"/>
+              </a:ext>
+            </a:extLst>
+          </p:cNvPr>
+          <p:cNvSpPr/>
+          <p:nvPr/>
+        </p:nvSpPr>
+        <p:spPr>
+          <a:xfrm>
+            <a:off x="8368146" y="3592944"/>
+            <a:ext cx="3602181" cy="480291"/>
+          </a:xfrm>
+          <a:prstGeom prst="rect">
+            <a:avLst/>
+          </a:prstGeom>
+        </p:spPr>
+        <p:style>
+          <a:lnRef idx="2">
+            <a:schemeClr val="accent4">
+              <a:shade val="50000"/>
+            </a:schemeClr>
+          </a:lnRef>
+          <a:fillRef idx="1">
+            <a:schemeClr val="accent4"/>
+          </a:fillRef>
+          <a:effectRef idx="0">
+            <a:schemeClr val="accent4"/>
+          </a:effectRef>
+          <a:fontRef idx="minor">
+            <a:schemeClr val="lt1"/>
+          </a:fontRef>
+        </p:style>
+        <p:txBody>
+          <a:bodyPr rtlCol="0" anchor="ctr"/>
+          <a:lstStyle/>
+          <a:p>
+            <a:pPr algn="ctr"/>
+            <a:r>
+              <a:rPr lang="en-US" dirty="0"/>
+              <a:t>Container </a:t>
+            </a:r>
+            <a:r>
+              <a:rPr lang="en-US" dirty="0" err="1"/>
+              <a:t>Virtualizer</a:t>
+            </a:r>
+            <a:endParaRPr lang="en-US" dirty="0"/>
+          </a:p>
+        </p:txBody>
+      </p:sp>
+      <p:sp>
+        <p:nvSpPr>
+          <p:cNvPr id="27" name="Oval 26">
+            <a:extLst>
+              <a:ext uri="{FF2B5EF4-FFF2-40B4-BE49-F238E27FC236}">
+                <a16:creationId xmlns:a16="http://schemas.microsoft.com/office/drawing/2014/main" id="{6A9A701E-462E-400F-ACB3-67CB7A179DE1}"/>
+              </a:ext>
+            </a:extLst>
+          </p:cNvPr>
+          <p:cNvSpPr/>
+          <p:nvPr/>
+        </p:nvSpPr>
+        <p:spPr>
+          <a:xfrm>
+            <a:off x="5523345" y="2318328"/>
+            <a:ext cx="960582" cy="591127"/>
+          </a:xfrm>
+          <a:prstGeom prst="ellipse">
+            <a:avLst/>
+          </a:prstGeom>
+        </p:spPr>
+        <p:style>
+          <a:lnRef idx="2">
+            <a:schemeClr val="accent2">
+              <a:shade val="50000"/>
+            </a:schemeClr>
+          </a:lnRef>
+          <a:fillRef idx="1">
+            <a:schemeClr val="accent2"/>
+          </a:fillRef>
+          <a:effectRef idx="0">
+            <a:schemeClr val="accent2"/>
+          </a:effectRef>
+          <a:fontRef idx="minor">
+            <a:schemeClr val="lt1"/>
+          </a:fontRef>
+        </p:style>
+        <p:txBody>
+          <a:bodyPr rtlCol="0" anchor="ctr"/>
+          <a:lstStyle/>
+          <a:p>
+            <a:pPr algn="ctr"/>
+            <a:endParaRPr lang="en-US"/>
+          </a:p>
+        </p:txBody>
+      </p:sp>
+      <p:sp>
+        <p:nvSpPr>
+          <p:cNvPr id="30" name="Oval 29">
+            <a:extLst>
+              <a:ext uri="{FF2B5EF4-FFF2-40B4-BE49-F238E27FC236}">
+                <a16:creationId xmlns:a16="http://schemas.microsoft.com/office/drawing/2014/main" id="{ED2C70D5-B82A-4AB6-9741-7856B42B57C3}"/>
+              </a:ext>
+            </a:extLst>
+          </p:cNvPr>
+          <p:cNvSpPr/>
+          <p:nvPr/>
+        </p:nvSpPr>
+        <p:spPr>
+          <a:xfrm>
+            <a:off x="8682182" y="2133599"/>
+            <a:ext cx="960582" cy="591127"/>
+          </a:xfrm>
+          <a:prstGeom prst="ellipse">
+            <a:avLst/>
+          </a:prstGeom>
+        </p:spPr>
+        <p:style>
+          <a:lnRef idx="2">
+            <a:schemeClr val="accent2">
+              <a:shade val="50000"/>
+            </a:schemeClr>
+          </a:lnRef>
+          <a:fillRef idx="1">
+            <a:schemeClr val="accent2"/>
+          </a:fillRef>
+          <a:effectRef idx="0">
+            <a:schemeClr val="accent2"/>
+          </a:effectRef>
+          <a:fontRef idx="minor">
+            <a:schemeClr val="lt1"/>
+          </a:fontRef>
+        </p:style>
+        <p:txBody>
+          <a:bodyPr rtlCol="0" anchor="ctr"/>
+          <a:lstStyle/>
+          <a:p>
+            <a:pPr algn="ctr"/>
+            <a:endParaRPr lang="en-US"/>
+          </a:p>
+        </p:txBody>
+      </p:sp>
+      <p:sp>
+        <p:nvSpPr>
+          <p:cNvPr id="31" name="Oval 30">
+            <a:extLst>
+              <a:ext uri="{FF2B5EF4-FFF2-40B4-BE49-F238E27FC236}">
+                <a16:creationId xmlns:a16="http://schemas.microsoft.com/office/drawing/2014/main" id="{289F895E-6ADB-4316-97C5-1537C96AE780}"/>
+              </a:ext>
+            </a:extLst>
+          </p:cNvPr>
+          <p:cNvSpPr/>
+          <p:nvPr/>
+        </p:nvSpPr>
+        <p:spPr>
+          <a:xfrm>
+            <a:off x="10146145" y="2207491"/>
+            <a:ext cx="960582" cy="591127"/>
+          </a:xfrm>
+          <a:prstGeom prst="ellipse">
+            <a:avLst/>
+          </a:prstGeom>
+        </p:spPr>
+        <p:style>
+          <a:lnRef idx="2">
+            <a:schemeClr val="accent2">
+              <a:shade val="50000"/>
+            </a:schemeClr>
+          </a:lnRef>
+          <a:fillRef idx="1">
+            <a:schemeClr val="accent2"/>
+          </a:fillRef>
+          <a:effectRef idx="0">
+            <a:schemeClr val="accent2"/>
+          </a:effectRef>
+          <a:fontRef idx="minor">
+            <a:schemeClr val="lt1"/>
+          </a:fontRef>
+        </p:style>
+        <p:txBody>
+          <a:bodyPr rtlCol="0" anchor="ctr"/>
+          <a:lstStyle/>
+          <a:p>
+            <a:pPr algn="ctr"/>
+            <a:endParaRPr lang="en-US"/>
+          </a:p>
+        </p:txBody>
+      </p:sp>
+      <p:sp>
+        <p:nvSpPr>
+          <p:cNvPr id="32" name="Oval 31">
+            <a:extLst>
+              <a:ext uri="{FF2B5EF4-FFF2-40B4-BE49-F238E27FC236}">
+                <a16:creationId xmlns:a16="http://schemas.microsoft.com/office/drawing/2014/main" id="{66AF1E97-57E0-49DE-9F5F-932B908A15D4}"/>
+              </a:ext>
+            </a:extLst>
+          </p:cNvPr>
+          <p:cNvSpPr/>
+          <p:nvPr/>
+        </p:nvSpPr>
+        <p:spPr>
+          <a:xfrm>
+            <a:off x="10963563" y="2724726"/>
+            <a:ext cx="960582" cy="591127"/>
+          </a:xfrm>
+          <a:prstGeom prst="ellipse">
+            <a:avLst/>
+          </a:prstGeom>
+        </p:spPr>
+        <p:style>
+          <a:lnRef idx="2">
+            <a:schemeClr val="accent2">
+              <a:shade val="50000"/>
+            </a:schemeClr>
+          </a:lnRef>
+          <a:fillRef idx="1">
+            <a:schemeClr val="accent2"/>
+          </a:fillRef>
+          <a:effectRef idx="0">
+            <a:schemeClr val="accent2"/>
+          </a:effectRef>
+          <a:fontRef idx="minor">
+            <a:schemeClr val="lt1"/>
+          </a:fontRef>
+        </p:style>
+        <p:txBody>
+          <a:bodyPr rtlCol="0" anchor="ctr"/>
+          <a:lstStyle/>
+          <a:p>
+            <a:pPr algn="ctr"/>
+            <a:endParaRPr lang="en-US"/>
+          </a:p>
+        </p:txBody>
+      </p:sp>
+      <p:sp>
+        <p:nvSpPr>
+          <p:cNvPr id="33" name="Oval 32">
+            <a:extLst>
+              <a:ext uri="{FF2B5EF4-FFF2-40B4-BE49-F238E27FC236}">
+                <a16:creationId xmlns:a16="http://schemas.microsoft.com/office/drawing/2014/main" id="{B067FD3E-9147-4D7E-AC5B-8641CFB4E116}"/>
+              </a:ext>
+            </a:extLst>
+          </p:cNvPr>
+          <p:cNvSpPr/>
+          <p:nvPr/>
+        </p:nvSpPr>
+        <p:spPr>
+          <a:xfrm>
+            <a:off x="6599381" y="2837872"/>
+            <a:ext cx="960582" cy="591127"/>
+          </a:xfrm>
+          <a:prstGeom prst="ellipse">
+            <a:avLst/>
+          </a:prstGeom>
+        </p:spPr>
+        <p:style>
+          <a:lnRef idx="2">
+            <a:schemeClr val="accent2">
+              <a:shade val="50000"/>
+            </a:schemeClr>
+          </a:lnRef>
+          <a:fillRef idx="1">
+            <a:schemeClr val="accent2"/>
+          </a:fillRef>
+          <a:effectRef idx="0">
+            <a:schemeClr val="accent2"/>
+          </a:effectRef>
+          <a:fontRef idx="minor">
+            <a:schemeClr val="lt1"/>
+          </a:fontRef>
+        </p:style>
+        <p:txBody>
+          <a:bodyPr rtlCol="0" anchor="ctr"/>
+          <a:lstStyle/>
+          <a:p>
+            <a:pPr algn="ctr"/>
+            <a:endParaRPr lang="en-US"/>
+          </a:p>
+        </p:txBody>
+      </p:sp>
+      <p:sp>
+        <p:nvSpPr>
+          <p:cNvPr id="34" name="Oval 33">
+            <a:extLst>
+              <a:ext uri="{FF2B5EF4-FFF2-40B4-BE49-F238E27FC236}">
+                <a16:creationId xmlns:a16="http://schemas.microsoft.com/office/drawing/2014/main" id="{790AFF04-EE41-4AA5-9686-D63878A1F3E4}"/>
+              </a:ext>
+            </a:extLst>
+          </p:cNvPr>
+          <p:cNvSpPr/>
+          <p:nvPr/>
+        </p:nvSpPr>
+        <p:spPr>
+          <a:xfrm>
+            <a:off x="4687454" y="2919845"/>
+            <a:ext cx="960582" cy="591127"/>
+          </a:xfrm>
+          <a:prstGeom prst="ellipse">
+            <a:avLst/>
+          </a:prstGeom>
+        </p:spPr>
+        <p:style>
+          <a:lnRef idx="2">
+            <a:schemeClr val="accent2">
+              <a:shade val="50000"/>
+            </a:schemeClr>
+          </a:lnRef>
+          <a:fillRef idx="1">
+            <a:schemeClr val="accent2"/>
+          </a:fillRef>
+          <a:effectRef idx="0">
+            <a:schemeClr val="accent2"/>
+          </a:effectRef>
+          <a:fontRef idx="minor">
+            <a:schemeClr val="lt1"/>
+          </a:fontRef>
+        </p:style>
+        <p:txBody>
+          <a:bodyPr rtlCol="0" anchor="ctr"/>
+          <a:lstStyle/>
+          <a:p>
+            <a:pPr algn="ctr"/>
+            <a:endParaRPr lang="en-US"/>
+          </a:p>
+        </p:txBody>
+      </p:sp>
+      <p:sp>
+        <p:nvSpPr>
+          <p:cNvPr id="39" name="Rectangle 38">
+            <a:extLst>
+              <a:ext uri="{FF2B5EF4-FFF2-40B4-BE49-F238E27FC236}">
+                <a16:creationId xmlns:a16="http://schemas.microsoft.com/office/drawing/2014/main" id="{C77AC842-7072-4D9E-952D-73B6FE5091AE}"/>
+              </a:ext>
+            </a:extLst>
+          </p:cNvPr>
+          <p:cNvSpPr/>
+          <p:nvPr/>
+        </p:nvSpPr>
+        <p:spPr>
+          <a:xfrm>
+            <a:off x="401781" y="129308"/>
+            <a:ext cx="2055092" cy="600484"/>
+          </a:xfrm>
+          <a:prstGeom prst="rect">
+            <a:avLst/>
+          </a:prstGeom>
+        </p:spPr>
+        <p:style>
+          <a:lnRef idx="2">
+            <a:schemeClr val="accent1">
+              <a:shade val="50000"/>
+            </a:schemeClr>
+          </a:lnRef>
+          <a:fillRef idx="1">
+            <a:schemeClr val="accent1"/>
+          </a:fillRef>
+          <a:effectRef idx="0">
+            <a:schemeClr val="accent1"/>
+          </a:effectRef>
+          <a:fontRef idx="minor">
+            <a:schemeClr val="lt1"/>
+          </a:fontRef>
+        </p:style>
+        <p:txBody>
+          <a:bodyPr rtlCol="0" anchor="ctr"/>
+          <a:lstStyle/>
+          <a:p>
+            <a:pPr algn="ctr"/>
+            <a:endParaRPr lang="en-US"/>
+          </a:p>
+        </p:txBody>
+      </p:sp>
+      <p:sp>
+        <p:nvSpPr>
+          <p:cNvPr id="40" name="Rectangle: Rounded Corners 39">
+            <a:extLst>
+              <a:ext uri="{FF2B5EF4-FFF2-40B4-BE49-F238E27FC236}">
+                <a16:creationId xmlns:a16="http://schemas.microsoft.com/office/drawing/2014/main" id="{FDC9A796-ED16-4EA7-AE73-BA67476073AE}"/>
+              </a:ext>
+            </a:extLst>
+          </p:cNvPr>
+          <p:cNvSpPr/>
+          <p:nvPr/>
+        </p:nvSpPr>
+        <p:spPr>
+          <a:xfrm>
+            <a:off x="628073" y="267855"/>
+            <a:ext cx="540327" cy="249503"/>
+          </a:xfrm>
+          <a:prstGeom prst="roundRect">
+            <a:avLst/>
+          </a:prstGeom>
+        </p:spPr>
+        <p:style>
+          <a:lnRef idx="2">
+            <a:schemeClr val="accent3">
+              <a:shade val="50000"/>
+            </a:schemeClr>
+          </a:lnRef>
+          <a:fillRef idx="1">
+            <a:schemeClr val="accent3"/>
+          </a:fillRef>
+          <a:effectRef idx="0">
+            <a:schemeClr val="accent3"/>
+          </a:effectRef>
+          <a:fontRef idx="minor">
+            <a:schemeClr val="lt1"/>
+          </a:fontRef>
+        </p:style>
+        <p:txBody>
+          <a:bodyPr rtlCol="0" anchor="ctr"/>
+          <a:lstStyle/>
+          <a:p>
+            <a:pPr algn="ctr"/>
+            <a:endParaRPr lang="en-US"/>
+          </a:p>
+        </p:txBody>
+      </p:sp>
+      <p:sp>
+        <p:nvSpPr>
+          <p:cNvPr id="41" name="Rectangle: Rounded Corners 40">
+            <a:extLst>
+              <a:ext uri="{FF2B5EF4-FFF2-40B4-BE49-F238E27FC236}">
+                <a16:creationId xmlns:a16="http://schemas.microsoft.com/office/drawing/2014/main" id="{B5CAD8A2-1A96-4B8C-AE8E-0DE635CA462E}"/>
+              </a:ext>
+            </a:extLst>
+          </p:cNvPr>
+          <p:cNvSpPr/>
+          <p:nvPr/>
+        </p:nvSpPr>
+        <p:spPr>
+          <a:xfrm>
+            <a:off x="794327" y="360156"/>
+            <a:ext cx="540327" cy="249503"/>
+          </a:xfrm>
+          <a:prstGeom prst="roundRect">
+            <a:avLst/>
+          </a:prstGeom>
+        </p:spPr>
+        <p:style>
+          <a:lnRef idx="2">
+            <a:schemeClr val="accent3">
+              <a:shade val="50000"/>
+            </a:schemeClr>
+          </a:lnRef>
+          <a:fillRef idx="1">
+            <a:schemeClr val="accent3"/>
+          </a:fillRef>
+          <a:effectRef idx="0">
+            <a:schemeClr val="accent3"/>
+          </a:effectRef>
+          <a:fontRef idx="minor">
+            <a:schemeClr val="lt1"/>
+          </a:fontRef>
+        </p:style>
+        <p:txBody>
+          <a:bodyPr rtlCol="0" anchor="ctr"/>
+          <a:lstStyle/>
+          <a:p>
+            <a:pPr algn="ctr"/>
+            <a:endParaRPr lang="en-US"/>
+          </a:p>
+        </p:txBody>
+      </p:sp>
+      <p:sp>
+        <p:nvSpPr>
+          <p:cNvPr id="42" name="Rectangle: Rounded Corners 41">
+            <a:extLst>
+              <a:ext uri="{FF2B5EF4-FFF2-40B4-BE49-F238E27FC236}">
+                <a16:creationId xmlns:a16="http://schemas.microsoft.com/office/drawing/2014/main" id="{4F2387EA-CB19-4D96-9CE9-C11486EE84B0}"/>
+              </a:ext>
+            </a:extLst>
+          </p:cNvPr>
+          <p:cNvSpPr/>
+          <p:nvPr/>
+        </p:nvSpPr>
+        <p:spPr>
+          <a:xfrm flipV="1">
+            <a:off x="1048328" y="230787"/>
+            <a:ext cx="540327" cy="249504"/>
+          </a:xfrm>
+          <a:prstGeom prst="roundRect">
+            <a:avLst/>
+          </a:prstGeom>
+        </p:spPr>
+        <p:style>
+          <a:lnRef idx="2">
+            <a:schemeClr val="accent3">
+              <a:shade val="50000"/>
+            </a:schemeClr>
+          </a:lnRef>
+          <a:fillRef idx="1">
+            <a:schemeClr val="accent3"/>
+          </a:fillRef>
+          <a:effectRef idx="0">
+            <a:schemeClr val="accent3"/>
+          </a:effectRef>
+          <a:fontRef idx="minor">
+            <a:schemeClr val="lt1"/>
+          </a:fontRef>
+        </p:style>
+        <p:txBody>
+          <a:bodyPr rtlCol="0" anchor="ctr"/>
+          <a:lstStyle/>
+          <a:p>
+            <a:pPr algn="ctr"/>
+            <a:endParaRPr lang="en-US"/>
+          </a:p>
+        </p:txBody>
+      </p:sp>
+      <p:sp>
+        <p:nvSpPr>
+          <p:cNvPr id="43" name="Rectangle: Rounded Corners 42">
+            <a:extLst>
+              <a:ext uri="{FF2B5EF4-FFF2-40B4-BE49-F238E27FC236}">
+                <a16:creationId xmlns:a16="http://schemas.microsoft.com/office/drawing/2014/main" id="{5407BEE0-B4B3-4BAC-B00F-0BF3AD6F9649}"/>
+              </a:ext>
+            </a:extLst>
+          </p:cNvPr>
+          <p:cNvSpPr/>
+          <p:nvPr/>
+        </p:nvSpPr>
+        <p:spPr>
+          <a:xfrm flipV="1">
+            <a:off x="1258454" y="350800"/>
+            <a:ext cx="540327" cy="249504"/>
+          </a:xfrm>
+          <a:prstGeom prst="roundRect">
+            <a:avLst/>
+          </a:prstGeom>
+        </p:spPr>
+        <p:style>
+          <a:lnRef idx="2">
+            <a:schemeClr val="accent3">
+              <a:shade val="50000"/>
+            </a:schemeClr>
+          </a:lnRef>
+          <a:fillRef idx="1">
+            <a:schemeClr val="accent3"/>
+          </a:fillRef>
+          <a:effectRef idx="0">
+            <a:schemeClr val="accent3"/>
+          </a:effectRef>
+          <a:fontRef idx="minor">
+            <a:schemeClr val="lt1"/>
+          </a:fontRef>
+        </p:style>
+        <p:txBody>
+          <a:bodyPr rtlCol="0" anchor="ctr"/>
+          <a:lstStyle/>
+          <a:p>
+            <a:pPr algn="ctr"/>
+            <a:endParaRPr lang="en-US"/>
+          </a:p>
+        </p:txBody>
+      </p:sp>
+      <p:sp>
+        <p:nvSpPr>
+          <p:cNvPr id="44" name="Rectangle: Rounded Corners 43">
+            <a:extLst>
+              <a:ext uri="{FF2B5EF4-FFF2-40B4-BE49-F238E27FC236}">
+                <a16:creationId xmlns:a16="http://schemas.microsoft.com/office/drawing/2014/main" id="{5FC8E74E-ABAB-47EE-8AE7-20A5E6B498A2}"/>
+              </a:ext>
+            </a:extLst>
+          </p:cNvPr>
+          <p:cNvSpPr/>
+          <p:nvPr/>
+        </p:nvSpPr>
+        <p:spPr>
+          <a:xfrm flipV="1">
+            <a:off x="1618671" y="179867"/>
+            <a:ext cx="540327" cy="249504"/>
+          </a:xfrm>
+          <a:prstGeom prst="roundRect">
+            <a:avLst/>
+          </a:prstGeom>
+        </p:spPr>
+        <p:style>
+          <a:lnRef idx="2">
+            <a:schemeClr val="accent3">
+              <a:shade val="50000"/>
+            </a:schemeClr>
+          </a:lnRef>
+          <a:fillRef idx="1">
+            <a:schemeClr val="accent3"/>
+          </a:fillRef>
+          <a:effectRef idx="0">
+            <a:schemeClr val="accent3"/>
+          </a:effectRef>
+          <a:fontRef idx="minor">
+            <a:schemeClr val="lt1"/>
+          </a:fontRef>
+        </p:style>
+        <p:txBody>
+          <a:bodyPr rtlCol="0" anchor="ctr"/>
+          <a:lstStyle/>
+          <a:p>
+            <a:pPr algn="ctr"/>
+            <a:endParaRPr lang="en-US"/>
+          </a:p>
+        </p:txBody>
+      </p:sp>
+      <p:sp>
+        <p:nvSpPr>
+          <p:cNvPr id="45" name="Rectangle: Rounded Corners 44">
+            <a:extLst>
+              <a:ext uri="{FF2B5EF4-FFF2-40B4-BE49-F238E27FC236}">
+                <a16:creationId xmlns:a16="http://schemas.microsoft.com/office/drawing/2014/main" id="{C974259F-D0C0-42A1-89B7-8D06B36E5450}"/>
+              </a:ext>
+            </a:extLst>
+          </p:cNvPr>
+          <p:cNvSpPr/>
+          <p:nvPr/>
+        </p:nvSpPr>
+        <p:spPr>
+          <a:xfrm flipV="1">
+            <a:off x="1685637" y="327589"/>
+            <a:ext cx="540327" cy="249504"/>
+          </a:xfrm>
+          <a:prstGeom prst="roundRect">
+            <a:avLst/>
+          </a:prstGeom>
+        </p:spPr>
+        <p:style>
+          <a:lnRef idx="2">
+            <a:schemeClr val="accent3">
+              <a:shade val="50000"/>
+            </a:schemeClr>
+          </a:lnRef>
+          <a:fillRef idx="1">
+            <a:schemeClr val="accent3"/>
+          </a:fillRef>
+          <a:effectRef idx="0">
+            <a:schemeClr val="accent3"/>
+          </a:effectRef>
+          <a:fontRef idx="minor">
+            <a:schemeClr val="lt1"/>
+          </a:fontRef>
+        </p:style>
+        <p:txBody>
+          <a:bodyPr rtlCol="0" anchor="ctr"/>
+          <a:lstStyle/>
+          <a:p>
+            <a:pPr algn="ctr"/>
+            <a:endParaRPr lang="en-US" dirty="0"/>
+          </a:p>
+        </p:txBody>
+      </p:sp>
+      <p:cxnSp>
+        <p:nvCxnSpPr>
+          <p:cNvPr id="47" name="Connector: Elbow 46">
+            <a:extLst>
+              <a:ext uri="{FF2B5EF4-FFF2-40B4-BE49-F238E27FC236}">
+                <a16:creationId xmlns:a16="http://schemas.microsoft.com/office/drawing/2014/main" id="{A230E896-0613-453C-BD66-0444D917B3C5}"/>
+              </a:ext>
+            </a:extLst>
+          </p:cNvPr>
+          <p:cNvCxnSpPr>
+            <a:endCxn id="39" idx="3"/>
+          </p:cNvCxnSpPr>
+          <p:nvPr/>
+        </p:nvCxnSpPr>
+        <p:spPr>
+          <a:xfrm rot="10800000" flipV="1">
+            <a:off x="2456874" y="179866"/>
+            <a:ext cx="3791525" cy="249683"/>
+          </a:xfrm>
+          <a:prstGeom prst="bentConnector3">
+            <a:avLst/>
+          </a:prstGeom>
+          <a:ln>
+            <a:tailEnd type="triangle"/>
+          </a:ln>
+        </p:spPr>
+        <p:style>
+          <a:lnRef idx="1">
+            <a:schemeClr val="accent1"/>
+          </a:lnRef>
+          <a:fillRef idx="0">
+            <a:schemeClr val="accent1"/>
+          </a:fillRef>
+          <a:effectRef idx="0">
+            <a:schemeClr val="accent1"/>
+          </a:effectRef>
+          <a:fontRef idx="minor">
+            <a:schemeClr val="tx1"/>
+          </a:fontRef>
+        </p:style>
+      </p:cxnSp>
+    </p:spTree>
+    <p:extLst>
+      <p:ext uri="{BB962C8B-B14F-4D97-AF65-F5344CB8AC3E}">
+        <p14:creationId xmlns:p14="http://schemas.microsoft.com/office/powerpoint/2010/main" val="1372185866"/>
+      </p:ext>
+    </p:extLst>
+  </p:cSld>
+  <p:clrMapOvr>
+    <a:masterClrMapping/>
+  </p:clrMapOvr>
+</p:sld>
+</file>
+
 <file path=ppt/slides/slide2.xml><?xml version="1.0" encoding="utf-8"?>
 <p:sld xmlns:a="http://schemas.openxmlformats.org/drawingml/2006/main" xmlns:r="http://schemas.openxmlformats.org/officeDocument/2006/relationships" xmlns:p="http://schemas.openxmlformats.org/presentationml/2006/main">
   <p:cSld>
@@ -8854,6 +10778,6833 @@
     <p:extLst>
       <p:ext uri="{BB962C8B-B14F-4D97-AF65-F5344CB8AC3E}">
         <p14:creationId xmlns:p14="http://schemas.microsoft.com/office/powerpoint/2010/main" val="3278306645"/>
+      </p:ext>
+    </p:extLst>
+  </p:cSld>
+  <p:clrMapOvr>
+    <a:masterClrMapping/>
+  </p:clrMapOvr>
+</p:sld>
+</file>
+
+<file path=ppt/slides/slide20.xml><?xml version="1.0" encoding="utf-8"?>
+<p:sld xmlns:a="http://schemas.openxmlformats.org/drawingml/2006/main" xmlns:r="http://schemas.openxmlformats.org/officeDocument/2006/relationships" xmlns:p="http://schemas.openxmlformats.org/presentationml/2006/main">
+  <p:cSld>
+    <p:spTree>
+      <p:nvGrpSpPr>
+        <p:cNvPr id="1" name=""/>
+        <p:cNvGrpSpPr/>
+        <p:nvPr/>
+      </p:nvGrpSpPr>
+      <p:grpSpPr>
+        <a:xfrm>
+          <a:off x="0" y="0"/>
+          <a:ext cx="0" cy="0"/>
+          <a:chOff x="0" y="0"/>
+          <a:chExt cx="0" cy="0"/>
+        </a:xfrm>
+      </p:grpSpPr>
+      <p:sp>
+        <p:nvSpPr>
+          <p:cNvPr id="4" name="Rectangle 3">
+            <a:extLst>
+              <a:ext uri="{FF2B5EF4-FFF2-40B4-BE49-F238E27FC236}">
+                <a16:creationId xmlns:a16="http://schemas.microsoft.com/office/drawing/2014/main" id="{13558674-0686-4161-8AA0-11B93955E2CD}"/>
+              </a:ext>
+            </a:extLst>
+          </p:cNvPr>
+          <p:cNvSpPr/>
+          <p:nvPr/>
+        </p:nvSpPr>
+        <p:spPr>
+          <a:xfrm>
+            <a:off x="715818" y="3429000"/>
+            <a:ext cx="11037454" cy="3193473"/>
+          </a:xfrm>
+          <a:prstGeom prst="rect">
+            <a:avLst/>
+          </a:prstGeom>
+        </p:spPr>
+        <p:style>
+          <a:lnRef idx="2">
+            <a:schemeClr val="accent1">
+              <a:shade val="50000"/>
+            </a:schemeClr>
+          </a:lnRef>
+          <a:fillRef idx="1">
+            <a:schemeClr val="accent1"/>
+          </a:fillRef>
+          <a:effectRef idx="0">
+            <a:schemeClr val="accent1"/>
+          </a:effectRef>
+          <a:fontRef idx="minor">
+            <a:schemeClr val="lt1"/>
+          </a:fontRef>
+        </p:style>
+        <p:txBody>
+          <a:bodyPr rtlCol="0" anchor="ctr"/>
+          <a:lstStyle/>
+          <a:p>
+            <a:pPr algn="ctr"/>
+            <a:r>
+              <a:rPr lang="en-US" dirty="0"/>
+              <a:t> </a:t>
+            </a:r>
+          </a:p>
+        </p:txBody>
+      </p:sp>
+      <p:sp>
+        <p:nvSpPr>
+          <p:cNvPr id="5" name="Rectangle 4">
+            <a:extLst>
+              <a:ext uri="{FF2B5EF4-FFF2-40B4-BE49-F238E27FC236}">
+                <a16:creationId xmlns:a16="http://schemas.microsoft.com/office/drawing/2014/main" id="{D166BD8A-E01D-42AA-9927-36477BFD7063}"/>
+              </a:ext>
+            </a:extLst>
+          </p:cNvPr>
+          <p:cNvSpPr/>
+          <p:nvPr/>
+        </p:nvSpPr>
+        <p:spPr>
+          <a:xfrm>
+            <a:off x="1052945" y="3823855"/>
+            <a:ext cx="10363200" cy="526472"/>
+          </a:xfrm>
+          <a:prstGeom prst="rect">
+            <a:avLst/>
+          </a:prstGeom>
+        </p:spPr>
+        <p:style>
+          <a:lnRef idx="2">
+            <a:schemeClr val="accent4">
+              <a:shade val="50000"/>
+            </a:schemeClr>
+          </a:lnRef>
+          <a:fillRef idx="1">
+            <a:schemeClr val="accent4"/>
+          </a:fillRef>
+          <a:effectRef idx="0">
+            <a:schemeClr val="accent4"/>
+          </a:effectRef>
+          <a:fontRef idx="minor">
+            <a:schemeClr val="lt1"/>
+          </a:fontRef>
+        </p:style>
+        <p:txBody>
+          <a:bodyPr rtlCol="0" anchor="ctr"/>
+          <a:lstStyle/>
+          <a:p>
+            <a:pPr algn="ctr"/>
+            <a:endParaRPr lang="en-US"/>
+          </a:p>
+        </p:txBody>
+      </p:sp>
+      <p:sp>
+        <p:nvSpPr>
+          <p:cNvPr id="6" name="Rectangle 5">
+            <a:extLst>
+              <a:ext uri="{FF2B5EF4-FFF2-40B4-BE49-F238E27FC236}">
+                <a16:creationId xmlns:a16="http://schemas.microsoft.com/office/drawing/2014/main" id="{690E5444-1165-402F-BFD7-97D946C1378C}"/>
+              </a:ext>
+            </a:extLst>
+          </p:cNvPr>
+          <p:cNvSpPr/>
+          <p:nvPr/>
+        </p:nvSpPr>
+        <p:spPr>
+          <a:xfrm>
+            <a:off x="1191491" y="4756727"/>
+            <a:ext cx="1958109" cy="1413164"/>
+          </a:xfrm>
+          <a:prstGeom prst="rect">
+            <a:avLst/>
+          </a:prstGeom>
+        </p:spPr>
+        <p:style>
+          <a:lnRef idx="2">
+            <a:schemeClr val="accent6">
+              <a:shade val="50000"/>
+            </a:schemeClr>
+          </a:lnRef>
+          <a:fillRef idx="1">
+            <a:schemeClr val="accent6"/>
+          </a:fillRef>
+          <a:effectRef idx="0">
+            <a:schemeClr val="accent6"/>
+          </a:effectRef>
+          <a:fontRef idx="minor">
+            <a:schemeClr val="lt1"/>
+          </a:fontRef>
+        </p:style>
+        <p:txBody>
+          <a:bodyPr rtlCol="0" anchor="ctr"/>
+          <a:lstStyle/>
+          <a:p>
+            <a:pPr algn="ctr"/>
+            <a:r>
+              <a:rPr lang="en-US" dirty="0"/>
+              <a:t>80</a:t>
+            </a:r>
+          </a:p>
+        </p:txBody>
+      </p:sp>
+      <p:cxnSp>
+        <p:nvCxnSpPr>
+          <p:cNvPr id="8" name="Connector: Elbow 7">
+            <a:extLst>
+              <a:ext uri="{FF2B5EF4-FFF2-40B4-BE49-F238E27FC236}">
+                <a16:creationId xmlns:a16="http://schemas.microsoft.com/office/drawing/2014/main" id="{CA75CD72-9206-432E-B32A-84F01EA1CCFF}"/>
+              </a:ext>
+            </a:extLst>
+          </p:cNvPr>
+          <p:cNvCxnSpPr>
+            <a:cxnSpLocks/>
+            <a:endCxn id="5" idx="0"/>
+          </p:cNvCxnSpPr>
+          <p:nvPr/>
+        </p:nvCxnSpPr>
+        <p:spPr>
+          <a:xfrm rot="16200000" flipH="1">
+            <a:off x="4664362" y="2253672"/>
+            <a:ext cx="2927930" cy="212435"/>
+          </a:xfrm>
+          <a:prstGeom prst="bentConnector3">
+            <a:avLst/>
+          </a:prstGeom>
+          <a:ln>
+            <a:tailEnd type="triangle"/>
+          </a:ln>
+        </p:spPr>
+        <p:style>
+          <a:lnRef idx="1">
+            <a:schemeClr val="accent1"/>
+          </a:lnRef>
+          <a:fillRef idx="0">
+            <a:schemeClr val="accent1"/>
+          </a:fillRef>
+          <a:effectRef idx="0">
+            <a:schemeClr val="accent1"/>
+          </a:effectRef>
+          <a:fontRef idx="minor">
+            <a:schemeClr val="tx1"/>
+          </a:fontRef>
+        </p:style>
+      </p:cxnSp>
+      <p:sp>
+        <p:nvSpPr>
+          <p:cNvPr id="10" name="Rectangle 9">
+            <a:extLst>
+              <a:ext uri="{FF2B5EF4-FFF2-40B4-BE49-F238E27FC236}">
+                <a16:creationId xmlns:a16="http://schemas.microsoft.com/office/drawing/2014/main" id="{966B3AA5-742F-45F6-9A21-F3F13F6A8800}"/>
+              </a:ext>
+            </a:extLst>
+          </p:cNvPr>
+          <p:cNvSpPr/>
+          <p:nvPr/>
+        </p:nvSpPr>
+        <p:spPr>
+          <a:xfrm>
+            <a:off x="3657600" y="4745182"/>
+            <a:ext cx="1958109" cy="1413164"/>
+          </a:xfrm>
+          <a:prstGeom prst="rect">
+            <a:avLst/>
+          </a:prstGeom>
+        </p:spPr>
+        <p:style>
+          <a:lnRef idx="2">
+            <a:schemeClr val="accent6">
+              <a:shade val="50000"/>
+            </a:schemeClr>
+          </a:lnRef>
+          <a:fillRef idx="1">
+            <a:schemeClr val="accent6"/>
+          </a:fillRef>
+          <a:effectRef idx="0">
+            <a:schemeClr val="accent6"/>
+          </a:effectRef>
+          <a:fontRef idx="minor">
+            <a:schemeClr val="lt1"/>
+          </a:fontRef>
+        </p:style>
+        <p:txBody>
+          <a:bodyPr rtlCol="0" anchor="ctr"/>
+          <a:lstStyle/>
+          <a:p>
+            <a:pPr algn="ctr"/>
+            <a:r>
+              <a:rPr lang="en-US" dirty="0"/>
+              <a:t>80</a:t>
+            </a:r>
+          </a:p>
+        </p:txBody>
+      </p:sp>
+      <p:sp>
+        <p:nvSpPr>
+          <p:cNvPr id="11" name="Rectangle 10">
+            <a:extLst>
+              <a:ext uri="{FF2B5EF4-FFF2-40B4-BE49-F238E27FC236}">
+                <a16:creationId xmlns:a16="http://schemas.microsoft.com/office/drawing/2014/main" id="{D3CB77B3-2F81-42DB-8BDA-9BBC32C99117}"/>
+              </a:ext>
+            </a:extLst>
+          </p:cNvPr>
+          <p:cNvSpPr/>
+          <p:nvPr/>
+        </p:nvSpPr>
+        <p:spPr>
+          <a:xfrm>
+            <a:off x="6022109" y="4700155"/>
+            <a:ext cx="1958109" cy="1413164"/>
+          </a:xfrm>
+          <a:prstGeom prst="rect">
+            <a:avLst/>
+          </a:prstGeom>
+        </p:spPr>
+        <p:style>
+          <a:lnRef idx="2">
+            <a:schemeClr val="accent6">
+              <a:shade val="50000"/>
+            </a:schemeClr>
+          </a:lnRef>
+          <a:fillRef idx="1">
+            <a:schemeClr val="accent6"/>
+          </a:fillRef>
+          <a:effectRef idx="0">
+            <a:schemeClr val="accent6"/>
+          </a:effectRef>
+          <a:fontRef idx="minor">
+            <a:schemeClr val="lt1"/>
+          </a:fontRef>
+        </p:style>
+        <p:txBody>
+          <a:bodyPr rtlCol="0" anchor="ctr"/>
+          <a:lstStyle/>
+          <a:p>
+            <a:pPr algn="ctr"/>
+            <a:r>
+              <a:rPr lang="en-US" dirty="0"/>
+              <a:t>80</a:t>
+            </a:r>
+          </a:p>
+        </p:txBody>
+      </p:sp>
+      <p:sp>
+        <p:nvSpPr>
+          <p:cNvPr id="12" name="Rectangle 11">
+            <a:extLst>
+              <a:ext uri="{FF2B5EF4-FFF2-40B4-BE49-F238E27FC236}">
+                <a16:creationId xmlns:a16="http://schemas.microsoft.com/office/drawing/2014/main" id="{C8D3E0C6-7DC2-4431-9B51-9BE3BC8F4308}"/>
+              </a:ext>
+            </a:extLst>
+          </p:cNvPr>
+          <p:cNvSpPr/>
+          <p:nvPr/>
+        </p:nvSpPr>
+        <p:spPr>
+          <a:xfrm>
+            <a:off x="8488218" y="4677641"/>
+            <a:ext cx="1958109" cy="1413164"/>
+          </a:xfrm>
+          <a:prstGeom prst="rect">
+            <a:avLst/>
+          </a:prstGeom>
+        </p:spPr>
+        <p:style>
+          <a:lnRef idx="2">
+            <a:schemeClr val="accent6">
+              <a:shade val="50000"/>
+            </a:schemeClr>
+          </a:lnRef>
+          <a:fillRef idx="1">
+            <a:schemeClr val="accent6"/>
+          </a:fillRef>
+          <a:effectRef idx="0">
+            <a:schemeClr val="accent6"/>
+          </a:effectRef>
+          <a:fontRef idx="minor">
+            <a:schemeClr val="lt1"/>
+          </a:fontRef>
+        </p:style>
+        <p:txBody>
+          <a:bodyPr rtlCol="0" anchor="ctr"/>
+          <a:lstStyle/>
+          <a:p>
+            <a:pPr algn="ctr"/>
+            <a:r>
+              <a:rPr lang="en-US" dirty="0"/>
+              <a:t>80</a:t>
+            </a:r>
+          </a:p>
+        </p:txBody>
+      </p:sp>
+    </p:spTree>
+    <p:extLst>
+      <p:ext uri="{BB962C8B-B14F-4D97-AF65-F5344CB8AC3E}">
+        <p14:creationId xmlns:p14="http://schemas.microsoft.com/office/powerpoint/2010/main" val="2636215254"/>
+      </p:ext>
+    </p:extLst>
+  </p:cSld>
+  <p:clrMapOvr>
+    <a:masterClrMapping/>
+  </p:clrMapOvr>
+</p:sld>
+</file>
+
+<file path=ppt/slides/slide21.xml><?xml version="1.0" encoding="utf-8"?>
+<p:sld xmlns:a="http://schemas.openxmlformats.org/drawingml/2006/main" xmlns:r="http://schemas.openxmlformats.org/officeDocument/2006/relationships" xmlns:p="http://schemas.openxmlformats.org/presentationml/2006/main">
+  <p:cSld>
+    <p:spTree>
+      <p:nvGrpSpPr>
+        <p:cNvPr id="1" name=""/>
+        <p:cNvGrpSpPr/>
+        <p:nvPr/>
+      </p:nvGrpSpPr>
+      <p:grpSpPr>
+        <a:xfrm>
+          <a:off x="0" y="0"/>
+          <a:ext cx="0" cy="0"/>
+          <a:chOff x="0" y="0"/>
+          <a:chExt cx="0" cy="0"/>
+        </a:xfrm>
+      </p:grpSpPr>
+      <p:sp>
+        <p:nvSpPr>
+          <p:cNvPr id="4" name="Rectangle 3">
+            <a:extLst>
+              <a:ext uri="{FF2B5EF4-FFF2-40B4-BE49-F238E27FC236}">
+                <a16:creationId xmlns:a16="http://schemas.microsoft.com/office/drawing/2014/main" id="{C8316FE9-FCD3-412A-8D10-E11B290C41FB}"/>
+              </a:ext>
+            </a:extLst>
+          </p:cNvPr>
+          <p:cNvSpPr/>
+          <p:nvPr/>
+        </p:nvSpPr>
+        <p:spPr>
+          <a:xfrm>
+            <a:off x="277091" y="397164"/>
+            <a:ext cx="1764145" cy="581891"/>
+          </a:xfrm>
+          <a:prstGeom prst="rect">
+            <a:avLst/>
+          </a:prstGeom>
+        </p:spPr>
+        <p:style>
+          <a:lnRef idx="2">
+            <a:schemeClr val="accent1">
+              <a:shade val="50000"/>
+            </a:schemeClr>
+          </a:lnRef>
+          <a:fillRef idx="1">
+            <a:schemeClr val="accent1"/>
+          </a:fillRef>
+          <a:effectRef idx="0">
+            <a:schemeClr val="accent1"/>
+          </a:effectRef>
+          <a:fontRef idx="minor">
+            <a:schemeClr val="lt1"/>
+          </a:fontRef>
+        </p:style>
+        <p:txBody>
+          <a:bodyPr rtlCol="0" anchor="ctr"/>
+          <a:lstStyle/>
+          <a:p>
+            <a:pPr algn="ctr"/>
+            <a:r>
+              <a:rPr lang="en-US" dirty="0"/>
+              <a:t>Nginx-Image</a:t>
+            </a:r>
+          </a:p>
+          <a:p>
+            <a:pPr algn="ctr"/>
+            <a:r>
+              <a:rPr lang="en-US" dirty="0"/>
+              <a:t>@Docker Hub</a:t>
+            </a:r>
+          </a:p>
+        </p:txBody>
+      </p:sp>
+      <p:sp>
+        <p:nvSpPr>
+          <p:cNvPr id="5" name="Arrow: Right 4">
+            <a:extLst>
+              <a:ext uri="{FF2B5EF4-FFF2-40B4-BE49-F238E27FC236}">
+                <a16:creationId xmlns:a16="http://schemas.microsoft.com/office/drawing/2014/main" id="{1B00672E-7D0B-490D-A1CE-D9E1CEB08ECC}"/>
+              </a:ext>
+            </a:extLst>
+          </p:cNvPr>
+          <p:cNvSpPr/>
+          <p:nvPr/>
+        </p:nvSpPr>
+        <p:spPr>
+          <a:xfrm>
+            <a:off x="2346036" y="443346"/>
+            <a:ext cx="1052946" cy="438726"/>
+          </a:xfrm>
+          <a:prstGeom prst="rightArrow">
+            <a:avLst/>
+          </a:prstGeom>
+        </p:spPr>
+        <p:style>
+          <a:lnRef idx="2">
+            <a:schemeClr val="accent1">
+              <a:shade val="50000"/>
+            </a:schemeClr>
+          </a:lnRef>
+          <a:fillRef idx="1">
+            <a:schemeClr val="accent1"/>
+          </a:fillRef>
+          <a:effectRef idx="0">
+            <a:schemeClr val="accent1"/>
+          </a:effectRef>
+          <a:fontRef idx="minor">
+            <a:schemeClr val="lt1"/>
+          </a:fontRef>
+        </p:style>
+        <p:txBody>
+          <a:bodyPr rtlCol="0" anchor="ctr"/>
+          <a:lstStyle/>
+          <a:p>
+            <a:pPr algn="ctr"/>
+            <a:r>
+              <a:rPr lang="en-US" dirty="0"/>
+              <a:t>Pull </a:t>
+            </a:r>
+          </a:p>
+        </p:txBody>
+      </p:sp>
+      <p:sp>
+        <p:nvSpPr>
+          <p:cNvPr id="6" name="Rectangle 5">
+            <a:extLst>
+              <a:ext uri="{FF2B5EF4-FFF2-40B4-BE49-F238E27FC236}">
+                <a16:creationId xmlns:a16="http://schemas.microsoft.com/office/drawing/2014/main" id="{6D7CBA78-22B8-4547-B1F2-8A36A1656706}"/>
+              </a:ext>
+            </a:extLst>
+          </p:cNvPr>
+          <p:cNvSpPr/>
+          <p:nvPr/>
+        </p:nvSpPr>
+        <p:spPr>
+          <a:xfrm>
+            <a:off x="3537527" y="392545"/>
+            <a:ext cx="1533236" cy="581891"/>
+          </a:xfrm>
+          <a:prstGeom prst="rect">
+            <a:avLst/>
+          </a:prstGeom>
+        </p:spPr>
+        <p:style>
+          <a:lnRef idx="2">
+            <a:schemeClr val="accent1">
+              <a:shade val="50000"/>
+            </a:schemeClr>
+          </a:lnRef>
+          <a:fillRef idx="1">
+            <a:schemeClr val="accent1"/>
+          </a:fillRef>
+          <a:effectRef idx="0">
+            <a:schemeClr val="accent1"/>
+          </a:effectRef>
+          <a:fontRef idx="minor">
+            <a:schemeClr val="lt1"/>
+          </a:fontRef>
+        </p:style>
+        <p:txBody>
+          <a:bodyPr rtlCol="0" anchor="ctr"/>
+          <a:lstStyle/>
+          <a:p>
+            <a:pPr algn="ctr"/>
+            <a:r>
+              <a:rPr lang="en-US" dirty="0"/>
+              <a:t>Local Repo</a:t>
+            </a:r>
+          </a:p>
+          <a:p>
+            <a:pPr algn="ctr"/>
+            <a:r>
+              <a:rPr lang="en-US" dirty="0"/>
+              <a:t>Image(</a:t>
+            </a:r>
+            <a:r>
+              <a:rPr lang="en-US" dirty="0" err="1"/>
+              <a:t>nginx</a:t>
+            </a:r>
+            <a:r>
+              <a:rPr lang="en-US" dirty="0"/>
+              <a:t>)</a:t>
+            </a:r>
+          </a:p>
+        </p:txBody>
+      </p:sp>
+      <p:sp>
+        <p:nvSpPr>
+          <p:cNvPr id="7" name="Arrow: Right 6">
+            <a:extLst>
+              <a:ext uri="{FF2B5EF4-FFF2-40B4-BE49-F238E27FC236}">
+                <a16:creationId xmlns:a16="http://schemas.microsoft.com/office/drawing/2014/main" id="{CEDA8171-1F0E-4551-8448-FD4A895C6429}"/>
+              </a:ext>
+            </a:extLst>
+          </p:cNvPr>
+          <p:cNvSpPr/>
+          <p:nvPr/>
+        </p:nvSpPr>
+        <p:spPr>
+          <a:xfrm>
+            <a:off x="5338618" y="443346"/>
+            <a:ext cx="1052946" cy="438726"/>
+          </a:xfrm>
+          <a:prstGeom prst="rightArrow">
+            <a:avLst/>
+          </a:prstGeom>
+        </p:spPr>
+        <p:style>
+          <a:lnRef idx="2">
+            <a:schemeClr val="accent1">
+              <a:shade val="50000"/>
+            </a:schemeClr>
+          </a:lnRef>
+          <a:fillRef idx="1">
+            <a:schemeClr val="accent1"/>
+          </a:fillRef>
+          <a:effectRef idx="0">
+            <a:schemeClr val="accent1"/>
+          </a:effectRef>
+          <a:fontRef idx="minor">
+            <a:schemeClr val="lt1"/>
+          </a:fontRef>
+        </p:style>
+        <p:txBody>
+          <a:bodyPr rtlCol="0" anchor="ctr"/>
+          <a:lstStyle/>
+          <a:p>
+            <a:pPr algn="ctr"/>
+            <a:r>
+              <a:rPr lang="en-US" dirty="0"/>
+              <a:t>create </a:t>
+            </a:r>
+          </a:p>
+        </p:txBody>
+      </p:sp>
+      <p:sp>
+        <p:nvSpPr>
+          <p:cNvPr id="8" name="Rectangle 7">
+            <a:extLst>
+              <a:ext uri="{FF2B5EF4-FFF2-40B4-BE49-F238E27FC236}">
+                <a16:creationId xmlns:a16="http://schemas.microsoft.com/office/drawing/2014/main" id="{5C8F8E12-F42E-4A91-BFDA-F6E031A63E41}"/>
+              </a:ext>
+            </a:extLst>
+          </p:cNvPr>
+          <p:cNvSpPr/>
+          <p:nvPr/>
+        </p:nvSpPr>
+        <p:spPr>
+          <a:xfrm>
+            <a:off x="6659419" y="392545"/>
+            <a:ext cx="1533236" cy="581891"/>
+          </a:xfrm>
+          <a:prstGeom prst="rect">
+            <a:avLst/>
+          </a:prstGeom>
+        </p:spPr>
+        <p:style>
+          <a:lnRef idx="2">
+            <a:schemeClr val="accent1">
+              <a:shade val="50000"/>
+            </a:schemeClr>
+          </a:lnRef>
+          <a:fillRef idx="1">
+            <a:schemeClr val="accent1"/>
+          </a:fillRef>
+          <a:effectRef idx="0">
+            <a:schemeClr val="accent1"/>
+          </a:effectRef>
+          <a:fontRef idx="minor">
+            <a:schemeClr val="lt1"/>
+          </a:fontRef>
+        </p:style>
+        <p:txBody>
+          <a:bodyPr rtlCol="0" anchor="ctr"/>
+          <a:lstStyle/>
+          <a:p>
+            <a:pPr algn="ctr"/>
+            <a:r>
+              <a:rPr lang="en-US" dirty="0"/>
+              <a:t>Created a</a:t>
+            </a:r>
+          </a:p>
+          <a:p>
+            <a:pPr algn="ctr"/>
+            <a:r>
+              <a:rPr lang="en-US" dirty="0"/>
+              <a:t>Container</a:t>
+            </a:r>
+          </a:p>
+        </p:txBody>
+      </p:sp>
+      <p:sp>
+        <p:nvSpPr>
+          <p:cNvPr id="9" name="Arrow: Right 8">
+            <a:extLst>
+              <a:ext uri="{FF2B5EF4-FFF2-40B4-BE49-F238E27FC236}">
+                <a16:creationId xmlns:a16="http://schemas.microsoft.com/office/drawing/2014/main" id="{1B9DE03D-B6B2-4F1C-BB5B-103089F52BE0}"/>
+              </a:ext>
+            </a:extLst>
+          </p:cNvPr>
+          <p:cNvSpPr/>
+          <p:nvPr/>
+        </p:nvSpPr>
+        <p:spPr>
+          <a:xfrm>
+            <a:off x="8460510" y="443346"/>
+            <a:ext cx="1052946" cy="438726"/>
+          </a:xfrm>
+          <a:prstGeom prst="rightArrow">
+            <a:avLst/>
+          </a:prstGeom>
+        </p:spPr>
+        <p:style>
+          <a:lnRef idx="2">
+            <a:schemeClr val="accent1">
+              <a:shade val="50000"/>
+            </a:schemeClr>
+          </a:lnRef>
+          <a:fillRef idx="1">
+            <a:schemeClr val="accent1"/>
+          </a:fillRef>
+          <a:effectRef idx="0">
+            <a:schemeClr val="accent1"/>
+          </a:effectRef>
+          <a:fontRef idx="minor">
+            <a:schemeClr val="lt1"/>
+          </a:fontRef>
+        </p:style>
+        <p:txBody>
+          <a:bodyPr rtlCol="0" anchor="ctr"/>
+          <a:lstStyle/>
+          <a:p>
+            <a:pPr algn="ctr"/>
+            <a:r>
+              <a:rPr lang="en-US" sz="1400" dirty="0"/>
+              <a:t>Run/start </a:t>
+            </a:r>
+          </a:p>
+        </p:txBody>
+      </p:sp>
+      <p:sp>
+        <p:nvSpPr>
+          <p:cNvPr id="10" name="Rectangle 9">
+            <a:extLst>
+              <a:ext uri="{FF2B5EF4-FFF2-40B4-BE49-F238E27FC236}">
+                <a16:creationId xmlns:a16="http://schemas.microsoft.com/office/drawing/2014/main" id="{916D8094-09D3-4C52-8CA9-EB242E251AA3}"/>
+              </a:ext>
+            </a:extLst>
+          </p:cNvPr>
+          <p:cNvSpPr/>
+          <p:nvPr/>
+        </p:nvSpPr>
+        <p:spPr>
+          <a:xfrm>
+            <a:off x="9781311" y="392545"/>
+            <a:ext cx="1533236" cy="581891"/>
+          </a:xfrm>
+          <a:prstGeom prst="rect">
+            <a:avLst/>
+          </a:prstGeom>
+        </p:spPr>
+        <p:style>
+          <a:lnRef idx="2">
+            <a:schemeClr val="accent1">
+              <a:shade val="50000"/>
+            </a:schemeClr>
+          </a:lnRef>
+          <a:fillRef idx="1">
+            <a:schemeClr val="accent1"/>
+          </a:fillRef>
+          <a:effectRef idx="0">
+            <a:schemeClr val="accent1"/>
+          </a:effectRef>
+          <a:fontRef idx="minor">
+            <a:schemeClr val="lt1"/>
+          </a:fontRef>
+        </p:style>
+        <p:txBody>
+          <a:bodyPr rtlCol="0" anchor="ctr"/>
+          <a:lstStyle/>
+          <a:p>
+            <a:pPr algn="ctr"/>
+            <a:r>
+              <a:rPr lang="en-US" dirty="0"/>
+              <a:t>Launched  a</a:t>
+            </a:r>
+          </a:p>
+          <a:p>
+            <a:pPr algn="ctr"/>
+            <a:r>
+              <a:rPr lang="en-US" dirty="0"/>
+              <a:t>Container </a:t>
+            </a:r>
+            <a:r>
+              <a:rPr lang="en-US" dirty="0" err="1"/>
+              <a:t>inst</a:t>
+            </a:r>
+            <a:endParaRPr lang="en-US" dirty="0"/>
+          </a:p>
+        </p:txBody>
+      </p:sp>
+      <p:sp>
+        <p:nvSpPr>
+          <p:cNvPr id="11" name="Arrow: Down 10">
+            <a:extLst>
+              <a:ext uri="{FF2B5EF4-FFF2-40B4-BE49-F238E27FC236}">
+                <a16:creationId xmlns:a16="http://schemas.microsoft.com/office/drawing/2014/main" id="{75CE73BF-2176-4F28-8D47-94F151689F00}"/>
+              </a:ext>
+            </a:extLst>
+          </p:cNvPr>
+          <p:cNvSpPr/>
+          <p:nvPr/>
+        </p:nvSpPr>
+        <p:spPr>
+          <a:xfrm>
+            <a:off x="10464800" y="1126836"/>
+            <a:ext cx="498764" cy="674255"/>
+          </a:xfrm>
+          <a:prstGeom prst="downArrow">
+            <a:avLst/>
+          </a:prstGeom>
+        </p:spPr>
+        <p:style>
+          <a:lnRef idx="2">
+            <a:schemeClr val="accent1">
+              <a:shade val="50000"/>
+            </a:schemeClr>
+          </a:lnRef>
+          <a:fillRef idx="1">
+            <a:schemeClr val="accent1"/>
+          </a:fillRef>
+          <a:effectRef idx="0">
+            <a:schemeClr val="accent1"/>
+          </a:effectRef>
+          <a:fontRef idx="minor">
+            <a:schemeClr val="lt1"/>
+          </a:fontRef>
+        </p:style>
+        <p:txBody>
+          <a:bodyPr rtlCol="0" anchor="ctr"/>
+          <a:lstStyle/>
+          <a:p>
+            <a:pPr algn="ctr"/>
+            <a:endParaRPr lang="en-US" dirty="0"/>
+          </a:p>
+        </p:txBody>
+      </p:sp>
+      <p:sp>
+        <p:nvSpPr>
+          <p:cNvPr id="12" name="Rectangle 11">
+            <a:extLst>
+              <a:ext uri="{FF2B5EF4-FFF2-40B4-BE49-F238E27FC236}">
+                <a16:creationId xmlns:a16="http://schemas.microsoft.com/office/drawing/2014/main" id="{AD8EEDD1-3EFC-43EB-838A-1F74E2A933DF}"/>
+              </a:ext>
+            </a:extLst>
+          </p:cNvPr>
+          <p:cNvSpPr/>
+          <p:nvPr/>
+        </p:nvSpPr>
+        <p:spPr>
+          <a:xfrm>
+            <a:off x="6729845" y="1734127"/>
+            <a:ext cx="1533236" cy="674255"/>
+          </a:xfrm>
+          <a:prstGeom prst="rect">
+            <a:avLst/>
+          </a:prstGeom>
+        </p:spPr>
+        <p:style>
+          <a:lnRef idx="2">
+            <a:schemeClr val="accent1">
+              <a:shade val="50000"/>
+            </a:schemeClr>
+          </a:lnRef>
+          <a:fillRef idx="1">
+            <a:schemeClr val="accent1"/>
+          </a:fillRef>
+          <a:effectRef idx="0">
+            <a:schemeClr val="accent1"/>
+          </a:effectRef>
+          <a:fontRef idx="minor">
+            <a:schemeClr val="lt1"/>
+          </a:fontRef>
+        </p:style>
+        <p:txBody>
+          <a:bodyPr rtlCol="0" anchor="ctr"/>
+          <a:lstStyle/>
+          <a:p>
+            <a:pPr algn="ctr"/>
+            <a:r>
+              <a:rPr lang="en-US" sz="1100" dirty="0"/>
+              <a:t>Take a Snapshot</a:t>
+            </a:r>
+          </a:p>
+          <a:p>
+            <a:pPr algn="ctr"/>
+            <a:r>
+              <a:rPr lang="en-US" sz="1100" dirty="0"/>
+              <a:t>Commit (“The </a:t>
+            </a:r>
+            <a:r>
+              <a:rPr lang="en-US" sz="1100" dirty="0" err="1"/>
+              <a:t>iMage</a:t>
+            </a:r>
+            <a:r>
+              <a:rPr lang="en-US" sz="1100" dirty="0"/>
+              <a:t>” )</a:t>
+            </a:r>
+          </a:p>
+        </p:txBody>
+      </p:sp>
+      <p:sp>
+        <p:nvSpPr>
+          <p:cNvPr id="13" name="TextBox 12">
+            <a:extLst>
+              <a:ext uri="{FF2B5EF4-FFF2-40B4-BE49-F238E27FC236}">
+                <a16:creationId xmlns:a16="http://schemas.microsoft.com/office/drawing/2014/main" id="{87D4E8E5-FD11-4099-8F4A-AD747F544B37}"/>
+              </a:ext>
+            </a:extLst>
+          </p:cNvPr>
+          <p:cNvSpPr txBox="1"/>
+          <p:nvPr/>
+        </p:nvSpPr>
+        <p:spPr>
+          <a:xfrm>
+            <a:off x="9781311" y="1276989"/>
+            <a:ext cx="932871" cy="369332"/>
+          </a:xfrm>
+          <a:prstGeom prst="rect">
+            <a:avLst/>
+          </a:prstGeom>
+          <a:noFill/>
+        </p:spPr>
+        <p:txBody>
+          <a:bodyPr wrap="square" rtlCol="0">
+            <a:spAutoFit/>
+          </a:bodyPr>
+          <a:lstStyle/>
+          <a:p>
+            <a:r>
+              <a:rPr lang="en-US" dirty="0"/>
+              <a:t>exec</a:t>
+            </a:r>
+          </a:p>
+        </p:txBody>
+      </p:sp>
+      <p:sp>
+        <p:nvSpPr>
+          <p:cNvPr id="14" name="TextBox 13">
+            <a:extLst>
+              <a:ext uri="{FF2B5EF4-FFF2-40B4-BE49-F238E27FC236}">
+                <a16:creationId xmlns:a16="http://schemas.microsoft.com/office/drawing/2014/main" id="{C22DFCBD-49EE-4C9F-928C-ECF0A9564378}"/>
+              </a:ext>
+            </a:extLst>
+          </p:cNvPr>
+          <p:cNvSpPr txBox="1"/>
+          <p:nvPr/>
+        </p:nvSpPr>
+        <p:spPr>
+          <a:xfrm>
+            <a:off x="277091" y="1646321"/>
+            <a:ext cx="6890327" cy="3416320"/>
+          </a:xfrm>
+          <a:prstGeom prst="rect">
+            <a:avLst/>
+          </a:prstGeom>
+          <a:noFill/>
+        </p:spPr>
+        <p:txBody>
+          <a:bodyPr wrap="square" rtlCol="0">
+            <a:spAutoFit/>
+          </a:bodyPr>
+          <a:lstStyle/>
+          <a:p>
+            <a:pPr marL="342900" indent="-342900">
+              <a:buAutoNum type="arabicPeriod"/>
+            </a:pPr>
+            <a:r>
+              <a:rPr lang="en-US" dirty="0"/>
+              <a:t>docker pull  </a:t>
+            </a:r>
+            <a:r>
+              <a:rPr lang="en-US" dirty="0" err="1"/>
+              <a:t>nginx</a:t>
+            </a:r>
+            <a:endParaRPr lang="en-US" dirty="0"/>
+          </a:p>
+          <a:p>
+            <a:pPr marL="342900" indent="-342900">
+              <a:buAutoNum type="arabicPeriod"/>
+            </a:pPr>
+            <a:r>
+              <a:rPr lang="en-US" dirty="0"/>
+              <a:t>docker images  </a:t>
+            </a:r>
+          </a:p>
+          <a:p>
+            <a:pPr marL="342900" indent="-342900">
+              <a:buAutoNum type="arabicPeriod"/>
+            </a:pPr>
+            <a:r>
+              <a:rPr lang="en-US" b="0" i="0" dirty="0" err="1">
+                <a:solidFill>
+                  <a:srgbClr val="000000"/>
+                </a:solidFill>
+                <a:effectLst/>
+                <a:latin typeface="Carlito"/>
+              </a:rPr>
+              <a:t>sudo</a:t>
+            </a:r>
+            <a:r>
+              <a:rPr lang="en-US" b="0" i="0" dirty="0">
+                <a:solidFill>
+                  <a:srgbClr val="000000"/>
+                </a:solidFill>
+                <a:effectLst/>
+                <a:latin typeface="Carlito"/>
+              </a:rPr>
+              <a:t> docker create --name myweb6 -p8086:80 </a:t>
+            </a:r>
+            <a:r>
+              <a:rPr lang="en-US" b="0" i="0" dirty="0" err="1">
+                <a:solidFill>
+                  <a:srgbClr val="000000"/>
+                </a:solidFill>
+                <a:effectLst/>
+                <a:latin typeface="Carlito"/>
+              </a:rPr>
+              <a:t>nginx</a:t>
+            </a:r>
+            <a:r>
+              <a:rPr lang="en-US" b="0" i="0" dirty="0">
+                <a:solidFill>
+                  <a:srgbClr val="000000"/>
+                </a:solidFill>
+                <a:effectLst/>
+                <a:latin typeface="Carlito"/>
+              </a:rPr>
+              <a:t> </a:t>
+            </a:r>
+          </a:p>
+          <a:p>
+            <a:pPr marL="342900" indent="-342900">
+              <a:buAutoNum type="arabicPeriod"/>
+            </a:pPr>
+            <a:r>
+              <a:rPr lang="en-US" dirty="0" err="1">
+                <a:solidFill>
+                  <a:srgbClr val="000000"/>
+                </a:solidFill>
+                <a:latin typeface="Carlito"/>
+              </a:rPr>
+              <a:t>sudo</a:t>
+            </a:r>
+            <a:r>
+              <a:rPr lang="en-US" dirty="0">
+                <a:solidFill>
+                  <a:srgbClr val="000000"/>
+                </a:solidFill>
+                <a:latin typeface="Carlito"/>
+              </a:rPr>
+              <a:t> docker start myweb6 </a:t>
+            </a:r>
+          </a:p>
+          <a:p>
+            <a:pPr marL="342900" indent="-342900">
+              <a:buAutoNum type="arabicPeriod"/>
+            </a:pPr>
+            <a:r>
+              <a:rPr lang="en-US" b="0" i="0" dirty="0" err="1">
+                <a:solidFill>
+                  <a:srgbClr val="000000"/>
+                </a:solidFill>
+                <a:effectLst/>
+                <a:latin typeface="Carlito"/>
+              </a:rPr>
+              <a:t>sudo</a:t>
+            </a:r>
+            <a:r>
+              <a:rPr lang="en-US" b="0" i="0" dirty="0">
+                <a:solidFill>
+                  <a:srgbClr val="000000"/>
+                </a:solidFill>
+                <a:effectLst/>
+                <a:latin typeface="Carlito"/>
+              </a:rPr>
+              <a:t> docker exec -it myweb1 bash</a:t>
+            </a:r>
+          </a:p>
+          <a:p>
+            <a:pPr marL="342900" indent="-342900">
+              <a:buAutoNum type="arabicPeriod"/>
+            </a:pPr>
+            <a:r>
+              <a:rPr lang="en-US" dirty="0">
+                <a:solidFill>
+                  <a:srgbClr val="000000"/>
+                </a:solidFill>
+                <a:latin typeface="Carlito"/>
+              </a:rPr>
+              <a:t>You can do all the modifications to the container</a:t>
+            </a:r>
+          </a:p>
+          <a:p>
+            <a:r>
+              <a:rPr lang="en-US" dirty="0">
+                <a:solidFill>
+                  <a:srgbClr val="000000"/>
+                </a:solidFill>
+                <a:latin typeface="Carlito"/>
+              </a:rPr>
+              <a:t>	a.  Change the app / install / configure </a:t>
+            </a:r>
+          </a:p>
+          <a:p>
+            <a:r>
+              <a:rPr lang="en-US" b="0" i="0" dirty="0">
+                <a:solidFill>
+                  <a:srgbClr val="000000"/>
+                </a:solidFill>
+                <a:effectLst/>
+                <a:latin typeface="Carlito"/>
+              </a:rPr>
+              <a:t>	</a:t>
+            </a:r>
+            <a:r>
+              <a:rPr lang="en-US" dirty="0">
+                <a:solidFill>
+                  <a:srgbClr val="000000"/>
+                </a:solidFill>
+                <a:latin typeface="Carlito"/>
+              </a:rPr>
+              <a:t>b.  Add files/delete files</a:t>
+            </a:r>
+          </a:p>
+          <a:p>
+            <a:pPr marL="342900" indent="-342900">
+              <a:buAutoNum type="arabicPeriod" startAt="7"/>
+            </a:pPr>
+            <a:r>
+              <a:rPr lang="en-US" b="0" i="0" dirty="0" err="1">
+                <a:solidFill>
+                  <a:srgbClr val="000000"/>
+                </a:solidFill>
+                <a:effectLst/>
+                <a:latin typeface="Carlito"/>
+              </a:rPr>
+              <a:t>sudo</a:t>
+            </a:r>
+            <a:r>
+              <a:rPr lang="en-US" b="0" i="0" dirty="0">
+                <a:solidFill>
+                  <a:srgbClr val="000000"/>
+                </a:solidFill>
+                <a:effectLst/>
+                <a:latin typeface="Carlito"/>
+              </a:rPr>
+              <a:t> docker  commit  myweb1   </a:t>
+            </a:r>
+            <a:r>
+              <a:rPr lang="en-US" i="0" dirty="0" err="1">
+                <a:ln w="0"/>
+                <a:effectLst>
+                  <a:outerShdw blurRad="38100" dist="19050" dir="2700000" algn="tl" rotWithShape="0">
+                    <a:schemeClr val="dk1">
+                      <a:alpha val="40000"/>
+                    </a:schemeClr>
+                  </a:outerShdw>
+                </a:effectLst>
+                <a:latin typeface="Carlito"/>
+              </a:rPr>
+              <a:t>nileshvinsys</a:t>
+            </a:r>
+            <a:r>
+              <a:rPr lang="en-US" b="0" i="0" dirty="0">
+                <a:solidFill>
+                  <a:srgbClr val="000000"/>
+                </a:solidFill>
+                <a:effectLst/>
+                <a:latin typeface="Carlito"/>
+              </a:rPr>
+              <a:t>/</a:t>
+            </a:r>
+            <a:r>
+              <a:rPr lang="en-US" b="0" i="0" dirty="0" err="1">
+                <a:solidFill>
+                  <a:srgbClr val="000000"/>
+                </a:solidFill>
+                <a:effectLst/>
+                <a:latin typeface="Carlito"/>
+              </a:rPr>
+              <a:t>somename:version</a:t>
+            </a:r>
+            <a:endParaRPr lang="en-US" b="0" i="0" dirty="0">
+              <a:solidFill>
+                <a:srgbClr val="000000"/>
+              </a:solidFill>
+              <a:effectLst/>
+              <a:latin typeface="Carlito"/>
+            </a:endParaRPr>
+          </a:p>
+          <a:p>
+            <a:pPr marL="342900" indent="-342900">
+              <a:buAutoNum type="arabicPeriod" startAt="7"/>
+            </a:pPr>
+            <a:r>
+              <a:rPr lang="en-US" b="0" i="0" dirty="0" err="1">
+                <a:solidFill>
+                  <a:srgbClr val="000000"/>
+                </a:solidFill>
+                <a:effectLst/>
+                <a:latin typeface="Carlito"/>
+              </a:rPr>
+              <a:t>sudo</a:t>
+            </a:r>
+            <a:r>
+              <a:rPr lang="en-US" b="0" i="0" dirty="0">
+                <a:solidFill>
+                  <a:srgbClr val="000000"/>
+                </a:solidFill>
+                <a:effectLst/>
+                <a:latin typeface="Carlito"/>
+              </a:rPr>
+              <a:t> docker </a:t>
+            </a:r>
+            <a:r>
+              <a:rPr lang="en-US" dirty="0">
+                <a:solidFill>
+                  <a:srgbClr val="000000"/>
+                </a:solidFill>
+                <a:latin typeface="Carlito"/>
+              </a:rPr>
+              <a:t>login </a:t>
+            </a:r>
+          </a:p>
+          <a:p>
+            <a:pPr marL="342900" indent="-342900">
+              <a:buAutoNum type="arabicPeriod" startAt="7"/>
+            </a:pPr>
+            <a:r>
+              <a:rPr lang="en-US" dirty="0" err="1">
+                <a:solidFill>
+                  <a:srgbClr val="000000"/>
+                </a:solidFill>
+                <a:latin typeface="Carlito"/>
+              </a:rPr>
+              <a:t>Sudo</a:t>
+            </a:r>
+            <a:r>
+              <a:rPr lang="en-US" dirty="0">
+                <a:solidFill>
+                  <a:srgbClr val="000000"/>
+                </a:solidFill>
+                <a:latin typeface="Carlito"/>
+              </a:rPr>
+              <a:t> docker push  </a:t>
+            </a:r>
+            <a:r>
+              <a:rPr lang="en-US" dirty="0" err="1">
+                <a:solidFill>
+                  <a:srgbClr val="000000"/>
+                </a:solidFill>
+                <a:latin typeface="Carlito"/>
+              </a:rPr>
+              <a:t>nileshvinshs</a:t>
+            </a:r>
+            <a:r>
+              <a:rPr lang="en-US" dirty="0">
+                <a:solidFill>
+                  <a:srgbClr val="000000"/>
+                </a:solidFill>
+                <a:latin typeface="Carlito"/>
+              </a:rPr>
+              <a:t>/</a:t>
+            </a:r>
+            <a:r>
+              <a:rPr lang="en-US" dirty="0" err="1">
+                <a:solidFill>
+                  <a:srgbClr val="000000"/>
+                </a:solidFill>
+                <a:latin typeface="Carlito"/>
+              </a:rPr>
+              <a:t>somename:version</a:t>
+            </a:r>
+            <a:endParaRPr lang="en-US" b="0" i="0" dirty="0">
+              <a:solidFill>
+                <a:srgbClr val="000000"/>
+              </a:solidFill>
+              <a:effectLst/>
+              <a:latin typeface="Carlito"/>
+            </a:endParaRPr>
+          </a:p>
+          <a:p>
+            <a:pPr marL="342900" indent="-342900">
+              <a:buAutoNum type="arabicPeriod"/>
+            </a:pPr>
+            <a:endParaRPr lang="en-US" dirty="0"/>
+          </a:p>
+        </p:txBody>
+      </p:sp>
+      <p:sp>
+        <p:nvSpPr>
+          <p:cNvPr id="15" name="Oval 14">
+            <a:extLst>
+              <a:ext uri="{FF2B5EF4-FFF2-40B4-BE49-F238E27FC236}">
+                <a16:creationId xmlns:a16="http://schemas.microsoft.com/office/drawing/2014/main" id="{582B8251-7946-4B9A-8768-4FAD2E97F051}"/>
+              </a:ext>
+            </a:extLst>
+          </p:cNvPr>
+          <p:cNvSpPr/>
+          <p:nvPr/>
+        </p:nvSpPr>
+        <p:spPr>
+          <a:xfrm>
+            <a:off x="1330036" y="907657"/>
+            <a:ext cx="378691" cy="369332"/>
+          </a:xfrm>
+          <a:prstGeom prst="ellipse">
+            <a:avLst/>
+          </a:prstGeom>
+        </p:spPr>
+        <p:style>
+          <a:lnRef idx="2">
+            <a:schemeClr val="accent2">
+              <a:shade val="50000"/>
+            </a:schemeClr>
+          </a:lnRef>
+          <a:fillRef idx="1">
+            <a:schemeClr val="accent2"/>
+          </a:fillRef>
+          <a:effectRef idx="0">
+            <a:schemeClr val="accent2"/>
+          </a:effectRef>
+          <a:fontRef idx="minor">
+            <a:schemeClr val="lt1"/>
+          </a:fontRef>
+        </p:style>
+        <p:txBody>
+          <a:bodyPr rtlCol="0" anchor="ctr"/>
+          <a:lstStyle/>
+          <a:p>
+            <a:pPr algn="ctr"/>
+            <a:r>
+              <a:rPr lang="en-US" dirty="0"/>
+              <a:t>1</a:t>
+            </a:r>
+          </a:p>
+        </p:txBody>
+      </p:sp>
+      <p:sp>
+        <p:nvSpPr>
+          <p:cNvPr id="16" name="Oval 15">
+            <a:extLst>
+              <a:ext uri="{FF2B5EF4-FFF2-40B4-BE49-F238E27FC236}">
+                <a16:creationId xmlns:a16="http://schemas.microsoft.com/office/drawing/2014/main" id="{CD45BC2B-CED3-441A-A07E-115A5C46F591}"/>
+              </a:ext>
+            </a:extLst>
+          </p:cNvPr>
+          <p:cNvSpPr/>
+          <p:nvPr/>
+        </p:nvSpPr>
+        <p:spPr>
+          <a:xfrm>
+            <a:off x="4216401" y="951468"/>
+            <a:ext cx="378691" cy="369332"/>
+          </a:xfrm>
+          <a:prstGeom prst="ellipse">
+            <a:avLst/>
+          </a:prstGeom>
+        </p:spPr>
+        <p:style>
+          <a:lnRef idx="2">
+            <a:schemeClr val="accent2">
+              <a:shade val="50000"/>
+            </a:schemeClr>
+          </a:lnRef>
+          <a:fillRef idx="1">
+            <a:schemeClr val="accent2"/>
+          </a:fillRef>
+          <a:effectRef idx="0">
+            <a:schemeClr val="accent2"/>
+          </a:effectRef>
+          <a:fontRef idx="minor">
+            <a:schemeClr val="lt1"/>
+          </a:fontRef>
+        </p:style>
+        <p:txBody>
+          <a:bodyPr rtlCol="0" anchor="ctr"/>
+          <a:lstStyle/>
+          <a:p>
+            <a:pPr algn="ctr"/>
+            <a:r>
+              <a:rPr lang="en-US" dirty="0"/>
+              <a:t>2</a:t>
+            </a:r>
+          </a:p>
+        </p:txBody>
+      </p:sp>
+      <p:sp>
+        <p:nvSpPr>
+          <p:cNvPr id="17" name="Oval 16">
+            <a:extLst>
+              <a:ext uri="{FF2B5EF4-FFF2-40B4-BE49-F238E27FC236}">
+                <a16:creationId xmlns:a16="http://schemas.microsoft.com/office/drawing/2014/main" id="{D404CB38-73A4-4520-91CA-1E760F828638}"/>
+              </a:ext>
+            </a:extLst>
+          </p:cNvPr>
+          <p:cNvSpPr/>
+          <p:nvPr/>
+        </p:nvSpPr>
+        <p:spPr>
+          <a:xfrm>
+            <a:off x="7199744" y="882072"/>
+            <a:ext cx="378691" cy="369332"/>
+          </a:xfrm>
+          <a:prstGeom prst="ellipse">
+            <a:avLst/>
+          </a:prstGeom>
+        </p:spPr>
+        <p:style>
+          <a:lnRef idx="2">
+            <a:schemeClr val="accent2">
+              <a:shade val="50000"/>
+            </a:schemeClr>
+          </a:lnRef>
+          <a:fillRef idx="1">
+            <a:schemeClr val="accent2"/>
+          </a:fillRef>
+          <a:effectRef idx="0">
+            <a:schemeClr val="accent2"/>
+          </a:effectRef>
+          <a:fontRef idx="minor">
+            <a:schemeClr val="lt1"/>
+          </a:fontRef>
+        </p:style>
+        <p:txBody>
+          <a:bodyPr rtlCol="0" anchor="ctr"/>
+          <a:lstStyle/>
+          <a:p>
+            <a:pPr algn="ctr"/>
+            <a:r>
+              <a:rPr lang="en-US" dirty="0"/>
+              <a:t>3</a:t>
+            </a:r>
+          </a:p>
+        </p:txBody>
+      </p:sp>
+      <p:sp>
+        <p:nvSpPr>
+          <p:cNvPr id="18" name="Oval 17">
+            <a:extLst>
+              <a:ext uri="{FF2B5EF4-FFF2-40B4-BE49-F238E27FC236}">
+                <a16:creationId xmlns:a16="http://schemas.microsoft.com/office/drawing/2014/main" id="{752CCA8A-4CB6-4F47-8D2B-FEE814F4AB25}"/>
+              </a:ext>
+            </a:extLst>
+          </p:cNvPr>
+          <p:cNvSpPr/>
+          <p:nvPr/>
+        </p:nvSpPr>
+        <p:spPr>
+          <a:xfrm>
+            <a:off x="9993741" y="831457"/>
+            <a:ext cx="378691" cy="369332"/>
+          </a:xfrm>
+          <a:prstGeom prst="ellipse">
+            <a:avLst/>
+          </a:prstGeom>
+        </p:spPr>
+        <p:style>
+          <a:lnRef idx="2">
+            <a:schemeClr val="accent2">
+              <a:shade val="50000"/>
+            </a:schemeClr>
+          </a:lnRef>
+          <a:fillRef idx="1">
+            <a:schemeClr val="accent2"/>
+          </a:fillRef>
+          <a:effectRef idx="0">
+            <a:schemeClr val="accent2"/>
+          </a:effectRef>
+          <a:fontRef idx="minor">
+            <a:schemeClr val="lt1"/>
+          </a:fontRef>
+        </p:style>
+        <p:txBody>
+          <a:bodyPr rtlCol="0" anchor="ctr"/>
+          <a:lstStyle/>
+          <a:p>
+            <a:pPr algn="ctr"/>
+            <a:r>
+              <a:rPr lang="en-US" dirty="0"/>
+              <a:t>4</a:t>
+            </a:r>
+          </a:p>
+        </p:txBody>
+      </p:sp>
+      <p:sp>
+        <p:nvSpPr>
+          <p:cNvPr id="19" name="Oval 18">
+            <a:extLst>
+              <a:ext uri="{FF2B5EF4-FFF2-40B4-BE49-F238E27FC236}">
+                <a16:creationId xmlns:a16="http://schemas.microsoft.com/office/drawing/2014/main" id="{B1838F48-47D9-4D99-BC38-89E3E5DCBFA8}"/>
+              </a:ext>
+            </a:extLst>
+          </p:cNvPr>
+          <p:cNvSpPr/>
+          <p:nvPr/>
+        </p:nvSpPr>
+        <p:spPr>
+          <a:xfrm>
+            <a:off x="9591965" y="2105952"/>
+            <a:ext cx="378691" cy="369332"/>
+          </a:xfrm>
+          <a:prstGeom prst="ellipse">
+            <a:avLst/>
+          </a:prstGeom>
+        </p:spPr>
+        <p:style>
+          <a:lnRef idx="2">
+            <a:schemeClr val="accent2">
+              <a:shade val="50000"/>
+            </a:schemeClr>
+          </a:lnRef>
+          <a:fillRef idx="1">
+            <a:schemeClr val="accent2"/>
+          </a:fillRef>
+          <a:effectRef idx="0">
+            <a:schemeClr val="accent2"/>
+          </a:effectRef>
+          <a:fontRef idx="minor">
+            <a:schemeClr val="lt1"/>
+          </a:fontRef>
+        </p:style>
+        <p:txBody>
+          <a:bodyPr rtlCol="0" anchor="ctr"/>
+          <a:lstStyle/>
+          <a:p>
+            <a:pPr algn="ctr"/>
+            <a:r>
+              <a:rPr lang="en-US" dirty="0"/>
+              <a:t>5</a:t>
+            </a:r>
+          </a:p>
+        </p:txBody>
+      </p:sp>
+      <p:sp>
+        <p:nvSpPr>
+          <p:cNvPr id="20" name="Arrow: Left 19">
+            <a:extLst>
+              <a:ext uri="{FF2B5EF4-FFF2-40B4-BE49-F238E27FC236}">
+                <a16:creationId xmlns:a16="http://schemas.microsoft.com/office/drawing/2014/main" id="{4D47420D-0606-400C-9CD4-65E12049887C}"/>
+              </a:ext>
+            </a:extLst>
+          </p:cNvPr>
+          <p:cNvSpPr/>
+          <p:nvPr/>
+        </p:nvSpPr>
+        <p:spPr>
+          <a:xfrm>
+            <a:off x="8453586" y="2071255"/>
+            <a:ext cx="822035" cy="438726"/>
+          </a:xfrm>
+          <a:prstGeom prst="leftArrow">
+            <a:avLst/>
+          </a:prstGeom>
+        </p:spPr>
+        <p:style>
+          <a:lnRef idx="2">
+            <a:schemeClr val="accent1">
+              <a:shade val="50000"/>
+            </a:schemeClr>
+          </a:lnRef>
+          <a:fillRef idx="1">
+            <a:schemeClr val="accent1"/>
+          </a:fillRef>
+          <a:effectRef idx="0">
+            <a:schemeClr val="accent1"/>
+          </a:effectRef>
+          <a:fontRef idx="minor">
+            <a:schemeClr val="lt1"/>
+          </a:fontRef>
+        </p:style>
+        <p:txBody>
+          <a:bodyPr rtlCol="0" anchor="ctr"/>
+          <a:lstStyle/>
+          <a:p>
+            <a:pPr algn="ctr"/>
+            <a:endParaRPr lang="en-US"/>
+          </a:p>
+        </p:txBody>
+      </p:sp>
+      <p:sp>
+        <p:nvSpPr>
+          <p:cNvPr id="21" name="Oval 20">
+            <a:extLst>
+              <a:ext uri="{FF2B5EF4-FFF2-40B4-BE49-F238E27FC236}">
+                <a16:creationId xmlns:a16="http://schemas.microsoft.com/office/drawing/2014/main" id="{FBC4CD09-56CF-4DC2-B829-1C955482FDDF}"/>
+              </a:ext>
+            </a:extLst>
+          </p:cNvPr>
+          <p:cNvSpPr/>
+          <p:nvPr/>
+        </p:nvSpPr>
+        <p:spPr>
+          <a:xfrm>
+            <a:off x="7275940" y="2258414"/>
+            <a:ext cx="378691" cy="369332"/>
+          </a:xfrm>
+          <a:prstGeom prst="ellipse">
+            <a:avLst/>
+          </a:prstGeom>
+        </p:spPr>
+        <p:style>
+          <a:lnRef idx="2">
+            <a:schemeClr val="accent2">
+              <a:shade val="50000"/>
+            </a:schemeClr>
+          </a:lnRef>
+          <a:fillRef idx="1">
+            <a:schemeClr val="accent2"/>
+          </a:fillRef>
+          <a:effectRef idx="0">
+            <a:schemeClr val="accent2"/>
+          </a:effectRef>
+          <a:fontRef idx="minor">
+            <a:schemeClr val="lt1"/>
+          </a:fontRef>
+        </p:style>
+        <p:txBody>
+          <a:bodyPr rtlCol="0" anchor="ctr"/>
+          <a:lstStyle/>
+          <a:p>
+            <a:pPr algn="ctr"/>
+            <a:r>
+              <a:rPr lang="en-US" dirty="0"/>
+              <a:t>6</a:t>
+            </a:r>
+          </a:p>
+        </p:txBody>
+      </p:sp>
+      <p:sp>
+        <p:nvSpPr>
+          <p:cNvPr id="23" name="Rectangle 22">
+            <a:extLst>
+              <a:ext uri="{FF2B5EF4-FFF2-40B4-BE49-F238E27FC236}">
+                <a16:creationId xmlns:a16="http://schemas.microsoft.com/office/drawing/2014/main" id="{02C9DE08-DE44-43F7-B97A-F98227DA32F9}"/>
+              </a:ext>
+            </a:extLst>
+          </p:cNvPr>
+          <p:cNvSpPr/>
+          <p:nvPr/>
+        </p:nvSpPr>
+        <p:spPr>
+          <a:xfrm>
+            <a:off x="9933711" y="2105891"/>
+            <a:ext cx="1533236" cy="674255"/>
+          </a:xfrm>
+          <a:prstGeom prst="rect">
+            <a:avLst/>
+          </a:prstGeom>
+        </p:spPr>
+        <p:style>
+          <a:lnRef idx="2">
+            <a:schemeClr val="accent1">
+              <a:shade val="50000"/>
+            </a:schemeClr>
+          </a:lnRef>
+          <a:fillRef idx="1">
+            <a:schemeClr val="accent1"/>
+          </a:fillRef>
+          <a:effectRef idx="0">
+            <a:schemeClr val="accent1"/>
+          </a:effectRef>
+          <a:fontRef idx="minor">
+            <a:schemeClr val="lt1"/>
+          </a:fontRef>
+        </p:style>
+        <p:txBody>
+          <a:bodyPr rtlCol="0" anchor="ctr"/>
+          <a:lstStyle/>
+          <a:p>
+            <a:pPr algn="ctr"/>
+            <a:r>
+              <a:rPr lang="en-US" sz="1400" dirty="0"/>
+              <a:t>Connect to the Container </a:t>
+            </a:r>
+          </a:p>
+          <a:p>
+            <a:pPr algn="ctr"/>
+            <a:r>
+              <a:rPr lang="en-US" sz="1400" dirty="0"/>
+              <a:t>Add /Modify</a:t>
+            </a:r>
+          </a:p>
+        </p:txBody>
+      </p:sp>
+      <p:sp>
+        <p:nvSpPr>
+          <p:cNvPr id="24" name="Arrow: Down 23">
+            <a:extLst>
+              <a:ext uri="{FF2B5EF4-FFF2-40B4-BE49-F238E27FC236}">
+                <a16:creationId xmlns:a16="http://schemas.microsoft.com/office/drawing/2014/main" id="{BEEAF519-D07A-4653-AF20-14AC8C70A847}"/>
+              </a:ext>
+            </a:extLst>
+          </p:cNvPr>
+          <p:cNvSpPr/>
+          <p:nvPr/>
+        </p:nvSpPr>
+        <p:spPr>
+          <a:xfrm>
+            <a:off x="7190501" y="2645757"/>
+            <a:ext cx="549568" cy="674255"/>
+          </a:xfrm>
+          <a:prstGeom prst="downArrow">
+            <a:avLst/>
+          </a:prstGeom>
+        </p:spPr>
+        <p:style>
+          <a:lnRef idx="2">
+            <a:schemeClr val="accent1">
+              <a:shade val="50000"/>
+            </a:schemeClr>
+          </a:lnRef>
+          <a:fillRef idx="1">
+            <a:schemeClr val="accent1"/>
+          </a:fillRef>
+          <a:effectRef idx="0">
+            <a:schemeClr val="accent1"/>
+          </a:effectRef>
+          <a:fontRef idx="minor">
+            <a:schemeClr val="lt1"/>
+          </a:fontRef>
+        </p:style>
+        <p:txBody>
+          <a:bodyPr rtlCol="0" anchor="ctr"/>
+          <a:lstStyle/>
+          <a:p>
+            <a:pPr algn="ctr"/>
+            <a:endParaRPr lang="en-US"/>
+          </a:p>
+        </p:txBody>
+      </p:sp>
+      <p:sp>
+        <p:nvSpPr>
+          <p:cNvPr id="25" name="Rectangle 24">
+            <a:extLst>
+              <a:ext uri="{FF2B5EF4-FFF2-40B4-BE49-F238E27FC236}">
+                <a16:creationId xmlns:a16="http://schemas.microsoft.com/office/drawing/2014/main" id="{0E7EA3BD-2846-4B20-AFDD-A6449260CFF2}"/>
+              </a:ext>
+            </a:extLst>
+          </p:cNvPr>
+          <p:cNvSpPr/>
+          <p:nvPr/>
+        </p:nvSpPr>
+        <p:spPr>
+          <a:xfrm>
+            <a:off x="6763322" y="3398384"/>
+            <a:ext cx="1533236" cy="674255"/>
+          </a:xfrm>
+          <a:prstGeom prst="rect">
+            <a:avLst/>
+          </a:prstGeom>
+        </p:spPr>
+        <p:style>
+          <a:lnRef idx="2">
+            <a:schemeClr val="accent1">
+              <a:shade val="50000"/>
+            </a:schemeClr>
+          </a:lnRef>
+          <a:fillRef idx="1">
+            <a:schemeClr val="accent1"/>
+          </a:fillRef>
+          <a:effectRef idx="0">
+            <a:schemeClr val="accent1"/>
+          </a:effectRef>
+          <a:fontRef idx="minor">
+            <a:schemeClr val="lt1"/>
+          </a:fontRef>
+        </p:style>
+        <p:txBody>
+          <a:bodyPr rtlCol="0" anchor="ctr"/>
+          <a:lstStyle/>
+          <a:p>
+            <a:pPr algn="ctr"/>
+            <a:r>
+              <a:rPr lang="en-US" sz="1100" dirty="0"/>
+              <a:t>Docker login</a:t>
+            </a:r>
+          </a:p>
+        </p:txBody>
+      </p:sp>
+      <p:sp>
+        <p:nvSpPr>
+          <p:cNvPr id="26" name="Oval 25">
+            <a:extLst>
+              <a:ext uri="{FF2B5EF4-FFF2-40B4-BE49-F238E27FC236}">
+                <a16:creationId xmlns:a16="http://schemas.microsoft.com/office/drawing/2014/main" id="{3E42F85D-7430-4366-968F-43224C90ADE2}"/>
+              </a:ext>
+            </a:extLst>
+          </p:cNvPr>
+          <p:cNvSpPr/>
+          <p:nvPr/>
+        </p:nvSpPr>
+        <p:spPr>
+          <a:xfrm>
+            <a:off x="7740069" y="3887973"/>
+            <a:ext cx="378691" cy="369332"/>
+          </a:xfrm>
+          <a:prstGeom prst="ellipse">
+            <a:avLst/>
+          </a:prstGeom>
+        </p:spPr>
+        <p:style>
+          <a:lnRef idx="2">
+            <a:schemeClr val="accent2">
+              <a:shade val="50000"/>
+            </a:schemeClr>
+          </a:lnRef>
+          <a:fillRef idx="1">
+            <a:schemeClr val="accent2"/>
+          </a:fillRef>
+          <a:effectRef idx="0">
+            <a:schemeClr val="accent2"/>
+          </a:effectRef>
+          <a:fontRef idx="minor">
+            <a:schemeClr val="lt1"/>
+          </a:fontRef>
+        </p:style>
+        <p:txBody>
+          <a:bodyPr rtlCol="0" anchor="ctr"/>
+          <a:lstStyle/>
+          <a:p>
+            <a:pPr algn="ctr"/>
+            <a:r>
+              <a:rPr lang="en-US" dirty="0"/>
+              <a:t>7</a:t>
+            </a:r>
+          </a:p>
+        </p:txBody>
+      </p:sp>
+      <p:sp>
+        <p:nvSpPr>
+          <p:cNvPr id="27" name="Arrow: Down 26">
+            <a:extLst>
+              <a:ext uri="{FF2B5EF4-FFF2-40B4-BE49-F238E27FC236}">
+                <a16:creationId xmlns:a16="http://schemas.microsoft.com/office/drawing/2014/main" id="{02DE4B60-7944-4516-BC21-F2CDACF38A31}"/>
+              </a:ext>
+            </a:extLst>
+          </p:cNvPr>
+          <p:cNvSpPr/>
+          <p:nvPr/>
+        </p:nvSpPr>
+        <p:spPr>
+          <a:xfrm rot="16405870">
+            <a:off x="8531771" y="3486567"/>
+            <a:ext cx="549568" cy="674255"/>
+          </a:xfrm>
+          <a:prstGeom prst="downArrow">
+            <a:avLst/>
+          </a:prstGeom>
+        </p:spPr>
+        <p:style>
+          <a:lnRef idx="2">
+            <a:schemeClr val="accent1">
+              <a:shade val="50000"/>
+            </a:schemeClr>
+          </a:lnRef>
+          <a:fillRef idx="1">
+            <a:schemeClr val="accent1"/>
+          </a:fillRef>
+          <a:effectRef idx="0">
+            <a:schemeClr val="accent1"/>
+          </a:effectRef>
+          <a:fontRef idx="minor">
+            <a:schemeClr val="lt1"/>
+          </a:fontRef>
+        </p:style>
+        <p:txBody>
+          <a:bodyPr rtlCol="0" anchor="ctr"/>
+          <a:lstStyle/>
+          <a:p>
+            <a:pPr algn="ctr"/>
+            <a:endParaRPr lang="en-US"/>
+          </a:p>
+        </p:txBody>
+      </p:sp>
+      <p:sp>
+        <p:nvSpPr>
+          <p:cNvPr id="28" name="Rectangle 27">
+            <a:extLst>
+              <a:ext uri="{FF2B5EF4-FFF2-40B4-BE49-F238E27FC236}">
+                <a16:creationId xmlns:a16="http://schemas.microsoft.com/office/drawing/2014/main" id="{5586E399-1368-4CB7-8489-1025C64AE8F6}"/>
+              </a:ext>
+            </a:extLst>
+          </p:cNvPr>
+          <p:cNvSpPr/>
+          <p:nvPr/>
+        </p:nvSpPr>
+        <p:spPr>
+          <a:xfrm>
+            <a:off x="9275621" y="3441001"/>
+            <a:ext cx="1533236" cy="674255"/>
+          </a:xfrm>
+          <a:prstGeom prst="rect">
+            <a:avLst/>
+          </a:prstGeom>
+        </p:spPr>
+        <p:style>
+          <a:lnRef idx="2">
+            <a:schemeClr val="accent1">
+              <a:shade val="50000"/>
+            </a:schemeClr>
+          </a:lnRef>
+          <a:fillRef idx="1">
+            <a:schemeClr val="accent1"/>
+          </a:fillRef>
+          <a:effectRef idx="0">
+            <a:schemeClr val="accent1"/>
+          </a:effectRef>
+          <a:fontRef idx="minor">
+            <a:schemeClr val="lt1"/>
+          </a:fontRef>
+        </p:style>
+        <p:txBody>
+          <a:bodyPr rtlCol="0" anchor="ctr"/>
+          <a:lstStyle/>
+          <a:p>
+            <a:pPr algn="ctr"/>
+            <a:r>
+              <a:rPr lang="en-US" sz="1100" dirty="0"/>
+              <a:t>Docker push</a:t>
+            </a:r>
+          </a:p>
+        </p:txBody>
+      </p:sp>
+      <p:sp>
+        <p:nvSpPr>
+          <p:cNvPr id="29" name="Oval 28">
+            <a:extLst>
+              <a:ext uri="{FF2B5EF4-FFF2-40B4-BE49-F238E27FC236}">
+                <a16:creationId xmlns:a16="http://schemas.microsoft.com/office/drawing/2014/main" id="{61086F06-00B4-4B07-BC51-E535097CD876}"/>
+              </a:ext>
+            </a:extLst>
+          </p:cNvPr>
+          <p:cNvSpPr/>
+          <p:nvPr/>
+        </p:nvSpPr>
+        <p:spPr>
+          <a:xfrm>
+            <a:off x="9869055" y="3887973"/>
+            <a:ext cx="378691" cy="369332"/>
+          </a:xfrm>
+          <a:prstGeom prst="ellipse">
+            <a:avLst/>
+          </a:prstGeom>
+        </p:spPr>
+        <p:style>
+          <a:lnRef idx="2">
+            <a:schemeClr val="accent2">
+              <a:shade val="50000"/>
+            </a:schemeClr>
+          </a:lnRef>
+          <a:fillRef idx="1">
+            <a:schemeClr val="accent2"/>
+          </a:fillRef>
+          <a:effectRef idx="0">
+            <a:schemeClr val="accent2"/>
+          </a:effectRef>
+          <a:fontRef idx="minor">
+            <a:schemeClr val="lt1"/>
+          </a:fontRef>
+        </p:style>
+        <p:txBody>
+          <a:bodyPr rtlCol="0" anchor="ctr"/>
+          <a:lstStyle/>
+          <a:p>
+            <a:pPr algn="ctr"/>
+            <a:r>
+              <a:rPr lang="en-US" dirty="0"/>
+              <a:t>8</a:t>
+            </a:r>
+          </a:p>
+        </p:txBody>
+      </p:sp>
+      <p:cxnSp>
+        <p:nvCxnSpPr>
+          <p:cNvPr id="31" name="Connector: Elbow 30">
+            <a:extLst>
+              <a:ext uri="{FF2B5EF4-FFF2-40B4-BE49-F238E27FC236}">
+                <a16:creationId xmlns:a16="http://schemas.microsoft.com/office/drawing/2014/main" id="{6F05750D-3967-418D-A072-CDB26A48DC96}"/>
+              </a:ext>
+            </a:extLst>
+          </p:cNvPr>
+          <p:cNvCxnSpPr>
+            <a:cxnSpLocks/>
+            <a:stCxn id="29" idx="4"/>
+            <a:endCxn id="4" idx="2"/>
+          </p:cNvCxnSpPr>
+          <p:nvPr/>
+        </p:nvCxnSpPr>
+        <p:spPr>
+          <a:xfrm rot="5400000" flipH="1">
+            <a:off x="3969658" y="-1831438"/>
+            <a:ext cx="3278250" cy="8899237"/>
+          </a:xfrm>
+          <a:prstGeom prst="bentConnector3">
+            <a:avLst>
+              <a:gd name="adj1" fmla="val -6973"/>
+            </a:avLst>
+          </a:prstGeom>
+          <a:ln>
+            <a:tailEnd type="triangle"/>
+          </a:ln>
+        </p:spPr>
+        <p:style>
+          <a:lnRef idx="1">
+            <a:schemeClr val="accent1"/>
+          </a:lnRef>
+          <a:fillRef idx="0">
+            <a:schemeClr val="accent1"/>
+          </a:fillRef>
+          <a:effectRef idx="0">
+            <a:schemeClr val="accent1"/>
+          </a:effectRef>
+          <a:fontRef idx="minor">
+            <a:schemeClr val="tx1"/>
+          </a:fontRef>
+        </p:style>
+      </p:cxnSp>
+    </p:spTree>
+    <p:extLst>
+      <p:ext uri="{BB962C8B-B14F-4D97-AF65-F5344CB8AC3E}">
+        <p14:creationId xmlns:p14="http://schemas.microsoft.com/office/powerpoint/2010/main" val="3055036928"/>
+      </p:ext>
+    </p:extLst>
+  </p:cSld>
+  <p:clrMapOvr>
+    <a:masterClrMapping/>
+  </p:clrMapOvr>
+</p:sld>
+</file>
+
+<file path=ppt/slides/slide22.xml><?xml version="1.0" encoding="utf-8"?>
+<p:sld xmlns:a="http://schemas.openxmlformats.org/drawingml/2006/main" xmlns:r="http://schemas.openxmlformats.org/officeDocument/2006/relationships" xmlns:p="http://schemas.openxmlformats.org/presentationml/2006/main">
+  <p:cSld>
+    <p:spTree>
+      <p:nvGrpSpPr>
+        <p:cNvPr id="1" name=""/>
+        <p:cNvGrpSpPr/>
+        <p:nvPr/>
+      </p:nvGrpSpPr>
+      <p:grpSpPr>
+        <a:xfrm>
+          <a:off x="0" y="0"/>
+          <a:ext cx="0" cy="0"/>
+          <a:chOff x="0" y="0"/>
+          <a:chExt cx="0" cy="0"/>
+        </a:xfrm>
+      </p:grpSpPr>
+      <p:sp>
+        <p:nvSpPr>
+          <p:cNvPr id="4" name="TextBox 3">
+            <a:extLst>
+              <a:ext uri="{FF2B5EF4-FFF2-40B4-BE49-F238E27FC236}">
+                <a16:creationId xmlns:a16="http://schemas.microsoft.com/office/drawing/2014/main" id="{0A7768C4-AE40-451C-AA71-8CD5195B2BDE}"/>
+              </a:ext>
+            </a:extLst>
+          </p:cNvPr>
+          <p:cNvSpPr txBox="1"/>
+          <p:nvPr/>
+        </p:nvSpPr>
+        <p:spPr>
+          <a:xfrm>
+            <a:off x="230909" y="221673"/>
+            <a:ext cx="10196946" cy="4524315"/>
+          </a:xfrm>
+          <a:prstGeom prst="rect">
+            <a:avLst/>
+          </a:prstGeom>
+          <a:noFill/>
+        </p:spPr>
+        <p:txBody>
+          <a:bodyPr wrap="square" rtlCol="0">
+            <a:spAutoFit/>
+          </a:bodyPr>
+          <a:lstStyle/>
+          <a:p>
+            <a:r>
+              <a:rPr lang="en-US" dirty="0"/>
+              <a:t>You build an application java/</a:t>
+            </a:r>
+            <a:r>
+              <a:rPr lang="en-US" dirty="0" err="1"/>
+              <a:t>.net</a:t>
+            </a:r>
+            <a:r>
+              <a:rPr lang="en-US" dirty="0"/>
+              <a:t>/node/</a:t>
+            </a:r>
+            <a:r>
+              <a:rPr lang="en-US" dirty="0" err="1"/>
+              <a:t>scala</a:t>
+            </a:r>
+            <a:r>
+              <a:rPr lang="en-US" dirty="0"/>
+              <a:t>/lang/python/ruby/php </a:t>
+            </a:r>
+          </a:p>
+          <a:p>
+            <a:r>
+              <a:rPr lang="en-US" dirty="0"/>
+              <a:t>You will bundle you application in side container </a:t>
+            </a:r>
+            <a:r>
+              <a:rPr lang="en-US" dirty="0">
+                <a:sym typeface="Wingdings" panose="05000000000000000000" pitchFamily="2" charset="2"/>
+              </a:rPr>
+              <a:t> Set defined Wrapper when the container process starts it start you process  Application ++ it provides the complete environment to your application </a:t>
+            </a:r>
+          </a:p>
+          <a:p>
+            <a:r>
+              <a:rPr lang="en-US" dirty="0">
+                <a:sym typeface="Wingdings" panose="05000000000000000000" pitchFamily="2" charset="2"/>
+              </a:rPr>
+              <a:t>    a)  Virtual OS IP </a:t>
+            </a:r>
+          </a:p>
+          <a:p>
+            <a:r>
+              <a:rPr lang="en-US" dirty="0">
+                <a:sym typeface="Wingdings" panose="05000000000000000000" pitchFamily="2" charset="2"/>
+              </a:rPr>
+              <a:t>    b)  O/S Port Mapping </a:t>
+            </a:r>
+          </a:p>
+          <a:p>
+            <a:r>
+              <a:rPr lang="en-US" dirty="0">
+                <a:sym typeface="Wingdings" panose="05000000000000000000" pitchFamily="2" charset="2"/>
+              </a:rPr>
+              <a:t>    c)   Disk Control Quota management </a:t>
+            </a:r>
+          </a:p>
+          <a:p>
+            <a:r>
+              <a:rPr lang="en-US" dirty="0">
+                <a:sym typeface="Wingdings" panose="05000000000000000000" pitchFamily="2" charset="2"/>
+              </a:rPr>
+              <a:t>    d)  CPU Quota </a:t>
+            </a:r>
+          </a:p>
+          <a:p>
+            <a:r>
+              <a:rPr lang="en-US" dirty="0">
+                <a:sym typeface="Wingdings" panose="05000000000000000000" pitchFamily="2" charset="2"/>
+              </a:rPr>
+              <a:t>    e)  Mem Quota </a:t>
+            </a:r>
+          </a:p>
+          <a:p>
+            <a:r>
+              <a:rPr lang="en-US" dirty="0">
+                <a:sym typeface="Wingdings" panose="05000000000000000000" pitchFamily="2" charset="2"/>
+              </a:rPr>
+              <a:t>    f)   </a:t>
+            </a:r>
+            <a:r>
+              <a:rPr lang="en-US" dirty="0" err="1">
+                <a:sym typeface="Wingdings" panose="05000000000000000000" pitchFamily="2" charset="2"/>
+              </a:rPr>
+              <a:t>nw</a:t>
+            </a:r>
+            <a:r>
+              <a:rPr lang="en-US" dirty="0">
+                <a:sym typeface="Wingdings" panose="05000000000000000000" pitchFamily="2" charset="2"/>
+              </a:rPr>
+              <a:t> management </a:t>
+            </a:r>
+          </a:p>
+          <a:p>
+            <a:r>
+              <a:rPr lang="en-US" dirty="0">
+                <a:sym typeface="Wingdings" panose="05000000000000000000" pitchFamily="2" charset="2"/>
+              </a:rPr>
+              <a:t>    g)  Environment Variable </a:t>
+            </a:r>
+          </a:p>
+          <a:p>
+            <a:endParaRPr lang="en-US" dirty="0">
+              <a:sym typeface="Wingdings" panose="05000000000000000000" pitchFamily="2" charset="2"/>
+            </a:endParaRPr>
+          </a:p>
+          <a:p>
+            <a:r>
+              <a:rPr lang="en-US" dirty="0">
+                <a:sym typeface="Wingdings" panose="05000000000000000000" pitchFamily="2" charset="2"/>
+              </a:rPr>
+              <a:t>When we bundle all of this in a single   package ---- Image </a:t>
+            </a:r>
+          </a:p>
+          <a:p>
+            <a:endParaRPr lang="en-US" dirty="0">
+              <a:sym typeface="Wingdings" panose="05000000000000000000" pitchFamily="2" charset="2"/>
+            </a:endParaRPr>
+          </a:p>
+          <a:p>
+            <a:r>
+              <a:rPr lang="en-US" dirty="0">
+                <a:sym typeface="Wingdings" panose="05000000000000000000" pitchFamily="2" charset="2"/>
+              </a:rPr>
+              <a:t>The image can be pushed to the Docker Hub  a private repo </a:t>
+            </a:r>
+          </a:p>
+          <a:p>
+            <a:r>
+              <a:rPr lang="en-US" dirty="0">
+                <a:sym typeface="Wingdings" panose="05000000000000000000" pitchFamily="2" charset="2"/>
+              </a:rPr>
+              <a:t>Any person </a:t>
+            </a:r>
+            <a:r>
+              <a:rPr lang="en-US" dirty="0" err="1">
+                <a:sym typeface="Wingdings" panose="05000000000000000000" pitchFamily="2" charset="2"/>
+              </a:rPr>
+              <a:t>instrested</a:t>
+            </a:r>
+            <a:r>
+              <a:rPr lang="en-US" dirty="0">
+                <a:sym typeface="Wingdings" panose="05000000000000000000" pitchFamily="2" charset="2"/>
+              </a:rPr>
+              <a:t> to use the application can simply pull the image from the </a:t>
+            </a:r>
+            <a:r>
+              <a:rPr lang="en-US" dirty="0" err="1">
+                <a:sym typeface="Wingdings" panose="05000000000000000000" pitchFamily="2" charset="2"/>
+              </a:rPr>
+              <a:t>the</a:t>
+            </a:r>
+            <a:r>
+              <a:rPr lang="en-US" dirty="0">
+                <a:sym typeface="Wingdings" panose="05000000000000000000" pitchFamily="2" charset="2"/>
+              </a:rPr>
+              <a:t> repo and create the instance of the container and start using it </a:t>
+            </a:r>
+          </a:p>
+        </p:txBody>
+      </p:sp>
+    </p:spTree>
+    <p:extLst>
+      <p:ext uri="{BB962C8B-B14F-4D97-AF65-F5344CB8AC3E}">
+        <p14:creationId xmlns:p14="http://schemas.microsoft.com/office/powerpoint/2010/main" val="2995408992"/>
+      </p:ext>
+    </p:extLst>
+  </p:cSld>
+  <p:clrMapOvr>
+    <a:masterClrMapping/>
+  </p:clrMapOvr>
+</p:sld>
+</file>
+
+<file path=ppt/slides/slide23.xml><?xml version="1.0" encoding="utf-8"?>
+<p:sld xmlns:a="http://schemas.openxmlformats.org/drawingml/2006/main" xmlns:r="http://schemas.openxmlformats.org/officeDocument/2006/relationships" xmlns:p="http://schemas.openxmlformats.org/presentationml/2006/main">
+  <p:cSld>
+    <p:spTree>
+      <p:nvGrpSpPr>
+        <p:cNvPr id="1" name=""/>
+        <p:cNvGrpSpPr/>
+        <p:nvPr/>
+      </p:nvGrpSpPr>
+      <p:grpSpPr>
+        <a:xfrm>
+          <a:off x="0" y="0"/>
+          <a:ext cx="0" cy="0"/>
+          <a:chOff x="0" y="0"/>
+          <a:chExt cx="0" cy="0"/>
+        </a:xfrm>
+      </p:grpSpPr>
+      <p:sp>
+        <p:nvSpPr>
+          <p:cNvPr id="4" name="Oval 3">
+            <a:extLst>
+              <a:ext uri="{FF2B5EF4-FFF2-40B4-BE49-F238E27FC236}">
+                <a16:creationId xmlns:a16="http://schemas.microsoft.com/office/drawing/2014/main" id="{9431E53E-4789-4673-B696-6091E2D37D41}"/>
+              </a:ext>
+            </a:extLst>
+          </p:cNvPr>
+          <p:cNvSpPr/>
+          <p:nvPr/>
+        </p:nvSpPr>
+        <p:spPr>
+          <a:xfrm>
+            <a:off x="535709" y="923636"/>
+            <a:ext cx="1062182" cy="637309"/>
+          </a:xfrm>
+          <a:prstGeom prst="ellipse">
+            <a:avLst/>
+          </a:prstGeom>
+        </p:spPr>
+        <p:style>
+          <a:lnRef idx="2">
+            <a:schemeClr val="accent1">
+              <a:shade val="50000"/>
+            </a:schemeClr>
+          </a:lnRef>
+          <a:fillRef idx="1">
+            <a:schemeClr val="accent1"/>
+          </a:fillRef>
+          <a:effectRef idx="0">
+            <a:schemeClr val="accent1"/>
+          </a:effectRef>
+          <a:fontRef idx="minor">
+            <a:schemeClr val="lt1"/>
+          </a:fontRef>
+        </p:style>
+        <p:txBody>
+          <a:bodyPr rtlCol="0" anchor="ctr"/>
+          <a:lstStyle/>
+          <a:p>
+            <a:pPr algn="ctr"/>
+            <a:r>
+              <a:rPr lang="en-US" dirty="0"/>
+              <a:t>App</a:t>
+            </a:r>
+          </a:p>
+        </p:txBody>
+      </p:sp>
+      <p:cxnSp>
+        <p:nvCxnSpPr>
+          <p:cNvPr id="6" name="Straight Arrow Connector 5">
+            <a:extLst>
+              <a:ext uri="{FF2B5EF4-FFF2-40B4-BE49-F238E27FC236}">
+                <a16:creationId xmlns:a16="http://schemas.microsoft.com/office/drawing/2014/main" id="{D00C1311-C734-4358-B5C0-F1A1D00F8E36}"/>
+              </a:ext>
+            </a:extLst>
+          </p:cNvPr>
+          <p:cNvCxnSpPr>
+            <a:stCxn id="4" idx="6"/>
+          </p:cNvCxnSpPr>
+          <p:nvPr/>
+        </p:nvCxnSpPr>
+        <p:spPr>
+          <a:xfrm flipV="1">
+            <a:off x="1597891" y="766618"/>
+            <a:ext cx="591127" cy="475673"/>
+          </a:xfrm>
+          <a:prstGeom prst="straightConnector1">
+            <a:avLst/>
+          </a:prstGeom>
+          <a:ln>
+            <a:tailEnd type="triangle"/>
+          </a:ln>
+        </p:spPr>
+        <p:style>
+          <a:lnRef idx="1">
+            <a:schemeClr val="accent1"/>
+          </a:lnRef>
+          <a:fillRef idx="0">
+            <a:schemeClr val="accent1"/>
+          </a:fillRef>
+          <a:effectRef idx="0">
+            <a:schemeClr val="accent1"/>
+          </a:effectRef>
+          <a:fontRef idx="minor">
+            <a:schemeClr val="tx1"/>
+          </a:fontRef>
+        </p:style>
+      </p:cxnSp>
+      <p:cxnSp>
+        <p:nvCxnSpPr>
+          <p:cNvPr id="8" name="Straight Arrow Connector 7">
+            <a:extLst>
+              <a:ext uri="{FF2B5EF4-FFF2-40B4-BE49-F238E27FC236}">
+                <a16:creationId xmlns:a16="http://schemas.microsoft.com/office/drawing/2014/main" id="{6A39469F-EF53-4B73-B3B3-E2D98120232B}"/>
+              </a:ext>
+            </a:extLst>
+          </p:cNvPr>
+          <p:cNvCxnSpPr>
+            <a:stCxn id="4" idx="6"/>
+          </p:cNvCxnSpPr>
+          <p:nvPr/>
+        </p:nvCxnSpPr>
+        <p:spPr>
+          <a:xfrm>
+            <a:off x="1597891" y="1242291"/>
+            <a:ext cx="591127" cy="429491"/>
+          </a:xfrm>
+          <a:prstGeom prst="straightConnector1">
+            <a:avLst/>
+          </a:prstGeom>
+          <a:ln>
+            <a:tailEnd type="triangle"/>
+          </a:ln>
+        </p:spPr>
+        <p:style>
+          <a:lnRef idx="1">
+            <a:schemeClr val="accent1"/>
+          </a:lnRef>
+          <a:fillRef idx="0">
+            <a:schemeClr val="accent1"/>
+          </a:fillRef>
+          <a:effectRef idx="0">
+            <a:schemeClr val="accent1"/>
+          </a:effectRef>
+          <a:fontRef idx="minor">
+            <a:schemeClr val="tx1"/>
+          </a:fontRef>
+        </p:style>
+      </p:cxnSp>
+      <p:sp>
+        <p:nvSpPr>
+          <p:cNvPr id="9" name="TextBox 8">
+            <a:extLst>
+              <a:ext uri="{FF2B5EF4-FFF2-40B4-BE49-F238E27FC236}">
+                <a16:creationId xmlns:a16="http://schemas.microsoft.com/office/drawing/2014/main" id="{4A2FF76E-1744-4D54-83AC-ED1BDBFF66D0}"/>
+              </a:ext>
+            </a:extLst>
+          </p:cNvPr>
+          <p:cNvSpPr txBox="1"/>
+          <p:nvPr/>
+        </p:nvSpPr>
+        <p:spPr>
+          <a:xfrm>
+            <a:off x="2272145" y="572655"/>
+            <a:ext cx="1607128" cy="369332"/>
+          </a:xfrm>
+          <a:prstGeom prst="rect">
+            <a:avLst/>
+          </a:prstGeom>
+          <a:noFill/>
+        </p:spPr>
+        <p:txBody>
+          <a:bodyPr wrap="square" rtlCol="0">
+            <a:spAutoFit/>
+          </a:bodyPr>
+          <a:lstStyle/>
+          <a:p>
+            <a:r>
+              <a:rPr lang="en-US" dirty="0"/>
+              <a:t>Python/flask</a:t>
+            </a:r>
+          </a:p>
+        </p:txBody>
+      </p:sp>
+      <p:sp>
+        <p:nvSpPr>
+          <p:cNvPr id="10" name="TextBox 9">
+            <a:extLst>
+              <a:ext uri="{FF2B5EF4-FFF2-40B4-BE49-F238E27FC236}">
+                <a16:creationId xmlns:a16="http://schemas.microsoft.com/office/drawing/2014/main" id="{854977F8-FD2B-494C-A547-82C591917696}"/>
+              </a:ext>
+            </a:extLst>
+          </p:cNvPr>
+          <p:cNvSpPr txBox="1"/>
+          <p:nvPr/>
+        </p:nvSpPr>
+        <p:spPr>
+          <a:xfrm>
+            <a:off x="2272145" y="1560945"/>
+            <a:ext cx="2429164" cy="369332"/>
+          </a:xfrm>
+          <a:prstGeom prst="rect">
+            <a:avLst/>
+          </a:prstGeom>
+          <a:noFill/>
+        </p:spPr>
+        <p:txBody>
+          <a:bodyPr wrap="square" rtlCol="0">
+            <a:spAutoFit/>
+          </a:bodyPr>
+          <a:lstStyle/>
+          <a:p>
+            <a:r>
+              <a:rPr lang="en-US" dirty="0"/>
+              <a:t>Spring boot/java</a:t>
+            </a:r>
+          </a:p>
+        </p:txBody>
+      </p:sp>
+      <p:sp>
+        <p:nvSpPr>
+          <p:cNvPr id="11" name="TextBox 10">
+            <a:extLst>
+              <a:ext uri="{FF2B5EF4-FFF2-40B4-BE49-F238E27FC236}">
+                <a16:creationId xmlns:a16="http://schemas.microsoft.com/office/drawing/2014/main" id="{FB743790-636E-4BD4-8BF2-C9ECC770497A}"/>
+              </a:ext>
+            </a:extLst>
+          </p:cNvPr>
+          <p:cNvSpPr txBox="1"/>
+          <p:nvPr/>
+        </p:nvSpPr>
+        <p:spPr>
+          <a:xfrm>
+            <a:off x="1450109" y="2447636"/>
+            <a:ext cx="2429164" cy="369332"/>
+          </a:xfrm>
+          <a:prstGeom prst="rect">
+            <a:avLst/>
+          </a:prstGeom>
+          <a:noFill/>
+        </p:spPr>
+        <p:txBody>
+          <a:bodyPr wrap="square" rtlCol="0">
+            <a:spAutoFit/>
+          </a:bodyPr>
+          <a:lstStyle/>
+          <a:p>
+            <a:r>
+              <a:rPr lang="en-US" dirty="0" err="1"/>
+              <a:t>Npm</a:t>
+            </a:r>
+            <a:r>
+              <a:rPr lang="en-US" dirty="0"/>
+              <a:t> node/</a:t>
+            </a:r>
+            <a:r>
+              <a:rPr lang="en-US" dirty="0" err="1"/>
+              <a:t>js</a:t>
+            </a:r>
+            <a:endParaRPr lang="en-US" dirty="0"/>
+          </a:p>
+        </p:txBody>
+      </p:sp>
+      <p:cxnSp>
+        <p:nvCxnSpPr>
+          <p:cNvPr id="13" name="Straight Arrow Connector 12">
+            <a:extLst>
+              <a:ext uri="{FF2B5EF4-FFF2-40B4-BE49-F238E27FC236}">
+                <a16:creationId xmlns:a16="http://schemas.microsoft.com/office/drawing/2014/main" id="{FEC75E6F-7D22-4F36-BCBA-119B1E8D9ABA}"/>
+              </a:ext>
+            </a:extLst>
+          </p:cNvPr>
+          <p:cNvCxnSpPr>
+            <a:stCxn id="4" idx="6"/>
+          </p:cNvCxnSpPr>
+          <p:nvPr/>
+        </p:nvCxnSpPr>
+        <p:spPr>
+          <a:xfrm>
+            <a:off x="1597891" y="1242291"/>
+            <a:ext cx="193964" cy="1205345"/>
+          </a:xfrm>
+          <a:prstGeom prst="straightConnector1">
+            <a:avLst/>
+          </a:prstGeom>
+          <a:ln>
+            <a:tailEnd type="triangle"/>
+          </a:ln>
+        </p:spPr>
+        <p:style>
+          <a:lnRef idx="1">
+            <a:schemeClr val="accent1"/>
+          </a:lnRef>
+          <a:fillRef idx="0">
+            <a:schemeClr val="accent1"/>
+          </a:fillRef>
+          <a:effectRef idx="0">
+            <a:schemeClr val="accent1"/>
+          </a:effectRef>
+          <a:fontRef idx="minor">
+            <a:schemeClr val="tx1"/>
+          </a:fontRef>
+        </p:style>
+      </p:cxnSp>
+      <p:sp>
+        <p:nvSpPr>
+          <p:cNvPr id="14" name="TextBox 13">
+            <a:extLst>
+              <a:ext uri="{FF2B5EF4-FFF2-40B4-BE49-F238E27FC236}">
+                <a16:creationId xmlns:a16="http://schemas.microsoft.com/office/drawing/2014/main" id="{A4DB8BE5-6433-4C45-A9E6-03B7E1BB95CB}"/>
+              </a:ext>
+            </a:extLst>
+          </p:cNvPr>
+          <p:cNvSpPr txBox="1"/>
+          <p:nvPr/>
+        </p:nvSpPr>
+        <p:spPr>
+          <a:xfrm>
+            <a:off x="2272145" y="138545"/>
+            <a:ext cx="1293091" cy="369332"/>
+          </a:xfrm>
+          <a:prstGeom prst="rect">
+            <a:avLst/>
+          </a:prstGeom>
+          <a:noFill/>
+        </p:spPr>
+        <p:txBody>
+          <a:bodyPr wrap="square" rtlCol="0">
+            <a:spAutoFit/>
+          </a:bodyPr>
+          <a:lstStyle/>
+          <a:p>
+            <a:r>
+              <a:rPr lang="en-US" dirty="0"/>
+              <a:t>php</a:t>
+            </a:r>
+          </a:p>
+        </p:txBody>
+      </p:sp>
+      <p:cxnSp>
+        <p:nvCxnSpPr>
+          <p:cNvPr id="16" name="Straight Arrow Connector 15">
+            <a:extLst>
+              <a:ext uri="{FF2B5EF4-FFF2-40B4-BE49-F238E27FC236}">
+                <a16:creationId xmlns:a16="http://schemas.microsoft.com/office/drawing/2014/main" id="{99A19B9C-5499-4C31-8AFC-3028AAA1DA0E}"/>
+              </a:ext>
+            </a:extLst>
+          </p:cNvPr>
+          <p:cNvCxnSpPr>
+            <a:stCxn id="4" idx="6"/>
+            <a:endCxn id="14" idx="1"/>
+          </p:cNvCxnSpPr>
+          <p:nvPr/>
+        </p:nvCxnSpPr>
+        <p:spPr>
+          <a:xfrm flipV="1">
+            <a:off x="1597891" y="323211"/>
+            <a:ext cx="674254" cy="919080"/>
+          </a:xfrm>
+          <a:prstGeom prst="straightConnector1">
+            <a:avLst/>
+          </a:prstGeom>
+          <a:ln>
+            <a:tailEnd type="triangle"/>
+          </a:ln>
+        </p:spPr>
+        <p:style>
+          <a:lnRef idx="1">
+            <a:schemeClr val="accent1"/>
+          </a:lnRef>
+          <a:fillRef idx="0">
+            <a:schemeClr val="accent1"/>
+          </a:fillRef>
+          <a:effectRef idx="0">
+            <a:schemeClr val="accent1"/>
+          </a:effectRef>
+          <a:fontRef idx="minor">
+            <a:schemeClr val="tx1"/>
+          </a:fontRef>
+        </p:style>
+      </p:cxnSp>
+      <p:sp>
+        <p:nvSpPr>
+          <p:cNvPr id="18" name="Rectangle: Rounded Corners 17">
+            <a:extLst>
+              <a:ext uri="{FF2B5EF4-FFF2-40B4-BE49-F238E27FC236}">
+                <a16:creationId xmlns:a16="http://schemas.microsoft.com/office/drawing/2014/main" id="{90E09AAB-CE41-45B9-9A5D-9E38029D2F97}"/>
+              </a:ext>
+            </a:extLst>
+          </p:cNvPr>
+          <p:cNvSpPr/>
+          <p:nvPr/>
+        </p:nvSpPr>
+        <p:spPr>
+          <a:xfrm>
+            <a:off x="3694545" y="641865"/>
+            <a:ext cx="1681019" cy="184666"/>
+          </a:xfrm>
+          <a:prstGeom prst="roundRect">
+            <a:avLst/>
+          </a:prstGeom>
+        </p:spPr>
+        <p:style>
+          <a:lnRef idx="2">
+            <a:schemeClr val="accent1">
+              <a:shade val="50000"/>
+            </a:schemeClr>
+          </a:lnRef>
+          <a:fillRef idx="1">
+            <a:schemeClr val="accent1"/>
+          </a:fillRef>
+          <a:effectRef idx="0">
+            <a:schemeClr val="accent1"/>
+          </a:effectRef>
+          <a:fontRef idx="minor">
+            <a:schemeClr val="lt1"/>
+          </a:fontRef>
+        </p:style>
+        <p:txBody>
+          <a:bodyPr rtlCol="0" anchor="ctr"/>
+          <a:lstStyle/>
+          <a:p>
+            <a:pPr algn="ctr"/>
+            <a:endParaRPr lang="en-US"/>
+          </a:p>
+        </p:txBody>
+      </p:sp>
+      <p:sp>
+        <p:nvSpPr>
+          <p:cNvPr id="19" name="Rectangle: Rounded Corners 18">
+            <a:extLst>
+              <a:ext uri="{FF2B5EF4-FFF2-40B4-BE49-F238E27FC236}">
+                <a16:creationId xmlns:a16="http://schemas.microsoft.com/office/drawing/2014/main" id="{C311BF5B-8649-42C5-B243-7E6F942EB564}"/>
+              </a:ext>
+            </a:extLst>
+          </p:cNvPr>
+          <p:cNvSpPr/>
+          <p:nvPr/>
+        </p:nvSpPr>
+        <p:spPr>
+          <a:xfrm>
+            <a:off x="4008581" y="1671782"/>
+            <a:ext cx="1681019" cy="184666"/>
+          </a:xfrm>
+          <a:prstGeom prst="roundRect">
+            <a:avLst/>
+          </a:prstGeom>
+        </p:spPr>
+        <p:style>
+          <a:lnRef idx="2">
+            <a:schemeClr val="accent1">
+              <a:shade val="50000"/>
+            </a:schemeClr>
+          </a:lnRef>
+          <a:fillRef idx="1">
+            <a:schemeClr val="accent1"/>
+          </a:fillRef>
+          <a:effectRef idx="0">
+            <a:schemeClr val="accent1"/>
+          </a:effectRef>
+          <a:fontRef idx="minor">
+            <a:schemeClr val="lt1"/>
+          </a:fontRef>
+        </p:style>
+        <p:txBody>
+          <a:bodyPr rtlCol="0" anchor="ctr"/>
+          <a:lstStyle/>
+          <a:p>
+            <a:pPr algn="ctr"/>
+            <a:endParaRPr lang="en-US"/>
+          </a:p>
+        </p:txBody>
+      </p:sp>
+      <p:sp>
+        <p:nvSpPr>
+          <p:cNvPr id="20" name="Rectangle: Rounded Corners 19">
+            <a:extLst>
+              <a:ext uri="{FF2B5EF4-FFF2-40B4-BE49-F238E27FC236}">
+                <a16:creationId xmlns:a16="http://schemas.microsoft.com/office/drawing/2014/main" id="{AC764C06-4EA9-48D3-9734-4659892EED95}"/>
+              </a:ext>
+            </a:extLst>
+          </p:cNvPr>
+          <p:cNvSpPr/>
+          <p:nvPr/>
+        </p:nvSpPr>
+        <p:spPr>
+          <a:xfrm>
+            <a:off x="2854035" y="2581595"/>
+            <a:ext cx="1681019" cy="184666"/>
+          </a:xfrm>
+          <a:prstGeom prst="roundRect">
+            <a:avLst/>
+          </a:prstGeom>
+        </p:spPr>
+        <p:style>
+          <a:lnRef idx="2">
+            <a:schemeClr val="accent1">
+              <a:shade val="50000"/>
+            </a:schemeClr>
+          </a:lnRef>
+          <a:fillRef idx="1">
+            <a:schemeClr val="accent1"/>
+          </a:fillRef>
+          <a:effectRef idx="0">
+            <a:schemeClr val="accent1"/>
+          </a:effectRef>
+          <a:fontRef idx="minor">
+            <a:schemeClr val="lt1"/>
+          </a:fontRef>
+        </p:style>
+        <p:txBody>
+          <a:bodyPr rtlCol="0" anchor="ctr"/>
+          <a:lstStyle/>
+          <a:p>
+            <a:pPr algn="ctr"/>
+            <a:endParaRPr lang="en-US"/>
+          </a:p>
+        </p:txBody>
+      </p:sp>
+      <p:sp>
+        <p:nvSpPr>
+          <p:cNvPr id="22" name="TextBox 21">
+            <a:extLst>
+              <a:ext uri="{FF2B5EF4-FFF2-40B4-BE49-F238E27FC236}">
+                <a16:creationId xmlns:a16="http://schemas.microsoft.com/office/drawing/2014/main" id="{3DA11FAD-5B18-4261-9721-13C10911FC09}"/>
+              </a:ext>
+            </a:extLst>
+          </p:cNvPr>
+          <p:cNvSpPr txBox="1"/>
+          <p:nvPr/>
+        </p:nvSpPr>
+        <p:spPr>
+          <a:xfrm>
+            <a:off x="235527" y="2706131"/>
+            <a:ext cx="2429164" cy="369332"/>
+          </a:xfrm>
+          <a:prstGeom prst="rect">
+            <a:avLst/>
+          </a:prstGeom>
+          <a:noFill/>
+        </p:spPr>
+        <p:txBody>
+          <a:bodyPr wrap="square" rtlCol="0">
+            <a:spAutoFit/>
+          </a:bodyPr>
+          <a:lstStyle/>
+          <a:p>
+            <a:r>
+              <a:rPr lang="en-US" dirty="0" err="1"/>
+              <a:t>.net</a:t>
+            </a:r>
+            <a:r>
+              <a:rPr lang="en-US" dirty="0"/>
+              <a:t> </a:t>
+            </a:r>
+            <a:r>
+              <a:rPr lang="en-US" dirty="0" err="1"/>
+              <a:t>and.netcore</a:t>
+            </a:r>
+            <a:endParaRPr lang="en-US" dirty="0"/>
+          </a:p>
+        </p:txBody>
+      </p:sp>
+      <p:cxnSp>
+        <p:nvCxnSpPr>
+          <p:cNvPr id="24" name="Straight Arrow Connector 23">
+            <a:extLst>
+              <a:ext uri="{FF2B5EF4-FFF2-40B4-BE49-F238E27FC236}">
+                <a16:creationId xmlns:a16="http://schemas.microsoft.com/office/drawing/2014/main" id="{F0177C46-504A-40D4-B18C-B42CA385E824}"/>
+              </a:ext>
+            </a:extLst>
+          </p:cNvPr>
+          <p:cNvCxnSpPr>
+            <a:stCxn id="4" idx="6"/>
+          </p:cNvCxnSpPr>
+          <p:nvPr/>
+        </p:nvCxnSpPr>
+        <p:spPr>
+          <a:xfrm flipH="1">
+            <a:off x="840509" y="1242291"/>
+            <a:ext cx="757382" cy="1431637"/>
+          </a:xfrm>
+          <a:prstGeom prst="straightConnector1">
+            <a:avLst/>
+          </a:prstGeom>
+          <a:ln>
+            <a:tailEnd type="triangle"/>
+          </a:ln>
+        </p:spPr>
+        <p:style>
+          <a:lnRef idx="1">
+            <a:schemeClr val="accent1"/>
+          </a:lnRef>
+          <a:fillRef idx="0">
+            <a:schemeClr val="accent1"/>
+          </a:fillRef>
+          <a:effectRef idx="0">
+            <a:schemeClr val="accent1"/>
+          </a:effectRef>
+          <a:fontRef idx="minor">
+            <a:schemeClr val="tx1"/>
+          </a:fontRef>
+        </p:style>
+      </p:cxnSp>
+      <p:sp>
+        <p:nvSpPr>
+          <p:cNvPr id="25" name="Rectangle: Rounded Corners 24">
+            <a:extLst>
+              <a:ext uri="{FF2B5EF4-FFF2-40B4-BE49-F238E27FC236}">
+                <a16:creationId xmlns:a16="http://schemas.microsoft.com/office/drawing/2014/main" id="{E7023681-85C4-4019-BF77-F87DA38E60CE}"/>
+              </a:ext>
+            </a:extLst>
+          </p:cNvPr>
+          <p:cNvSpPr/>
+          <p:nvPr/>
+        </p:nvSpPr>
+        <p:spPr>
+          <a:xfrm>
+            <a:off x="1348508" y="3089717"/>
+            <a:ext cx="1681019" cy="184666"/>
+          </a:xfrm>
+          <a:prstGeom prst="roundRect">
+            <a:avLst/>
+          </a:prstGeom>
+        </p:spPr>
+        <p:style>
+          <a:lnRef idx="2">
+            <a:schemeClr val="accent1">
+              <a:shade val="50000"/>
+            </a:schemeClr>
+          </a:lnRef>
+          <a:fillRef idx="1">
+            <a:schemeClr val="accent1"/>
+          </a:fillRef>
+          <a:effectRef idx="0">
+            <a:schemeClr val="accent1"/>
+          </a:effectRef>
+          <a:fontRef idx="minor">
+            <a:schemeClr val="lt1"/>
+          </a:fontRef>
+        </p:style>
+        <p:txBody>
+          <a:bodyPr rtlCol="0" anchor="ctr"/>
+          <a:lstStyle/>
+          <a:p>
+            <a:pPr algn="ctr"/>
+            <a:endParaRPr lang="en-US"/>
+          </a:p>
+        </p:txBody>
+      </p:sp>
+      <p:grpSp>
+        <p:nvGrpSpPr>
+          <p:cNvPr id="28" name="Group 27">
+            <a:extLst>
+              <a:ext uri="{FF2B5EF4-FFF2-40B4-BE49-F238E27FC236}">
+                <a16:creationId xmlns:a16="http://schemas.microsoft.com/office/drawing/2014/main" id="{29C6648B-62BE-401D-AEB3-2C555AFB84B2}"/>
+              </a:ext>
+            </a:extLst>
+          </p:cNvPr>
+          <p:cNvGrpSpPr/>
+          <p:nvPr/>
+        </p:nvGrpSpPr>
+        <p:grpSpPr>
+          <a:xfrm>
+            <a:off x="2854036" y="-55418"/>
+            <a:ext cx="4313382" cy="3592699"/>
+            <a:chOff x="2854036" y="-55418"/>
+            <a:chExt cx="4313382" cy="3592699"/>
+          </a:xfrm>
+        </p:grpSpPr>
+        <p:sp>
+          <p:nvSpPr>
+            <p:cNvPr id="17" name="Rectangle: Rounded Corners 16">
+              <a:extLst>
+                <a:ext uri="{FF2B5EF4-FFF2-40B4-BE49-F238E27FC236}">
+                  <a16:creationId xmlns:a16="http://schemas.microsoft.com/office/drawing/2014/main" id="{73DF4C0A-E67D-4748-8CB9-AC48A19A10D0}"/>
+                </a:ext>
+              </a:extLst>
+            </p:cNvPr>
+            <p:cNvSpPr/>
+            <p:nvPr/>
+          </p:nvSpPr>
+          <p:spPr>
+            <a:xfrm>
+              <a:off x="2854036" y="138545"/>
+              <a:ext cx="1681019" cy="184666"/>
+            </a:xfrm>
+            <a:prstGeom prst="roundRect">
+              <a:avLst/>
+            </a:prstGeom>
+          </p:spPr>
+          <p:style>
+            <a:lnRef idx="2">
+              <a:schemeClr val="accent1">
+                <a:shade val="50000"/>
+              </a:schemeClr>
+            </a:lnRef>
+            <a:fillRef idx="1">
+              <a:schemeClr val="accent1"/>
+            </a:fillRef>
+            <a:effectRef idx="0">
+              <a:schemeClr val="accent1"/>
+            </a:effectRef>
+            <a:fontRef idx="minor">
+              <a:schemeClr val="lt1"/>
+            </a:fontRef>
+          </p:style>
+          <p:txBody>
+            <a:bodyPr rtlCol="0" anchor="ctr"/>
+            <a:lstStyle/>
+            <a:p>
+              <a:pPr algn="ctr"/>
+              <a:endParaRPr lang="en-US"/>
+            </a:p>
+          </p:txBody>
+        </p:sp>
+        <p:sp>
+          <p:nvSpPr>
+            <p:cNvPr id="26" name="Oval 25">
+              <a:extLst>
+                <a:ext uri="{FF2B5EF4-FFF2-40B4-BE49-F238E27FC236}">
+                  <a16:creationId xmlns:a16="http://schemas.microsoft.com/office/drawing/2014/main" id="{7CEF355E-2CB1-4F59-A3AC-464698B73E42}"/>
+                </a:ext>
+              </a:extLst>
+            </p:cNvPr>
+            <p:cNvSpPr/>
+            <p:nvPr/>
+          </p:nvSpPr>
+          <p:spPr>
+            <a:xfrm>
+              <a:off x="6096000" y="-55418"/>
+              <a:ext cx="979055" cy="628073"/>
+            </a:xfrm>
+            <a:prstGeom prst="ellipse">
+              <a:avLst/>
+            </a:prstGeom>
+          </p:spPr>
+          <p:style>
+            <a:lnRef idx="2">
+              <a:schemeClr val="accent1">
+                <a:shade val="50000"/>
+              </a:schemeClr>
+            </a:lnRef>
+            <a:fillRef idx="1">
+              <a:schemeClr val="accent1"/>
+            </a:fillRef>
+            <a:effectRef idx="0">
+              <a:schemeClr val="accent1"/>
+            </a:effectRef>
+            <a:fontRef idx="minor">
+              <a:schemeClr val="lt1"/>
+            </a:fontRef>
+          </p:style>
+          <p:txBody>
+            <a:bodyPr rtlCol="0" anchor="ctr"/>
+            <a:lstStyle/>
+            <a:p>
+              <a:pPr algn="ctr"/>
+              <a:endParaRPr lang="en-US"/>
+            </a:p>
+          </p:txBody>
+        </p:sp>
+        <p:sp>
+          <p:nvSpPr>
+            <p:cNvPr id="27" name="TextBox 26">
+              <a:extLst>
+                <a:ext uri="{FF2B5EF4-FFF2-40B4-BE49-F238E27FC236}">
+                  <a16:creationId xmlns:a16="http://schemas.microsoft.com/office/drawing/2014/main" id="{EAFE7F37-3E9D-4193-AFD6-62AE22E4DE0C}"/>
+                </a:ext>
+              </a:extLst>
+            </p:cNvPr>
+            <p:cNvSpPr txBox="1"/>
+            <p:nvPr/>
+          </p:nvSpPr>
+          <p:spPr>
+            <a:xfrm>
+              <a:off x="5126181" y="138545"/>
+              <a:ext cx="387928" cy="369332"/>
+            </a:xfrm>
+            <a:prstGeom prst="rect">
+              <a:avLst/>
+            </a:prstGeom>
+            <a:noFill/>
+          </p:spPr>
+          <p:txBody>
+            <a:bodyPr wrap="square" rtlCol="0">
+              <a:spAutoFit/>
+            </a:bodyPr>
+            <a:lstStyle/>
+            <a:p>
+              <a:r>
+                <a:rPr lang="en-US" dirty="0"/>
+                <a:t>+</a:t>
+              </a:r>
+            </a:p>
+          </p:txBody>
+        </p:sp>
+        <p:sp>
+          <p:nvSpPr>
+            <p:cNvPr id="31" name="Oval 30">
+              <a:extLst>
+                <a:ext uri="{FF2B5EF4-FFF2-40B4-BE49-F238E27FC236}">
+                  <a16:creationId xmlns:a16="http://schemas.microsoft.com/office/drawing/2014/main" id="{0ADE9D0A-A920-481E-89E2-E7439DC39478}"/>
+                </a:ext>
+              </a:extLst>
+            </p:cNvPr>
+            <p:cNvSpPr/>
+            <p:nvPr/>
+          </p:nvSpPr>
+          <p:spPr>
+            <a:xfrm>
+              <a:off x="6188363" y="609599"/>
+              <a:ext cx="979055" cy="628073"/>
+            </a:xfrm>
+            <a:prstGeom prst="ellipse">
+              <a:avLst/>
+            </a:prstGeom>
+          </p:spPr>
+          <p:style>
+            <a:lnRef idx="2">
+              <a:schemeClr val="accent1">
+                <a:shade val="50000"/>
+              </a:schemeClr>
+            </a:lnRef>
+            <a:fillRef idx="1">
+              <a:schemeClr val="accent1"/>
+            </a:fillRef>
+            <a:effectRef idx="0">
+              <a:schemeClr val="accent1"/>
+            </a:effectRef>
+            <a:fontRef idx="minor">
+              <a:schemeClr val="lt1"/>
+            </a:fontRef>
+          </p:style>
+          <p:txBody>
+            <a:bodyPr rtlCol="0" anchor="ctr"/>
+            <a:lstStyle/>
+            <a:p>
+              <a:pPr algn="ctr"/>
+              <a:endParaRPr lang="en-US"/>
+            </a:p>
+          </p:txBody>
+        </p:sp>
+        <p:sp>
+          <p:nvSpPr>
+            <p:cNvPr id="32" name="Oval 31">
+              <a:extLst>
+                <a:ext uri="{FF2B5EF4-FFF2-40B4-BE49-F238E27FC236}">
+                  <a16:creationId xmlns:a16="http://schemas.microsoft.com/office/drawing/2014/main" id="{27EBB837-FEDE-47C1-A9C1-068BE7CF562D}"/>
+                </a:ext>
+              </a:extLst>
+            </p:cNvPr>
+            <p:cNvSpPr/>
+            <p:nvPr/>
+          </p:nvSpPr>
+          <p:spPr>
+            <a:xfrm>
+              <a:off x="6096000" y="1530926"/>
+              <a:ext cx="979055" cy="628073"/>
+            </a:xfrm>
+            <a:prstGeom prst="ellipse">
+              <a:avLst/>
+            </a:prstGeom>
+          </p:spPr>
+          <p:style>
+            <a:lnRef idx="2">
+              <a:schemeClr val="accent1">
+                <a:shade val="50000"/>
+              </a:schemeClr>
+            </a:lnRef>
+            <a:fillRef idx="1">
+              <a:schemeClr val="accent1"/>
+            </a:fillRef>
+            <a:effectRef idx="0">
+              <a:schemeClr val="accent1"/>
+            </a:effectRef>
+            <a:fontRef idx="minor">
+              <a:schemeClr val="lt1"/>
+            </a:fontRef>
+          </p:style>
+          <p:txBody>
+            <a:bodyPr rtlCol="0" anchor="ctr"/>
+            <a:lstStyle/>
+            <a:p>
+              <a:pPr algn="ctr"/>
+              <a:endParaRPr lang="en-US"/>
+            </a:p>
+          </p:txBody>
+        </p:sp>
+        <p:sp>
+          <p:nvSpPr>
+            <p:cNvPr id="33" name="Oval 32">
+              <a:extLst>
+                <a:ext uri="{FF2B5EF4-FFF2-40B4-BE49-F238E27FC236}">
+                  <a16:creationId xmlns:a16="http://schemas.microsoft.com/office/drawing/2014/main" id="{72D35198-D873-49D8-9959-6FFC8F2BAD80}"/>
+                </a:ext>
+              </a:extLst>
+            </p:cNvPr>
+            <p:cNvSpPr/>
+            <p:nvPr/>
+          </p:nvSpPr>
+          <p:spPr>
+            <a:xfrm>
+              <a:off x="5689600" y="2410752"/>
+              <a:ext cx="979055" cy="628073"/>
+            </a:xfrm>
+            <a:prstGeom prst="ellipse">
+              <a:avLst/>
+            </a:prstGeom>
+          </p:spPr>
+          <p:style>
+            <a:lnRef idx="2">
+              <a:schemeClr val="accent1">
+                <a:shade val="50000"/>
+              </a:schemeClr>
+            </a:lnRef>
+            <a:fillRef idx="1">
+              <a:schemeClr val="accent1"/>
+            </a:fillRef>
+            <a:effectRef idx="0">
+              <a:schemeClr val="accent1"/>
+            </a:effectRef>
+            <a:fontRef idx="minor">
+              <a:schemeClr val="lt1"/>
+            </a:fontRef>
+          </p:style>
+          <p:txBody>
+            <a:bodyPr rtlCol="0" anchor="ctr"/>
+            <a:lstStyle/>
+            <a:p>
+              <a:pPr algn="ctr"/>
+              <a:endParaRPr lang="en-US"/>
+            </a:p>
+          </p:txBody>
+        </p:sp>
+        <p:sp>
+          <p:nvSpPr>
+            <p:cNvPr id="34" name="Oval 33">
+              <a:extLst>
+                <a:ext uri="{FF2B5EF4-FFF2-40B4-BE49-F238E27FC236}">
+                  <a16:creationId xmlns:a16="http://schemas.microsoft.com/office/drawing/2014/main" id="{4147C871-0041-469E-8374-A0AEE2BE59EA}"/>
+                </a:ext>
+              </a:extLst>
+            </p:cNvPr>
+            <p:cNvSpPr/>
+            <p:nvPr/>
+          </p:nvSpPr>
+          <p:spPr>
+            <a:xfrm>
+              <a:off x="3722254" y="2909208"/>
+              <a:ext cx="979055" cy="628073"/>
+            </a:xfrm>
+            <a:prstGeom prst="ellipse">
+              <a:avLst/>
+            </a:prstGeom>
+          </p:spPr>
+          <p:style>
+            <a:lnRef idx="2">
+              <a:schemeClr val="accent1">
+                <a:shade val="50000"/>
+              </a:schemeClr>
+            </a:lnRef>
+            <a:fillRef idx="1">
+              <a:schemeClr val="accent1"/>
+            </a:fillRef>
+            <a:effectRef idx="0">
+              <a:schemeClr val="accent1"/>
+            </a:effectRef>
+            <a:fontRef idx="minor">
+              <a:schemeClr val="lt1"/>
+            </a:fontRef>
+          </p:style>
+          <p:txBody>
+            <a:bodyPr rtlCol="0" anchor="ctr"/>
+            <a:lstStyle/>
+            <a:p>
+              <a:pPr algn="ctr"/>
+              <a:endParaRPr lang="en-US"/>
+            </a:p>
+          </p:txBody>
+        </p:sp>
+      </p:grpSp>
+      <p:sp>
+        <p:nvSpPr>
+          <p:cNvPr id="29" name="TextBox 28">
+            <a:extLst>
+              <a:ext uri="{FF2B5EF4-FFF2-40B4-BE49-F238E27FC236}">
+                <a16:creationId xmlns:a16="http://schemas.microsoft.com/office/drawing/2014/main" id="{1E1EE92A-CBAC-43F8-9FC5-92315B256FBE}"/>
+              </a:ext>
+            </a:extLst>
+          </p:cNvPr>
+          <p:cNvSpPr txBox="1"/>
+          <p:nvPr/>
+        </p:nvSpPr>
+        <p:spPr>
+          <a:xfrm>
+            <a:off x="8044873" y="138545"/>
+            <a:ext cx="858982" cy="369332"/>
+          </a:xfrm>
+          <a:prstGeom prst="rect">
+            <a:avLst/>
+          </a:prstGeom>
+          <a:noFill/>
+        </p:spPr>
+        <p:txBody>
+          <a:bodyPr wrap="square" rtlCol="0">
+            <a:spAutoFit/>
+          </a:bodyPr>
+          <a:lstStyle/>
+          <a:p>
+            <a:r>
+              <a:rPr lang="en-US" dirty="0"/>
+              <a:t>=</a:t>
+            </a:r>
+          </a:p>
+        </p:txBody>
+      </p:sp>
+      <p:sp>
+        <p:nvSpPr>
+          <p:cNvPr id="30" name="Rectangle 29">
+            <a:extLst>
+              <a:ext uri="{FF2B5EF4-FFF2-40B4-BE49-F238E27FC236}">
+                <a16:creationId xmlns:a16="http://schemas.microsoft.com/office/drawing/2014/main" id="{EEEF4759-E18D-4F95-8BAF-7278605E06FE}"/>
+              </a:ext>
+            </a:extLst>
+          </p:cNvPr>
+          <p:cNvSpPr/>
+          <p:nvPr/>
+        </p:nvSpPr>
+        <p:spPr>
+          <a:xfrm>
+            <a:off x="8959273" y="23089"/>
+            <a:ext cx="1828800" cy="803442"/>
+          </a:xfrm>
+          <a:prstGeom prst="rect">
+            <a:avLst/>
+          </a:prstGeom>
+        </p:spPr>
+        <p:style>
+          <a:lnRef idx="2">
+            <a:schemeClr val="accent1">
+              <a:shade val="50000"/>
+            </a:schemeClr>
+          </a:lnRef>
+          <a:fillRef idx="1">
+            <a:schemeClr val="accent1"/>
+          </a:fillRef>
+          <a:effectRef idx="0">
+            <a:schemeClr val="accent1"/>
+          </a:effectRef>
+          <a:fontRef idx="minor">
+            <a:schemeClr val="lt1"/>
+          </a:fontRef>
+        </p:style>
+        <p:txBody>
+          <a:bodyPr rtlCol="0" anchor="ctr"/>
+          <a:lstStyle/>
+          <a:p>
+            <a:pPr algn="ctr"/>
+            <a:endParaRPr lang="en-US"/>
+          </a:p>
+        </p:txBody>
+      </p:sp>
+    </p:spTree>
+    <p:extLst>
+      <p:ext uri="{BB962C8B-B14F-4D97-AF65-F5344CB8AC3E}">
+        <p14:creationId xmlns:p14="http://schemas.microsoft.com/office/powerpoint/2010/main" val="3636030322"/>
+      </p:ext>
+    </p:extLst>
+  </p:cSld>
+  <p:clrMapOvr>
+    <a:masterClrMapping/>
+  </p:clrMapOvr>
+</p:sld>
+</file>
+
+<file path=ppt/slides/slide24.xml><?xml version="1.0" encoding="utf-8"?>
+<p:sld xmlns:a="http://schemas.openxmlformats.org/drawingml/2006/main" xmlns:r="http://schemas.openxmlformats.org/officeDocument/2006/relationships" xmlns:p="http://schemas.openxmlformats.org/presentationml/2006/main">
+  <p:cSld>
+    <p:spTree>
+      <p:nvGrpSpPr>
+        <p:cNvPr id="1" name=""/>
+        <p:cNvGrpSpPr/>
+        <p:nvPr/>
+      </p:nvGrpSpPr>
+      <p:grpSpPr>
+        <a:xfrm>
+          <a:off x="0" y="0"/>
+          <a:ext cx="0" cy="0"/>
+          <a:chOff x="0" y="0"/>
+          <a:chExt cx="0" cy="0"/>
+        </a:xfrm>
+      </p:grpSpPr>
+      <p:sp>
+        <p:nvSpPr>
+          <p:cNvPr id="10" name="Rectangle 9">
+            <a:extLst>
+              <a:ext uri="{FF2B5EF4-FFF2-40B4-BE49-F238E27FC236}">
+                <a16:creationId xmlns:a16="http://schemas.microsoft.com/office/drawing/2014/main" id="{7AC09A15-FCE6-49A1-B8B3-FB338013EFDA}"/>
+              </a:ext>
+            </a:extLst>
+          </p:cNvPr>
+          <p:cNvSpPr/>
+          <p:nvPr/>
+        </p:nvSpPr>
+        <p:spPr>
+          <a:xfrm>
+            <a:off x="193964" y="1052945"/>
+            <a:ext cx="11739418" cy="5329382"/>
+          </a:xfrm>
+          <a:prstGeom prst="rect">
+            <a:avLst/>
+          </a:prstGeom>
+        </p:spPr>
+        <p:style>
+          <a:lnRef idx="2">
+            <a:schemeClr val="accent1">
+              <a:shade val="50000"/>
+            </a:schemeClr>
+          </a:lnRef>
+          <a:fillRef idx="1">
+            <a:schemeClr val="accent1"/>
+          </a:fillRef>
+          <a:effectRef idx="0">
+            <a:schemeClr val="accent1"/>
+          </a:effectRef>
+          <a:fontRef idx="minor">
+            <a:schemeClr val="lt1"/>
+          </a:fontRef>
+        </p:style>
+        <p:txBody>
+          <a:bodyPr rtlCol="0" anchor="ctr"/>
+          <a:lstStyle/>
+          <a:p>
+            <a:pPr algn="ctr"/>
+            <a:endParaRPr lang="en-US"/>
+          </a:p>
+        </p:txBody>
+      </p:sp>
+      <p:sp>
+        <p:nvSpPr>
+          <p:cNvPr id="4" name="Rectangle 3">
+            <a:extLst>
+              <a:ext uri="{FF2B5EF4-FFF2-40B4-BE49-F238E27FC236}">
+                <a16:creationId xmlns:a16="http://schemas.microsoft.com/office/drawing/2014/main" id="{1224C513-CCD5-4ED1-8500-1F5A8FF981EA}"/>
+              </a:ext>
+            </a:extLst>
+          </p:cNvPr>
+          <p:cNvSpPr/>
+          <p:nvPr/>
+        </p:nvSpPr>
+        <p:spPr>
+          <a:xfrm>
+            <a:off x="932873" y="1533236"/>
+            <a:ext cx="2493818" cy="4276437"/>
+          </a:xfrm>
+          <a:prstGeom prst="rect">
+            <a:avLst/>
+          </a:prstGeom>
+        </p:spPr>
+        <p:style>
+          <a:lnRef idx="2">
+            <a:schemeClr val="accent6">
+              <a:shade val="50000"/>
+            </a:schemeClr>
+          </a:lnRef>
+          <a:fillRef idx="1">
+            <a:schemeClr val="accent6"/>
+          </a:fillRef>
+          <a:effectRef idx="0">
+            <a:schemeClr val="accent6"/>
+          </a:effectRef>
+          <a:fontRef idx="minor">
+            <a:schemeClr val="lt1"/>
+          </a:fontRef>
+        </p:style>
+        <p:txBody>
+          <a:bodyPr rtlCol="0" anchor="ctr"/>
+          <a:lstStyle/>
+          <a:p>
+            <a:pPr algn="ctr"/>
+            <a:endParaRPr lang="en-US"/>
+          </a:p>
+        </p:txBody>
+      </p:sp>
+      <p:sp>
+        <p:nvSpPr>
+          <p:cNvPr id="5" name="Rectangle 4">
+            <a:extLst>
+              <a:ext uri="{FF2B5EF4-FFF2-40B4-BE49-F238E27FC236}">
+                <a16:creationId xmlns:a16="http://schemas.microsoft.com/office/drawing/2014/main" id="{638A2422-9266-401C-9964-E297C29367CB}"/>
+              </a:ext>
+            </a:extLst>
+          </p:cNvPr>
+          <p:cNvSpPr/>
+          <p:nvPr/>
+        </p:nvSpPr>
+        <p:spPr>
+          <a:xfrm>
+            <a:off x="1080655" y="4895273"/>
+            <a:ext cx="1985818" cy="517236"/>
+          </a:xfrm>
+          <a:prstGeom prst="rect">
+            <a:avLst/>
+          </a:prstGeom>
+        </p:spPr>
+        <p:style>
+          <a:lnRef idx="2">
+            <a:schemeClr val="accent4">
+              <a:shade val="50000"/>
+            </a:schemeClr>
+          </a:lnRef>
+          <a:fillRef idx="1">
+            <a:schemeClr val="accent4"/>
+          </a:fillRef>
+          <a:effectRef idx="0">
+            <a:schemeClr val="accent4"/>
+          </a:effectRef>
+          <a:fontRef idx="minor">
+            <a:schemeClr val="lt1"/>
+          </a:fontRef>
+        </p:style>
+        <p:txBody>
+          <a:bodyPr rtlCol="0" anchor="ctr"/>
+          <a:lstStyle/>
+          <a:p>
+            <a:pPr algn="ctr"/>
+            <a:endParaRPr lang="en-US"/>
+          </a:p>
+        </p:txBody>
+      </p:sp>
+      <p:sp>
+        <p:nvSpPr>
+          <p:cNvPr id="6" name="Rectangle 5">
+            <a:extLst>
+              <a:ext uri="{FF2B5EF4-FFF2-40B4-BE49-F238E27FC236}">
+                <a16:creationId xmlns:a16="http://schemas.microsoft.com/office/drawing/2014/main" id="{5111B989-9CCB-4D4B-AD0D-471D529AA03D}"/>
+              </a:ext>
+            </a:extLst>
+          </p:cNvPr>
+          <p:cNvSpPr/>
+          <p:nvPr/>
+        </p:nvSpPr>
+        <p:spPr>
+          <a:xfrm>
+            <a:off x="4765963" y="1533236"/>
+            <a:ext cx="2493818" cy="4276437"/>
+          </a:xfrm>
+          <a:prstGeom prst="rect">
+            <a:avLst/>
+          </a:prstGeom>
+        </p:spPr>
+        <p:style>
+          <a:lnRef idx="2">
+            <a:schemeClr val="accent6">
+              <a:shade val="50000"/>
+            </a:schemeClr>
+          </a:lnRef>
+          <a:fillRef idx="1">
+            <a:schemeClr val="accent6"/>
+          </a:fillRef>
+          <a:effectRef idx="0">
+            <a:schemeClr val="accent6"/>
+          </a:effectRef>
+          <a:fontRef idx="minor">
+            <a:schemeClr val="lt1"/>
+          </a:fontRef>
+        </p:style>
+        <p:txBody>
+          <a:bodyPr rtlCol="0" anchor="ctr"/>
+          <a:lstStyle/>
+          <a:p>
+            <a:pPr algn="ctr"/>
+            <a:endParaRPr lang="en-US"/>
+          </a:p>
+        </p:txBody>
+      </p:sp>
+      <p:sp>
+        <p:nvSpPr>
+          <p:cNvPr id="7" name="Rectangle 6">
+            <a:extLst>
+              <a:ext uri="{FF2B5EF4-FFF2-40B4-BE49-F238E27FC236}">
+                <a16:creationId xmlns:a16="http://schemas.microsoft.com/office/drawing/2014/main" id="{CE454165-6E05-4F3E-8400-35D90F18B03F}"/>
+              </a:ext>
+            </a:extLst>
+          </p:cNvPr>
+          <p:cNvSpPr/>
+          <p:nvPr/>
+        </p:nvSpPr>
+        <p:spPr>
+          <a:xfrm>
+            <a:off x="5019963" y="4895273"/>
+            <a:ext cx="1985818" cy="517236"/>
+          </a:xfrm>
+          <a:prstGeom prst="rect">
+            <a:avLst/>
+          </a:prstGeom>
+        </p:spPr>
+        <p:style>
+          <a:lnRef idx="2">
+            <a:schemeClr val="accent4">
+              <a:shade val="50000"/>
+            </a:schemeClr>
+          </a:lnRef>
+          <a:fillRef idx="1">
+            <a:schemeClr val="accent4"/>
+          </a:fillRef>
+          <a:effectRef idx="0">
+            <a:schemeClr val="accent4"/>
+          </a:effectRef>
+          <a:fontRef idx="minor">
+            <a:schemeClr val="lt1"/>
+          </a:fontRef>
+        </p:style>
+        <p:txBody>
+          <a:bodyPr rtlCol="0" anchor="ctr"/>
+          <a:lstStyle/>
+          <a:p>
+            <a:pPr algn="ctr"/>
+            <a:endParaRPr lang="en-US"/>
+          </a:p>
+        </p:txBody>
+      </p:sp>
+      <p:sp>
+        <p:nvSpPr>
+          <p:cNvPr id="8" name="Rectangle 7">
+            <a:extLst>
+              <a:ext uri="{FF2B5EF4-FFF2-40B4-BE49-F238E27FC236}">
+                <a16:creationId xmlns:a16="http://schemas.microsoft.com/office/drawing/2014/main" id="{F333BCE6-C862-4C90-BC86-D467964140D0}"/>
+              </a:ext>
+            </a:extLst>
+          </p:cNvPr>
+          <p:cNvSpPr/>
+          <p:nvPr/>
+        </p:nvSpPr>
+        <p:spPr>
+          <a:xfrm>
+            <a:off x="8991599" y="1533236"/>
+            <a:ext cx="2493818" cy="4276437"/>
+          </a:xfrm>
+          <a:prstGeom prst="rect">
+            <a:avLst/>
+          </a:prstGeom>
+        </p:spPr>
+        <p:style>
+          <a:lnRef idx="2">
+            <a:schemeClr val="accent6">
+              <a:shade val="50000"/>
+            </a:schemeClr>
+          </a:lnRef>
+          <a:fillRef idx="1">
+            <a:schemeClr val="accent6"/>
+          </a:fillRef>
+          <a:effectRef idx="0">
+            <a:schemeClr val="accent6"/>
+          </a:effectRef>
+          <a:fontRef idx="minor">
+            <a:schemeClr val="lt1"/>
+          </a:fontRef>
+        </p:style>
+        <p:txBody>
+          <a:bodyPr rtlCol="0" anchor="ctr"/>
+          <a:lstStyle/>
+          <a:p>
+            <a:pPr algn="ctr"/>
+            <a:endParaRPr lang="en-US"/>
+          </a:p>
+        </p:txBody>
+      </p:sp>
+      <p:sp>
+        <p:nvSpPr>
+          <p:cNvPr id="9" name="Rectangle 8">
+            <a:extLst>
+              <a:ext uri="{FF2B5EF4-FFF2-40B4-BE49-F238E27FC236}">
+                <a16:creationId xmlns:a16="http://schemas.microsoft.com/office/drawing/2014/main" id="{1C4705F0-5A01-47DD-9CFB-58ED15F3AE9B}"/>
+              </a:ext>
+            </a:extLst>
+          </p:cNvPr>
+          <p:cNvSpPr/>
+          <p:nvPr/>
+        </p:nvSpPr>
+        <p:spPr>
+          <a:xfrm>
+            <a:off x="9273309" y="4895273"/>
+            <a:ext cx="1985818" cy="517236"/>
+          </a:xfrm>
+          <a:prstGeom prst="rect">
+            <a:avLst/>
+          </a:prstGeom>
+        </p:spPr>
+        <p:style>
+          <a:lnRef idx="2">
+            <a:schemeClr val="accent4">
+              <a:shade val="50000"/>
+            </a:schemeClr>
+          </a:lnRef>
+          <a:fillRef idx="1">
+            <a:schemeClr val="accent4"/>
+          </a:fillRef>
+          <a:effectRef idx="0">
+            <a:schemeClr val="accent4"/>
+          </a:effectRef>
+          <a:fontRef idx="minor">
+            <a:schemeClr val="lt1"/>
+          </a:fontRef>
+        </p:style>
+        <p:txBody>
+          <a:bodyPr rtlCol="0" anchor="ctr"/>
+          <a:lstStyle/>
+          <a:p>
+            <a:pPr algn="ctr"/>
+            <a:endParaRPr lang="en-US"/>
+          </a:p>
+        </p:txBody>
+      </p:sp>
+      <p:sp>
+        <p:nvSpPr>
+          <p:cNvPr id="11" name="Rectangle 10">
+            <a:extLst>
+              <a:ext uri="{FF2B5EF4-FFF2-40B4-BE49-F238E27FC236}">
+                <a16:creationId xmlns:a16="http://schemas.microsoft.com/office/drawing/2014/main" id="{B62F953F-67C8-4BA2-908F-44346FA69CB0}"/>
+              </a:ext>
+            </a:extLst>
+          </p:cNvPr>
+          <p:cNvSpPr/>
+          <p:nvPr/>
+        </p:nvSpPr>
+        <p:spPr>
+          <a:xfrm>
+            <a:off x="2678545" y="4608945"/>
+            <a:ext cx="748146" cy="1196110"/>
+          </a:xfrm>
+          <a:prstGeom prst="rect">
+            <a:avLst/>
+          </a:prstGeom>
+        </p:spPr>
+        <p:style>
+          <a:lnRef idx="2">
+            <a:schemeClr val="accent1">
+              <a:shade val="50000"/>
+            </a:schemeClr>
+          </a:lnRef>
+          <a:fillRef idx="1">
+            <a:schemeClr val="accent1"/>
+          </a:fillRef>
+          <a:effectRef idx="0">
+            <a:schemeClr val="accent1"/>
+          </a:effectRef>
+          <a:fontRef idx="minor">
+            <a:schemeClr val="lt1"/>
+          </a:fontRef>
+        </p:style>
+        <p:txBody>
+          <a:bodyPr rtlCol="0" anchor="ctr"/>
+          <a:lstStyle/>
+          <a:p>
+            <a:pPr algn="ctr"/>
+            <a:endParaRPr lang="en-US"/>
+          </a:p>
+        </p:txBody>
+      </p:sp>
+      <p:sp>
+        <p:nvSpPr>
+          <p:cNvPr id="12" name="Rectangle 11">
+            <a:extLst>
+              <a:ext uri="{FF2B5EF4-FFF2-40B4-BE49-F238E27FC236}">
+                <a16:creationId xmlns:a16="http://schemas.microsoft.com/office/drawing/2014/main" id="{A7811592-9A46-43E9-A932-B6465575264C}"/>
+              </a:ext>
+            </a:extLst>
+          </p:cNvPr>
+          <p:cNvSpPr/>
+          <p:nvPr/>
+        </p:nvSpPr>
+        <p:spPr>
+          <a:xfrm>
+            <a:off x="6511635" y="4608945"/>
+            <a:ext cx="748146" cy="1196110"/>
+          </a:xfrm>
+          <a:prstGeom prst="rect">
+            <a:avLst/>
+          </a:prstGeom>
+        </p:spPr>
+        <p:style>
+          <a:lnRef idx="2">
+            <a:schemeClr val="accent1">
+              <a:shade val="50000"/>
+            </a:schemeClr>
+          </a:lnRef>
+          <a:fillRef idx="1">
+            <a:schemeClr val="accent1"/>
+          </a:fillRef>
+          <a:effectRef idx="0">
+            <a:schemeClr val="accent1"/>
+          </a:effectRef>
+          <a:fontRef idx="minor">
+            <a:schemeClr val="lt1"/>
+          </a:fontRef>
+        </p:style>
+        <p:txBody>
+          <a:bodyPr rtlCol="0" anchor="ctr"/>
+          <a:lstStyle/>
+          <a:p>
+            <a:pPr algn="ctr"/>
+            <a:endParaRPr lang="en-US"/>
+          </a:p>
+        </p:txBody>
+      </p:sp>
+      <p:sp>
+        <p:nvSpPr>
+          <p:cNvPr id="13" name="Rectangle 12">
+            <a:extLst>
+              <a:ext uri="{FF2B5EF4-FFF2-40B4-BE49-F238E27FC236}">
+                <a16:creationId xmlns:a16="http://schemas.microsoft.com/office/drawing/2014/main" id="{BBC87DD2-2B76-4DCD-B1BE-10AC24021108}"/>
+              </a:ext>
+            </a:extLst>
+          </p:cNvPr>
+          <p:cNvSpPr/>
+          <p:nvPr/>
+        </p:nvSpPr>
+        <p:spPr>
+          <a:xfrm>
+            <a:off x="10737271" y="4726709"/>
+            <a:ext cx="748146" cy="1196110"/>
+          </a:xfrm>
+          <a:prstGeom prst="rect">
+            <a:avLst/>
+          </a:prstGeom>
+        </p:spPr>
+        <p:style>
+          <a:lnRef idx="2">
+            <a:schemeClr val="accent1">
+              <a:shade val="50000"/>
+            </a:schemeClr>
+          </a:lnRef>
+          <a:fillRef idx="1">
+            <a:schemeClr val="accent1"/>
+          </a:fillRef>
+          <a:effectRef idx="0">
+            <a:schemeClr val="accent1"/>
+          </a:effectRef>
+          <a:fontRef idx="minor">
+            <a:schemeClr val="lt1"/>
+          </a:fontRef>
+        </p:style>
+        <p:txBody>
+          <a:bodyPr rtlCol="0" anchor="ctr"/>
+          <a:lstStyle/>
+          <a:p>
+            <a:pPr algn="ctr"/>
+            <a:endParaRPr lang="en-US"/>
+          </a:p>
+        </p:txBody>
+      </p:sp>
+      <p:sp>
+        <p:nvSpPr>
+          <p:cNvPr id="14" name="Rectangle 13">
+            <a:extLst>
+              <a:ext uri="{FF2B5EF4-FFF2-40B4-BE49-F238E27FC236}">
+                <a16:creationId xmlns:a16="http://schemas.microsoft.com/office/drawing/2014/main" id="{349AA04E-85AF-48C5-B8C1-8E604A3BD281}"/>
+              </a:ext>
+            </a:extLst>
+          </p:cNvPr>
+          <p:cNvSpPr/>
+          <p:nvPr/>
+        </p:nvSpPr>
+        <p:spPr>
+          <a:xfrm>
+            <a:off x="0" y="101600"/>
+            <a:ext cx="12395200" cy="683491"/>
+          </a:xfrm>
+          <a:prstGeom prst="rect">
+            <a:avLst/>
+          </a:prstGeom>
+        </p:spPr>
+        <p:style>
+          <a:lnRef idx="2">
+            <a:schemeClr val="accent1">
+              <a:shade val="50000"/>
+            </a:schemeClr>
+          </a:lnRef>
+          <a:fillRef idx="1">
+            <a:schemeClr val="accent1"/>
+          </a:fillRef>
+          <a:effectRef idx="0">
+            <a:schemeClr val="accent1"/>
+          </a:effectRef>
+          <a:fontRef idx="minor">
+            <a:schemeClr val="lt1"/>
+          </a:fontRef>
+        </p:style>
+        <p:txBody>
+          <a:bodyPr rtlCol="0" anchor="ctr"/>
+          <a:lstStyle/>
+          <a:p>
+            <a:pPr algn="ctr"/>
+            <a:r>
+              <a:rPr lang="en-US" dirty="0"/>
+              <a:t>AWS</a:t>
+            </a:r>
+          </a:p>
+        </p:txBody>
+      </p:sp>
+      <p:cxnSp>
+        <p:nvCxnSpPr>
+          <p:cNvPr id="16" name="Connector: Elbow 15">
+            <a:extLst>
+              <a:ext uri="{FF2B5EF4-FFF2-40B4-BE49-F238E27FC236}">
+                <a16:creationId xmlns:a16="http://schemas.microsoft.com/office/drawing/2014/main" id="{95FA11D7-B970-4C5B-B3B9-D6FCE2E7713A}"/>
+              </a:ext>
+            </a:extLst>
+          </p:cNvPr>
+          <p:cNvCxnSpPr>
+            <a:stCxn id="14" idx="2"/>
+            <a:endCxn id="11" idx="3"/>
+          </p:cNvCxnSpPr>
+          <p:nvPr/>
+        </p:nvCxnSpPr>
+        <p:spPr>
+          <a:xfrm rot="5400000">
+            <a:off x="2601192" y="1610591"/>
+            <a:ext cx="4421909" cy="2770909"/>
+          </a:xfrm>
+          <a:prstGeom prst="bentConnector2">
+            <a:avLst/>
+          </a:prstGeom>
+          <a:ln>
+            <a:tailEnd type="triangle"/>
+          </a:ln>
+        </p:spPr>
+        <p:style>
+          <a:lnRef idx="1">
+            <a:schemeClr val="dk1"/>
+          </a:lnRef>
+          <a:fillRef idx="0">
+            <a:schemeClr val="dk1"/>
+          </a:fillRef>
+          <a:effectRef idx="0">
+            <a:schemeClr val="dk1"/>
+          </a:effectRef>
+          <a:fontRef idx="minor">
+            <a:schemeClr val="tx1"/>
+          </a:fontRef>
+        </p:style>
+      </p:cxnSp>
+      <p:cxnSp>
+        <p:nvCxnSpPr>
+          <p:cNvPr id="18" name="Straight Connector 17">
+            <a:extLst>
+              <a:ext uri="{FF2B5EF4-FFF2-40B4-BE49-F238E27FC236}">
+                <a16:creationId xmlns:a16="http://schemas.microsoft.com/office/drawing/2014/main" id="{5AE5987E-8798-459E-8F4B-987840B7E704}"/>
+              </a:ext>
+            </a:extLst>
+          </p:cNvPr>
+          <p:cNvCxnSpPr>
+            <a:stCxn id="11" idx="1"/>
+          </p:cNvCxnSpPr>
+          <p:nvPr/>
+        </p:nvCxnSpPr>
+        <p:spPr>
+          <a:xfrm flipH="1">
+            <a:off x="1847273" y="5207000"/>
+            <a:ext cx="831272" cy="0"/>
+          </a:xfrm>
+          <a:prstGeom prst="line">
+            <a:avLst/>
+          </a:prstGeom>
+        </p:spPr>
+        <p:style>
+          <a:lnRef idx="1">
+            <a:schemeClr val="accent1"/>
+          </a:lnRef>
+          <a:fillRef idx="0">
+            <a:schemeClr val="accent1"/>
+          </a:fillRef>
+          <a:effectRef idx="0">
+            <a:schemeClr val="accent1"/>
+          </a:effectRef>
+          <a:fontRef idx="minor">
+            <a:schemeClr val="tx1"/>
+          </a:fontRef>
+        </p:style>
+      </p:cxnSp>
+      <p:sp>
+        <p:nvSpPr>
+          <p:cNvPr id="19" name="Oval 18">
+            <a:extLst>
+              <a:ext uri="{FF2B5EF4-FFF2-40B4-BE49-F238E27FC236}">
+                <a16:creationId xmlns:a16="http://schemas.microsoft.com/office/drawing/2014/main" id="{D409142D-7CA6-457F-AD67-DF167DC8C306}"/>
+              </a:ext>
+            </a:extLst>
+          </p:cNvPr>
+          <p:cNvSpPr/>
+          <p:nvPr/>
+        </p:nvSpPr>
+        <p:spPr>
+          <a:xfrm>
+            <a:off x="1191491" y="1921164"/>
+            <a:ext cx="655782" cy="646545"/>
+          </a:xfrm>
+          <a:prstGeom prst="ellipse">
+            <a:avLst/>
+          </a:prstGeom>
+        </p:spPr>
+        <p:style>
+          <a:lnRef idx="2">
+            <a:schemeClr val="accent1">
+              <a:shade val="50000"/>
+            </a:schemeClr>
+          </a:lnRef>
+          <a:fillRef idx="1">
+            <a:schemeClr val="accent1"/>
+          </a:fillRef>
+          <a:effectRef idx="0">
+            <a:schemeClr val="accent1"/>
+          </a:effectRef>
+          <a:fontRef idx="minor">
+            <a:schemeClr val="lt1"/>
+          </a:fontRef>
+        </p:style>
+        <p:txBody>
+          <a:bodyPr rtlCol="0" anchor="ctr"/>
+          <a:lstStyle/>
+          <a:p>
+            <a:pPr algn="ctr"/>
+            <a:endParaRPr lang="en-US"/>
+          </a:p>
+        </p:txBody>
+      </p:sp>
+      <p:sp>
+        <p:nvSpPr>
+          <p:cNvPr id="20" name="Oval 19">
+            <a:extLst>
+              <a:ext uri="{FF2B5EF4-FFF2-40B4-BE49-F238E27FC236}">
+                <a16:creationId xmlns:a16="http://schemas.microsoft.com/office/drawing/2014/main" id="{14F45FA7-92CE-4161-8244-862CA89CFB45}"/>
+              </a:ext>
+            </a:extLst>
+          </p:cNvPr>
+          <p:cNvSpPr/>
+          <p:nvPr/>
+        </p:nvSpPr>
+        <p:spPr>
+          <a:xfrm>
+            <a:off x="1577110" y="2672772"/>
+            <a:ext cx="655782" cy="646545"/>
+          </a:xfrm>
+          <a:prstGeom prst="ellipse">
+            <a:avLst/>
+          </a:prstGeom>
+        </p:spPr>
+        <p:style>
+          <a:lnRef idx="2">
+            <a:schemeClr val="accent1">
+              <a:shade val="50000"/>
+            </a:schemeClr>
+          </a:lnRef>
+          <a:fillRef idx="1">
+            <a:schemeClr val="accent1"/>
+          </a:fillRef>
+          <a:effectRef idx="0">
+            <a:schemeClr val="accent1"/>
+          </a:effectRef>
+          <a:fontRef idx="minor">
+            <a:schemeClr val="lt1"/>
+          </a:fontRef>
+        </p:style>
+        <p:txBody>
+          <a:bodyPr rtlCol="0" anchor="ctr"/>
+          <a:lstStyle/>
+          <a:p>
+            <a:pPr algn="ctr"/>
+            <a:endParaRPr lang="en-US"/>
+          </a:p>
+        </p:txBody>
+      </p:sp>
+      <p:sp>
+        <p:nvSpPr>
+          <p:cNvPr id="21" name="Oval 20">
+            <a:extLst>
+              <a:ext uri="{FF2B5EF4-FFF2-40B4-BE49-F238E27FC236}">
+                <a16:creationId xmlns:a16="http://schemas.microsoft.com/office/drawing/2014/main" id="{D1CBF8E8-0D1B-4DCC-B798-F23588A837F1}"/>
+              </a:ext>
+            </a:extLst>
+          </p:cNvPr>
+          <p:cNvSpPr/>
+          <p:nvPr/>
+        </p:nvSpPr>
+        <p:spPr>
+          <a:xfrm>
+            <a:off x="1260765" y="3383972"/>
+            <a:ext cx="655782" cy="646545"/>
+          </a:xfrm>
+          <a:prstGeom prst="ellipse">
+            <a:avLst/>
+          </a:prstGeom>
+        </p:spPr>
+        <p:style>
+          <a:lnRef idx="2">
+            <a:schemeClr val="accent1">
+              <a:shade val="50000"/>
+            </a:schemeClr>
+          </a:lnRef>
+          <a:fillRef idx="1">
+            <a:schemeClr val="accent1"/>
+          </a:fillRef>
+          <a:effectRef idx="0">
+            <a:schemeClr val="accent1"/>
+          </a:effectRef>
+          <a:fontRef idx="minor">
+            <a:schemeClr val="lt1"/>
+          </a:fontRef>
+        </p:style>
+        <p:txBody>
+          <a:bodyPr rtlCol="0" anchor="ctr"/>
+          <a:lstStyle/>
+          <a:p>
+            <a:pPr algn="ctr"/>
+            <a:endParaRPr lang="en-US"/>
+          </a:p>
+        </p:txBody>
+      </p:sp>
+      <p:sp>
+        <p:nvSpPr>
+          <p:cNvPr id="22" name="Oval 21">
+            <a:extLst>
+              <a:ext uri="{FF2B5EF4-FFF2-40B4-BE49-F238E27FC236}">
+                <a16:creationId xmlns:a16="http://schemas.microsoft.com/office/drawing/2014/main" id="{A652A287-0C2B-4A3F-BC83-52B486D10473}"/>
+              </a:ext>
+            </a:extLst>
+          </p:cNvPr>
+          <p:cNvSpPr/>
+          <p:nvPr/>
+        </p:nvSpPr>
+        <p:spPr>
+          <a:xfrm>
+            <a:off x="2223657" y="3671454"/>
+            <a:ext cx="655782" cy="646545"/>
+          </a:xfrm>
+          <a:prstGeom prst="ellipse">
+            <a:avLst/>
+          </a:prstGeom>
+        </p:spPr>
+        <p:style>
+          <a:lnRef idx="2">
+            <a:schemeClr val="accent1">
+              <a:shade val="50000"/>
+            </a:schemeClr>
+          </a:lnRef>
+          <a:fillRef idx="1">
+            <a:schemeClr val="accent1"/>
+          </a:fillRef>
+          <a:effectRef idx="0">
+            <a:schemeClr val="accent1"/>
+          </a:effectRef>
+          <a:fontRef idx="minor">
+            <a:schemeClr val="lt1"/>
+          </a:fontRef>
+        </p:style>
+        <p:txBody>
+          <a:bodyPr rtlCol="0" anchor="ctr"/>
+          <a:lstStyle/>
+          <a:p>
+            <a:pPr algn="ctr"/>
+            <a:endParaRPr lang="en-US"/>
+          </a:p>
+        </p:txBody>
+      </p:sp>
+      <p:sp>
+        <p:nvSpPr>
+          <p:cNvPr id="23" name="Oval 22">
+            <a:extLst>
+              <a:ext uri="{FF2B5EF4-FFF2-40B4-BE49-F238E27FC236}">
+                <a16:creationId xmlns:a16="http://schemas.microsoft.com/office/drawing/2014/main" id="{FF081074-64B1-4A50-AF03-6B982B575289}"/>
+              </a:ext>
+            </a:extLst>
+          </p:cNvPr>
+          <p:cNvSpPr/>
+          <p:nvPr/>
+        </p:nvSpPr>
+        <p:spPr>
+          <a:xfrm>
+            <a:off x="2410691" y="2101273"/>
+            <a:ext cx="655782" cy="646545"/>
+          </a:xfrm>
+          <a:prstGeom prst="ellipse">
+            <a:avLst/>
+          </a:prstGeom>
+        </p:spPr>
+        <p:style>
+          <a:lnRef idx="2">
+            <a:schemeClr val="accent1">
+              <a:shade val="50000"/>
+            </a:schemeClr>
+          </a:lnRef>
+          <a:fillRef idx="1">
+            <a:schemeClr val="accent1"/>
+          </a:fillRef>
+          <a:effectRef idx="0">
+            <a:schemeClr val="accent1"/>
+          </a:effectRef>
+          <a:fontRef idx="minor">
+            <a:schemeClr val="lt1"/>
+          </a:fontRef>
+        </p:style>
+        <p:txBody>
+          <a:bodyPr rtlCol="0" anchor="ctr"/>
+          <a:lstStyle/>
+          <a:p>
+            <a:pPr algn="ctr"/>
+            <a:endParaRPr lang="en-US"/>
+          </a:p>
+        </p:txBody>
+      </p:sp>
+      <p:sp>
+        <p:nvSpPr>
+          <p:cNvPr id="24" name="Oval 23">
+            <a:extLst>
+              <a:ext uri="{FF2B5EF4-FFF2-40B4-BE49-F238E27FC236}">
+                <a16:creationId xmlns:a16="http://schemas.microsoft.com/office/drawing/2014/main" id="{3CAE271E-C46A-4C6E-8345-B49436668D9E}"/>
+              </a:ext>
+            </a:extLst>
+          </p:cNvPr>
+          <p:cNvSpPr/>
+          <p:nvPr/>
+        </p:nvSpPr>
+        <p:spPr>
+          <a:xfrm>
+            <a:off x="4999182" y="2026227"/>
+            <a:ext cx="655782" cy="646545"/>
+          </a:xfrm>
+          <a:prstGeom prst="ellipse">
+            <a:avLst/>
+          </a:prstGeom>
+        </p:spPr>
+        <p:style>
+          <a:lnRef idx="2">
+            <a:schemeClr val="accent1">
+              <a:shade val="50000"/>
+            </a:schemeClr>
+          </a:lnRef>
+          <a:fillRef idx="1">
+            <a:schemeClr val="accent1"/>
+          </a:fillRef>
+          <a:effectRef idx="0">
+            <a:schemeClr val="accent1"/>
+          </a:effectRef>
+          <a:fontRef idx="minor">
+            <a:schemeClr val="lt1"/>
+          </a:fontRef>
+        </p:style>
+        <p:txBody>
+          <a:bodyPr rtlCol="0" anchor="ctr"/>
+          <a:lstStyle/>
+          <a:p>
+            <a:pPr algn="ctr"/>
+            <a:endParaRPr lang="en-US"/>
+          </a:p>
+        </p:txBody>
+      </p:sp>
+      <p:sp>
+        <p:nvSpPr>
+          <p:cNvPr id="25" name="Oval 24">
+            <a:extLst>
+              <a:ext uri="{FF2B5EF4-FFF2-40B4-BE49-F238E27FC236}">
+                <a16:creationId xmlns:a16="http://schemas.microsoft.com/office/drawing/2014/main" id="{989CD2B0-975C-4A97-B325-1A0664A269A5}"/>
+              </a:ext>
+            </a:extLst>
+          </p:cNvPr>
+          <p:cNvSpPr/>
+          <p:nvPr/>
+        </p:nvSpPr>
+        <p:spPr>
+          <a:xfrm>
+            <a:off x="5019963" y="3319317"/>
+            <a:ext cx="655782" cy="646545"/>
+          </a:xfrm>
+          <a:prstGeom prst="ellipse">
+            <a:avLst/>
+          </a:prstGeom>
+        </p:spPr>
+        <p:style>
+          <a:lnRef idx="2">
+            <a:schemeClr val="accent1">
+              <a:shade val="50000"/>
+            </a:schemeClr>
+          </a:lnRef>
+          <a:fillRef idx="1">
+            <a:schemeClr val="accent1"/>
+          </a:fillRef>
+          <a:effectRef idx="0">
+            <a:schemeClr val="accent1"/>
+          </a:effectRef>
+          <a:fontRef idx="minor">
+            <a:schemeClr val="lt1"/>
+          </a:fontRef>
+        </p:style>
+        <p:txBody>
+          <a:bodyPr rtlCol="0" anchor="ctr"/>
+          <a:lstStyle/>
+          <a:p>
+            <a:pPr algn="ctr"/>
+            <a:endParaRPr lang="en-US"/>
+          </a:p>
+        </p:txBody>
+      </p:sp>
+      <p:sp>
+        <p:nvSpPr>
+          <p:cNvPr id="26" name="Oval 25">
+            <a:extLst>
+              <a:ext uri="{FF2B5EF4-FFF2-40B4-BE49-F238E27FC236}">
+                <a16:creationId xmlns:a16="http://schemas.microsoft.com/office/drawing/2014/main" id="{BFDAFFAE-EE3E-4413-8B80-15EDD6F5D026}"/>
+              </a:ext>
+            </a:extLst>
+          </p:cNvPr>
+          <p:cNvSpPr/>
+          <p:nvPr/>
+        </p:nvSpPr>
+        <p:spPr>
+          <a:xfrm>
+            <a:off x="5742713" y="2567709"/>
+            <a:ext cx="655782" cy="646545"/>
+          </a:xfrm>
+          <a:prstGeom prst="ellipse">
+            <a:avLst/>
+          </a:prstGeom>
+        </p:spPr>
+        <p:style>
+          <a:lnRef idx="2">
+            <a:schemeClr val="accent1">
+              <a:shade val="50000"/>
+            </a:schemeClr>
+          </a:lnRef>
+          <a:fillRef idx="1">
+            <a:schemeClr val="accent1"/>
+          </a:fillRef>
+          <a:effectRef idx="0">
+            <a:schemeClr val="accent1"/>
+          </a:effectRef>
+          <a:fontRef idx="minor">
+            <a:schemeClr val="lt1"/>
+          </a:fontRef>
+        </p:style>
+        <p:txBody>
+          <a:bodyPr rtlCol="0" anchor="ctr"/>
+          <a:lstStyle/>
+          <a:p>
+            <a:pPr algn="ctr"/>
+            <a:endParaRPr lang="en-US"/>
+          </a:p>
+        </p:txBody>
+      </p:sp>
+      <p:sp>
+        <p:nvSpPr>
+          <p:cNvPr id="27" name="Oval 26">
+            <a:extLst>
+              <a:ext uri="{FF2B5EF4-FFF2-40B4-BE49-F238E27FC236}">
+                <a16:creationId xmlns:a16="http://schemas.microsoft.com/office/drawing/2014/main" id="{4FF2CA7B-2D5F-44C3-B1A8-277BE4BECDE9}"/>
+              </a:ext>
+            </a:extLst>
+          </p:cNvPr>
+          <p:cNvSpPr/>
+          <p:nvPr/>
+        </p:nvSpPr>
+        <p:spPr>
+          <a:xfrm>
+            <a:off x="6446983" y="3460750"/>
+            <a:ext cx="655782" cy="646545"/>
+          </a:xfrm>
+          <a:prstGeom prst="ellipse">
+            <a:avLst/>
+          </a:prstGeom>
+        </p:spPr>
+        <p:style>
+          <a:lnRef idx="2">
+            <a:schemeClr val="accent1">
+              <a:shade val="50000"/>
+            </a:schemeClr>
+          </a:lnRef>
+          <a:fillRef idx="1">
+            <a:schemeClr val="accent1"/>
+          </a:fillRef>
+          <a:effectRef idx="0">
+            <a:schemeClr val="accent1"/>
+          </a:effectRef>
+          <a:fontRef idx="minor">
+            <a:schemeClr val="lt1"/>
+          </a:fontRef>
+        </p:style>
+        <p:txBody>
+          <a:bodyPr rtlCol="0" anchor="ctr"/>
+          <a:lstStyle/>
+          <a:p>
+            <a:pPr algn="ctr"/>
+            <a:endParaRPr lang="en-US"/>
+          </a:p>
+        </p:txBody>
+      </p:sp>
+      <p:sp>
+        <p:nvSpPr>
+          <p:cNvPr id="28" name="Oval 27">
+            <a:extLst>
+              <a:ext uri="{FF2B5EF4-FFF2-40B4-BE49-F238E27FC236}">
+                <a16:creationId xmlns:a16="http://schemas.microsoft.com/office/drawing/2014/main" id="{0045D68E-B13D-4B70-91C0-631AC4331532}"/>
+              </a:ext>
+            </a:extLst>
+          </p:cNvPr>
+          <p:cNvSpPr/>
+          <p:nvPr/>
+        </p:nvSpPr>
+        <p:spPr>
+          <a:xfrm>
+            <a:off x="6430820" y="1778000"/>
+            <a:ext cx="655782" cy="646545"/>
+          </a:xfrm>
+          <a:prstGeom prst="ellipse">
+            <a:avLst/>
+          </a:prstGeom>
+        </p:spPr>
+        <p:style>
+          <a:lnRef idx="2">
+            <a:schemeClr val="accent1">
+              <a:shade val="50000"/>
+            </a:schemeClr>
+          </a:lnRef>
+          <a:fillRef idx="1">
+            <a:schemeClr val="accent1"/>
+          </a:fillRef>
+          <a:effectRef idx="0">
+            <a:schemeClr val="accent1"/>
+          </a:effectRef>
+          <a:fontRef idx="minor">
+            <a:schemeClr val="lt1"/>
+          </a:fontRef>
+        </p:style>
+        <p:txBody>
+          <a:bodyPr rtlCol="0" anchor="ctr"/>
+          <a:lstStyle/>
+          <a:p>
+            <a:pPr algn="ctr"/>
+            <a:endParaRPr lang="en-US"/>
+          </a:p>
+        </p:txBody>
+      </p:sp>
+      <p:sp>
+        <p:nvSpPr>
+          <p:cNvPr id="29" name="Oval 28">
+            <a:extLst>
+              <a:ext uri="{FF2B5EF4-FFF2-40B4-BE49-F238E27FC236}">
+                <a16:creationId xmlns:a16="http://schemas.microsoft.com/office/drawing/2014/main" id="{C31FC833-3ED8-419A-8CF1-863EFAE984D4}"/>
+              </a:ext>
+            </a:extLst>
+          </p:cNvPr>
+          <p:cNvSpPr/>
+          <p:nvPr/>
+        </p:nvSpPr>
+        <p:spPr>
+          <a:xfrm>
+            <a:off x="9273309" y="1778000"/>
+            <a:ext cx="655782" cy="646545"/>
+          </a:xfrm>
+          <a:prstGeom prst="ellipse">
+            <a:avLst/>
+          </a:prstGeom>
+        </p:spPr>
+        <p:style>
+          <a:lnRef idx="2">
+            <a:schemeClr val="accent1">
+              <a:shade val="50000"/>
+            </a:schemeClr>
+          </a:lnRef>
+          <a:fillRef idx="1">
+            <a:schemeClr val="accent1"/>
+          </a:fillRef>
+          <a:effectRef idx="0">
+            <a:schemeClr val="accent1"/>
+          </a:effectRef>
+          <a:fontRef idx="minor">
+            <a:schemeClr val="lt1"/>
+          </a:fontRef>
+        </p:style>
+        <p:txBody>
+          <a:bodyPr rtlCol="0" anchor="ctr"/>
+          <a:lstStyle/>
+          <a:p>
+            <a:pPr algn="ctr"/>
+            <a:endParaRPr lang="en-US"/>
+          </a:p>
+        </p:txBody>
+      </p:sp>
+      <p:sp>
+        <p:nvSpPr>
+          <p:cNvPr id="30" name="Oval 29">
+            <a:extLst>
+              <a:ext uri="{FF2B5EF4-FFF2-40B4-BE49-F238E27FC236}">
+                <a16:creationId xmlns:a16="http://schemas.microsoft.com/office/drawing/2014/main" id="{1A8D85A1-AE75-45E1-AB74-76927ED2279A}"/>
+              </a:ext>
+            </a:extLst>
+          </p:cNvPr>
+          <p:cNvSpPr/>
+          <p:nvPr/>
+        </p:nvSpPr>
+        <p:spPr>
+          <a:xfrm>
+            <a:off x="9264074" y="3137477"/>
+            <a:ext cx="655782" cy="646545"/>
+          </a:xfrm>
+          <a:prstGeom prst="ellipse">
+            <a:avLst/>
+          </a:prstGeom>
+        </p:spPr>
+        <p:style>
+          <a:lnRef idx="2">
+            <a:schemeClr val="accent1">
+              <a:shade val="50000"/>
+            </a:schemeClr>
+          </a:lnRef>
+          <a:fillRef idx="1">
+            <a:schemeClr val="accent1"/>
+          </a:fillRef>
+          <a:effectRef idx="0">
+            <a:schemeClr val="accent1"/>
+          </a:effectRef>
+          <a:fontRef idx="minor">
+            <a:schemeClr val="lt1"/>
+          </a:fontRef>
+        </p:style>
+        <p:txBody>
+          <a:bodyPr rtlCol="0" anchor="ctr"/>
+          <a:lstStyle/>
+          <a:p>
+            <a:pPr algn="ctr"/>
+            <a:endParaRPr lang="en-US"/>
+          </a:p>
+        </p:txBody>
+      </p:sp>
+      <p:sp>
+        <p:nvSpPr>
+          <p:cNvPr id="31" name="Oval 30">
+            <a:extLst>
+              <a:ext uri="{FF2B5EF4-FFF2-40B4-BE49-F238E27FC236}">
+                <a16:creationId xmlns:a16="http://schemas.microsoft.com/office/drawing/2014/main" id="{71C3E872-9280-4BB0-8B04-3F8B44588F32}"/>
+              </a:ext>
+            </a:extLst>
+          </p:cNvPr>
+          <p:cNvSpPr/>
+          <p:nvPr/>
+        </p:nvSpPr>
+        <p:spPr>
+          <a:xfrm>
+            <a:off x="10210801" y="2255981"/>
+            <a:ext cx="655782" cy="646545"/>
+          </a:xfrm>
+          <a:prstGeom prst="ellipse">
+            <a:avLst/>
+          </a:prstGeom>
+        </p:spPr>
+        <p:style>
+          <a:lnRef idx="2">
+            <a:schemeClr val="accent1">
+              <a:shade val="50000"/>
+            </a:schemeClr>
+          </a:lnRef>
+          <a:fillRef idx="1">
+            <a:schemeClr val="accent1"/>
+          </a:fillRef>
+          <a:effectRef idx="0">
+            <a:schemeClr val="accent1"/>
+          </a:effectRef>
+          <a:fontRef idx="minor">
+            <a:schemeClr val="lt1"/>
+          </a:fontRef>
+        </p:style>
+        <p:txBody>
+          <a:bodyPr rtlCol="0" anchor="ctr"/>
+          <a:lstStyle/>
+          <a:p>
+            <a:pPr algn="ctr"/>
+            <a:endParaRPr lang="en-US"/>
+          </a:p>
+        </p:txBody>
+      </p:sp>
+      <p:sp>
+        <p:nvSpPr>
+          <p:cNvPr id="32" name="Oval 31">
+            <a:extLst>
+              <a:ext uri="{FF2B5EF4-FFF2-40B4-BE49-F238E27FC236}">
+                <a16:creationId xmlns:a16="http://schemas.microsoft.com/office/drawing/2014/main" id="{34359953-1572-4909-9561-E334CB3A61AD}"/>
+              </a:ext>
+            </a:extLst>
+          </p:cNvPr>
+          <p:cNvSpPr/>
+          <p:nvPr/>
+        </p:nvSpPr>
+        <p:spPr>
+          <a:xfrm>
+            <a:off x="10487892" y="3507510"/>
+            <a:ext cx="655782" cy="646545"/>
+          </a:xfrm>
+          <a:prstGeom prst="ellipse">
+            <a:avLst/>
+          </a:prstGeom>
+        </p:spPr>
+        <p:style>
+          <a:lnRef idx="2">
+            <a:schemeClr val="accent1">
+              <a:shade val="50000"/>
+            </a:schemeClr>
+          </a:lnRef>
+          <a:fillRef idx="1">
+            <a:schemeClr val="accent1"/>
+          </a:fillRef>
+          <a:effectRef idx="0">
+            <a:schemeClr val="accent1"/>
+          </a:effectRef>
+          <a:fontRef idx="minor">
+            <a:schemeClr val="lt1"/>
+          </a:fontRef>
+        </p:style>
+        <p:txBody>
+          <a:bodyPr rtlCol="0" anchor="ctr"/>
+          <a:lstStyle/>
+          <a:p>
+            <a:pPr algn="ctr"/>
+            <a:endParaRPr lang="en-US"/>
+          </a:p>
+        </p:txBody>
+      </p:sp>
+      <p:sp>
+        <p:nvSpPr>
+          <p:cNvPr id="33" name="Oval 32">
+            <a:extLst>
+              <a:ext uri="{FF2B5EF4-FFF2-40B4-BE49-F238E27FC236}">
+                <a16:creationId xmlns:a16="http://schemas.microsoft.com/office/drawing/2014/main" id="{52FC9975-3E90-4E6E-977C-E0980880DB55}"/>
+              </a:ext>
+            </a:extLst>
+          </p:cNvPr>
+          <p:cNvSpPr/>
+          <p:nvPr/>
+        </p:nvSpPr>
+        <p:spPr>
+          <a:xfrm>
+            <a:off x="10783453" y="1605683"/>
+            <a:ext cx="655782" cy="646545"/>
+          </a:xfrm>
+          <a:prstGeom prst="ellipse">
+            <a:avLst/>
+          </a:prstGeom>
+        </p:spPr>
+        <p:style>
+          <a:lnRef idx="2">
+            <a:schemeClr val="accent1">
+              <a:shade val="50000"/>
+            </a:schemeClr>
+          </a:lnRef>
+          <a:fillRef idx="1">
+            <a:schemeClr val="accent1"/>
+          </a:fillRef>
+          <a:effectRef idx="0">
+            <a:schemeClr val="accent1"/>
+          </a:effectRef>
+          <a:fontRef idx="minor">
+            <a:schemeClr val="lt1"/>
+          </a:fontRef>
+        </p:style>
+        <p:txBody>
+          <a:bodyPr rtlCol="0" anchor="ctr"/>
+          <a:lstStyle/>
+          <a:p>
+            <a:pPr algn="ctr"/>
+            <a:endParaRPr lang="en-US"/>
+          </a:p>
+        </p:txBody>
+      </p:sp>
+    </p:spTree>
+    <p:extLst>
+      <p:ext uri="{BB962C8B-B14F-4D97-AF65-F5344CB8AC3E}">
+        <p14:creationId xmlns:p14="http://schemas.microsoft.com/office/powerpoint/2010/main" val="2560501643"/>
+      </p:ext>
+    </p:extLst>
+  </p:cSld>
+  <p:clrMapOvr>
+    <a:masterClrMapping/>
+  </p:clrMapOvr>
+</p:sld>
+</file>
+
+<file path=ppt/slides/slide25.xml><?xml version="1.0" encoding="utf-8"?>
+<p:sld xmlns:a="http://schemas.openxmlformats.org/drawingml/2006/main" xmlns:r="http://schemas.openxmlformats.org/officeDocument/2006/relationships" xmlns:p="http://schemas.openxmlformats.org/presentationml/2006/main">
+  <p:cSld>
+    <p:spTree>
+      <p:nvGrpSpPr>
+        <p:cNvPr id="1" name=""/>
+        <p:cNvGrpSpPr/>
+        <p:nvPr/>
+      </p:nvGrpSpPr>
+      <p:grpSpPr>
+        <a:xfrm>
+          <a:off x="0" y="0"/>
+          <a:ext cx="0" cy="0"/>
+          <a:chOff x="0" y="0"/>
+          <a:chExt cx="0" cy="0"/>
+        </a:xfrm>
+      </p:grpSpPr>
+      <p:sp>
+        <p:nvSpPr>
+          <p:cNvPr id="4" name="Rectangle 3">
+            <a:extLst>
+              <a:ext uri="{FF2B5EF4-FFF2-40B4-BE49-F238E27FC236}">
+                <a16:creationId xmlns:a16="http://schemas.microsoft.com/office/drawing/2014/main" id="{F97F5C39-426C-4D98-B9F0-B72C40A99148}"/>
+              </a:ext>
+            </a:extLst>
+          </p:cNvPr>
+          <p:cNvSpPr/>
+          <p:nvPr/>
+        </p:nvSpPr>
+        <p:spPr>
+          <a:xfrm>
+            <a:off x="905164" y="471055"/>
+            <a:ext cx="1607127" cy="683490"/>
+          </a:xfrm>
+          <a:prstGeom prst="rect">
+            <a:avLst/>
+          </a:prstGeom>
+        </p:spPr>
+        <p:style>
+          <a:lnRef idx="2">
+            <a:schemeClr val="accent1">
+              <a:shade val="50000"/>
+            </a:schemeClr>
+          </a:lnRef>
+          <a:fillRef idx="1">
+            <a:schemeClr val="accent1"/>
+          </a:fillRef>
+          <a:effectRef idx="0">
+            <a:schemeClr val="accent1"/>
+          </a:effectRef>
+          <a:fontRef idx="minor">
+            <a:schemeClr val="lt1"/>
+          </a:fontRef>
+        </p:style>
+        <p:txBody>
+          <a:bodyPr rtlCol="0" anchor="ctr"/>
+          <a:lstStyle/>
+          <a:p>
+            <a:pPr algn="ctr"/>
+            <a:r>
+              <a:rPr lang="en-US" dirty="0"/>
+              <a:t>Image</a:t>
+            </a:r>
+          </a:p>
+        </p:txBody>
+      </p:sp>
+      <p:sp>
+        <p:nvSpPr>
+          <p:cNvPr id="5" name="Rectangle 4">
+            <a:extLst>
+              <a:ext uri="{FF2B5EF4-FFF2-40B4-BE49-F238E27FC236}">
+                <a16:creationId xmlns:a16="http://schemas.microsoft.com/office/drawing/2014/main" id="{5559F875-5804-492A-9A02-FEA6D4CC712B}"/>
+              </a:ext>
+            </a:extLst>
+          </p:cNvPr>
+          <p:cNvSpPr/>
+          <p:nvPr/>
+        </p:nvSpPr>
+        <p:spPr>
+          <a:xfrm>
+            <a:off x="905164" y="1736436"/>
+            <a:ext cx="1607127" cy="997527"/>
+          </a:xfrm>
+          <a:prstGeom prst="rect">
+            <a:avLst/>
+          </a:prstGeom>
+        </p:spPr>
+        <p:style>
+          <a:lnRef idx="2">
+            <a:schemeClr val="accent1">
+              <a:shade val="50000"/>
+            </a:schemeClr>
+          </a:lnRef>
+          <a:fillRef idx="1">
+            <a:schemeClr val="accent1"/>
+          </a:fillRef>
+          <a:effectRef idx="0">
+            <a:schemeClr val="accent1"/>
+          </a:effectRef>
+          <a:fontRef idx="minor">
+            <a:schemeClr val="lt1"/>
+          </a:fontRef>
+        </p:style>
+        <p:txBody>
+          <a:bodyPr rtlCol="0" anchor="ctr"/>
+          <a:lstStyle/>
+          <a:p>
+            <a:pPr algn="ctr"/>
+            <a:r>
+              <a:rPr lang="en-US" dirty="0"/>
+              <a:t>Code</a:t>
+            </a:r>
+          </a:p>
+        </p:txBody>
+      </p:sp>
+      <p:cxnSp>
+        <p:nvCxnSpPr>
+          <p:cNvPr id="7" name="Straight Arrow Connector 6">
+            <a:extLst>
+              <a:ext uri="{FF2B5EF4-FFF2-40B4-BE49-F238E27FC236}">
+                <a16:creationId xmlns:a16="http://schemas.microsoft.com/office/drawing/2014/main" id="{36EC74D4-59CF-45B8-ABEE-D35553E9B957}"/>
+              </a:ext>
+            </a:extLst>
+          </p:cNvPr>
+          <p:cNvCxnSpPr>
+            <a:cxnSpLocks/>
+            <a:stCxn id="4" idx="3"/>
+          </p:cNvCxnSpPr>
+          <p:nvPr/>
+        </p:nvCxnSpPr>
+        <p:spPr>
+          <a:xfrm>
+            <a:off x="2512291" y="812800"/>
+            <a:ext cx="3084945" cy="0"/>
+          </a:xfrm>
+          <a:prstGeom prst="straightConnector1">
+            <a:avLst/>
+          </a:prstGeom>
+          <a:ln>
+            <a:tailEnd type="triangle"/>
+          </a:ln>
+        </p:spPr>
+        <p:style>
+          <a:lnRef idx="1">
+            <a:schemeClr val="accent1"/>
+          </a:lnRef>
+          <a:fillRef idx="0">
+            <a:schemeClr val="accent1"/>
+          </a:fillRef>
+          <a:effectRef idx="0">
+            <a:schemeClr val="accent1"/>
+          </a:effectRef>
+          <a:fontRef idx="minor">
+            <a:schemeClr val="tx1"/>
+          </a:fontRef>
+        </p:style>
+      </p:cxnSp>
+      <p:cxnSp>
+        <p:nvCxnSpPr>
+          <p:cNvPr id="11" name="Straight Arrow Connector 10">
+            <a:extLst>
+              <a:ext uri="{FF2B5EF4-FFF2-40B4-BE49-F238E27FC236}">
+                <a16:creationId xmlns:a16="http://schemas.microsoft.com/office/drawing/2014/main" id="{373D7F60-B231-45FD-A583-CBD85393F6DA}"/>
+              </a:ext>
+            </a:extLst>
+          </p:cNvPr>
+          <p:cNvCxnSpPr>
+            <a:stCxn id="5" idx="3"/>
+          </p:cNvCxnSpPr>
+          <p:nvPr/>
+        </p:nvCxnSpPr>
+        <p:spPr>
+          <a:xfrm flipV="1">
+            <a:off x="2512291" y="2225964"/>
+            <a:ext cx="2955636" cy="9236"/>
+          </a:xfrm>
+          <a:prstGeom prst="straightConnector1">
+            <a:avLst/>
+          </a:prstGeom>
+          <a:ln>
+            <a:tailEnd type="triangle"/>
+          </a:ln>
+        </p:spPr>
+        <p:style>
+          <a:lnRef idx="1">
+            <a:schemeClr val="accent1"/>
+          </a:lnRef>
+          <a:fillRef idx="0">
+            <a:schemeClr val="accent1"/>
+          </a:fillRef>
+          <a:effectRef idx="0">
+            <a:schemeClr val="accent1"/>
+          </a:effectRef>
+          <a:fontRef idx="minor">
+            <a:schemeClr val="tx1"/>
+          </a:fontRef>
+        </p:style>
+      </p:cxnSp>
+      <p:sp>
+        <p:nvSpPr>
+          <p:cNvPr id="12" name="Rectangle 11">
+            <a:extLst>
+              <a:ext uri="{FF2B5EF4-FFF2-40B4-BE49-F238E27FC236}">
+                <a16:creationId xmlns:a16="http://schemas.microsoft.com/office/drawing/2014/main" id="{9C230C1D-5605-4057-9EFD-797615DE34CD}"/>
+              </a:ext>
+            </a:extLst>
+          </p:cNvPr>
+          <p:cNvSpPr/>
+          <p:nvPr/>
+        </p:nvSpPr>
+        <p:spPr>
+          <a:xfrm>
+            <a:off x="5809673" y="387927"/>
+            <a:ext cx="1884218" cy="2346036"/>
+          </a:xfrm>
+          <a:prstGeom prst="rect">
+            <a:avLst/>
+          </a:prstGeom>
+        </p:spPr>
+        <p:style>
+          <a:lnRef idx="2">
+            <a:schemeClr val="accent1">
+              <a:shade val="50000"/>
+            </a:schemeClr>
+          </a:lnRef>
+          <a:fillRef idx="1">
+            <a:schemeClr val="accent1"/>
+          </a:fillRef>
+          <a:effectRef idx="0">
+            <a:schemeClr val="accent1"/>
+          </a:effectRef>
+          <a:fontRef idx="minor">
+            <a:schemeClr val="lt1"/>
+          </a:fontRef>
+        </p:style>
+        <p:txBody>
+          <a:bodyPr rtlCol="0" anchor="ctr"/>
+          <a:lstStyle/>
+          <a:p>
+            <a:pPr algn="ctr"/>
+            <a:r>
+              <a:rPr lang="en-US" dirty="0"/>
+              <a:t>PaaS</a:t>
+            </a:r>
+          </a:p>
+        </p:txBody>
+      </p:sp>
+      <p:cxnSp>
+        <p:nvCxnSpPr>
+          <p:cNvPr id="14" name="Straight Arrow Connector 13">
+            <a:extLst>
+              <a:ext uri="{FF2B5EF4-FFF2-40B4-BE49-F238E27FC236}">
+                <a16:creationId xmlns:a16="http://schemas.microsoft.com/office/drawing/2014/main" id="{4E35D11F-AB9B-445A-B05F-4216D195E57F}"/>
+              </a:ext>
+            </a:extLst>
+          </p:cNvPr>
+          <p:cNvCxnSpPr>
+            <a:stCxn id="12" idx="3"/>
+          </p:cNvCxnSpPr>
+          <p:nvPr/>
+        </p:nvCxnSpPr>
+        <p:spPr>
+          <a:xfrm>
+            <a:off x="7693891" y="1560945"/>
+            <a:ext cx="1819564" cy="0"/>
+          </a:xfrm>
+          <a:prstGeom prst="straightConnector1">
+            <a:avLst/>
+          </a:prstGeom>
+          <a:ln>
+            <a:tailEnd type="triangle"/>
+          </a:ln>
+        </p:spPr>
+        <p:style>
+          <a:lnRef idx="1">
+            <a:schemeClr val="accent1"/>
+          </a:lnRef>
+          <a:fillRef idx="0">
+            <a:schemeClr val="accent1"/>
+          </a:fillRef>
+          <a:effectRef idx="0">
+            <a:schemeClr val="accent1"/>
+          </a:effectRef>
+          <a:fontRef idx="minor">
+            <a:schemeClr val="tx1"/>
+          </a:fontRef>
+        </p:style>
+      </p:cxnSp>
+    </p:spTree>
+    <p:extLst>
+      <p:ext uri="{BB962C8B-B14F-4D97-AF65-F5344CB8AC3E}">
+        <p14:creationId xmlns:p14="http://schemas.microsoft.com/office/powerpoint/2010/main" val="161016904"/>
+      </p:ext>
+    </p:extLst>
+  </p:cSld>
+  <p:clrMapOvr>
+    <a:masterClrMapping/>
+  </p:clrMapOvr>
+</p:sld>
+</file>
+
+<file path=ppt/slides/slide26.xml><?xml version="1.0" encoding="utf-8"?>
+<p:sld xmlns:a="http://schemas.openxmlformats.org/drawingml/2006/main" xmlns:r="http://schemas.openxmlformats.org/officeDocument/2006/relationships" xmlns:p="http://schemas.openxmlformats.org/presentationml/2006/main">
+  <p:cSld>
+    <p:spTree>
+      <p:nvGrpSpPr>
+        <p:cNvPr id="1" name=""/>
+        <p:cNvGrpSpPr/>
+        <p:nvPr/>
+      </p:nvGrpSpPr>
+      <p:grpSpPr>
+        <a:xfrm>
+          <a:off x="0" y="0"/>
+          <a:ext cx="0" cy="0"/>
+          <a:chOff x="0" y="0"/>
+          <a:chExt cx="0" cy="0"/>
+        </a:xfrm>
+      </p:grpSpPr>
+      <p:sp>
+        <p:nvSpPr>
+          <p:cNvPr id="22" name="Rectangle 21">
+            <a:extLst>
+              <a:ext uri="{FF2B5EF4-FFF2-40B4-BE49-F238E27FC236}">
+                <a16:creationId xmlns:a16="http://schemas.microsoft.com/office/drawing/2014/main" id="{134D85B9-CA56-4A00-B166-213BADB63B13}"/>
+              </a:ext>
+            </a:extLst>
+          </p:cNvPr>
+          <p:cNvSpPr/>
+          <p:nvPr/>
+        </p:nvSpPr>
+        <p:spPr>
+          <a:xfrm>
+            <a:off x="4747491" y="304801"/>
+            <a:ext cx="3440545" cy="4978400"/>
+          </a:xfrm>
+          <a:prstGeom prst="rect">
+            <a:avLst/>
+          </a:prstGeom>
+        </p:spPr>
+        <p:style>
+          <a:lnRef idx="2">
+            <a:schemeClr val="accent6">
+              <a:shade val="50000"/>
+            </a:schemeClr>
+          </a:lnRef>
+          <a:fillRef idx="1">
+            <a:schemeClr val="accent6"/>
+          </a:fillRef>
+          <a:effectRef idx="0">
+            <a:schemeClr val="accent6"/>
+          </a:effectRef>
+          <a:fontRef idx="minor">
+            <a:schemeClr val="lt1"/>
+          </a:fontRef>
+        </p:style>
+        <p:txBody>
+          <a:bodyPr rtlCol="0" anchor="ctr"/>
+          <a:lstStyle/>
+          <a:p>
+            <a:pPr algn="ctr"/>
+            <a:endParaRPr lang="en-US"/>
+          </a:p>
+        </p:txBody>
+      </p:sp>
+      <p:sp>
+        <p:nvSpPr>
+          <p:cNvPr id="4" name="Rectangle 3">
+            <a:extLst>
+              <a:ext uri="{FF2B5EF4-FFF2-40B4-BE49-F238E27FC236}">
+                <a16:creationId xmlns:a16="http://schemas.microsoft.com/office/drawing/2014/main" id="{206EF81B-BA72-4607-872F-25D880CFDF86}"/>
+              </a:ext>
+            </a:extLst>
+          </p:cNvPr>
+          <p:cNvSpPr/>
+          <p:nvPr/>
+        </p:nvSpPr>
+        <p:spPr>
+          <a:xfrm>
+            <a:off x="5283201" y="618837"/>
+            <a:ext cx="2447636" cy="1496291"/>
+          </a:xfrm>
+          <a:prstGeom prst="rect">
+            <a:avLst/>
+          </a:prstGeom>
+        </p:spPr>
+        <p:style>
+          <a:lnRef idx="2">
+            <a:schemeClr val="accent1">
+              <a:shade val="50000"/>
+            </a:schemeClr>
+          </a:lnRef>
+          <a:fillRef idx="1">
+            <a:schemeClr val="accent1"/>
+          </a:fillRef>
+          <a:effectRef idx="0">
+            <a:schemeClr val="accent1"/>
+          </a:effectRef>
+          <a:fontRef idx="minor">
+            <a:schemeClr val="lt1"/>
+          </a:fontRef>
+        </p:style>
+        <p:txBody>
+          <a:bodyPr rtlCol="0" anchor="ctr"/>
+          <a:lstStyle/>
+          <a:p>
+            <a:pPr algn="ctr"/>
+            <a:r>
+              <a:rPr lang="en-IN" dirty="0"/>
+              <a:t>EC2 Machine </a:t>
+            </a:r>
+          </a:p>
+          <a:p>
+            <a:pPr algn="ctr"/>
+            <a:r>
+              <a:rPr lang="en-IN" dirty="0"/>
+              <a:t>+ </a:t>
+            </a:r>
+          </a:p>
+          <a:p>
+            <a:pPr algn="ctr"/>
+            <a:r>
+              <a:rPr lang="en-IN" dirty="0"/>
+              <a:t>Docker </a:t>
+            </a:r>
+            <a:br>
+              <a:rPr lang="en-IN" dirty="0"/>
+            </a:br>
+            <a:r>
+              <a:rPr lang="en-IN" dirty="0"/>
+              <a:t>+ </a:t>
+            </a:r>
+          </a:p>
+          <a:p>
+            <a:pPr algn="ctr"/>
+            <a:r>
+              <a:rPr lang="en-IN" dirty="0" err="1"/>
+              <a:t>Api</a:t>
+            </a:r>
+            <a:r>
+              <a:rPr lang="en-IN" dirty="0"/>
+              <a:t> Agent </a:t>
+            </a:r>
+            <a:endParaRPr lang="en-US" dirty="0"/>
+          </a:p>
+        </p:txBody>
+      </p:sp>
+      <p:sp>
+        <p:nvSpPr>
+          <p:cNvPr id="5" name="Oval 4">
+            <a:extLst>
+              <a:ext uri="{FF2B5EF4-FFF2-40B4-BE49-F238E27FC236}">
+                <a16:creationId xmlns:a16="http://schemas.microsoft.com/office/drawing/2014/main" id="{1E3CF090-4194-4DC3-9B23-251B1A658CD8}"/>
+              </a:ext>
+            </a:extLst>
+          </p:cNvPr>
+          <p:cNvSpPr/>
+          <p:nvPr/>
+        </p:nvSpPr>
+        <p:spPr>
+          <a:xfrm>
+            <a:off x="267855" y="554182"/>
+            <a:ext cx="2918690" cy="2207491"/>
+          </a:xfrm>
+          <a:prstGeom prst="ellipse">
+            <a:avLst/>
+          </a:prstGeom>
+        </p:spPr>
+        <p:style>
+          <a:lnRef idx="2">
+            <a:schemeClr val="accent1">
+              <a:shade val="50000"/>
+            </a:schemeClr>
+          </a:lnRef>
+          <a:fillRef idx="1">
+            <a:schemeClr val="accent1"/>
+          </a:fillRef>
+          <a:effectRef idx="0">
+            <a:schemeClr val="accent1"/>
+          </a:effectRef>
+          <a:fontRef idx="minor">
+            <a:schemeClr val="lt1"/>
+          </a:fontRef>
+        </p:style>
+        <p:txBody>
+          <a:bodyPr rtlCol="0" anchor="ctr"/>
+          <a:lstStyle/>
+          <a:p>
+            <a:pPr algn="ctr"/>
+            <a:r>
+              <a:rPr lang="en-IN" dirty="0"/>
+              <a:t>Console</a:t>
+            </a:r>
+            <a:endParaRPr lang="en-US" dirty="0"/>
+          </a:p>
+        </p:txBody>
+      </p:sp>
+      <p:cxnSp>
+        <p:nvCxnSpPr>
+          <p:cNvPr id="7" name="Connector: Elbow 6">
+            <a:extLst>
+              <a:ext uri="{FF2B5EF4-FFF2-40B4-BE49-F238E27FC236}">
+                <a16:creationId xmlns:a16="http://schemas.microsoft.com/office/drawing/2014/main" id="{75D825AA-5C72-4660-9F89-C7594735E50D}"/>
+              </a:ext>
+            </a:extLst>
+          </p:cNvPr>
+          <p:cNvCxnSpPr>
+            <a:cxnSpLocks/>
+            <a:stCxn id="5" idx="6"/>
+            <a:endCxn id="4" idx="1"/>
+          </p:cNvCxnSpPr>
+          <p:nvPr/>
+        </p:nvCxnSpPr>
+        <p:spPr>
+          <a:xfrm flipV="1">
+            <a:off x="3186545" y="1366983"/>
+            <a:ext cx="2096656" cy="290945"/>
+          </a:xfrm>
+          <a:prstGeom prst="bentConnector3">
+            <a:avLst/>
+          </a:prstGeom>
+          <a:ln>
+            <a:tailEnd type="triangle"/>
+          </a:ln>
+        </p:spPr>
+        <p:style>
+          <a:lnRef idx="1">
+            <a:schemeClr val="accent1"/>
+          </a:lnRef>
+          <a:fillRef idx="0">
+            <a:schemeClr val="accent1"/>
+          </a:fillRef>
+          <a:effectRef idx="0">
+            <a:schemeClr val="accent1"/>
+          </a:effectRef>
+          <a:fontRef idx="minor">
+            <a:schemeClr val="tx1"/>
+          </a:fontRef>
+        </p:style>
+      </p:cxnSp>
+      <p:sp>
+        <p:nvSpPr>
+          <p:cNvPr id="10" name="Rectangle 9">
+            <a:extLst>
+              <a:ext uri="{FF2B5EF4-FFF2-40B4-BE49-F238E27FC236}">
+                <a16:creationId xmlns:a16="http://schemas.microsoft.com/office/drawing/2014/main" id="{7E756A5B-0B38-43C9-A482-3FA45DE83F89}"/>
+              </a:ext>
+            </a:extLst>
+          </p:cNvPr>
+          <p:cNvSpPr/>
+          <p:nvPr/>
+        </p:nvSpPr>
+        <p:spPr>
+          <a:xfrm>
+            <a:off x="5269346" y="3168073"/>
+            <a:ext cx="2475345" cy="1468583"/>
+          </a:xfrm>
+          <a:prstGeom prst="rect">
+            <a:avLst/>
+          </a:prstGeom>
+        </p:spPr>
+        <p:style>
+          <a:lnRef idx="2">
+            <a:schemeClr val="accent1">
+              <a:shade val="50000"/>
+            </a:schemeClr>
+          </a:lnRef>
+          <a:fillRef idx="1">
+            <a:schemeClr val="accent1"/>
+          </a:fillRef>
+          <a:effectRef idx="0">
+            <a:schemeClr val="accent1"/>
+          </a:effectRef>
+          <a:fontRef idx="minor">
+            <a:schemeClr val="lt1"/>
+          </a:fontRef>
+        </p:style>
+        <p:txBody>
+          <a:bodyPr rtlCol="0" anchor="ctr"/>
+          <a:lstStyle/>
+          <a:p>
+            <a:pPr algn="ctr"/>
+            <a:r>
+              <a:rPr lang="en-IN" dirty="0"/>
+              <a:t>EC2 Machine </a:t>
+            </a:r>
+          </a:p>
+          <a:p>
+            <a:pPr algn="ctr"/>
+            <a:r>
+              <a:rPr lang="en-IN" dirty="0"/>
+              <a:t>+ </a:t>
+            </a:r>
+          </a:p>
+          <a:p>
+            <a:pPr algn="ctr"/>
+            <a:r>
+              <a:rPr lang="en-IN" dirty="0"/>
+              <a:t>Docker </a:t>
+            </a:r>
+            <a:br>
+              <a:rPr lang="en-IN" dirty="0"/>
+            </a:br>
+            <a:r>
+              <a:rPr lang="en-IN" dirty="0"/>
+              <a:t>+ </a:t>
+            </a:r>
+          </a:p>
+          <a:p>
+            <a:pPr algn="ctr"/>
+            <a:r>
+              <a:rPr lang="en-IN" dirty="0" err="1"/>
+              <a:t>Api</a:t>
+            </a:r>
+            <a:r>
+              <a:rPr lang="en-IN" dirty="0"/>
+              <a:t> Agent </a:t>
+            </a:r>
+            <a:endParaRPr lang="en-US" dirty="0"/>
+          </a:p>
+        </p:txBody>
+      </p:sp>
+      <p:cxnSp>
+        <p:nvCxnSpPr>
+          <p:cNvPr id="12" name="Connector: Elbow 11">
+            <a:extLst>
+              <a:ext uri="{FF2B5EF4-FFF2-40B4-BE49-F238E27FC236}">
+                <a16:creationId xmlns:a16="http://schemas.microsoft.com/office/drawing/2014/main" id="{93914BF0-00C5-4B70-9B80-1B18FAC2F9FD}"/>
+              </a:ext>
+            </a:extLst>
+          </p:cNvPr>
+          <p:cNvCxnSpPr>
+            <a:cxnSpLocks/>
+            <a:stCxn id="5" idx="6"/>
+            <a:endCxn id="10" idx="1"/>
+          </p:cNvCxnSpPr>
+          <p:nvPr/>
+        </p:nvCxnSpPr>
+        <p:spPr>
+          <a:xfrm>
+            <a:off x="3186545" y="1657928"/>
+            <a:ext cx="2082801" cy="2244437"/>
+          </a:xfrm>
+          <a:prstGeom prst="bentConnector3">
+            <a:avLst/>
+          </a:prstGeom>
+          <a:ln>
+            <a:tailEnd type="triangle"/>
+          </a:ln>
+        </p:spPr>
+        <p:style>
+          <a:lnRef idx="1">
+            <a:schemeClr val="accent1"/>
+          </a:lnRef>
+          <a:fillRef idx="0">
+            <a:schemeClr val="accent1"/>
+          </a:fillRef>
+          <a:effectRef idx="0">
+            <a:schemeClr val="accent1"/>
+          </a:effectRef>
+          <a:fontRef idx="minor">
+            <a:schemeClr val="tx1"/>
+          </a:fontRef>
+        </p:style>
+      </p:cxnSp>
+      <p:cxnSp>
+        <p:nvCxnSpPr>
+          <p:cNvPr id="18" name="Connector: Elbow 17">
+            <a:extLst>
+              <a:ext uri="{FF2B5EF4-FFF2-40B4-BE49-F238E27FC236}">
+                <a16:creationId xmlns:a16="http://schemas.microsoft.com/office/drawing/2014/main" id="{51293051-27B3-45AC-94F0-8DBCEE68A980}"/>
+              </a:ext>
+            </a:extLst>
+          </p:cNvPr>
+          <p:cNvCxnSpPr>
+            <a:stCxn id="4" idx="3"/>
+          </p:cNvCxnSpPr>
+          <p:nvPr/>
+        </p:nvCxnSpPr>
+        <p:spPr>
+          <a:xfrm>
+            <a:off x="7730837" y="1366983"/>
+            <a:ext cx="2022763" cy="1644072"/>
+          </a:xfrm>
+          <a:prstGeom prst="bentConnector3">
+            <a:avLst/>
+          </a:prstGeom>
+          <a:ln>
+            <a:tailEnd type="triangle"/>
+          </a:ln>
+        </p:spPr>
+        <p:style>
+          <a:lnRef idx="1">
+            <a:schemeClr val="accent1"/>
+          </a:lnRef>
+          <a:fillRef idx="0">
+            <a:schemeClr val="accent1"/>
+          </a:fillRef>
+          <a:effectRef idx="0">
+            <a:schemeClr val="accent1"/>
+          </a:effectRef>
+          <a:fontRef idx="minor">
+            <a:schemeClr val="tx1"/>
+          </a:fontRef>
+        </p:style>
+      </p:cxnSp>
+      <p:cxnSp>
+        <p:nvCxnSpPr>
+          <p:cNvPr id="20" name="Connector: Elbow 19">
+            <a:extLst>
+              <a:ext uri="{FF2B5EF4-FFF2-40B4-BE49-F238E27FC236}">
+                <a16:creationId xmlns:a16="http://schemas.microsoft.com/office/drawing/2014/main" id="{DBC51491-377E-4CC2-9B67-87D88F2113AA}"/>
+              </a:ext>
+            </a:extLst>
+          </p:cNvPr>
+          <p:cNvCxnSpPr>
+            <a:stCxn id="10" idx="3"/>
+          </p:cNvCxnSpPr>
+          <p:nvPr/>
+        </p:nvCxnSpPr>
+        <p:spPr>
+          <a:xfrm flipV="1">
+            <a:off x="7744691" y="3011055"/>
+            <a:ext cx="2008909" cy="891310"/>
+          </a:xfrm>
+          <a:prstGeom prst="bentConnector3">
+            <a:avLst/>
+          </a:prstGeom>
+          <a:ln>
+            <a:tailEnd type="triangle"/>
+          </a:ln>
+        </p:spPr>
+        <p:style>
+          <a:lnRef idx="1">
+            <a:schemeClr val="accent1"/>
+          </a:lnRef>
+          <a:fillRef idx="0">
+            <a:schemeClr val="accent1"/>
+          </a:fillRef>
+          <a:effectRef idx="0">
+            <a:schemeClr val="accent1"/>
+          </a:effectRef>
+          <a:fontRef idx="minor">
+            <a:schemeClr val="tx1"/>
+          </a:fontRef>
+        </p:style>
+      </p:cxnSp>
+      <p:sp>
+        <p:nvSpPr>
+          <p:cNvPr id="21" name="Rectangle 20">
+            <a:extLst>
+              <a:ext uri="{FF2B5EF4-FFF2-40B4-BE49-F238E27FC236}">
+                <a16:creationId xmlns:a16="http://schemas.microsoft.com/office/drawing/2014/main" id="{9E359FC9-4F0D-4623-82B7-D909028CF73F}"/>
+              </a:ext>
+            </a:extLst>
+          </p:cNvPr>
+          <p:cNvSpPr/>
+          <p:nvPr/>
+        </p:nvSpPr>
+        <p:spPr>
+          <a:xfrm>
+            <a:off x="9753600" y="2512291"/>
+            <a:ext cx="1579418" cy="1246910"/>
+          </a:xfrm>
+          <a:prstGeom prst="rect">
+            <a:avLst/>
+          </a:prstGeom>
+        </p:spPr>
+        <p:style>
+          <a:lnRef idx="2">
+            <a:schemeClr val="accent1">
+              <a:shade val="50000"/>
+            </a:schemeClr>
+          </a:lnRef>
+          <a:fillRef idx="1">
+            <a:schemeClr val="accent1"/>
+          </a:fillRef>
+          <a:effectRef idx="0">
+            <a:schemeClr val="accent1"/>
+          </a:effectRef>
+          <a:fontRef idx="minor">
+            <a:schemeClr val="lt1"/>
+          </a:fontRef>
+        </p:style>
+        <p:txBody>
+          <a:bodyPr rtlCol="0" anchor="ctr"/>
+          <a:lstStyle/>
+          <a:p>
+            <a:pPr algn="ctr"/>
+            <a:r>
+              <a:rPr lang="en-IN" dirty="0"/>
+              <a:t>CloudWatch</a:t>
+            </a:r>
+          </a:p>
+          <a:p>
+            <a:pPr algn="ctr"/>
+            <a:r>
+              <a:rPr lang="en-IN" dirty="0"/>
+              <a:t>Log</a:t>
+            </a:r>
+            <a:endParaRPr lang="en-US" dirty="0"/>
+          </a:p>
+        </p:txBody>
+      </p:sp>
+      <p:sp>
+        <p:nvSpPr>
+          <p:cNvPr id="23" name="Rectangle: Rounded Corners 22">
+            <a:extLst>
+              <a:ext uri="{FF2B5EF4-FFF2-40B4-BE49-F238E27FC236}">
+                <a16:creationId xmlns:a16="http://schemas.microsoft.com/office/drawing/2014/main" id="{B828CAE4-29D6-4569-9784-DD97DF3785CC}"/>
+              </a:ext>
+            </a:extLst>
+          </p:cNvPr>
+          <p:cNvSpPr/>
+          <p:nvPr/>
+        </p:nvSpPr>
+        <p:spPr>
+          <a:xfrm>
+            <a:off x="9753600" y="5745018"/>
+            <a:ext cx="1810327" cy="628073"/>
+          </a:xfrm>
+          <a:prstGeom prst="roundRect">
+            <a:avLst/>
+          </a:prstGeom>
+        </p:spPr>
+        <p:style>
+          <a:lnRef idx="2">
+            <a:schemeClr val="accent1">
+              <a:shade val="50000"/>
+            </a:schemeClr>
+          </a:lnRef>
+          <a:fillRef idx="1">
+            <a:schemeClr val="accent1"/>
+          </a:fillRef>
+          <a:effectRef idx="0">
+            <a:schemeClr val="accent1"/>
+          </a:effectRef>
+          <a:fontRef idx="minor">
+            <a:schemeClr val="lt1"/>
+          </a:fontRef>
+        </p:style>
+        <p:txBody>
+          <a:bodyPr rtlCol="0" anchor="ctr"/>
+          <a:lstStyle/>
+          <a:p>
+            <a:pPr algn="ctr"/>
+            <a:r>
+              <a:rPr lang="en-IN" dirty="0"/>
+              <a:t>Dashboard</a:t>
+            </a:r>
+            <a:endParaRPr lang="en-US" dirty="0"/>
+          </a:p>
+        </p:txBody>
+      </p:sp>
+      <p:cxnSp>
+        <p:nvCxnSpPr>
+          <p:cNvPr id="25" name="Straight Arrow Connector 24">
+            <a:extLst>
+              <a:ext uri="{FF2B5EF4-FFF2-40B4-BE49-F238E27FC236}">
+                <a16:creationId xmlns:a16="http://schemas.microsoft.com/office/drawing/2014/main" id="{3D0AEC66-E2EC-4F7F-953D-F05174EBA557}"/>
+              </a:ext>
+            </a:extLst>
+          </p:cNvPr>
+          <p:cNvCxnSpPr>
+            <a:stCxn id="23" idx="0"/>
+            <a:endCxn id="21" idx="2"/>
+          </p:cNvCxnSpPr>
+          <p:nvPr/>
+        </p:nvCxnSpPr>
+        <p:spPr>
+          <a:xfrm flipH="1" flipV="1">
+            <a:off x="10543309" y="3759201"/>
+            <a:ext cx="115455" cy="1985817"/>
+          </a:xfrm>
+          <a:prstGeom prst="straightConnector1">
+            <a:avLst/>
+          </a:prstGeom>
+          <a:ln>
+            <a:tailEnd type="triangle"/>
+          </a:ln>
+        </p:spPr>
+        <p:style>
+          <a:lnRef idx="1">
+            <a:schemeClr val="accent1"/>
+          </a:lnRef>
+          <a:fillRef idx="0">
+            <a:schemeClr val="accent1"/>
+          </a:fillRef>
+          <a:effectRef idx="0">
+            <a:schemeClr val="accent1"/>
+          </a:effectRef>
+          <a:fontRef idx="minor">
+            <a:schemeClr val="tx1"/>
+          </a:fontRef>
+        </p:style>
+      </p:cxnSp>
+    </p:spTree>
+    <p:extLst>
+      <p:ext uri="{BB962C8B-B14F-4D97-AF65-F5344CB8AC3E}">
+        <p14:creationId xmlns:p14="http://schemas.microsoft.com/office/powerpoint/2010/main" val="1527000341"/>
+      </p:ext>
+    </p:extLst>
+  </p:cSld>
+  <p:clrMapOvr>
+    <a:masterClrMapping/>
+  </p:clrMapOvr>
+</p:sld>
+</file>
+
+<file path=ppt/slides/slide27.xml><?xml version="1.0" encoding="utf-8"?>
+<p:sld xmlns:a="http://schemas.openxmlformats.org/drawingml/2006/main" xmlns:r="http://schemas.openxmlformats.org/officeDocument/2006/relationships" xmlns:p="http://schemas.openxmlformats.org/presentationml/2006/main">
+  <p:cSld>
+    <p:spTree>
+      <p:nvGrpSpPr>
+        <p:cNvPr id="1" name=""/>
+        <p:cNvGrpSpPr/>
+        <p:nvPr/>
+      </p:nvGrpSpPr>
+      <p:grpSpPr>
+        <a:xfrm>
+          <a:off x="0" y="0"/>
+          <a:ext cx="0" cy="0"/>
+          <a:chOff x="0" y="0"/>
+          <a:chExt cx="0" cy="0"/>
+        </a:xfrm>
+      </p:grpSpPr>
+      <p:sp>
+        <p:nvSpPr>
+          <p:cNvPr id="20" name="Rectangle 19">
+            <a:extLst>
+              <a:ext uri="{FF2B5EF4-FFF2-40B4-BE49-F238E27FC236}">
+                <a16:creationId xmlns:a16="http://schemas.microsoft.com/office/drawing/2014/main" id="{93F3C6AE-9185-4A1E-8F4A-A9FD3CD76CBF}"/>
+              </a:ext>
+            </a:extLst>
+          </p:cNvPr>
+          <p:cNvSpPr/>
+          <p:nvPr/>
+        </p:nvSpPr>
+        <p:spPr>
+          <a:xfrm>
+            <a:off x="5832763" y="3228111"/>
+            <a:ext cx="5666510" cy="1283854"/>
+          </a:xfrm>
+          <a:prstGeom prst="rect">
+            <a:avLst/>
+          </a:prstGeom>
+        </p:spPr>
+        <p:style>
+          <a:lnRef idx="2">
+            <a:schemeClr val="accent1">
+              <a:shade val="50000"/>
+            </a:schemeClr>
+          </a:lnRef>
+          <a:fillRef idx="1">
+            <a:schemeClr val="accent1"/>
+          </a:fillRef>
+          <a:effectRef idx="0">
+            <a:schemeClr val="accent1"/>
+          </a:effectRef>
+          <a:fontRef idx="minor">
+            <a:schemeClr val="lt1"/>
+          </a:fontRef>
+        </p:style>
+        <p:txBody>
+          <a:bodyPr rtlCol="0" anchor="ctr"/>
+          <a:lstStyle/>
+          <a:p>
+            <a:pPr algn="ctr"/>
+            <a:endParaRPr lang="en-US"/>
+          </a:p>
+        </p:txBody>
+      </p:sp>
+      <p:sp>
+        <p:nvSpPr>
+          <p:cNvPr id="4" name="Rectangle 3">
+            <a:extLst>
+              <a:ext uri="{FF2B5EF4-FFF2-40B4-BE49-F238E27FC236}">
+                <a16:creationId xmlns:a16="http://schemas.microsoft.com/office/drawing/2014/main" id="{B746D486-6A5B-46DF-AF43-B30087AF1D3F}"/>
+              </a:ext>
+            </a:extLst>
+          </p:cNvPr>
+          <p:cNvSpPr/>
+          <p:nvPr/>
+        </p:nvSpPr>
+        <p:spPr>
+          <a:xfrm>
+            <a:off x="1487056" y="3325091"/>
+            <a:ext cx="4202544" cy="1283854"/>
+          </a:xfrm>
+          <a:prstGeom prst="rect">
+            <a:avLst/>
+          </a:prstGeom>
+        </p:spPr>
+        <p:style>
+          <a:lnRef idx="2">
+            <a:schemeClr val="accent1">
+              <a:shade val="50000"/>
+            </a:schemeClr>
+          </a:lnRef>
+          <a:fillRef idx="1">
+            <a:schemeClr val="accent1"/>
+          </a:fillRef>
+          <a:effectRef idx="0">
+            <a:schemeClr val="accent1"/>
+          </a:effectRef>
+          <a:fontRef idx="minor">
+            <a:schemeClr val="lt1"/>
+          </a:fontRef>
+        </p:style>
+        <p:txBody>
+          <a:bodyPr rtlCol="0" anchor="ctr"/>
+          <a:lstStyle/>
+          <a:p>
+            <a:pPr algn="ctr"/>
+            <a:endParaRPr lang="en-US"/>
+          </a:p>
+        </p:txBody>
+      </p:sp>
+      <p:sp>
+        <p:nvSpPr>
+          <p:cNvPr id="5" name="Rectangle 4">
+            <a:extLst>
+              <a:ext uri="{FF2B5EF4-FFF2-40B4-BE49-F238E27FC236}">
+                <a16:creationId xmlns:a16="http://schemas.microsoft.com/office/drawing/2014/main" id="{93F1637B-A2DB-4850-B265-8B0615E7468F}"/>
+              </a:ext>
+            </a:extLst>
+          </p:cNvPr>
+          <p:cNvSpPr/>
+          <p:nvPr/>
+        </p:nvSpPr>
+        <p:spPr>
+          <a:xfrm>
+            <a:off x="2041236" y="3666836"/>
+            <a:ext cx="1348509" cy="572655"/>
+          </a:xfrm>
+          <a:prstGeom prst="rect">
+            <a:avLst/>
+          </a:prstGeom>
+        </p:spPr>
+        <p:style>
+          <a:lnRef idx="2">
+            <a:schemeClr val="accent4">
+              <a:shade val="50000"/>
+            </a:schemeClr>
+          </a:lnRef>
+          <a:fillRef idx="1">
+            <a:schemeClr val="accent4"/>
+          </a:fillRef>
+          <a:effectRef idx="0">
+            <a:schemeClr val="accent4"/>
+          </a:effectRef>
+          <a:fontRef idx="minor">
+            <a:schemeClr val="lt1"/>
+          </a:fontRef>
+        </p:style>
+        <p:txBody>
+          <a:bodyPr rtlCol="0" anchor="ctr"/>
+          <a:lstStyle/>
+          <a:p>
+            <a:pPr algn="ctr"/>
+            <a:endParaRPr lang="en-US"/>
+          </a:p>
+        </p:txBody>
+      </p:sp>
+      <p:sp>
+        <p:nvSpPr>
+          <p:cNvPr id="6" name="Rectangle 5">
+            <a:extLst>
+              <a:ext uri="{FF2B5EF4-FFF2-40B4-BE49-F238E27FC236}">
+                <a16:creationId xmlns:a16="http://schemas.microsoft.com/office/drawing/2014/main" id="{CEA6020F-B04A-4E66-8037-398B6BCD76BC}"/>
+              </a:ext>
+            </a:extLst>
+          </p:cNvPr>
+          <p:cNvSpPr/>
+          <p:nvPr/>
+        </p:nvSpPr>
+        <p:spPr>
+          <a:xfrm>
+            <a:off x="4036291" y="3666835"/>
+            <a:ext cx="1348509" cy="572655"/>
+          </a:xfrm>
+          <a:prstGeom prst="rect">
+            <a:avLst/>
+          </a:prstGeom>
+        </p:spPr>
+        <p:style>
+          <a:lnRef idx="2">
+            <a:schemeClr val="accent4">
+              <a:shade val="50000"/>
+            </a:schemeClr>
+          </a:lnRef>
+          <a:fillRef idx="1">
+            <a:schemeClr val="accent4"/>
+          </a:fillRef>
+          <a:effectRef idx="0">
+            <a:schemeClr val="accent4"/>
+          </a:effectRef>
+          <a:fontRef idx="minor">
+            <a:schemeClr val="lt1"/>
+          </a:fontRef>
+        </p:style>
+        <p:txBody>
+          <a:bodyPr rtlCol="0" anchor="ctr"/>
+          <a:lstStyle/>
+          <a:p>
+            <a:pPr algn="ctr"/>
+            <a:endParaRPr lang="en-US"/>
+          </a:p>
+        </p:txBody>
+      </p:sp>
+      <p:sp>
+        <p:nvSpPr>
+          <p:cNvPr id="7" name="Rectangle 6">
+            <a:extLst>
+              <a:ext uri="{FF2B5EF4-FFF2-40B4-BE49-F238E27FC236}">
+                <a16:creationId xmlns:a16="http://schemas.microsoft.com/office/drawing/2014/main" id="{0F08D6C9-D689-4815-8C34-046705740FD2}"/>
+              </a:ext>
+            </a:extLst>
+          </p:cNvPr>
+          <p:cNvSpPr/>
+          <p:nvPr/>
+        </p:nvSpPr>
+        <p:spPr>
+          <a:xfrm>
+            <a:off x="6243780" y="3613724"/>
+            <a:ext cx="1348509" cy="572655"/>
+          </a:xfrm>
+          <a:prstGeom prst="rect">
+            <a:avLst/>
+          </a:prstGeom>
+        </p:spPr>
+        <p:style>
+          <a:lnRef idx="2">
+            <a:schemeClr val="accent4">
+              <a:shade val="50000"/>
+            </a:schemeClr>
+          </a:lnRef>
+          <a:fillRef idx="1">
+            <a:schemeClr val="accent4"/>
+          </a:fillRef>
+          <a:effectRef idx="0">
+            <a:schemeClr val="accent4"/>
+          </a:effectRef>
+          <a:fontRef idx="minor">
+            <a:schemeClr val="lt1"/>
+          </a:fontRef>
+        </p:style>
+        <p:txBody>
+          <a:bodyPr rtlCol="0" anchor="ctr"/>
+          <a:lstStyle/>
+          <a:p>
+            <a:pPr algn="ctr"/>
+            <a:r>
+              <a:rPr lang="en-IN" dirty="0"/>
+              <a:t>80</a:t>
+            </a:r>
+          </a:p>
+          <a:p>
+            <a:pPr algn="ctr"/>
+            <a:r>
+              <a:rPr lang="en-IN" dirty="0"/>
+              <a:t>10.0.0.1</a:t>
+            </a:r>
+            <a:endParaRPr lang="en-US" dirty="0"/>
+          </a:p>
+        </p:txBody>
+      </p:sp>
+      <p:sp>
+        <p:nvSpPr>
+          <p:cNvPr id="8" name="Rectangle 7">
+            <a:extLst>
+              <a:ext uri="{FF2B5EF4-FFF2-40B4-BE49-F238E27FC236}">
+                <a16:creationId xmlns:a16="http://schemas.microsoft.com/office/drawing/2014/main" id="{D8C1B33D-8C40-4585-A8CB-29C68CEBCE5B}"/>
+              </a:ext>
+            </a:extLst>
+          </p:cNvPr>
+          <p:cNvSpPr/>
+          <p:nvPr/>
+        </p:nvSpPr>
+        <p:spPr>
+          <a:xfrm>
+            <a:off x="8003306" y="3583710"/>
+            <a:ext cx="1348509" cy="572655"/>
+          </a:xfrm>
+          <a:prstGeom prst="rect">
+            <a:avLst/>
+          </a:prstGeom>
+        </p:spPr>
+        <p:style>
+          <a:lnRef idx="2">
+            <a:schemeClr val="accent4">
+              <a:shade val="50000"/>
+            </a:schemeClr>
+          </a:lnRef>
+          <a:fillRef idx="1">
+            <a:schemeClr val="accent4"/>
+          </a:fillRef>
+          <a:effectRef idx="0">
+            <a:schemeClr val="accent4"/>
+          </a:effectRef>
+          <a:fontRef idx="minor">
+            <a:schemeClr val="lt1"/>
+          </a:fontRef>
+        </p:style>
+        <p:txBody>
+          <a:bodyPr rtlCol="0" anchor="ctr"/>
+          <a:lstStyle/>
+          <a:p>
+            <a:pPr algn="ctr"/>
+            <a:r>
+              <a:rPr lang="en-IN" dirty="0"/>
+              <a:t>80</a:t>
+            </a:r>
+          </a:p>
+          <a:p>
+            <a:pPr algn="ctr"/>
+            <a:r>
+              <a:rPr lang="en-IN" dirty="0"/>
+              <a:t>10.0.0.2</a:t>
+            </a:r>
+            <a:endParaRPr lang="en-US" dirty="0"/>
+          </a:p>
+        </p:txBody>
+      </p:sp>
+      <p:sp>
+        <p:nvSpPr>
+          <p:cNvPr id="9" name="Rectangle 8">
+            <a:extLst>
+              <a:ext uri="{FF2B5EF4-FFF2-40B4-BE49-F238E27FC236}">
+                <a16:creationId xmlns:a16="http://schemas.microsoft.com/office/drawing/2014/main" id="{3BFFABC0-BE23-4ECA-81AB-DD569920DC9B}"/>
+              </a:ext>
+            </a:extLst>
+          </p:cNvPr>
+          <p:cNvSpPr/>
+          <p:nvPr/>
+        </p:nvSpPr>
+        <p:spPr>
+          <a:xfrm>
+            <a:off x="9698182" y="3613725"/>
+            <a:ext cx="1348509" cy="572655"/>
+          </a:xfrm>
+          <a:prstGeom prst="rect">
+            <a:avLst/>
+          </a:prstGeom>
+        </p:spPr>
+        <p:style>
+          <a:lnRef idx="2">
+            <a:schemeClr val="accent4">
+              <a:shade val="50000"/>
+            </a:schemeClr>
+          </a:lnRef>
+          <a:fillRef idx="1">
+            <a:schemeClr val="accent4"/>
+          </a:fillRef>
+          <a:effectRef idx="0">
+            <a:schemeClr val="accent4"/>
+          </a:effectRef>
+          <a:fontRef idx="minor">
+            <a:schemeClr val="lt1"/>
+          </a:fontRef>
+        </p:style>
+        <p:txBody>
+          <a:bodyPr rtlCol="0" anchor="ctr"/>
+          <a:lstStyle/>
+          <a:p>
+            <a:pPr algn="ctr"/>
+            <a:r>
+              <a:rPr lang="en-IN" dirty="0"/>
+              <a:t>80</a:t>
+            </a:r>
+          </a:p>
+          <a:p>
+            <a:pPr algn="ctr"/>
+            <a:r>
+              <a:rPr lang="en-IN" dirty="0"/>
+              <a:t>10.0.0.3</a:t>
+            </a:r>
+            <a:endParaRPr lang="en-US" dirty="0"/>
+          </a:p>
+        </p:txBody>
+      </p:sp>
+      <p:sp>
+        <p:nvSpPr>
+          <p:cNvPr id="10" name="Rectangle 9">
+            <a:extLst>
+              <a:ext uri="{FF2B5EF4-FFF2-40B4-BE49-F238E27FC236}">
+                <a16:creationId xmlns:a16="http://schemas.microsoft.com/office/drawing/2014/main" id="{1252B284-13E9-4DED-9F6F-7305078499FA}"/>
+              </a:ext>
+            </a:extLst>
+          </p:cNvPr>
+          <p:cNvSpPr/>
+          <p:nvPr/>
+        </p:nvSpPr>
+        <p:spPr>
+          <a:xfrm>
+            <a:off x="5135418" y="775855"/>
+            <a:ext cx="1487055" cy="868218"/>
+          </a:xfrm>
+          <a:prstGeom prst="rect">
+            <a:avLst/>
+          </a:prstGeom>
+        </p:spPr>
+        <p:style>
+          <a:lnRef idx="2">
+            <a:schemeClr val="accent1">
+              <a:shade val="50000"/>
+            </a:schemeClr>
+          </a:lnRef>
+          <a:fillRef idx="1">
+            <a:schemeClr val="accent1"/>
+          </a:fillRef>
+          <a:effectRef idx="0">
+            <a:schemeClr val="accent1"/>
+          </a:effectRef>
+          <a:fontRef idx="minor">
+            <a:schemeClr val="lt1"/>
+          </a:fontRef>
+        </p:style>
+        <p:txBody>
+          <a:bodyPr rtlCol="0" anchor="ctr"/>
+          <a:lstStyle/>
+          <a:p>
+            <a:pPr algn="ctr"/>
+            <a:endParaRPr lang="en-US"/>
+          </a:p>
+        </p:txBody>
+      </p:sp>
+      <p:sp>
+        <p:nvSpPr>
+          <p:cNvPr id="21" name="Rectangle 20">
+            <a:extLst>
+              <a:ext uri="{FF2B5EF4-FFF2-40B4-BE49-F238E27FC236}">
+                <a16:creationId xmlns:a16="http://schemas.microsoft.com/office/drawing/2014/main" id="{C97ECBB0-DC2F-41EB-B229-CFCA56309DE0}"/>
+              </a:ext>
+            </a:extLst>
+          </p:cNvPr>
+          <p:cNvSpPr/>
+          <p:nvPr/>
+        </p:nvSpPr>
+        <p:spPr>
+          <a:xfrm>
+            <a:off x="6918034" y="3325091"/>
+            <a:ext cx="3131130" cy="103909"/>
+          </a:xfrm>
+          <a:prstGeom prst="rect">
+            <a:avLst/>
+          </a:prstGeom>
+        </p:spPr>
+        <p:style>
+          <a:lnRef idx="2">
+            <a:schemeClr val="accent1">
+              <a:shade val="50000"/>
+            </a:schemeClr>
+          </a:lnRef>
+          <a:fillRef idx="1">
+            <a:schemeClr val="accent1"/>
+          </a:fillRef>
+          <a:effectRef idx="0">
+            <a:schemeClr val="accent1"/>
+          </a:effectRef>
+          <a:fontRef idx="minor">
+            <a:schemeClr val="lt1"/>
+          </a:fontRef>
+        </p:style>
+        <p:txBody>
+          <a:bodyPr rtlCol="0" anchor="ctr"/>
+          <a:lstStyle/>
+          <a:p>
+            <a:pPr algn="ctr"/>
+            <a:endParaRPr lang="en-US"/>
+          </a:p>
+        </p:txBody>
+      </p:sp>
+      <p:cxnSp>
+        <p:nvCxnSpPr>
+          <p:cNvPr id="23" name="Connector: Elbow 22">
+            <a:extLst>
+              <a:ext uri="{FF2B5EF4-FFF2-40B4-BE49-F238E27FC236}">
+                <a16:creationId xmlns:a16="http://schemas.microsoft.com/office/drawing/2014/main" id="{7CB929F5-332A-4431-938D-6B252564FE0B}"/>
+              </a:ext>
+            </a:extLst>
+          </p:cNvPr>
+          <p:cNvCxnSpPr>
+            <a:stCxn id="21" idx="2"/>
+            <a:endCxn id="7" idx="0"/>
+          </p:cNvCxnSpPr>
+          <p:nvPr/>
+        </p:nvCxnSpPr>
+        <p:spPr>
+          <a:xfrm rot="5400000">
+            <a:off x="7608455" y="2738580"/>
+            <a:ext cx="184724" cy="1565564"/>
+          </a:xfrm>
+          <a:prstGeom prst="bentConnector3">
+            <a:avLst/>
+          </a:prstGeom>
+          <a:ln>
+            <a:tailEnd type="triangle"/>
+          </a:ln>
+        </p:spPr>
+        <p:style>
+          <a:lnRef idx="1">
+            <a:schemeClr val="accent4"/>
+          </a:lnRef>
+          <a:fillRef idx="0">
+            <a:schemeClr val="accent4"/>
+          </a:fillRef>
+          <a:effectRef idx="0">
+            <a:schemeClr val="accent4"/>
+          </a:effectRef>
+          <a:fontRef idx="minor">
+            <a:schemeClr val="tx1"/>
+          </a:fontRef>
+        </p:style>
+      </p:cxnSp>
+      <p:sp>
+        <p:nvSpPr>
+          <p:cNvPr id="24" name="Rectangle 23">
+            <a:extLst>
+              <a:ext uri="{FF2B5EF4-FFF2-40B4-BE49-F238E27FC236}">
+                <a16:creationId xmlns:a16="http://schemas.microsoft.com/office/drawing/2014/main" id="{00E80783-1F12-4083-ABFF-8EA96460B134}"/>
+              </a:ext>
+            </a:extLst>
+          </p:cNvPr>
+          <p:cNvSpPr/>
+          <p:nvPr/>
+        </p:nvSpPr>
+        <p:spPr>
+          <a:xfrm>
+            <a:off x="8275782" y="3195782"/>
+            <a:ext cx="452582" cy="325582"/>
+          </a:xfrm>
+          <a:prstGeom prst="rect">
+            <a:avLst/>
+          </a:prstGeom>
+        </p:spPr>
+        <p:style>
+          <a:lnRef idx="2">
+            <a:schemeClr val="accent4">
+              <a:shade val="50000"/>
+            </a:schemeClr>
+          </a:lnRef>
+          <a:fillRef idx="1">
+            <a:schemeClr val="accent4"/>
+          </a:fillRef>
+          <a:effectRef idx="0">
+            <a:schemeClr val="accent4"/>
+          </a:effectRef>
+          <a:fontRef idx="minor">
+            <a:schemeClr val="lt1"/>
+          </a:fontRef>
+        </p:style>
+        <p:txBody>
+          <a:bodyPr rtlCol="0" anchor="ctr"/>
+          <a:lstStyle/>
+          <a:p>
+            <a:pPr algn="ctr"/>
+            <a:endParaRPr lang="en-US"/>
+          </a:p>
+        </p:txBody>
+      </p:sp>
+      <p:sp>
+        <p:nvSpPr>
+          <p:cNvPr id="25" name="Rectangle 24">
+            <a:extLst>
+              <a:ext uri="{FF2B5EF4-FFF2-40B4-BE49-F238E27FC236}">
+                <a16:creationId xmlns:a16="http://schemas.microsoft.com/office/drawing/2014/main" id="{2F135254-1F11-4107-95D5-363DCDAA1975}"/>
+              </a:ext>
+            </a:extLst>
+          </p:cNvPr>
+          <p:cNvSpPr/>
+          <p:nvPr/>
+        </p:nvSpPr>
+        <p:spPr>
+          <a:xfrm>
+            <a:off x="3214255" y="3377045"/>
+            <a:ext cx="471050" cy="236679"/>
+          </a:xfrm>
+          <a:prstGeom prst="rect">
+            <a:avLst/>
+          </a:prstGeom>
+        </p:spPr>
+        <p:style>
+          <a:lnRef idx="2">
+            <a:schemeClr val="accent4">
+              <a:shade val="50000"/>
+            </a:schemeClr>
+          </a:lnRef>
+          <a:fillRef idx="1">
+            <a:schemeClr val="accent4"/>
+          </a:fillRef>
+          <a:effectRef idx="0">
+            <a:schemeClr val="accent4"/>
+          </a:effectRef>
+          <a:fontRef idx="minor">
+            <a:schemeClr val="lt1"/>
+          </a:fontRef>
+        </p:style>
+        <p:txBody>
+          <a:bodyPr rtlCol="0" anchor="ctr"/>
+          <a:lstStyle/>
+          <a:p>
+            <a:pPr algn="ctr"/>
+            <a:endParaRPr lang="en-US"/>
+          </a:p>
+        </p:txBody>
+      </p:sp>
+      <p:sp>
+        <p:nvSpPr>
+          <p:cNvPr id="28" name="Rectangle 27">
+            <a:extLst>
+              <a:ext uri="{FF2B5EF4-FFF2-40B4-BE49-F238E27FC236}">
+                <a16:creationId xmlns:a16="http://schemas.microsoft.com/office/drawing/2014/main" id="{4DA20356-3F50-42DE-8C6C-28DFF43FD2AB}"/>
+              </a:ext>
+            </a:extLst>
+          </p:cNvPr>
+          <p:cNvSpPr/>
+          <p:nvPr/>
+        </p:nvSpPr>
+        <p:spPr>
+          <a:xfrm>
+            <a:off x="392547" y="5158509"/>
+            <a:ext cx="4202544" cy="1283854"/>
+          </a:xfrm>
+          <a:prstGeom prst="rect">
+            <a:avLst/>
+          </a:prstGeom>
+        </p:spPr>
+        <p:style>
+          <a:lnRef idx="2">
+            <a:schemeClr val="accent1">
+              <a:shade val="50000"/>
+            </a:schemeClr>
+          </a:lnRef>
+          <a:fillRef idx="1">
+            <a:schemeClr val="accent1"/>
+          </a:fillRef>
+          <a:effectRef idx="0">
+            <a:schemeClr val="accent1"/>
+          </a:effectRef>
+          <a:fontRef idx="minor">
+            <a:schemeClr val="lt1"/>
+          </a:fontRef>
+        </p:style>
+        <p:txBody>
+          <a:bodyPr rtlCol="0" anchor="ctr"/>
+          <a:lstStyle/>
+          <a:p>
+            <a:pPr algn="ctr"/>
+            <a:endParaRPr lang="en-US"/>
+          </a:p>
+        </p:txBody>
+      </p:sp>
+      <p:sp>
+        <p:nvSpPr>
+          <p:cNvPr id="29" name="Rectangle 28">
+            <a:extLst>
+              <a:ext uri="{FF2B5EF4-FFF2-40B4-BE49-F238E27FC236}">
+                <a16:creationId xmlns:a16="http://schemas.microsoft.com/office/drawing/2014/main" id="{6E5201A6-8EBF-4003-9814-41F32F92AAC9}"/>
+              </a:ext>
+            </a:extLst>
+          </p:cNvPr>
+          <p:cNvSpPr/>
+          <p:nvPr/>
+        </p:nvSpPr>
+        <p:spPr>
+          <a:xfrm>
+            <a:off x="5176982" y="5105402"/>
+            <a:ext cx="4202544" cy="1283854"/>
+          </a:xfrm>
+          <a:prstGeom prst="rect">
+            <a:avLst/>
+          </a:prstGeom>
+        </p:spPr>
+        <p:style>
+          <a:lnRef idx="2">
+            <a:schemeClr val="accent1">
+              <a:shade val="50000"/>
+            </a:schemeClr>
+          </a:lnRef>
+          <a:fillRef idx="1">
+            <a:schemeClr val="accent1"/>
+          </a:fillRef>
+          <a:effectRef idx="0">
+            <a:schemeClr val="accent1"/>
+          </a:effectRef>
+          <a:fontRef idx="minor">
+            <a:schemeClr val="lt1"/>
+          </a:fontRef>
+        </p:style>
+        <p:txBody>
+          <a:bodyPr rtlCol="0" anchor="ctr"/>
+          <a:lstStyle/>
+          <a:p>
+            <a:pPr algn="ctr"/>
+            <a:endParaRPr lang="en-US"/>
+          </a:p>
+        </p:txBody>
+      </p:sp>
+      <p:sp>
+        <p:nvSpPr>
+          <p:cNvPr id="30" name="Rectangle 29">
+            <a:extLst>
+              <a:ext uri="{FF2B5EF4-FFF2-40B4-BE49-F238E27FC236}">
+                <a16:creationId xmlns:a16="http://schemas.microsoft.com/office/drawing/2014/main" id="{41AE9603-EDDB-4F03-BA4C-F8F86F30CD99}"/>
+              </a:ext>
+            </a:extLst>
+          </p:cNvPr>
+          <p:cNvSpPr/>
+          <p:nvPr/>
+        </p:nvSpPr>
+        <p:spPr>
+          <a:xfrm>
+            <a:off x="9596581" y="5105402"/>
+            <a:ext cx="2309089" cy="1283854"/>
+          </a:xfrm>
+          <a:prstGeom prst="rect">
+            <a:avLst/>
+          </a:prstGeom>
+        </p:spPr>
+        <p:style>
+          <a:lnRef idx="2">
+            <a:schemeClr val="accent1">
+              <a:shade val="50000"/>
+            </a:schemeClr>
+          </a:lnRef>
+          <a:fillRef idx="1">
+            <a:schemeClr val="accent1"/>
+          </a:fillRef>
+          <a:effectRef idx="0">
+            <a:schemeClr val="accent1"/>
+          </a:effectRef>
+          <a:fontRef idx="minor">
+            <a:schemeClr val="lt1"/>
+          </a:fontRef>
+        </p:style>
+        <p:txBody>
+          <a:bodyPr rtlCol="0" anchor="ctr"/>
+          <a:lstStyle/>
+          <a:p>
+            <a:pPr algn="ctr"/>
+            <a:endParaRPr lang="en-US"/>
+          </a:p>
+        </p:txBody>
+      </p:sp>
+      <p:cxnSp>
+        <p:nvCxnSpPr>
+          <p:cNvPr id="33" name="Straight Arrow Connector 32">
+            <a:extLst>
+              <a:ext uri="{FF2B5EF4-FFF2-40B4-BE49-F238E27FC236}">
+                <a16:creationId xmlns:a16="http://schemas.microsoft.com/office/drawing/2014/main" id="{D243291F-E6A3-41E2-B6C3-51638E7901B1}"/>
+              </a:ext>
+            </a:extLst>
+          </p:cNvPr>
+          <p:cNvCxnSpPr>
+            <a:endCxn id="10" idx="0"/>
+          </p:cNvCxnSpPr>
+          <p:nvPr/>
+        </p:nvCxnSpPr>
+        <p:spPr>
+          <a:xfrm>
+            <a:off x="5832763" y="212436"/>
+            <a:ext cx="46183" cy="563419"/>
+          </a:xfrm>
+          <a:prstGeom prst="straightConnector1">
+            <a:avLst/>
+          </a:prstGeom>
+          <a:ln>
+            <a:tailEnd type="triangle"/>
+          </a:ln>
+        </p:spPr>
+        <p:style>
+          <a:lnRef idx="1">
+            <a:schemeClr val="accent1"/>
+          </a:lnRef>
+          <a:fillRef idx="0">
+            <a:schemeClr val="accent1"/>
+          </a:fillRef>
+          <a:effectRef idx="0">
+            <a:schemeClr val="accent1"/>
+          </a:effectRef>
+          <a:fontRef idx="minor">
+            <a:schemeClr val="tx1"/>
+          </a:fontRef>
+        </p:style>
+      </p:cxnSp>
+    </p:spTree>
+    <p:extLst>
+      <p:ext uri="{BB962C8B-B14F-4D97-AF65-F5344CB8AC3E}">
+        <p14:creationId xmlns:p14="http://schemas.microsoft.com/office/powerpoint/2010/main" val="2277288603"/>
+      </p:ext>
+    </p:extLst>
+  </p:cSld>
+  <p:clrMapOvr>
+    <a:masterClrMapping/>
+  </p:clrMapOvr>
+</p:sld>
+</file>
+
+<file path=ppt/slides/slide28.xml><?xml version="1.0" encoding="utf-8"?>
+<p:sld xmlns:a="http://schemas.openxmlformats.org/drawingml/2006/main" xmlns:r="http://schemas.openxmlformats.org/officeDocument/2006/relationships" xmlns:p="http://schemas.openxmlformats.org/presentationml/2006/main">
+  <p:cSld>
+    <p:spTree>
+      <p:nvGrpSpPr>
+        <p:cNvPr id="1" name=""/>
+        <p:cNvGrpSpPr/>
+        <p:nvPr/>
+      </p:nvGrpSpPr>
+      <p:grpSpPr>
+        <a:xfrm>
+          <a:off x="0" y="0"/>
+          <a:ext cx="0" cy="0"/>
+          <a:chOff x="0" y="0"/>
+          <a:chExt cx="0" cy="0"/>
+        </a:xfrm>
+      </p:grpSpPr>
+      <p:sp>
+        <p:nvSpPr>
+          <p:cNvPr id="4" name="TextBox 3">
+            <a:extLst>
+              <a:ext uri="{FF2B5EF4-FFF2-40B4-BE49-F238E27FC236}">
+                <a16:creationId xmlns:a16="http://schemas.microsoft.com/office/drawing/2014/main" id="{013C82A8-52CF-49ED-871D-2E1771A308C6}"/>
+              </a:ext>
+            </a:extLst>
+          </p:cNvPr>
+          <p:cNvSpPr txBox="1"/>
+          <p:nvPr/>
+        </p:nvSpPr>
+        <p:spPr>
+          <a:xfrm>
+            <a:off x="600364" y="258618"/>
+            <a:ext cx="4775200" cy="2862322"/>
+          </a:xfrm>
+          <a:prstGeom prst="rect">
+            <a:avLst/>
+          </a:prstGeom>
+          <a:noFill/>
+        </p:spPr>
+        <p:txBody>
+          <a:bodyPr wrap="square" rtlCol="0">
+            <a:spAutoFit/>
+          </a:bodyPr>
+          <a:lstStyle/>
+          <a:p>
+            <a:pPr marL="342900" indent="-342900">
+              <a:buFont typeface="+mj-lt"/>
+              <a:buAutoNum type="arabicPeriod"/>
+            </a:pPr>
+            <a:r>
+              <a:rPr lang="en-IN" dirty="0"/>
+              <a:t>Logs </a:t>
+            </a:r>
+          </a:p>
+          <a:p>
+            <a:pPr marL="342900" indent="-342900">
+              <a:buFont typeface="+mj-lt"/>
+              <a:buAutoNum type="arabicPeriod"/>
+            </a:pPr>
+            <a:r>
+              <a:rPr lang="en-IN" dirty="0"/>
+              <a:t>Events (Schedulers) </a:t>
+            </a:r>
+          </a:p>
+          <a:p>
+            <a:pPr marL="342900" indent="-342900">
+              <a:buFont typeface="+mj-lt"/>
+              <a:buAutoNum type="arabicPeriod"/>
+            </a:pPr>
+            <a:r>
+              <a:rPr lang="en-IN" dirty="0"/>
+              <a:t>Dashboard </a:t>
+            </a:r>
+          </a:p>
+          <a:p>
+            <a:pPr marL="342900" indent="-342900">
+              <a:buFont typeface="+mj-lt"/>
+              <a:buAutoNum type="arabicPeriod"/>
+            </a:pPr>
+            <a:r>
+              <a:rPr lang="en-IN" dirty="0"/>
+              <a:t>Alarms </a:t>
+            </a:r>
+          </a:p>
+          <a:p>
+            <a:pPr marL="342900" indent="-342900">
+              <a:buFont typeface="+mj-lt"/>
+              <a:buAutoNum type="arabicPeriod"/>
+            </a:pPr>
+            <a:r>
+              <a:rPr lang="en-IN" dirty="0"/>
+              <a:t>Monitoring  </a:t>
+            </a:r>
+          </a:p>
+          <a:p>
+            <a:pPr marL="800100" lvl="1" indent="-342900">
+              <a:buFont typeface="+mj-lt"/>
+              <a:buAutoNum type="arabicPeriod"/>
+            </a:pPr>
+            <a:endParaRPr lang="en-IN" dirty="0"/>
+          </a:p>
+          <a:p>
+            <a:pPr marL="342900" indent="-342900">
+              <a:buFont typeface="+mj-lt"/>
+              <a:buAutoNum type="arabicPeriod"/>
+            </a:pPr>
+            <a:r>
+              <a:rPr lang="en-IN" dirty="0"/>
+              <a:t>Metrics </a:t>
+            </a:r>
+          </a:p>
+          <a:p>
+            <a:pPr marL="800100" lvl="1" indent="-342900">
+              <a:buFont typeface="+mj-lt"/>
+              <a:buAutoNum type="arabicPeriod"/>
+            </a:pPr>
+            <a:r>
+              <a:rPr lang="en-IN" dirty="0"/>
+              <a:t>Data Point related to service </a:t>
+            </a:r>
+          </a:p>
+          <a:p>
+            <a:pPr marL="342900" indent="-342900">
+              <a:buFont typeface="+mj-lt"/>
+              <a:buAutoNum type="arabicPeriod"/>
+            </a:pPr>
+            <a:r>
+              <a:rPr lang="en-IN" dirty="0"/>
+              <a:t>Billing Monitoring </a:t>
+            </a:r>
+          </a:p>
+          <a:p>
+            <a:endParaRPr lang="en-US" dirty="0"/>
+          </a:p>
+        </p:txBody>
+      </p:sp>
+    </p:spTree>
+    <p:extLst>
+      <p:ext uri="{BB962C8B-B14F-4D97-AF65-F5344CB8AC3E}">
+        <p14:creationId xmlns:p14="http://schemas.microsoft.com/office/powerpoint/2010/main" val="2916057744"/>
+      </p:ext>
+    </p:extLst>
+  </p:cSld>
+  <p:clrMapOvr>
+    <a:masterClrMapping/>
+  </p:clrMapOvr>
+</p:sld>
+</file>
+
+<file path=ppt/slides/slide29.xml><?xml version="1.0" encoding="utf-8"?>
+<p:sld xmlns:a="http://schemas.openxmlformats.org/drawingml/2006/main" xmlns:r="http://schemas.openxmlformats.org/officeDocument/2006/relationships" xmlns:p="http://schemas.openxmlformats.org/presentationml/2006/main">
+  <p:cSld>
+    <p:spTree>
+      <p:nvGrpSpPr>
+        <p:cNvPr id="1" name=""/>
+        <p:cNvGrpSpPr/>
+        <p:nvPr/>
+      </p:nvGrpSpPr>
+      <p:grpSpPr>
+        <a:xfrm>
+          <a:off x="0" y="0"/>
+          <a:ext cx="0" cy="0"/>
+          <a:chOff x="0" y="0"/>
+          <a:chExt cx="0" cy="0"/>
+        </a:xfrm>
+      </p:grpSpPr>
+      <p:sp>
+        <p:nvSpPr>
+          <p:cNvPr id="4" name="Rectangle 3">
+            <a:extLst>
+              <a:ext uri="{FF2B5EF4-FFF2-40B4-BE49-F238E27FC236}">
+                <a16:creationId xmlns:a16="http://schemas.microsoft.com/office/drawing/2014/main" id="{C1FD4873-56DB-4153-9CDC-6F2DA1B6C492}"/>
+              </a:ext>
+            </a:extLst>
+          </p:cNvPr>
+          <p:cNvSpPr/>
+          <p:nvPr/>
+        </p:nvSpPr>
+        <p:spPr>
+          <a:xfrm>
+            <a:off x="8285018" y="637309"/>
+            <a:ext cx="3241964" cy="951346"/>
+          </a:xfrm>
+          <a:prstGeom prst="rect">
+            <a:avLst/>
+          </a:prstGeom>
+        </p:spPr>
+        <p:style>
+          <a:lnRef idx="2">
+            <a:schemeClr val="accent1">
+              <a:shade val="50000"/>
+            </a:schemeClr>
+          </a:lnRef>
+          <a:fillRef idx="1">
+            <a:schemeClr val="accent1"/>
+          </a:fillRef>
+          <a:effectRef idx="0">
+            <a:schemeClr val="accent1"/>
+          </a:effectRef>
+          <a:fontRef idx="minor">
+            <a:schemeClr val="lt1"/>
+          </a:fontRef>
+        </p:style>
+        <p:txBody>
+          <a:bodyPr rtlCol="0" anchor="ctr"/>
+          <a:lstStyle/>
+          <a:p>
+            <a:pPr algn="ctr"/>
+            <a:r>
+              <a:rPr lang="en-IN" dirty="0"/>
+              <a:t>Cloud Watch Logs</a:t>
+            </a:r>
+            <a:endParaRPr lang="en-US" dirty="0"/>
+          </a:p>
+        </p:txBody>
+      </p:sp>
+      <p:sp>
+        <p:nvSpPr>
+          <p:cNvPr id="5" name="Rectangle 4">
+            <a:extLst>
+              <a:ext uri="{FF2B5EF4-FFF2-40B4-BE49-F238E27FC236}">
+                <a16:creationId xmlns:a16="http://schemas.microsoft.com/office/drawing/2014/main" id="{4A05630F-E045-4309-9A04-A13E90BA0153}"/>
+              </a:ext>
+            </a:extLst>
+          </p:cNvPr>
+          <p:cNvSpPr/>
+          <p:nvPr/>
+        </p:nvSpPr>
+        <p:spPr>
+          <a:xfrm>
+            <a:off x="8285018" y="1773382"/>
+            <a:ext cx="3241964" cy="951346"/>
+          </a:xfrm>
+          <a:prstGeom prst="rect">
+            <a:avLst/>
+          </a:prstGeom>
+        </p:spPr>
+        <p:style>
+          <a:lnRef idx="2">
+            <a:schemeClr val="accent1">
+              <a:shade val="50000"/>
+            </a:schemeClr>
+          </a:lnRef>
+          <a:fillRef idx="1">
+            <a:schemeClr val="accent1"/>
+          </a:fillRef>
+          <a:effectRef idx="0">
+            <a:schemeClr val="accent1"/>
+          </a:effectRef>
+          <a:fontRef idx="minor">
+            <a:schemeClr val="lt1"/>
+          </a:fontRef>
+        </p:style>
+        <p:txBody>
+          <a:bodyPr rtlCol="0" anchor="ctr"/>
+          <a:lstStyle/>
+          <a:p>
+            <a:pPr algn="ctr"/>
+            <a:r>
+              <a:rPr lang="en-IN" dirty="0"/>
+              <a:t>Cloud Watch Metrics</a:t>
+            </a:r>
+            <a:endParaRPr lang="en-US" dirty="0"/>
+          </a:p>
+        </p:txBody>
+      </p:sp>
+      <p:sp>
+        <p:nvSpPr>
+          <p:cNvPr id="6" name="Rectangle 5">
+            <a:extLst>
+              <a:ext uri="{FF2B5EF4-FFF2-40B4-BE49-F238E27FC236}">
+                <a16:creationId xmlns:a16="http://schemas.microsoft.com/office/drawing/2014/main" id="{42A3B354-21DB-41C8-82CA-22D01391ABD9}"/>
+              </a:ext>
+            </a:extLst>
+          </p:cNvPr>
+          <p:cNvSpPr/>
+          <p:nvPr/>
+        </p:nvSpPr>
+        <p:spPr>
+          <a:xfrm>
+            <a:off x="8285018" y="2953327"/>
+            <a:ext cx="3241964" cy="951346"/>
+          </a:xfrm>
+          <a:prstGeom prst="rect">
+            <a:avLst/>
+          </a:prstGeom>
+        </p:spPr>
+        <p:style>
+          <a:lnRef idx="2">
+            <a:schemeClr val="accent1">
+              <a:shade val="50000"/>
+            </a:schemeClr>
+          </a:lnRef>
+          <a:fillRef idx="1">
+            <a:schemeClr val="accent1"/>
+          </a:fillRef>
+          <a:effectRef idx="0">
+            <a:schemeClr val="accent1"/>
+          </a:effectRef>
+          <a:fontRef idx="minor">
+            <a:schemeClr val="lt1"/>
+          </a:fontRef>
+        </p:style>
+        <p:txBody>
+          <a:bodyPr rtlCol="0" anchor="ctr"/>
+          <a:lstStyle/>
+          <a:p>
+            <a:pPr algn="ctr"/>
+            <a:r>
+              <a:rPr lang="en-IN" dirty="0"/>
+              <a:t>Cloud Watch Events</a:t>
+            </a:r>
+            <a:endParaRPr lang="en-US" dirty="0"/>
+          </a:p>
+        </p:txBody>
+      </p:sp>
+      <p:sp>
+        <p:nvSpPr>
+          <p:cNvPr id="7" name="Rectangle 6">
+            <a:extLst>
+              <a:ext uri="{FF2B5EF4-FFF2-40B4-BE49-F238E27FC236}">
+                <a16:creationId xmlns:a16="http://schemas.microsoft.com/office/drawing/2014/main" id="{93737775-1399-4241-AECD-0D65CBE43BDE}"/>
+              </a:ext>
+            </a:extLst>
+          </p:cNvPr>
+          <p:cNvSpPr/>
+          <p:nvPr/>
+        </p:nvSpPr>
+        <p:spPr>
+          <a:xfrm>
+            <a:off x="8285018" y="4133272"/>
+            <a:ext cx="3241964" cy="951346"/>
+          </a:xfrm>
+          <a:prstGeom prst="rect">
+            <a:avLst/>
+          </a:prstGeom>
+        </p:spPr>
+        <p:style>
+          <a:lnRef idx="2">
+            <a:schemeClr val="accent1">
+              <a:shade val="50000"/>
+            </a:schemeClr>
+          </a:lnRef>
+          <a:fillRef idx="1">
+            <a:schemeClr val="accent1"/>
+          </a:fillRef>
+          <a:effectRef idx="0">
+            <a:schemeClr val="accent1"/>
+          </a:effectRef>
+          <a:fontRef idx="minor">
+            <a:schemeClr val="lt1"/>
+          </a:fontRef>
+        </p:style>
+        <p:txBody>
+          <a:bodyPr rtlCol="0" anchor="ctr"/>
+          <a:lstStyle/>
+          <a:p>
+            <a:pPr algn="ctr"/>
+            <a:r>
+              <a:rPr lang="en-IN" dirty="0"/>
+              <a:t>Cloud Watch Dashboard</a:t>
+            </a:r>
+            <a:endParaRPr lang="en-US" dirty="0"/>
+          </a:p>
+        </p:txBody>
+      </p:sp>
+      <p:sp>
+        <p:nvSpPr>
+          <p:cNvPr id="8" name="Rectangle 7">
+            <a:extLst>
+              <a:ext uri="{FF2B5EF4-FFF2-40B4-BE49-F238E27FC236}">
+                <a16:creationId xmlns:a16="http://schemas.microsoft.com/office/drawing/2014/main" id="{F20AA3EB-C203-4EA2-A120-9342ADD9DF97}"/>
+              </a:ext>
+            </a:extLst>
+          </p:cNvPr>
+          <p:cNvSpPr/>
+          <p:nvPr/>
+        </p:nvSpPr>
+        <p:spPr>
+          <a:xfrm>
+            <a:off x="8285018" y="5313217"/>
+            <a:ext cx="3241964" cy="951346"/>
+          </a:xfrm>
+          <a:prstGeom prst="rect">
+            <a:avLst/>
+          </a:prstGeom>
+        </p:spPr>
+        <p:style>
+          <a:lnRef idx="2">
+            <a:schemeClr val="accent1">
+              <a:shade val="50000"/>
+            </a:schemeClr>
+          </a:lnRef>
+          <a:fillRef idx="1">
+            <a:schemeClr val="accent1"/>
+          </a:fillRef>
+          <a:effectRef idx="0">
+            <a:schemeClr val="accent1"/>
+          </a:effectRef>
+          <a:fontRef idx="minor">
+            <a:schemeClr val="lt1"/>
+          </a:fontRef>
+        </p:style>
+        <p:txBody>
+          <a:bodyPr rtlCol="0" anchor="ctr"/>
+          <a:lstStyle/>
+          <a:p>
+            <a:pPr algn="ctr"/>
+            <a:r>
+              <a:rPr lang="en-IN" dirty="0"/>
+              <a:t>Cloud Watch Alarms/</a:t>
+            </a:r>
+            <a:r>
+              <a:rPr lang="en-IN" dirty="0" err="1"/>
+              <a:t>Othrs</a:t>
+            </a:r>
+            <a:endParaRPr lang="en-US" dirty="0"/>
+          </a:p>
+        </p:txBody>
+      </p:sp>
+      <p:cxnSp>
+        <p:nvCxnSpPr>
+          <p:cNvPr id="10" name="Connector: Elbow 9">
+            <a:extLst>
+              <a:ext uri="{FF2B5EF4-FFF2-40B4-BE49-F238E27FC236}">
+                <a16:creationId xmlns:a16="http://schemas.microsoft.com/office/drawing/2014/main" id="{6CAD07D7-BADE-43F7-A7AA-0DA184256388}"/>
+              </a:ext>
+            </a:extLst>
+          </p:cNvPr>
+          <p:cNvCxnSpPr>
+            <a:cxnSpLocks/>
+            <a:endCxn id="4" idx="1"/>
+          </p:cNvCxnSpPr>
+          <p:nvPr/>
+        </p:nvCxnSpPr>
+        <p:spPr>
+          <a:xfrm flipV="1">
+            <a:off x="5911273" y="1112982"/>
+            <a:ext cx="2373745" cy="1260763"/>
+          </a:xfrm>
+          <a:prstGeom prst="bentConnector3">
+            <a:avLst/>
+          </a:prstGeom>
+          <a:ln>
+            <a:tailEnd type="triangle"/>
+          </a:ln>
+        </p:spPr>
+        <p:style>
+          <a:lnRef idx="1">
+            <a:schemeClr val="accent1"/>
+          </a:lnRef>
+          <a:fillRef idx="0">
+            <a:schemeClr val="accent1"/>
+          </a:fillRef>
+          <a:effectRef idx="0">
+            <a:schemeClr val="accent1"/>
+          </a:effectRef>
+          <a:fontRef idx="minor">
+            <a:schemeClr val="tx1"/>
+          </a:fontRef>
+        </p:style>
+      </p:cxnSp>
+      <p:sp>
+        <p:nvSpPr>
+          <p:cNvPr id="11" name="Rectangle 10">
+            <a:extLst>
+              <a:ext uri="{FF2B5EF4-FFF2-40B4-BE49-F238E27FC236}">
+                <a16:creationId xmlns:a16="http://schemas.microsoft.com/office/drawing/2014/main" id="{4AC6DF23-47B5-42C2-B7D3-75062CFFC28F}"/>
+              </a:ext>
+            </a:extLst>
+          </p:cNvPr>
+          <p:cNvSpPr/>
+          <p:nvPr/>
+        </p:nvSpPr>
+        <p:spPr>
+          <a:xfrm>
+            <a:off x="5089236" y="1773382"/>
+            <a:ext cx="923637" cy="1376218"/>
+          </a:xfrm>
+          <a:prstGeom prst="rect">
+            <a:avLst/>
+          </a:prstGeom>
+        </p:spPr>
+        <p:style>
+          <a:lnRef idx="2">
+            <a:schemeClr val="accent1">
+              <a:shade val="50000"/>
+            </a:schemeClr>
+          </a:lnRef>
+          <a:fillRef idx="1">
+            <a:schemeClr val="accent1"/>
+          </a:fillRef>
+          <a:effectRef idx="0">
+            <a:schemeClr val="accent1"/>
+          </a:effectRef>
+          <a:fontRef idx="minor">
+            <a:schemeClr val="lt1"/>
+          </a:fontRef>
+        </p:style>
+        <p:txBody>
+          <a:bodyPr rtlCol="0" anchor="ctr"/>
+          <a:lstStyle/>
+          <a:p>
+            <a:pPr algn="ctr"/>
+            <a:endParaRPr lang="en-US"/>
+          </a:p>
+        </p:txBody>
+      </p:sp>
+    </p:spTree>
+    <p:extLst>
+      <p:ext uri="{BB962C8B-B14F-4D97-AF65-F5344CB8AC3E}">
+        <p14:creationId xmlns:p14="http://schemas.microsoft.com/office/powerpoint/2010/main" val="2760835458"/>
       </p:ext>
     </p:extLst>
   </p:cSld>
@@ -9540,6 +18291,97 @@
     <p:extLst>
       <p:ext uri="{BB962C8B-B14F-4D97-AF65-F5344CB8AC3E}">
         <p14:creationId xmlns:p14="http://schemas.microsoft.com/office/powerpoint/2010/main" val="3000886010"/>
+      </p:ext>
+    </p:extLst>
+  </p:cSld>
+  <p:clrMapOvr>
+    <a:masterClrMapping/>
+  </p:clrMapOvr>
+</p:sld>
+</file>
+
+<file path=ppt/slides/slide30.xml><?xml version="1.0" encoding="utf-8"?>
+<p:sld xmlns:a="http://schemas.openxmlformats.org/drawingml/2006/main" xmlns:r="http://schemas.openxmlformats.org/officeDocument/2006/relationships" xmlns:p="http://schemas.openxmlformats.org/presentationml/2006/main">
+  <p:cSld>
+    <p:spTree>
+      <p:nvGrpSpPr>
+        <p:cNvPr id="1" name=""/>
+        <p:cNvGrpSpPr/>
+        <p:nvPr/>
+      </p:nvGrpSpPr>
+      <p:grpSpPr>
+        <a:xfrm>
+          <a:off x="0" y="0"/>
+          <a:ext cx="0" cy="0"/>
+          <a:chOff x="0" y="0"/>
+          <a:chExt cx="0" cy="0"/>
+        </a:xfrm>
+      </p:grpSpPr>
+      <p:sp>
+        <p:nvSpPr>
+          <p:cNvPr id="4" name="Rectangle 3">
+            <a:extLst>
+              <a:ext uri="{FF2B5EF4-FFF2-40B4-BE49-F238E27FC236}">
+                <a16:creationId xmlns:a16="http://schemas.microsoft.com/office/drawing/2014/main" id="{752539C5-1623-490E-853A-8F7A045ACE1F}"/>
+              </a:ext>
+            </a:extLst>
+          </p:cNvPr>
+          <p:cNvSpPr/>
+          <p:nvPr/>
+        </p:nvSpPr>
+        <p:spPr>
+          <a:xfrm>
+            <a:off x="2540000" y="2678545"/>
+            <a:ext cx="6687127" cy="1747982"/>
+          </a:xfrm>
+          <a:prstGeom prst="rect">
+            <a:avLst/>
+          </a:prstGeom>
+        </p:spPr>
+        <p:style>
+          <a:lnRef idx="2">
+            <a:schemeClr val="accent1">
+              <a:shade val="50000"/>
+            </a:schemeClr>
+          </a:lnRef>
+          <a:fillRef idx="1">
+            <a:schemeClr val="accent1"/>
+          </a:fillRef>
+          <a:effectRef idx="0">
+            <a:schemeClr val="accent1"/>
+          </a:effectRef>
+          <a:fontRef idx="minor">
+            <a:schemeClr val="lt1"/>
+          </a:fontRef>
+        </p:style>
+        <p:txBody>
+          <a:bodyPr rtlCol="0" anchor="ctr"/>
+          <a:lstStyle/>
+          <a:p>
+            <a:pPr algn="ctr"/>
+            <a:r>
+              <a:rPr lang="en-IN" dirty="0"/>
+              <a:t>Single Cloud </a:t>
+            </a:r>
+          </a:p>
+          <a:p>
+            <a:pPr algn="ctr"/>
+            <a:r>
+              <a:rPr lang="en-IN" dirty="0" err="1"/>
+              <a:t>Mulitple</a:t>
+            </a:r>
+            <a:r>
+              <a:rPr lang="en-IN" dirty="0"/>
+              <a:t> API</a:t>
+            </a:r>
+            <a:endParaRPr lang="en-US" dirty="0"/>
+          </a:p>
+        </p:txBody>
+      </p:sp>
+    </p:spTree>
+    <p:extLst>
+      <p:ext uri="{BB962C8B-B14F-4D97-AF65-F5344CB8AC3E}">
+        <p14:creationId xmlns:p14="http://schemas.microsoft.com/office/powerpoint/2010/main" val="1249515143"/>
       </p:ext>
     </p:extLst>
   </p:cSld>
